--- a/discovering/Discovering Bitcoin's Public topology.pptx
+++ b/discovering/Discovering Bitcoin's Public topology.pptx
@@ -4,10 +4,18 @@
   <p:sldMasterIdLst>
     <p:sldMasterId id="2147483648" r:id="rId1"/>
   </p:sldMasterIdLst>
+  <p:notesMasterIdLst>
+    <p:notesMasterId r:id="rId10"/>
+  </p:notesMasterIdLst>
   <p:sldIdLst>
     <p:sldId id="256" r:id="rId2"/>
     <p:sldId id="258" r:id="rId3"/>
     <p:sldId id="257" r:id="rId4"/>
+    <p:sldId id="259" r:id="rId5"/>
+    <p:sldId id="260" r:id="rId6"/>
+    <p:sldId id="263" r:id="rId7"/>
+    <p:sldId id="262" r:id="rId8"/>
+    <p:sldId id="261" r:id="rId9"/>
   </p:sldIdLst>
   <p:sldSz cx="12192000" cy="6858000"/>
   <p:notesSz cx="6858000" cy="9144000"/>
@@ -106,7 +114,1249 @@
       </a:defRPr>
     </a:lvl9pPr>
   </p:defaultTextStyle>
+  <p:extLst>
+    <p:ext uri="{EFAFB233-063F-42B5-8137-9DF3F51BA10A}">
+      <p15:sldGuideLst xmlns:p15="http://schemas.microsoft.com/office/powerpoint/2012/main"/>
+    </p:ext>
+  </p:extLst>
 </p:presentation>
+</file>
+
+<file path=ppt/notesMasters/notesMaster1.xml><?xml version="1.0" encoding="utf-8"?>
+<p:notesMaster xmlns:a="http://schemas.openxmlformats.org/drawingml/2006/main" xmlns:r="http://schemas.openxmlformats.org/officeDocument/2006/relationships" xmlns:p="http://schemas.openxmlformats.org/presentationml/2006/main">
+  <p:cSld>
+    <p:bg>
+      <p:bgRef idx="1001">
+        <a:schemeClr val="bg1"/>
+      </p:bgRef>
+    </p:bg>
+    <p:spTree>
+      <p:nvGrpSpPr>
+        <p:cNvPr id="1" name=""/>
+        <p:cNvGrpSpPr/>
+        <p:nvPr/>
+      </p:nvGrpSpPr>
+      <p:grpSpPr>
+        <a:xfrm>
+          <a:off x="0" y="0"/>
+          <a:ext cx="0" cy="0"/>
+          <a:chOff x="0" y="0"/>
+          <a:chExt cx="0" cy="0"/>
+        </a:xfrm>
+      </p:grpSpPr>
+      <p:sp>
+        <p:nvSpPr>
+          <p:cNvPr id="2" name="머리글 개체 틀 1"/>
+          <p:cNvSpPr>
+            <a:spLocks noGrp="1"/>
+          </p:cNvSpPr>
+          <p:nvPr>
+            <p:ph type="hdr" sz="quarter"/>
+          </p:nvPr>
+        </p:nvSpPr>
+        <p:spPr>
+          <a:xfrm>
+            <a:off x="0" y="0"/>
+            <a:ext cx="2971800" cy="458788"/>
+          </a:xfrm>
+          <a:prstGeom prst="rect">
+            <a:avLst/>
+          </a:prstGeom>
+        </p:spPr>
+        <p:txBody>
+          <a:bodyPr vert="horz" lIns="91440" tIns="45720" rIns="91440" bIns="45720" rtlCol="0"/>
+          <a:lstStyle>
+            <a:lvl1pPr algn="l">
+              <a:defRPr sz="1200"/>
+            </a:lvl1pPr>
+          </a:lstStyle>
+          <a:p>
+            <a:endParaRPr kumimoji="1" lang="ko-KR" altLang="en-US"/>
+          </a:p>
+        </p:txBody>
+      </p:sp>
+      <p:sp>
+        <p:nvSpPr>
+          <p:cNvPr id="3" name="날짜 개체 틀 2"/>
+          <p:cNvSpPr>
+            <a:spLocks noGrp="1"/>
+          </p:cNvSpPr>
+          <p:nvPr>
+            <p:ph type="dt" idx="1"/>
+          </p:nvPr>
+        </p:nvSpPr>
+        <p:spPr>
+          <a:xfrm>
+            <a:off x="3884613" y="0"/>
+            <a:ext cx="2971800" cy="458788"/>
+          </a:xfrm>
+          <a:prstGeom prst="rect">
+            <a:avLst/>
+          </a:prstGeom>
+        </p:spPr>
+        <p:txBody>
+          <a:bodyPr vert="horz" lIns="91440" tIns="45720" rIns="91440" bIns="45720" rtlCol="0"/>
+          <a:lstStyle>
+            <a:lvl1pPr algn="r">
+              <a:defRPr sz="1200"/>
+            </a:lvl1pPr>
+          </a:lstStyle>
+          <a:p>
+            <a:fld id="{C30D154D-6F0F-A84E-8138-A9DAE6B971B3}" type="datetimeFigureOut">
+              <a:rPr kumimoji="1" lang="ko-KR" altLang="en-US" smtClean="0"/>
+              <a:t>2017. 12. 23.</a:t>
+            </a:fld>
+            <a:endParaRPr kumimoji="1" lang="ko-KR" altLang="en-US"/>
+          </a:p>
+        </p:txBody>
+      </p:sp>
+      <p:sp>
+        <p:nvSpPr>
+          <p:cNvPr id="4" name="슬라이드 이미지 개체 틀 3"/>
+          <p:cNvSpPr>
+            <a:spLocks noGrp="1" noRot="1" noChangeAspect="1"/>
+          </p:cNvSpPr>
+          <p:nvPr>
+            <p:ph type="sldImg" idx="2"/>
+          </p:nvPr>
+        </p:nvSpPr>
+        <p:spPr>
+          <a:xfrm>
+            <a:off x="685800" y="1143000"/>
+            <a:ext cx="5486400" cy="3086100"/>
+          </a:xfrm>
+          <a:prstGeom prst="rect">
+            <a:avLst/>
+          </a:prstGeom>
+          <a:noFill/>
+          <a:ln w="12700">
+            <a:solidFill>
+              <a:prstClr val="black"/>
+            </a:solidFill>
+          </a:ln>
+        </p:spPr>
+        <p:txBody>
+          <a:bodyPr vert="horz" lIns="91440" tIns="45720" rIns="91440" bIns="45720" rtlCol="0" anchor="ctr"/>
+          <a:lstStyle/>
+          <a:p>
+            <a:endParaRPr lang="ko-KR" altLang="en-US"/>
+          </a:p>
+        </p:txBody>
+      </p:sp>
+      <p:sp>
+        <p:nvSpPr>
+          <p:cNvPr id="5" name="슬라이드 노트 개체 틀 4"/>
+          <p:cNvSpPr>
+            <a:spLocks noGrp="1"/>
+          </p:cNvSpPr>
+          <p:nvPr>
+            <p:ph type="body" sz="quarter" idx="3"/>
+          </p:nvPr>
+        </p:nvSpPr>
+        <p:spPr>
+          <a:xfrm>
+            <a:off x="685800" y="4400550"/>
+            <a:ext cx="5486400" cy="3600450"/>
+          </a:xfrm>
+          <a:prstGeom prst="rect">
+            <a:avLst/>
+          </a:prstGeom>
+        </p:spPr>
+        <p:txBody>
+          <a:bodyPr vert="horz" lIns="91440" tIns="45720" rIns="91440" bIns="45720" rtlCol="0"/>
+          <a:lstStyle/>
+          <a:p>
+            <a:pPr lvl="0"/>
+            <a:r>
+              <a:rPr kumimoji="1" lang="ko-KR" altLang="en-US" smtClean="0"/>
+              <a:t>마스터 텍스트 스타일을 편집하려면 클릭</a:t>
+            </a:r>
+          </a:p>
+          <a:p>
+            <a:pPr lvl="1"/>
+            <a:r>
+              <a:rPr kumimoji="1" lang="ko-KR" altLang="en-US" smtClean="0"/>
+              <a:t>두 번째 수준</a:t>
+            </a:r>
+          </a:p>
+          <a:p>
+            <a:pPr lvl="2"/>
+            <a:r>
+              <a:rPr kumimoji="1" lang="ko-KR" altLang="en-US" smtClean="0"/>
+              <a:t>세 번째 수준</a:t>
+            </a:r>
+          </a:p>
+          <a:p>
+            <a:pPr lvl="3"/>
+            <a:r>
+              <a:rPr kumimoji="1" lang="ko-KR" altLang="en-US" smtClean="0"/>
+              <a:t>네 번째 수준</a:t>
+            </a:r>
+          </a:p>
+          <a:p>
+            <a:pPr lvl="4"/>
+            <a:r>
+              <a:rPr kumimoji="1" lang="ko-KR" altLang="en-US" smtClean="0"/>
+              <a:t>다섯 번째 수준</a:t>
+            </a:r>
+            <a:endParaRPr kumimoji="1" lang="ko-KR" altLang="en-US"/>
+          </a:p>
+        </p:txBody>
+      </p:sp>
+      <p:sp>
+        <p:nvSpPr>
+          <p:cNvPr id="6" name="바닥글 개체 틀 5"/>
+          <p:cNvSpPr>
+            <a:spLocks noGrp="1"/>
+          </p:cNvSpPr>
+          <p:nvPr>
+            <p:ph type="ftr" sz="quarter" idx="4"/>
+          </p:nvPr>
+        </p:nvSpPr>
+        <p:spPr>
+          <a:xfrm>
+            <a:off x="0" y="8685213"/>
+            <a:ext cx="2971800" cy="458787"/>
+          </a:xfrm>
+          <a:prstGeom prst="rect">
+            <a:avLst/>
+          </a:prstGeom>
+        </p:spPr>
+        <p:txBody>
+          <a:bodyPr vert="horz" lIns="91440" tIns="45720" rIns="91440" bIns="45720" rtlCol="0" anchor="b"/>
+          <a:lstStyle>
+            <a:lvl1pPr algn="l">
+              <a:defRPr sz="1200"/>
+            </a:lvl1pPr>
+          </a:lstStyle>
+          <a:p>
+            <a:endParaRPr kumimoji="1" lang="ko-KR" altLang="en-US"/>
+          </a:p>
+        </p:txBody>
+      </p:sp>
+      <p:sp>
+        <p:nvSpPr>
+          <p:cNvPr id="7" name="슬라이드 번호 개체 틀 6"/>
+          <p:cNvSpPr>
+            <a:spLocks noGrp="1"/>
+          </p:cNvSpPr>
+          <p:nvPr>
+            <p:ph type="sldNum" sz="quarter" idx="5"/>
+          </p:nvPr>
+        </p:nvSpPr>
+        <p:spPr>
+          <a:xfrm>
+            <a:off x="3884613" y="8685213"/>
+            <a:ext cx="2971800" cy="458787"/>
+          </a:xfrm>
+          <a:prstGeom prst="rect">
+            <a:avLst/>
+          </a:prstGeom>
+        </p:spPr>
+        <p:txBody>
+          <a:bodyPr vert="horz" lIns="91440" tIns="45720" rIns="91440" bIns="45720" rtlCol="0" anchor="b"/>
+          <a:lstStyle>
+            <a:lvl1pPr algn="r">
+              <a:defRPr sz="1200"/>
+            </a:lvl1pPr>
+          </a:lstStyle>
+          <a:p>
+            <a:fld id="{E736127A-013E-9C44-A760-649B6F27EE82}" type="slidenum">
+              <a:rPr kumimoji="1" lang="ko-KR" altLang="en-US" smtClean="0"/>
+              <a:t>‹#›</a:t>
+            </a:fld>
+            <a:endParaRPr kumimoji="1" lang="ko-KR" altLang="en-US"/>
+          </a:p>
+        </p:txBody>
+      </p:sp>
+    </p:spTree>
+    <p:extLst>
+      <p:ext uri="{BB962C8B-B14F-4D97-AF65-F5344CB8AC3E}">
+        <p14:creationId xmlns:p14="http://schemas.microsoft.com/office/powerpoint/2010/main" val="5749849"/>
+      </p:ext>
+    </p:extLst>
+  </p:cSld>
+  <p:clrMap bg1="lt1" tx1="dk1" bg2="lt2" tx2="dk2" accent1="accent1" accent2="accent2" accent3="accent3" accent4="accent4" accent5="accent5" accent6="accent6" hlink="hlink" folHlink="folHlink"/>
+  <p:notesStyle>
+    <a:lvl1pPr marL="0" algn="l" defTabSz="914400" rtl="0" eaLnBrk="1" latinLnBrk="1" hangingPunct="1">
+      <a:defRPr sz="1200" kern="1200">
+        <a:solidFill>
+          <a:schemeClr val="tx1"/>
+        </a:solidFill>
+        <a:latin typeface="+mn-lt"/>
+        <a:ea typeface="+mn-ea"/>
+        <a:cs typeface="+mn-cs"/>
+      </a:defRPr>
+    </a:lvl1pPr>
+    <a:lvl2pPr marL="457200" algn="l" defTabSz="914400" rtl="0" eaLnBrk="1" latinLnBrk="1" hangingPunct="1">
+      <a:defRPr sz="1200" kern="1200">
+        <a:solidFill>
+          <a:schemeClr val="tx1"/>
+        </a:solidFill>
+        <a:latin typeface="+mn-lt"/>
+        <a:ea typeface="+mn-ea"/>
+        <a:cs typeface="+mn-cs"/>
+      </a:defRPr>
+    </a:lvl2pPr>
+    <a:lvl3pPr marL="914400" algn="l" defTabSz="914400" rtl="0" eaLnBrk="1" latinLnBrk="1" hangingPunct="1">
+      <a:defRPr sz="1200" kern="1200">
+        <a:solidFill>
+          <a:schemeClr val="tx1"/>
+        </a:solidFill>
+        <a:latin typeface="+mn-lt"/>
+        <a:ea typeface="+mn-ea"/>
+        <a:cs typeface="+mn-cs"/>
+      </a:defRPr>
+    </a:lvl3pPr>
+    <a:lvl4pPr marL="1371600" algn="l" defTabSz="914400" rtl="0" eaLnBrk="1" latinLnBrk="1" hangingPunct="1">
+      <a:defRPr sz="1200" kern="1200">
+        <a:solidFill>
+          <a:schemeClr val="tx1"/>
+        </a:solidFill>
+        <a:latin typeface="+mn-lt"/>
+        <a:ea typeface="+mn-ea"/>
+        <a:cs typeface="+mn-cs"/>
+      </a:defRPr>
+    </a:lvl4pPr>
+    <a:lvl5pPr marL="1828800" algn="l" defTabSz="914400" rtl="0" eaLnBrk="1" latinLnBrk="1" hangingPunct="1">
+      <a:defRPr sz="1200" kern="1200">
+        <a:solidFill>
+          <a:schemeClr val="tx1"/>
+        </a:solidFill>
+        <a:latin typeface="+mn-lt"/>
+        <a:ea typeface="+mn-ea"/>
+        <a:cs typeface="+mn-cs"/>
+      </a:defRPr>
+    </a:lvl5pPr>
+    <a:lvl6pPr marL="2286000" algn="l" defTabSz="914400" rtl="0" eaLnBrk="1" latinLnBrk="1" hangingPunct="1">
+      <a:defRPr sz="1200" kern="1200">
+        <a:solidFill>
+          <a:schemeClr val="tx1"/>
+        </a:solidFill>
+        <a:latin typeface="+mn-lt"/>
+        <a:ea typeface="+mn-ea"/>
+        <a:cs typeface="+mn-cs"/>
+      </a:defRPr>
+    </a:lvl6pPr>
+    <a:lvl7pPr marL="2743200" algn="l" defTabSz="914400" rtl="0" eaLnBrk="1" latinLnBrk="1" hangingPunct="1">
+      <a:defRPr sz="1200" kern="1200">
+        <a:solidFill>
+          <a:schemeClr val="tx1"/>
+        </a:solidFill>
+        <a:latin typeface="+mn-lt"/>
+        <a:ea typeface="+mn-ea"/>
+        <a:cs typeface="+mn-cs"/>
+      </a:defRPr>
+    </a:lvl7pPr>
+    <a:lvl8pPr marL="3200400" algn="l" defTabSz="914400" rtl="0" eaLnBrk="1" latinLnBrk="1" hangingPunct="1">
+      <a:defRPr sz="1200" kern="1200">
+        <a:solidFill>
+          <a:schemeClr val="tx1"/>
+        </a:solidFill>
+        <a:latin typeface="+mn-lt"/>
+        <a:ea typeface="+mn-ea"/>
+        <a:cs typeface="+mn-cs"/>
+      </a:defRPr>
+    </a:lvl8pPr>
+    <a:lvl9pPr marL="3657600" algn="l" defTabSz="914400" rtl="0" eaLnBrk="1" latinLnBrk="1" hangingPunct="1">
+      <a:defRPr sz="1200" kern="1200">
+        <a:solidFill>
+          <a:schemeClr val="tx1"/>
+        </a:solidFill>
+        <a:latin typeface="+mn-lt"/>
+        <a:ea typeface="+mn-ea"/>
+        <a:cs typeface="+mn-cs"/>
+      </a:defRPr>
+    </a:lvl9pPr>
+  </p:notesStyle>
+</p:notesMaster>
+</file>
+
+<file path=ppt/notesSlides/notesSlide1.xml><?xml version="1.0" encoding="utf-8"?>
+<p:notes xmlns:a="http://schemas.openxmlformats.org/drawingml/2006/main" xmlns:r="http://schemas.openxmlformats.org/officeDocument/2006/relationships" xmlns:p="http://schemas.openxmlformats.org/presentationml/2006/main">
+  <p:cSld>
+    <p:spTree>
+      <p:nvGrpSpPr>
+        <p:cNvPr id="1" name=""/>
+        <p:cNvGrpSpPr/>
+        <p:nvPr/>
+      </p:nvGrpSpPr>
+      <p:grpSpPr>
+        <a:xfrm>
+          <a:off x="0" y="0"/>
+          <a:ext cx="0" cy="0"/>
+          <a:chOff x="0" y="0"/>
+          <a:chExt cx="0" cy="0"/>
+        </a:xfrm>
+      </p:grpSpPr>
+      <p:sp>
+        <p:nvSpPr>
+          <p:cNvPr id="2" name="슬라이드 이미지 개체 틀 1"/>
+          <p:cNvSpPr>
+            <a:spLocks noGrp="1" noRot="1" noChangeAspect="1"/>
+          </p:cNvSpPr>
+          <p:nvPr>
+            <p:ph type="sldImg"/>
+          </p:nvPr>
+        </p:nvSpPr>
+        <p:spPr/>
+      </p:sp>
+      <p:sp>
+        <p:nvSpPr>
+          <p:cNvPr id="3" name="슬라이드 노트 개체 틀 2"/>
+          <p:cNvSpPr>
+            <a:spLocks noGrp="1"/>
+          </p:cNvSpPr>
+          <p:nvPr>
+            <p:ph type="body" idx="1"/>
+          </p:nvPr>
+        </p:nvSpPr>
+        <p:spPr/>
+        <p:txBody>
+          <a:bodyPr/>
+          <a:lstStyle/>
+          <a:p>
+            <a:r>
+              <a:rPr kumimoji="1" lang="ko-KR" altLang="en-US" dirty="0" smtClean="0"/>
+              <a:t>용어정리입니다 </a:t>
+            </a:r>
+            <a:endParaRPr kumimoji="1" lang="en-US" altLang="ko-KR" dirty="0" smtClean="0"/>
+          </a:p>
+          <a:p>
+            <a:r>
+              <a:rPr kumimoji="1" lang="ko-KR" altLang="en-US" dirty="0" smtClean="0"/>
+              <a:t>비트코인의 피어들은 </a:t>
+            </a:r>
+            <a:r>
+              <a:rPr kumimoji="1" lang="en-US" altLang="ko-KR" dirty="0" err="1" smtClean="0"/>
+              <a:t>addrMan</a:t>
+            </a:r>
+            <a:r>
+              <a:rPr kumimoji="1" lang="ko-KR" altLang="en-US" dirty="0" smtClean="0"/>
+              <a:t>통해 자기가</a:t>
+            </a:r>
+            <a:r>
+              <a:rPr kumimoji="1" lang="ko-KR" altLang="en-US" baseline="0" dirty="0" smtClean="0"/>
+              <a:t> 알고있는 피어들을 저장합니다</a:t>
+            </a:r>
+            <a:r>
+              <a:rPr kumimoji="1" lang="en-US" altLang="ko-KR" baseline="0" dirty="0" smtClean="0"/>
+              <a:t>.</a:t>
+            </a:r>
+            <a:r>
+              <a:rPr kumimoji="1" lang="ko-KR" altLang="en-US" baseline="0" dirty="0" smtClean="0"/>
+              <a:t> </a:t>
+            </a:r>
+            <a:r>
+              <a:rPr kumimoji="1" lang="en-US" altLang="ko-KR" baseline="0" dirty="0" smtClean="0"/>
+              <a:t>(</a:t>
+            </a:r>
+            <a:r>
+              <a:rPr kumimoji="1" lang="en-US" altLang="ko-KR" baseline="0" dirty="0" err="1" smtClean="0"/>
+              <a:t>peers.dat</a:t>
+            </a:r>
+            <a:r>
+              <a:rPr kumimoji="1" lang="en-US" altLang="ko-KR" baseline="0" dirty="0" smtClean="0"/>
+              <a:t>)</a:t>
+            </a:r>
+            <a:r>
+              <a:rPr kumimoji="1" lang="ko-KR" altLang="en-US" baseline="0" dirty="0" smtClean="0"/>
+              <a:t> </a:t>
+            </a:r>
+            <a:r>
+              <a:rPr kumimoji="1" lang="en-US" altLang="ko-KR" baseline="0" dirty="0" err="1" smtClean="0"/>
+              <a:t>peers.dat</a:t>
+            </a:r>
+            <a:r>
+              <a:rPr kumimoji="1" lang="ko-KR" altLang="en-US" baseline="0" dirty="0" smtClean="0"/>
+              <a:t>가 비어있는 최초상태에는 하드코딩되어있는 </a:t>
+            </a:r>
+            <a:r>
+              <a:rPr kumimoji="1" lang="en-US" altLang="ko-KR" baseline="0" dirty="0" smtClean="0"/>
+              <a:t>DNS</a:t>
+            </a:r>
+            <a:r>
+              <a:rPr kumimoji="1" lang="ko-KR" altLang="en-US" baseline="0" dirty="0" smtClean="0"/>
+              <a:t>통해 주소를 받습니다</a:t>
+            </a:r>
+            <a:r>
+              <a:rPr kumimoji="1" lang="en-US" altLang="ko-KR" baseline="0" dirty="0" smtClean="0"/>
+              <a:t>.</a:t>
+            </a:r>
+            <a:r>
+              <a:rPr kumimoji="1" lang="ko-KR" altLang="en-US" baseline="0" dirty="0" smtClean="0"/>
+              <a:t> </a:t>
+            </a:r>
+            <a:endParaRPr kumimoji="1" lang="ko-KR" altLang="en-US" dirty="0"/>
+          </a:p>
+        </p:txBody>
+      </p:sp>
+      <p:sp>
+        <p:nvSpPr>
+          <p:cNvPr id="4" name="슬라이드 번호 개체 틀 3"/>
+          <p:cNvSpPr>
+            <a:spLocks noGrp="1"/>
+          </p:cNvSpPr>
+          <p:nvPr>
+            <p:ph type="sldNum" sz="quarter" idx="10"/>
+          </p:nvPr>
+        </p:nvSpPr>
+        <p:spPr/>
+        <p:txBody>
+          <a:bodyPr/>
+          <a:lstStyle/>
+          <a:p>
+            <a:fld id="{E736127A-013E-9C44-A760-649B6F27EE82}" type="slidenum">
+              <a:rPr kumimoji="1" lang="ko-KR" altLang="en-US" smtClean="0"/>
+              <a:t>4</a:t>
+            </a:fld>
+            <a:endParaRPr kumimoji="1" lang="ko-KR" altLang="en-US"/>
+          </a:p>
+        </p:txBody>
+      </p:sp>
+    </p:spTree>
+    <p:extLst>
+      <p:ext uri="{BB962C8B-B14F-4D97-AF65-F5344CB8AC3E}">
+        <p14:creationId xmlns:p14="http://schemas.microsoft.com/office/powerpoint/2010/main" val="948028"/>
+      </p:ext>
+    </p:extLst>
+  </p:cSld>
+  <p:clrMapOvr>
+    <a:masterClrMapping/>
+  </p:clrMapOvr>
+</p:notes>
+</file>
+
+<file path=ppt/notesSlides/notesSlide2.xml><?xml version="1.0" encoding="utf-8"?>
+<p:notes xmlns:a="http://schemas.openxmlformats.org/drawingml/2006/main" xmlns:r="http://schemas.openxmlformats.org/officeDocument/2006/relationships" xmlns:p="http://schemas.openxmlformats.org/presentationml/2006/main">
+  <p:cSld>
+    <p:spTree>
+      <p:nvGrpSpPr>
+        <p:cNvPr id="1" name=""/>
+        <p:cNvGrpSpPr/>
+        <p:nvPr/>
+      </p:nvGrpSpPr>
+      <p:grpSpPr>
+        <a:xfrm>
+          <a:off x="0" y="0"/>
+          <a:ext cx="0" cy="0"/>
+          <a:chOff x="0" y="0"/>
+          <a:chExt cx="0" cy="0"/>
+        </a:xfrm>
+      </p:grpSpPr>
+      <p:sp>
+        <p:nvSpPr>
+          <p:cNvPr id="2" name="슬라이드 이미지 개체 틀 1"/>
+          <p:cNvSpPr>
+            <a:spLocks noGrp="1" noRot="1" noChangeAspect="1"/>
+          </p:cNvSpPr>
+          <p:nvPr>
+            <p:ph type="sldImg"/>
+          </p:nvPr>
+        </p:nvSpPr>
+        <p:spPr/>
+      </p:sp>
+      <p:sp>
+        <p:nvSpPr>
+          <p:cNvPr id="3" name="슬라이드 노트 개체 틀 2"/>
+          <p:cNvSpPr>
+            <a:spLocks noGrp="1"/>
+          </p:cNvSpPr>
+          <p:nvPr>
+            <p:ph type="body" idx="1"/>
+          </p:nvPr>
+        </p:nvSpPr>
+        <p:spPr/>
+        <p:txBody>
+          <a:bodyPr/>
+          <a:lstStyle/>
+          <a:p>
+            <a:pPr marL="0" marR="0" indent="0" algn="l" defTabSz="914400" rtl="0" eaLnBrk="1" fontAlgn="auto" latinLnBrk="1" hangingPunct="1">
+              <a:lnSpc>
+                <a:spcPct val="100000"/>
+              </a:lnSpc>
+              <a:spcBef>
+                <a:spcPts val="0"/>
+              </a:spcBef>
+              <a:spcAft>
+                <a:spcPts val="0"/>
+              </a:spcAft>
+              <a:buClrTx/>
+              <a:buSzTx/>
+              <a:buFontTx/>
+              <a:buNone/>
+              <a:tabLst/>
+              <a:defRPr/>
+            </a:pPr>
+            <a:r>
+              <a:rPr kumimoji="1" lang="ko-KR" altLang="en-US" dirty="0" smtClean="0"/>
+              <a:t>비트코인 네트워크에서 피어간 브로드캐스팅하는 방법입니다</a:t>
+            </a:r>
+            <a:r>
+              <a:rPr kumimoji="1" lang="en-US" altLang="ko-KR" dirty="0" smtClean="0"/>
+              <a:t>.</a:t>
+            </a:r>
+            <a:r>
+              <a:rPr kumimoji="1" lang="ko-KR" altLang="en-US" dirty="0" smtClean="0"/>
+              <a:t> 어떤 피어가 트랜잭션 혹은 블록을</a:t>
+            </a:r>
+            <a:r>
+              <a:rPr kumimoji="1" lang="ko-KR" altLang="en-US" baseline="0" dirty="0" smtClean="0"/>
+              <a:t> 새로 알게 되면 그 </a:t>
+            </a:r>
+            <a:r>
+              <a:rPr kumimoji="1" lang="ko-KR" altLang="en-US" baseline="0" dirty="0" smtClean="0"/>
+              <a:t>해쉬값을 </a:t>
+            </a:r>
+            <a:r>
+              <a:rPr kumimoji="1" lang="en-US" altLang="ko-KR" baseline="0" dirty="0" smtClean="0"/>
+              <a:t>INV</a:t>
+            </a:r>
+            <a:r>
+              <a:rPr kumimoji="1" lang="ko-KR" altLang="en-US" baseline="0" dirty="0" smtClean="0"/>
+              <a:t>메세지에</a:t>
+            </a:r>
+            <a:r>
+              <a:rPr kumimoji="1" lang="ko-KR" altLang="en-US" baseline="0" dirty="0" smtClean="0"/>
+              <a:t> 담아 주변 피어들에게 전달합니다</a:t>
+            </a:r>
+            <a:r>
+              <a:rPr kumimoji="1" lang="en-US" altLang="ko-KR" baseline="0" dirty="0" smtClean="0"/>
+              <a:t>.</a:t>
+            </a:r>
+            <a:r>
+              <a:rPr kumimoji="1" lang="ko-KR" altLang="en-US" baseline="0" dirty="0" smtClean="0"/>
+              <a:t> 전달받은 피어는 알고있는 정보가 아닌 새로운정보의 경우 </a:t>
+            </a:r>
+            <a:r>
+              <a:rPr kumimoji="1" lang="en-US" altLang="ko-KR" baseline="0" dirty="0" smtClean="0"/>
+              <a:t>GETDATA</a:t>
+            </a:r>
+            <a:r>
+              <a:rPr kumimoji="1" lang="ko-KR" altLang="en-US" baseline="0" dirty="0" smtClean="0"/>
+              <a:t> 메세지를 답하고 </a:t>
+            </a:r>
+            <a:r>
+              <a:rPr kumimoji="1" lang="en-US" altLang="ko-KR" baseline="0" dirty="0" smtClean="0"/>
+              <a:t>GETDATA</a:t>
+            </a:r>
+            <a:r>
+              <a:rPr kumimoji="1" lang="ko-KR" altLang="en-US" baseline="0" dirty="0" smtClean="0"/>
+              <a:t>를 받은 피어는 다시 해당 해쉬값의 관련정보를 담아 </a:t>
+            </a:r>
+            <a:r>
+              <a:rPr kumimoji="1" lang="en-US" altLang="ko-KR" baseline="0" dirty="0" smtClean="0"/>
+              <a:t>TX or BLOCK</a:t>
+            </a:r>
+            <a:r>
+              <a:rPr kumimoji="1" lang="ko-KR" altLang="en-US" baseline="0" dirty="0" smtClean="0"/>
+              <a:t>메</a:t>
+            </a:r>
+            <a:r>
+              <a:rPr kumimoji="1" lang="ko-KR" altLang="en-US" dirty="0" smtClean="0"/>
+              <a:t>여기서 생기는 잠재적 위협입니다</a:t>
+            </a:r>
+            <a:r>
+              <a:rPr kumimoji="1" lang="en-US" altLang="ko-KR" dirty="0" smtClean="0"/>
+              <a:t>.</a:t>
+            </a:r>
+            <a:r>
+              <a:rPr kumimoji="1" lang="ko-KR" altLang="en-US" dirty="0" smtClean="0"/>
+              <a:t> 정보들이 퍼지는 잠시동안 네트워크는 정보불일치 상태가됩니다</a:t>
+            </a:r>
+            <a:r>
+              <a:rPr kumimoji="1" lang="en-US" altLang="ko-KR" dirty="0" smtClean="0"/>
+              <a:t>.</a:t>
+            </a:r>
+            <a:r>
+              <a:rPr kumimoji="1" lang="ko-KR" altLang="en-US" baseline="0" dirty="0" smtClean="0"/>
+              <a:t> 이런점을 파고들어 악의적인 피어가 굉장히 빠른속도로 자기의 정보를 그 누구보다 빠르게 퍼트릴 수 있다면 비트코인 네트워크는 정보균형의 목적을 잃게 됩니다</a:t>
+            </a:r>
+            <a:r>
+              <a:rPr kumimoji="1" lang="en-US" altLang="ko-KR" baseline="0" dirty="0" smtClean="0"/>
+              <a:t>.</a:t>
+            </a:r>
+            <a:endParaRPr kumimoji="1" lang="ko-KR" altLang="en-US" dirty="0" smtClean="0"/>
+          </a:p>
+          <a:p>
+            <a:r>
+              <a:rPr kumimoji="1" lang="ko-KR" altLang="en-US" baseline="0" dirty="0" smtClean="0"/>
+              <a:t>세지를 전달하게됩니다</a:t>
+            </a:r>
+            <a:r>
+              <a:rPr kumimoji="1" lang="en-US" altLang="ko-KR" baseline="0" dirty="0" smtClean="0"/>
+              <a:t>.</a:t>
+            </a:r>
+            <a:r>
+              <a:rPr kumimoji="1" lang="ko-KR" altLang="en-US" baseline="0" dirty="0" smtClean="0"/>
+              <a:t> 이런</a:t>
+            </a:r>
+            <a:r>
+              <a:rPr kumimoji="1" lang="en-US" altLang="ko-KR" baseline="0" dirty="0" smtClean="0"/>
+              <a:t> gossip protocol</a:t>
+            </a:r>
+            <a:r>
+              <a:rPr kumimoji="1" lang="ko-KR" altLang="en-US" baseline="0" dirty="0" smtClean="0"/>
+              <a:t>로 피어들은 닿을 수 있는한 계속해서 정보들을 브로드캐스팅하여 네트워크에 정보일관성을 유지합니다</a:t>
+            </a:r>
+            <a:r>
+              <a:rPr kumimoji="1" lang="en-US" altLang="ko-KR" baseline="0" dirty="0" smtClean="0"/>
+              <a:t>.</a:t>
+            </a:r>
+            <a:endParaRPr kumimoji="1" lang="ko-KR" altLang="en-US" dirty="0"/>
+          </a:p>
+        </p:txBody>
+      </p:sp>
+      <p:sp>
+        <p:nvSpPr>
+          <p:cNvPr id="4" name="슬라이드 번호 개체 틀 3"/>
+          <p:cNvSpPr>
+            <a:spLocks noGrp="1"/>
+          </p:cNvSpPr>
+          <p:nvPr>
+            <p:ph type="sldNum" sz="quarter" idx="10"/>
+          </p:nvPr>
+        </p:nvSpPr>
+        <p:spPr/>
+        <p:txBody>
+          <a:bodyPr/>
+          <a:lstStyle/>
+          <a:p>
+            <a:fld id="{E736127A-013E-9C44-A760-649B6F27EE82}" type="slidenum">
+              <a:rPr kumimoji="1" lang="ko-KR" altLang="en-US" smtClean="0"/>
+              <a:t>5</a:t>
+            </a:fld>
+            <a:endParaRPr kumimoji="1" lang="ko-KR" altLang="en-US"/>
+          </a:p>
+        </p:txBody>
+      </p:sp>
+    </p:spTree>
+    <p:extLst>
+      <p:ext uri="{BB962C8B-B14F-4D97-AF65-F5344CB8AC3E}">
+        <p14:creationId xmlns:p14="http://schemas.microsoft.com/office/powerpoint/2010/main" val="212915737"/>
+      </p:ext>
+    </p:extLst>
+  </p:cSld>
+  <p:clrMapOvr>
+    <a:masterClrMapping/>
+  </p:clrMapOvr>
+</p:notes>
+</file>
+
+<file path=ppt/notesSlides/notesSlide3.xml><?xml version="1.0" encoding="utf-8"?>
+<p:notes xmlns:a="http://schemas.openxmlformats.org/drawingml/2006/main" xmlns:r="http://schemas.openxmlformats.org/officeDocument/2006/relationships" xmlns:p="http://schemas.openxmlformats.org/presentationml/2006/main">
+  <p:cSld>
+    <p:spTree>
+      <p:nvGrpSpPr>
+        <p:cNvPr id="1" name=""/>
+        <p:cNvGrpSpPr/>
+        <p:nvPr/>
+      </p:nvGrpSpPr>
+      <p:grpSpPr>
+        <a:xfrm>
+          <a:off x="0" y="0"/>
+          <a:ext cx="0" cy="0"/>
+          <a:chOff x="0" y="0"/>
+          <a:chExt cx="0" cy="0"/>
+        </a:xfrm>
+      </p:grpSpPr>
+      <p:sp>
+        <p:nvSpPr>
+          <p:cNvPr id="2" name="슬라이드 이미지 개체 틀 1"/>
+          <p:cNvSpPr>
+            <a:spLocks noGrp="1" noRot="1" noChangeAspect="1"/>
+          </p:cNvSpPr>
+          <p:nvPr>
+            <p:ph type="sldImg"/>
+          </p:nvPr>
+        </p:nvSpPr>
+        <p:spPr/>
+      </p:sp>
+      <p:sp>
+        <p:nvSpPr>
+          <p:cNvPr id="3" name="슬라이드 노트 개체 틀 2"/>
+          <p:cNvSpPr>
+            <a:spLocks noGrp="1"/>
+          </p:cNvSpPr>
+          <p:nvPr>
+            <p:ph type="body" idx="1"/>
+          </p:nvPr>
+        </p:nvSpPr>
+        <p:spPr/>
+        <p:txBody>
+          <a:bodyPr/>
+          <a:lstStyle/>
+          <a:p>
+            <a:pPr marL="0" marR="0" indent="0" algn="l" defTabSz="914400" rtl="0" eaLnBrk="1" fontAlgn="auto" latinLnBrk="1" hangingPunct="1">
+              <a:lnSpc>
+                <a:spcPct val="100000"/>
+              </a:lnSpc>
+              <a:spcBef>
+                <a:spcPts val="0"/>
+              </a:spcBef>
+              <a:spcAft>
+                <a:spcPts val="0"/>
+              </a:spcAft>
+              <a:buClrTx/>
+              <a:buSzTx/>
+              <a:buFontTx/>
+              <a:buNone/>
+              <a:tabLst/>
+              <a:defRPr/>
+            </a:pPr>
+            <a:r>
+              <a:rPr kumimoji="1" lang="ko-KR" altLang="en-US" dirty="0" smtClean="0"/>
+              <a:t>비트코인 네트워크에서 피어간 브로드캐스팅하는 방법입니다</a:t>
+            </a:r>
+            <a:r>
+              <a:rPr kumimoji="1" lang="en-US" altLang="ko-KR" dirty="0" smtClean="0"/>
+              <a:t>.</a:t>
+            </a:r>
+            <a:r>
+              <a:rPr kumimoji="1" lang="ko-KR" altLang="en-US" dirty="0" smtClean="0"/>
+              <a:t> 어떤 피어가 트랜잭션 혹은 블록을</a:t>
+            </a:r>
+            <a:r>
+              <a:rPr kumimoji="1" lang="ko-KR" altLang="en-US" baseline="0" dirty="0" smtClean="0"/>
+              <a:t> 새로 알게 되면 그 </a:t>
+            </a:r>
+            <a:r>
+              <a:rPr kumimoji="1" lang="ko-KR" altLang="en-US" baseline="0" dirty="0" smtClean="0"/>
+              <a:t>해쉬값을 </a:t>
+            </a:r>
+            <a:r>
+              <a:rPr kumimoji="1" lang="en-US" altLang="ko-KR" baseline="0" dirty="0" smtClean="0"/>
+              <a:t>INV</a:t>
+            </a:r>
+            <a:r>
+              <a:rPr kumimoji="1" lang="ko-KR" altLang="en-US" baseline="0" dirty="0" smtClean="0"/>
+              <a:t>메세지에</a:t>
+            </a:r>
+            <a:r>
+              <a:rPr kumimoji="1" lang="ko-KR" altLang="en-US" baseline="0" dirty="0" smtClean="0"/>
+              <a:t> 담아 주변 피어들에게 전달합니다</a:t>
+            </a:r>
+            <a:r>
+              <a:rPr kumimoji="1" lang="en-US" altLang="ko-KR" baseline="0" dirty="0" smtClean="0"/>
+              <a:t>.</a:t>
+            </a:r>
+            <a:r>
+              <a:rPr kumimoji="1" lang="ko-KR" altLang="en-US" baseline="0" dirty="0" smtClean="0"/>
+              <a:t> 전달받은 피어는 알고있는 정보가 아닌 새로운정보의 경우 </a:t>
+            </a:r>
+            <a:r>
+              <a:rPr kumimoji="1" lang="en-US" altLang="ko-KR" baseline="0" dirty="0" smtClean="0"/>
+              <a:t>GETDATA</a:t>
+            </a:r>
+            <a:r>
+              <a:rPr kumimoji="1" lang="ko-KR" altLang="en-US" baseline="0" dirty="0" smtClean="0"/>
+              <a:t> 메세지를 답하고 </a:t>
+            </a:r>
+            <a:r>
+              <a:rPr kumimoji="1" lang="en-US" altLang="ko-KR" baseline="0" dirty="0" smtClean="0"/>
+              <a:t>GETDATA</a:t>
+            </a:r>
+            <a:r>
+              <a:rPr kumimoji="1" lang="ko-KR" altLang="en-US" baseline="0" dirty="0" smtClean="0"/>
+              <a:t>를 받은 피어는 다시 해당 해쉬값의 관련정보를 담아 </a:t>
+            </a:r>
+            <a:r>
+              <a:rPr kumimoji="1" lang="en-US" altLang="ko-KR" baseline="0" dirty="0" smtClean="0"/>
+              <a:t>TX or BLOCK</a:t>
+            </a:r>
+            <a:r>
+              <a:rPr kumimoji="1" lang="ko-KR" altLang="en-US" baseline="0" dirty="0" smtClean="0"/>
+              <a:t>메</a:t>
+            </a:r>
+            <a:r>
+              <a:rPr kumimoji="1" lang="ko-KR" altLang="en-US" dirty="0" smtClean="0"/>
+              <a:t>여기서 생기는 잠재적 위협입니다</a:t>
+            </a:r>
+            <a:r>
+              <a:rPr kumimoji="1" lang="en-US" altLang="ko-KR" dirty="0" smtClean="0"/>
+              <a:t>.</a:t>
+            </a:r>
+            <a:r>
+              <a:rPr kumimoji="1" lang="ko-KR" altLang="en-US" dirty="0" smtClean="0"/>
+              <a:t> 정보들이 퍼지는 잠시동안 네트워크는 정보불일치 상태가됩니다</a:t>
+            </a:r>
+            <a:r>
+              <a:rPr kumimoji="1" lang="en-US" altLang="ko-KR" dirty="0" smtClean="0"/>
+              <a:t>.</a:t>
+            </a:r>
+            <a:r>
+              <a:rPr kumimoji="1" lang="ko-KR" altLang="en-US" baseline="0" dirty="0" smtClean="0"/>
+              <a:t> 이런점을 파고들어 악의적인 피어가 굉장히 빠른속도로 자기의 정보를 그 누구보다 빠르게 퍼트릴 수 있다면 비트코인 네트워크는 정보균형의 목적을 잃게 됩니다</a:t>
+            </a:r>
+            <a:r>
+              <a:rPr kumimoji="1" lang="en-US" altLang="ko-KR" baseline="0" dirty="0" smtClean="0"/>
+              <a:t>.</a:t>
+            </a:r>
+            <a:endParaRPr kumimoji="1" lang="ko-KR" altLang="en-US" dirty="0" smtClean="0"/>
+          </a:p>
+          <a:p>
+            <a:r>
+              <a:rPr kumimoji="1" lang="ko-KR" altLang="en-US" baseline="0" dirty="0" smtClean="0"/>
+              <a:t>세지를 전달하게됩니다</a:t>
+            </a:r>
+            <a:r>
+              <a:rPr kumimoji="1" lang="en-US" altLang="ko-KR" baseline="0" dirty="0" smtClean="0"/>
+              <a:t>.</a:t>
+            </a:r>
+            <a:r>
+              <a:rPr kumimoji="1" lang="ko-KR" altLang="en-US" baseline="0" dirty="0" smtClean="0"/>
+              <a:t> 이런</a:t>
+            </a:r>
+            <a:r>
+              <a:rPr kumimoji="1" lang="en-US" altLang="ko-KR" baseline="0" dirty="0" smtClean="0"/>
+              <a:t> gossip protocol</a:t>
+            </a:r>
+            <a:r>
+              <a:rPr kumimoji="1" lang="ko-KR" altLang="en-US" baseline="0" dirty="0" smtClean="0"/>
+              <a:t>로 피어들은 닿을 수 있는한 계속해서 정보들을 브로드캐스팅하여 네트워크에 정보일관성을 유지합니다</a:t>
+            </a:r>
+            <a:r>
+              <a:rPr kumimoji="1" lang="en-US" altLang="ko-KR" baseline="0" dirty="0" smtClean="0"/>
+              <a:t>.</a:t>
+            </a:r>
+            <a:endParaRPr kumimoji="1" lang="ko-KR" altLang="en-US" dirty="0"/>
+          </a:p>
+        </p:txBody>
+      </p:sp>
+      <p:sp>
+        <p:nvSpPr>
+          <p:cNvPr id="4" name="슬라이드 번호 개체 틀 3"/>
+          <p:cNvSpPr>
+            <a:spLocks noGrp="1"/>
+          </p:cNvSpPr>
+          <p:nvPr>
+            <p:ph type="sldNum" sz="quarter" idx="10"/>
+          </p:nvPr>
+        </p:nvSpPr>
+        <p:spPr/>
+        <p:txBody>
+          <a:bodyPr/>
+          <a:lstStyle/>
+          <a:p>
+            <a:fld id="{E736127A-013E-9C44-A760-649B6F27EE82}" type="slidenum">
+              <a:rPr kumimoji="1" lang="ko-KR" altLang="en-US" smtClean="0"/>
+              <a:t>6</a:t>
+            </a:fld>
+            <a:endParaRPr kumimoji="1" lang="ko-KR" altLang="en-US"/>
+          </a:p>
+        </p:txBody>
+      </p:sp>
+    </p:spTree>
+    <p:extLst>
+      <p:ext uri="{BB962C8B-B14F-4D97-AF65-F5344CB8AC3E}">
+        <p14:creationId xmlns:p14="http://schemas.microsoft.com/office/powerpoint/2010/main" val="1405919765"/>
+      </p:ext>
+    </p:extLst>
+  </p:cSld>
+  <p:clrMapOvr>
+    <a:masterClrMapping/>
+  </p:clrMapOvr>
+</p:notes>
+</file>
+
+<file path=ppt/notesSlides/notesSlide4.xml><?xml version="1.0" encoding="utf-8"?>
+<p:notes xmlns:a="http://schemas.openxmlformats.org/drawingml/2006/main" xmlns:r="http://schemas.openxmlformats.org/officeDocument/2006/relationships" xmlns:p="http://schemas.openxmlformats.org/presentationml/2006/main">
+  <p:cSld>
+    <p:spTree>
+      <p:nvGrpSpPr>
+        <p:cNvPr id="1" name=""/>
+        <p:cNvGrpSpPr/>
+        <p:nvPr/>
+      </p:nvGrpSpPr>
+      <p:grpSpPr>
+        <a:xfrm>
+          <a:off x="0" y="0"/>
+          <a:ext cx="0" cy="0"/>
+          <a:chOff x="0" y="0"/>
+          <a:chExt cx="0" cy="0"/>
+        </a:xfrm>
+      </p:grpSpPr>
+      <p:sp>
+        <p:nvSpPr>
+          <p:cNvPr id="2" name="슬라이드 이미지 개체 틀 1"/>
+          <p:cNvSpPr>
+            <a:spLocks noGrp="1" noRot="1" noChangeAspect="1"/>
+          </p:cNvSpPr>
+          <p:nvPr>
+            <p:ph type="sldImg"/>
+          </p:nvPr>
+        </p:nvSpPr>
+        <p:spPr/>
+      </p:sp>
+      <p:sp>
+        <p:nvSpPr>
+          <p:cNvPr id="3" name="슬라이드 노트 개체 틀 2"/>
+          <p:cNvSpPr>
+            <a:spLocks noGrp="1"/>
+          </p:cNvSpPr>
+          <p:nvPr>
+            <p:ph type="body" idx="1"/>
+          </p:nvPr>
+        </p:nvSpPr>
+        <p:spPr/>
+        <p:txBody>
+          <a:bodyPr/>
+          <a:lstStyle/>
+          <a:p>
+            <a:pPr marL="0" marR="0" indent="0" algn="l" defTabSz="914400" rtl="0" eaLnBrk="1" fontAlgn="auto" latinLnBrk="1" hangingPunct="1">
+              <a:lnSpc>
+                <a:spcPct val="100000"/>
+              </a:lnSpc>
+              <a:spcBef>
+                <a:spcPts val="0"/>
+              </a:spcBef>
+              <a:spcAft>
+                <a:spcPts val="0"/>
+              </a:spcAft>
+              <a:buClrTx/>
+              <a:buSzTx/>
+              <a:buFontTx/>
+              <a:buNone/>
+              <a:tabLst/>
+              <a:defRPr/>
+            </a:pPr>
+            <a:r>
+              <a:rPr kumimoji="1" lang="ko-KR" altLang="en-US" dirty="0" smtClean="0"/>
+              <a:t>비트코인 네트워크에서 피어간 브로드캐스팅하는 방법입니다</a:t>
+            </a:r>
+            <a:r>
+              <a:rPr kumimoji="1" lang="en-US" altLang="ko-KR" dirty="0" smtClean="0"/>
+              <a:t>.</a:t>
+            </a:r>
+            <a:r>
+              <a:rPr kumimoji="1" lang="ko-KR" altLang="en-US" dirty="0" smtClean="0"/>
+              <a:t> 어떤 피어가 트랜잭션 혹은 블록을</a:t>
+            </a:r>
+            <a:r>
+              <a:rPr kumimoji="1" lang="ko-KR" altLang="en-US" baseline="0" dirty="0" smtClean="0"/>
+              <a:t> 새로 알게 되면 그 </a:t>
+            </a:r>
+            <a:r>
+              <a:rPr kumimoji="1" lang="ko-KR" altLang="en-US" baseline="0" dirty="0" smtClean="0"/>
+              <a:t>해쉬값을 </a:t>
+            </a:r>
+            <a:r>
+              <a:rPr kumimoji="1" lang="en-US" altLang="ko-KR" baseline="0" dirty="0" smtClean="0"/>
+              <a:t>INV</a:t>
+            </a:r>
+            <a:r>
+              <a:rPr kumimoji="1" lang="ko-KR" altLang="en-US" baseline="0" dirty="0" smtClean="0"/>
+              <a:t>메세지에</a:t>
+            </a:r>
+            <a:r>
+              <a:rPr kumimoji="1" lang="ko-KR" altLang="en-US" baseline="0" dirty="0" smtClean="0"/>
+              <a:t> 담아 주변 피어들에게 전달합니다</a:t>
+            </a:r>
+            <a:r>
+              <a:rPr kumimoji="1" lang="en-US" altLang="ko-KR" baseline="0" dirty="0" smtClean="0"/>
+              <a:t>.</a:t>
+            </a:r>
+            <a:r>
+              <a:rPr kumimoji="1" lang="ko-KR" altLang="en-US" baseline="0" dirty="0" smtClean="0"/>
+              <a:t> 전달받은 피어는 알고있는 정보가 아닌 새로운정보의 경우 </a:t>
+            </a:r>
+            <a:r>
+              <a:rPr kumimoji="1" lang="en-US" altLang="ko-KR" baseline="0" dirty="0" smtClean="0"/>
+              <a:t>GETDATA</a:t>
+            </a:r>
+            <a:r>
+              <a:rPr kumimoji="1" lang="ko-KR" altLang="en-US" baseline="0" dirty="0" smtClean="0"/>
+              <a:t> 메세지를 답하고 </a:t>
+            </a:r>
+            <a:r>
+              <a:rPr kumimoji="1" lang="en-US" altLang="ko-KR" baseline="0" dirty="0" smtClean="0"/>
+              <a:t>GETDATA</a:t>
+            </a:r>
+            <a:r>
+              <a:rPr kumimoji="1" lang="ko-KR" altLang="en-US" baseline="0" dirty="0" smtClean="0"/>
+              <a:t>를 받은 피어는 다시 해당 해쉬값의 관련정보를 담아 </a:t>
+            </a:r>
+            <a:r>
+              <a:rPr kumimoji="1" lang="en-US" altLang="ko-KR" baseline="0" dirty="0" smtClean="0"/>
+              <a:t>TX or BLOCK</a:t>
+            </a:r>
+            <a:r>
+              <a:rPr kumimoji="1" lang="ko-KR" altLang="en-US" baseline="0" dirty="0" smtClean="0"/>
+              <a:t>메</a:t>
+            </a:r>
+            <a:r>
+              <a:rPr kumimoji="1" lang="ko-KR" altLang="en-US" dirty="0" smtClean="0"/>
+              <a:t>여기서 생기는 잠재적 위협입니다</a:t>
+            </a:r>
+            <a:r>
+              <a:rPr kumimoji="1" lang="en-US" altLang="ko-KR" dirty="0" smtClean="0"/>
+              <a:t>.</a:t>
+            </a:r>
+            <a:r>
+              <a:rPr kumimoji="1" lang="ko-KR" altLang="en-US" dirty="0" smtClean="0"/>
+              <a:t> 정보들이 퍼지는 잠시동안 네트워크는 정보불일치 상태가됩니다</a:t>
+            </a:r>
+            <a:r>
+              <a:rPr kumimoji="1" lang="en-US" altLang="ko-KR" dirty="0" smtClean="0"/>
+              <a:t>.</a:t>
+            </a:r>
+            <a:r>
+              <a:rPr kumimoji="1" lang="ko-KR" altLang="en-US" baseline="0" dirty="0" smtClean="0"/>
+              <a:t> 이런점을 파고들어 악의적인 피어가 굉장히 빠른속도로 자기의 정보를 그 누구보다 빠르게 퍼트릴 수 있다면 비트코인 네트워크는 정보균형의 목적을 잃게 됩니다</a:t>
+            </a:r>
+            <a:r>
+              <a:rPr kumimoji="1" lang="en-US" altLang="ko-KR" baseline="0" dirty="0" smtClean="0"/>
+              <a:t>.</a:t>
+            </a:r>
+            <a:endParaRPr kumimoji="1" lang="ko-KR" altLang="en-US" dirty="0" smtClean="0"/>
+          </a:p>
+          <a:p>
+            <a:r>
+              <a:rPr kumimoji="1" lang="ko-KR" altLang="en-US" baseline="0" dirty="0" smtClean="0"/>
+              <a:t>세지를 전달하게됩니다</a:t>
+            </a:r>
+            <a:r>
+              <a:rPr kumimoji="1" lang="en-US" altLang="ko-KR" baseline="0" dirty="0" smtClean="0"/>
+              <a:t>.</a:t>
+            </a:r>
+            <a:r>
+              <a:rPr kumimoji="1" lang="ko-KR" altLang="en-US" baseline="0" dirty="0" smtClean="0"/>
+              <a:t> 이런</a:t>
+            </a:r>
+            <a:r>
+              <a:rPr kumimoji="1" lang="en-US" altLang="ko-KR" baseline="0" dirty="0" smtClean="0"/>
+              <a:t> gossip protocol</a:t>
+            </a:r>
+            <a:r>
+              <a:rPr kumimoji="1" lang="ko-KR" altLang="en-US" baseline="0" dirty="0" smtClean="0"/>
+              <a:t>로 피어들은 닿을 수 있는한 계속해서 정보들을 브로드캐스팅하여 네트워크에 정보일관성을 유지합니다</a:t>
+            </a:r>
+            <a:r>
+              <a:rPr kumimoji="1" lang="en-US" altLang="ko-KR" baseline="0" dirty="0" smtClean="0"/>
+              <a:t>.</a:t>
+            </a:r>
+            <a:endParaRPr kumimoji="1" lang="ko-KR" altLang="en-US" dirty="0"/>
+          </a:p>
+        </p:txBody>
+      </p:sp>
+      <p:sp>
+        <p:nvSpPr>
+          <p:cNvPr id="4" name="슬라이드 번호 개체 틀 3"/>
+          <p:cNvSpPr>
+            <a:spLocks noGrp="1"/>
+          </p:cNvSpPr>
+          <p:nvPr>
+            <p:ph type="sldNum" sz="quarter" idx="10"/>
+          </p:nvPr>
+        </p:nvSpPr>
+        <p:spPr/>
+        <p:txBody>
+          <a:bodyPr/>
+          <a:lstStyle/>
+          <a:p>
+            <a:fld id="{E736127A-013E-9C44-A760-649B6F27EE82}" type="slidenum">
+              <a:rPr kumimoji="1" lang="ko-KR" altLang="en-US" smtClean="0"/>
+              <a:t>7</a:t>
+            </a:fld>
+            <a:endParaRPr kumimoji="1" lang="ko-KR" altLang="en-US"/>
+          </a:p>
+        </p:txBody>
+      </p:sp>
+    </p:spTree>
+    <p:extLst>
+      <p:ext uri="{BB962C8B-B14F-4D97-AF65-F5344CB8AC3E}">
+        <p14:creationId xmlns:p14="http://schemas.microsoft.com/office/powerpoint/2010/main" val="1921341825"/>
+      </p:ext>
+    </p:extLst>
+  </p:cSld>
+  <p:clrMapOvr>
+    <a:masterClrMapping/>
+  </p:clrMapOvr>
+</p:notes>
+</file>
+
+<file path=ppt/notesSlides/notesSlide5.xml><?xml version="1.0" encoding="utf-8"?>
+<p:notes xmlns:a="http://schemas.openxmlformats.org/drawingml/2006/main" xmlns:r="http://schemas.openxmlformats.org/officeDocument/2006/relationships" xmlns:p="http://schemas.openxmlformats.org/presentationml/2006/main">
+  <p:cSld>
+    <p:spTree>
+      <p:nvGrpSpPr>
+        <p:cNvPr id="1" name=""/>
+        <p:cNvGrpSpPr/>
+        <p:nvPr/>
+      </p:nvGrpSpPr>
+      <p:grpSpPr>
+        <a:xfrm>
+          <a:off x="0" y="0"/>
+          <a:ext cx="0" cy="0"/>
+          <a:chOff x="0" y="0"/>
+          <a:chExt cx="0" cy="0"/>
+        </a:xfrm>
+      </p:grpSpPr>
+      <p:sp>
+        <p:nvSpPr>
+          <p:cNvPr id="2" name="슬라이드 이미지 개체 틀 1"/>
+          <p:cNvSpPr>
+            <a:spLocks noGrp="1" noRot="1" noChangeAspect="1"/>
+          </p:cNvSpPr>
+          <p:nvPr>
+            <p:ph type="sldImg"/>
+          </p:nvPr>
+        </p:nvSpPr>
+        <p:spPr/>
+      </p:sp>
+      <p:sp>
+        <p:nvSpPr>
+          <p:cNvPr id="3" name="슬라이드 노트 개체 틀 2"/>
+          <p:cNvSpPr>
+            <a:spLocks noGrp="1"/>
+          </p:cNvSpPr>
+          <p:nvPr>
+            <p:ph type="body" idx="1"/>
+          </p:nvPr>
+        </p:nvSpPr>
+        <p:spPr/>
+        <p:txBody>
+          <a:bodyPr/>
+          <a:lstStyle/>
+          <a:p>
+            <a:endParaRPr kumimoji="1" lang="ko-KR" altLang="en-US" dirty="0"/>
+          </a:p>
+        </p:txBody>
+      </p:sp>
+      <p:sp>
+        <p:nvSpPr>
+          <p:cNvPr id="4" name="슬라이드 번호 개체 틀 3"/>
+          <p:cNvSpPr>
+            <a:spLocks noGrp="1"/>
+          </p:cNvSpPr>
+          <p:nvPr>
+            <p:ph type="sldNum" sz="quarter" idx="10"/>
+          </p:nvPr>
+        </p:nvSpPr>
+        <p:spPr/>
+        <p:txBody>
+          <a:bodyPr/>
+          <a:lstStyle/>
+          <a:p>
+            <a:fld id="{E736127A-013E-9C44-A760-649B6F27EE82}" type="slidenum">
+              <a:rPr kumimoji="1" lang="ko-KR" altLang="en-US" smtClean="0"/>
+              <a:t>8</a:t>
+            </a:fld>
+            <a:endParaRPr kumimoji="1" lang="ko-KR" altLang="en-US"/>
+          </a:p>
+        </p:txBody>
+      </p:sp>
+    </p:spTree>
+    <p:extLst>
+      <p:ext uri="{BB962C8B-B14F-4D97-AF65-F5344CB8AC3E}">
+        <p14:creationId xmlns:p14="http://schemas.microsoft.com/office/powerpoint/2010/main" val="1236724914"/>
+      </p:ext>
+    </p:extLst>
+  </p:cSld>
+  <p:clrMapOvr>
+    <a:masterClrMapping/>
+  </p:clrMapOvr>
+</p:notes>
 </file>
 
 <file path=ppt/slideLayouts/slideLayout1.xml><?xml version="1.0" encoding="utf-8"?>
@@ -240,7 +1490,7 @@
           <a:p>
             <a:fld id="{9B6B7057-CD51-EE43-ADBD-6A3A9432EFAD}" type="datetimeFigureOut">
               <a:rPr kumimoji="1" lang="ko-KR" altLang="en-US" smtClean="0"/>
-              <a:t>2017. 12. 14.</a:t>
+              <a:t>2017. 12. 23.</a:t>
             </a:fld>
             <a:endParaRPr kumimoji="1" lang="ko-KR" altLang="en-US"/>
           </a:p>
@@ -410,7 +1660,7 @@
           <a:p>
             <a:fld id="{9B6B7057-CD51-EE43-ADBD-6A3A9432EFAD}" type="datetimeFigureOut">
               <a:rPr kumimoji="1" lang="ko-KR" altLang="en-US" smtClean="0"/>
-              <a:t>2017. 12. 14.</a:t>
+              <a:t>2017. 12. 23.</a:t>
             </a:fld>
             <a:endParaRPr kumimoji="1" lang="ko-KR" altLang="en-US"/>
           </a:p>
@@ -590,7 +1840,7 @@
           <a:p>
             <a:fld id="{9B6B7057-CD51-EE43-ADBD-6A3A9432EFAD}" type="datetimeFigureOut">
               <a:rPr kumimoji="1" lang="ko-KR" altLang="en-US" smtClean="0"/>
-              <a:t>2017. 12. 14.</a:t>
+              <a:t>2017. 12. 23.</a:t>
             </a:fld>
             <a:endParaRPr kumimoji="1" lang="ko-KR" altLang="en-US"/>
           </a:p>
@@ -760,7 +2010,7 @@
           <a:p>
             <a:fld id="{9B6B7057-CD51-EE43-ADBD-6A3A9432EFAD}" type="datetimeFigureOut">
               <a:rPr kumimoji="1" lang="ko-KR" altLang="en-US" smtClean="0"/>
-              <a:t>2017. 12. 14.</a:t>
+              <a:t>2017. 12. 23.</a:t>
             </a:fld>
             <a:endParaRPr kumimoji="1" lang="ko-KR" altLang="en-US"/>
           </a:p>
@@ -1006,7 +2256,7 @@
           <a:p>
             <a:fld id="{9B6B7057-CD51-EE43-ADBD-6A3A9432EFAD}" type="datetimeFigureOut">
               <a:rPr kumimoji="1" lang="ko-KR" altLang="en-US" smtClean="0"/>
-              <a:t>2017. 12. 14.</a:t>
+              <a:t>2017. 12. 23.</a:t>
             </a:fld>
             <a:endParaRPr kumimoji="1" lang="ko-KR" altLang="en-US"/>
           </a:p>
@@ -1238,7 +2488,7 @@
           <a:p>
             <a:fld id="{9B6B7057-CD51-EE43-ADBD-6A3A9432EFAD}" type="datetimeFigureOut">
               <a:rPr kumimoji="1" lang="ko-KR" altLang="en-US" smtClean="0"/>
-              <a:t>2017. 12. 14.</a:t>
+              <a:t>2017. 12. 23.</a:t>
             </a:fld>
             <a:endParaRPr kumimoji="1" lang="ko-KR" altLang="en-US"/>
           </a:p>
@@ -1605,7 +2855,7 @@
           <a:p>
             <a:fld id="{9B6B7057-CD51-EE43-ADBD-6A3A9432EFAD}" type="datetimeFigureOut">
               <a:rPr kumimoji="1" lang="ko-KR" altLang="en-US" smtClean="0"/>
-              <a:t>2017. 12. 14.</a:t>
+              <a:t>2017. 12. 23.</a:t>
             </a:fld>
             <a:endParaRPr kumimoji="1" lang="ko-KR" altLang="en-US"/>
           </a:p>
@@ -1723,7 +2973,7 @@
           <a:p>
             <a:fld id="{9B6B7057-CD51-EE43-ADBD-6A3A9432EFAD}" type="datetimeFigureOut">
               <a:rPr kumimoji="1" lang="ko-KR" altLang="en-US" smtClean="0"/>
-              <a:t>2017. 12. 14.</a:t>
+              <a:t>2017. 12. 23.</a:t>
             </a:fld>
             <a:endParaRPr kumimoji="1" lang="ko-KR" altLang="en-US"/>
           </a:p>
@@ -1818,7 +3068,7 @@
           <a:p>
             <a:fld id="{9B6B7057-CD51-EE43-ADBD-6A3A9432EFAD}" type="datetimeFigureOut">
               <a:rPr kumimoji="1" lang="ko-KR" altLang="en-US" smtClean="0"/>
-              <a:t>2017. 12. 14.</a:t>
+              <a:t>2017. 12. 23.</a:t>
             </a:fld>
             <a:endParaRPr kumimoji="1" lang="ko-KR" altLang="en-US"/>
           </a:p>
@@ -2095,7 +3345,7 @@
           <a:p>
             <a:fld id="{9B6B7057-CD51-EE43-ADBD-6A3A9432EFAD}" type="datetimeFigureOut">
               <a:rPr kumimoji="1" lang="ko-KR" altLang="en-US" smtClean="0"/>
-              <a:t>2017. 12. 14.</a:t>
+              <a:t>2017. 12. 23.</a:t>
             </a:fld>
             <a:endParaRPr kumimoji="1" lang="ko-KR" altLang="en-US"/>
           </a:p>
@@ -2348,7 +3598,7 @@
           <a:p>
             <a:fld id="{9B6B7057-CD51-EE43-ADBD-6A3A9432EFAD}" type="datetimeFigureOut">
               <a:rPr kumimoji="1" lang="ko-KR" altLang="en-US" smtClean="0"/>
-              <a:t>2017. 12. 14.</a:t>
+              <a:t>2017. 12. 23.</a:t>
             </a:fld>
             <a:endParaRPr kumimoji="1" lang="ko-KR" altLang="en-US"/>
           </a:p>
@@ -2561,7 +3811,7 @@
           <a:p>
             <a:fld id="{9B6B7057-CD51-EE43-ADBD-6A3A9432EFAD}" type="datetimeFigureOut">
               <a:rPr kumimoji="1" lang="ko-KR" altLang="en-US" smtClean="0"/>
-              <a:t>2017. 12. 14.</a:t>
+              <a:t>2017. 12. 23.</a:t>
             </a:fld>
             <a:endParaRPr kumimoji="1" lang="ko-KR" altLang="en-US"/>
           </a:p>
@@ -3246,6 +4496,13 @@
   <p:clrMapOvr>
     <a:masterClrMapping/>
   </p:clrMapOvr>
+  <p:timing>
+    <p:tnLst>
+      <p:par>
+        <p:cTn id="1" dur="indefinite" restart="never" nodeType="tmRoot"/>
+      </p:par>
+    </p:tnLst>
+  </p:timing>
 </p:sld>
 </file>
 
@@ -3275,7 +4532,7 @@
         <p:spPr>
           <a:xfrm>
             <a:off x="831273" y="565265"/>
-            <a:ext cx="5162203" cy="369332"/>
+            <a:ext cx="5162203" cy="461665"/>
           </a:xfrm>
           <a:prstGeom prst="rect">
             <a:avLst/>
@@ -3289,10 +4546,10 @@
           <a:lstStyle/>
           <a:p>
             <a:r>
-              <a:rPr kumimoji="1" lang="en-US" altLang="ko-KR" dirty="0" err="1" smtClean="0"/>
+              <a:rPr kumimoji="1" lang="en-US" altLang="ko-KR" sz="2400" b="1" dirty="0" err="1" smtClean="0"/>
               <a:t>AddressProbe</a:t>
             </a:r>
-            <a:endParaRPr kumimoji="1" lang="ko-KR" altLang="en-US" dirty="0"/>
+            <a:endParaRPr kumimoji="1" lang="ko-KR" altLang="en-US" sz="2400" b="1" dirty="0"/>
           </a:p>
         </p:txBody>
       </p:sp>
@@ -3354,15 +4611,7 @@
             </a:pPr>
             <a:r>
               <a:rPr kumimoji="1" lang="en-US" altLang="ko-KR" dirty="0" smtClean="0"/>
-              <a:t>Also identify a set of artificially high-degree nodes that attempt to connect to many peers, potentially to reduce latency in </a:t>
-            </a:r>
-            <a:r>
-              <a:rPr kumimoji="1" lang="en-US" altLang="ko-KR" dirty="0" err="1" smtClean="0"/>
-              <a:t>learing</a:t>
-            </a:r>
-            <a:r>
-              <a:rPr kumimoji="1" lang="en-US" altLang="ko-KR" dirty="0" smtClean="0"/>
-              <a:t> about and propagating new blocks and transactions.</a:t>
+              <a:t>Also identify a set of artificially high-degree nodes that attempt to connect to many peers, potentially to reduce latency in learning about and propagating new blocks and transactions.</a:t>
             </a:r>
           </a:p>
           <a:p>
@@ -3382,27 +4631,85 @@
             </a:pPr>
             <a:r>
               <a:rPr kumimoji="1" lang="en-US" altLang="ko-KR" dirty="0" smtClean="0"/>
-              <a:t>Find a </a:t>
-            </a:r>
-            <a:r>
-              <a:rPr kumimoji="1" lang="en-US" altLang="ko-KR" dirty="0" err="1" smtClean="0"/>
-              <a:t>fewunidentified</a:t>
+              <a:t>Find a few</a:t>
+            </a:r>
+            <a:r>
+              <a:rPr kumimoji="1" lang="ko-KR" altLang="en-US" dirty="0" smtClean="0"/>
+              <a:t> </a:t>
             </a:r>
             <a:r>
               <a:rPr kumimoji="1" lang="en-US" altLang="ko-KR" dirty="0" smtClean="0"/>
-              <a:t> nodes that act as “</a:t>
-            </a:r>
-            <a:r>
-              <a:rPr kumimoji="1" lang="en-US" altLang="ko-KR" dirty="0" err="1" smtClean="0"/>
-              <a:t>fornt</a:t>
-            </a:r>
+              <a:t>unidentified nodes that act as “front-ends” to mining pools, and it is far more important that these nodes receive a transaction or block more efficiently than others.</a:t>
+            </a:r>
+            <a:endParaRPr kumimoji="1" lang="ko-KR" altLang="en-US" dirty="0"/>
+          </a:p>
+        </p:txBody>
+      </p:sp>
+      <p:sp>
+        <p:nvSpPr>
+          <p:cNvPr id="6" name="TextBox 5"/>
+          <p:cNvSpPr txBox="1"/>
+          <p:nvPr/>
+        </p:nvSpPr>
+        <p:spPr>
+          <a:xfrm>
+            <a:off x="1575856" y="3860273"/>
+            <a:ext cx="9788830" cy="646331"/>
+          </a:xfrm>
+          <a:prstGeom prst="rect">
+            <a:avLst/>
+          </a:prstGeom>
+          <a:noFill/>
+        </p:spPr>
+        <p:txBody>
+          <a:bodyPr wrap="square" rtlCol="0">
+            <a:spAutoFit/>
+          </a:bodyPr>
+          <a:lstStyle/>
+          <a:p>
+            <a:pPr marL="285750" marR="0" lvl="0" indent="-285750" defTabSz="914400" eaLnBrk="1" fontAlgn="auto" latinLnBrk="0" hangingPunct="1">
+              <a:lnSpc>
+                <a:spcPct val="100000"/>
+              </a:lnSpc>
+              <a:spcBef>
+                <a:spcPts val="0"/>
+              </a:spcBef>
+              <a:spcAft>
+                <a:spcPts val="0"/>
+              </a:spcAft>
+              <a:buClrTx/>
+              <a:buSzTx/>
+              <a:buFont typeface="Symbol" charset="2"/>
+              <a:buChar char="Þ"/>
+              <a:tabLst/>
+              <a:defRPr/>
+            </a:pPr>
             <a:r>
               <a:rPr kumimoji="1" lang="en-US" altLang="ko-KR" dirty="0" smtClean="0"/>
-              <a:t>-ends” to mining pools, and it is far more important that these nodes receive a transaction or block more efficiently </a:t>
-            </a:r>
-            <a:r>
-              <a:rPr kumimoji="1" lang="en-US" altLang="ko-KR" smtClean="0"/>
-              <a:t>than others.</a:t>
+              <a:t>* Bitcoin topology is not a random graph.</a:t>
+            </a:r>
+          </a:p>
+          <a:p>
+            <a:pPr marL="285750" marR="0" lvl="0" indent="-285750" defTabSz="914400" eaLnBrk="1" fontAlgn="auto" latinLnBrk="0" hangingPunct="1">
+              <a:lnSpc>
+                <a:spcPct val="100000"/>
+              </a:lnSpc>
+              <a:spcBef>
+                <a:spcPts val="0"/>
+              </a:spcBef>
+              <a:spcAft>
+                <a:spcPts val="0"/>
+              </a:spcAft>
+              <a:buClrTx/>
+              <a:buSzTx/>
+              <a:buFont typeface="Symbol" charset="2"/>
+              <a:buChar char="Þ"/>
+              <a:tabLst/>
+              <a:defRPr/>
+            </a:pPr>
+            <a:r>
+              <a:rPr kumimoji="1" lang="en-US" altLang="ko-KR" dirty="0" smtClean="0"/>
+              <a:t>* Influential nodes that skew broadcast fairness.</a:t>
             </a:r>
             <a:endParaRPr kumimoji="1" lang="ko-KR" altLang="en-US" dirty="0"/>
           </a:p>
@@ -3418,6 +4725,3609 @@
   <p:clrMapOvr>
     <a:masterClrMapping/>
   </p:clrMapOvr>
+  <p:timing>
+    <p:tnLst>
+      <p:par>
+        <p:cTn id="1" dur="indefinite" restart="never" nodeType="tmRoot"/>
+      </p:par>
+    </p:tnLst>
+  </p:timing>
+</p:sld>
+</file>
+
+<file path=ppt/slides/slide4.xml><?xml version="1.0" encoding="utf-8"?>
+<p:sld xmlns:a="http://schemas.openxmlformats.org/drawingml/2006/main" xmlns:r="http://schemas.openxmlformats.org/officeDocument/2006/relationships" xmlns:p="http://schemas.openxmlformats.org/presentationml/2006/main">
+  <p:cSld>
+    <p:spTree>
+      <p:nvGrpSpPr>
+        <p:cNvPr id="1" name=""/>
+        <p:cNvGrpSpPr/>
+        <p:nvPr/>
+      </p:nvGrpSpPr>
+      <p:grpSpPr>
+        <a:xfrm>
+          <a:off x="0" y="0"/>
+          <a:ext cx="0" cy="0"/>
+          <a:chOff x="0" y="0"/>
+          <a:chExt cx="0" cy="0"/>
+        </a:xfrm>
+      </p:grpSpPr>
+      <p:sp>
+        <p:nvSpPr>
+          <p:cNvPr id="5" name="TextBox 4"/>
+          <p:cNvSpPr txBox="1"/>
+          <p:nvPr/>
+        </p:nvSpPr>
+        <p:spPr>
+          <a:xfrm>
+            <a:off x="1575856" y="1214054"/>
+            <a:ext cx="9788830" cy="1754326"/>
+          </a:xfrm>
+          <a:prstGeom prst="rect">
+            <a:avLst/>
+          </a:prstGeom>
+          <a:noFill/>
+        </p:spPr>
+        <p:txBody>
+          <a:bodyPr wrap="square" rtlCol="0">
+            <a:spAutoFit/>
+          </a:bodyPr>
+          <a:lstStyle/>
+          <a:p>
+            <a:pPr marL="285750" indent="-285750">
+              <a:buFontTx/>
+              <a:buChar char="-"/>
+            </a:pPr>
+            <a:r>
+              <a:rPr kumimoji="1" lang="en-US" altLang="ko-KR" dirty="0" smtClean="0"/>
+              <a:t>Every bitcoin peer maintains a database, called the</a:t>
+            </a:r>
+            <a:r>
+              <a:rPr kumimoji="1" lang="en-US" altLang="ko-KR" b="1" i="1" dirty="0"/>
+              <a:t> </a:t>
+            </a:r>
+            <a:r>
+              <a:rPr kumimoji="1" lang="en-US" altLang="ko-KR" b="1" i="1" dirty="0" err="1" smtClean="0"/>
+              <a:t>addrMan</a:t>
+            </a:r>
+            <a:r>
+              <a:rPr kumimoji="1" lang="en-US" altLang="ko-KR" b="1" i="1" dirty="0" smtClean="0"/>
+              <a:t> </a:t>
+            </a:r>
+            <a:r>
+              <a:rPr kumimoji="1" lang="en-US" altLang="ko-KR" dirty="0" smtClean="0"/>
+              <a:t>(</a:t>
+            </a:r>
+            <a:r>
+              <a:rPr kumimoji="1" lang="en-US" altLang="ko-KR" dirty="0"/>
+              <a:t>of peers it has heard about</a:t>
+            </a:r>
+            <a:r>
+              <a:rPr kumimoji="1" lang="en-US" altLang="ko-KR" dirty="0" smtClean="0"/>
+              <a:t>.). </a:t>
+            </a:r>
+            <a:r>
+              <a:rPr kumimoji="1" lang="en-US" altLang="ko-KR" dirty="0" smtClean="0"/>
+              <a:t>A peer first learns about a set of peers by contacting bootstrap DNS nodes</a:t>
+            </a:r>
+          </a:p>
+          <a:p>
+            <a:pPr marL="285750" indent="-285750">
+              <a:buFontTx/>
+              <a:buChar char="-"/>
+            </a:pPr>
+            <a:r>
+              <a:rPr kumimoji="1" lang="en-US" altLang="ko-KR" b="1" i="1" dirty="0" smtClean="0"/>
+              <a:t>neighbors </a:t>
+            </a:r>
+            <a:r>
+              <a:rPr kumimoji="1" lang="en-US" altLang="ko-KR" dirty="0" smtClean="0"/>
+              <a:t>: a total connections (incoming, </a:t>
+            </a:r>
+            <a:r>
+              <a:rPr kumimoji="1" lang="en-US" altLang="ko-KR" dirty="0" err="1" smtClean="0"/>
+              <a:t>outcoming</a:t>
+            </a:r>
+            <a:r>
+              <a:rPr kumimoji="1" lang="en-US" altLang="ko-KR" dirty="0" smtClean="0"/>
+              <a:t>) of peers. (initiates up to 8 , maintains max 125)</a:t>
+            </a:r>
+          </a:p>
+          <a:p>
+            <a:pPr marL="285750" indent="-285750">
+              <a:buFontTx/>
+              <a:buChar char="-"/>
+            </a:pPr>
+            <a:r>
+              <a:rPr kumimoji="1" lang="en-US" altLang="ko-KR" b="1" i="1" dirty="0" err="1" smtClean="0"/>
+              <a:t>getAddr</a:t>
+            </a:r>
+            <a:r>
+              <a:rPr kumimoji="1" lang="en-US" altLang="ko-KR" b="1" i="1" dirty="0" smtClean="0"/>
+              <a:t> </a:t>
+            </a:r>
+            <a:r>
+              <a:rPr kumimoji="1" lang="en-US" altLang="ko-KR" dirty="0" smtClean="0"/>
+              <a:t>: request </a:t>
+            </a:r>
+            <a:r>
+              <a:rPr kumimoji="1" lang="en-US" altLang="ko-KR" b="1" i="1" dirty="0" err="1" smtClean="0"/>
+              <a:t>addr</a:t>
+            </a:r>
+            <a:r>
+              <a:rPr kumimoji="1" lang="en-US" altLang="ko-KR" b="1" i="1" dirty="0" smtClean="0"/>
+              <a:t> </a:t>
+            </a:r>
+            <a:r>
+              <a:rPr kumimoji="1" lang="en-US" altLang="ko-KR" dirty="0" smtClean="0"/>
+              <a:t>messages.</a:t>
+            </a:r>
+          </a:p>
+          <a:p>
+            <a:pPr marL="285750" indent="-285750">
+              <a:buFontTx/>
+              <a:buChar char="-"/>
+            </a:pPr>
+            <a:r>
+              <a:rPr kumimoji="1" lang="en-US" altLang="ko-KR" b="1" i="1" dirty="0" err="1" smtClean="0"/>
+              <a:t>addr</a:t>
+            </a:r>
+            <a:r>
+              <a:rPr kumimoji="1" lang="en-US" altLang="ko-KR" b="1" i="1" dirty="0" smtClean="0"/>
+              <a:t> </a:t>
+            </a:r>
+            <a:r>
+              <a:rPr kumimoji="1" lang="en-US" altLang="ko-KR" dirty="0" smtClean="0"/>
+              <a:t>: contains address information.</a:t>
+            </a:r>
+            <a:endParaRPr kumimoji="1" lang="ko-KR" altLang="en-US" b="1" i="1" dirty="0"/>
+          </a:p>
+        </p:txBody>
+      </p:sp>
+      <p:sp>
+        <p:nvSpPr>
+          <p:cNvPr id="9" name="TextBox 8"/>
+          <p:cNvSpPr txBox="1"/>
+          <p:nvPr/>
+        </p:nvSpPr>
+        <p:spPr>
+          <a:xfrm>
+            <a:off x="831273" y="565265"/>
+            <a:ext cx="5162203" cy="461665"/>
+          </a:xfrm>
+          <a:prstGeom prst="rect">
+            <a:avLst/>
+          </a:prstGeom>
+          <a:noFill/>
+        </p:spPr>
+        <p:txBody>
+          <a:bodyPr wrap="square" rtlCol="0">
+            <a:spAutoFit/>
+          </a:bodyPr>
+          <a:lstStyle/>
+          <a:p>
+            <a:r>
+              <a:rPr kumimoji="1" lang="en-US" altLang="ko-KR" sz="2400" b="1" dirty="0" smtClean="0"/>
+              <a:t>Terms</a:t>
+            </a:r>
+            <a:endParaRPr kumimoji="1" lang="ko-KR" altLang="en-US" sz="2400" b="1" dirty="0"/>
+          </a:p>
+        </p:txBody>
+      </p:sp>
+    </p:spTree>
+    <p:extLst>
+      <p:ext uri="{BB962C8B-B14F-4D97-AF65-F5344CB8AC3E}">
+        <p14:creationId xmlns:p14="http://schemas.microsoft.com/office/powerpoint/2010/main" val="1882495210"/>
+      </p:ext>
+    </p:extLst>
+  </p:cSld>
+  <p:clrMapOvr>
+    <a:masterClrMapping/>
+  </p:clrMapOvr>
+  <p:timing>
+    <p:tnLst>
+      <p:par>
+        <p:cTn id="1" dur="indefinite" restart="never" nodeType="tmRoot"/>
+      </p:par>
+    </p:tnLst>
+  </p:timing>
+</p:sld>
+</file>
+
+<file path=ppt/slides/slide5.xml><?xml version="1.0" encoding="utf-8"?>
+<p:sld xmlns:a="http://schemas.openxmlformats.org/drawingml/2006/main" xmlns:r="http://schemas.openxmlformats.org/officeDocument/2006/relationships" xmlns:p="http://schemas.openxmlformats.org/presentationml/2006/main">
+  <p:cSld>
+    <p:spTree>
+      <p:nvGrpSpPr>
+        <p:cNvPr id="1" name=""/>
+        <p:cNvGrpSpPr/>
+        <p:nvPr/>
+      </p:nvGrpSpPr>
+      <p:grpSpPr>
+        <a:xfrm>
+          <a:off x="0" y="0"/>
+          <a:ext cx="0" cy="0"/>
+          <a:chOff x="0" y="0"/>
+          <a:chExt cx="0" cy="0"/>
+        </a:xfrm>
+      </p:grpSpPr>
+      <p:sp>
+        <p:nvSpPr>
+          <p:cNvPr id="18" name="TextBox 17"/>
+          <p:cNvSpPr txBox="1"/>
+          <p:nvPr/>
+        </p:nvSpPr>
+        <p:spPr>
+          <a:xfrm>
+            <a:off x="2227729" y="1643111"/>
+            <a:ext cx="2423784" cy="830997"/>
+          </a:xfrm>
+          <a:prstGeom prst="rect">
+            <a:avLst/>
+          </a:prstGeom>
+          <a:noFill/>
+          <a:ln>
+            <a:solidFill>
+              <a:schemeClr val="tx1">
+                <a:lumMod val="75000"/>
+                <a:lumOff val="25000"/>
+              </a:schemeClr>
+            </a:solidFill>
+          </a:ln>
+        </p:spPr>
+        <p:txBody>
+          <a:bodyPr wrap="square" rtlCol="0">
+            <a:spAutoFit/>
+          </a:bodyPr>
+          <a:lstStyle/>
+          <a:p>
+            <a:pPr algn="ctr"/>
+            <a:r>
+              <a:rPr kumimoji="1" lang="en-US" altLang="ko-KR" sz="1600" dirty="0" smtClean="0"/>
+              <a:t>INV message</a:t>
+            </a:r>
+          </a:p>
+          <a:p>
+            <a:pPr algn="ctr"/>
+            <a:endParaRPr kumimoji="1" lang="en-US" altLang="ko-KR" sz="1600" dirty="0"/>
+          </a:p>
+          <a:p>
+            <a:pPr algn="ctr"/>
+            <a:endParaRPr kumimoji="1" lang="ko-KR" altLang="en-US" sz="1600" dirty="0"/>
+          </a:p>
+        </p:txBody>
+      </p:sp>
+      <p:sp>
+        <p:nvSpPr>
+          <p:cNvPr id="3" name="TextBox 2"/>
+          <p:cNvSpPr txBox="1"/>
+          <p:nvPr/>
+        </p:nvSpPr>
+        <p:spPr>
+          <a:xfrm>
+            <a:off x="2493897" y="1993346"/>
+            <a:ext cx="1891447" cy="338554"/>
+          </a:xfrm>
+          <a:prstGeom prst="rect">
+            <a:avLst/>
+          </a:prstGeom>
+          <a:noFill/>
+          <a:ln w="38100">
+            <a:solidFill>
+              <a:schemeClr val="tx1">
+                <a:lumMod val="65000"/>
+                <a:lumOff val="35000"/>
+              </a:schemeClr>
+            </a:solidFill>
+            <a:prstDash val="sysDot"/>
+          </a:ln>
+        </p:spPr>
+        <p:txBody>
+          <a:bodyPr wrap="square" rtlCol="0">
+            <a:spAutoFit/>
+          </a:bodyPr>
+          <a:lstStyle/>
+          <a:p>
+            <a:pPr algn="ctr"/>
+            <a:r>
+              <a:rPr kumimoji="1" lang="en-US" altLang="ko-KR" sz="1600" dirty="0" smtClean="0"/>
+              <a:t>0x00000abcd</a:t>
+            </a:r>
+            <a:endParaRPr kumimoji="1" lang="ko-KR" altLang="en-US" sz="1600" dirty="0"/>
+          </a:p>
+        </p:txBody>
+      </p:sp>
+      <p:grpSp>
+        <p:nvGrpSpPr>
+          <p:cNvPr id="15" name="그룹 14"/>
+          <p:cNvGrpSpPr/>
+          <p:nvPr/>
+        </p:nvGrpSpPr>
+        <p:grpSpPr>
+          <a:xfrm>
+            <a:off x="9108237" y="2292226"/>
+            <a:ext cx="1891447" cy="1917739"/>
+            <a:chOff x="8843194" y="2292226"/>
+            <a:chExt cx="1891447" cy="1917739"/>
+          </a:xfrm>
+        </p:grpSpPr>
+        <p:pic>
+          <p:nvPicPr>
+            <p:cNvPr id="7" name="그림 6">
+              <a:extLst>
+                <a:ext uri="{FF2B5EF4-FFF2-40B4-BE49-F238E27FC236}">
+                  <a16:creationId xmlns="" xmlns:a16="http://schemas.microsoft.com/office/drawing/2014/main" id="{D2740D52-1B98-43BD-8D68-CCB0D563490D}"/>
+                </a:ext>
+              </a:extLst>
+            </p:cNvPr>
+            <p:cNvPicPr>
+              <a:picLocks noChangeAspect="1"/>
+            </p:cNvPicPr>
+            <p:nvPr/>
+          </p:nvPicPr>
+          <p:blipFill>
+            <a:blip r:embed="rId3"/>
+            <a:stretch>
+              <a:fillRect/>
+            </a:stretch>
+          </p:blipFill>
+          <p:spPr>
+            <a:xfrm>
+              <a:off x="9054247" y="2292226"/>
+              <a:ext cx="1469342" cy="1469342"/>
+            </a:xfrm>
+            <a:prstGeom prst="rect">
+              <a:avLst/>
+            </a:prstGeom>
+          </p:spPr>
+        </p:pic>
+        <p:sp>
+          <p:nvSpPr>
+            <p:cNvPr id="9" name="TextBox 8"/>
+            <p:cNvSpPr txBox="1"/>
+            <p:nvPr/>
+          </p:nvSpPr>
+          <p:spPr>
+            <a:xfrm>
+              <a:off x="8843194" y="3871411"/>
+              <a:ext cx="1891447" cy="338554"/>
+            </a:xfrm>
+            <a:prstGeom prst="rect">
+              <a:avLst/>
+            </a:prstGeom>
+            <a:noFill/>
+          </p:spPr>
+          <p:txBody>
+            <a:bodyPr wrap="square" rtlCol="0">
+              <a:spAutoFit/>
+            </a:bodyPr>
+            <a:lstStyle/>
+            <a:p>
+              <a:pPr algn="ctr"/>
+              <a:r>
+                <a:rPr kumimoji="1" lang="en-US" altLang="ko-KR" sz="1600" smtClean="0"/>
+                <a:t>Peer #2</a:t>
+              </a:r>
+              <a:endParaRPr kumimoji="1" lang="ko-KR" altLang="en-US" sz="1600" dirty="0"/>
+            </a:p>
+          </p:txBody>
+        </p:sp>
+      </p:grpSp>
+      <p:grpSp>
+        <p:nvGrpSpPr>
+          <p:cNvPr id="14" name="그룹 13"/>
+          <p:cNvGrpSpPr/>
+          <p:nvPr/>
+        </p:nvGrpSpPr>
+        <p:grpSpPr>
+          <a:xfrm>
+            <a:off x="779247" y="2292226"/>
+            <a:ext cx="1891447" cy="1917739"/>
+            <a:chOff x="2197229" y="2292226"/>
+            <a:chExt cx="1891447" cy="1917739"/>
+          </a:xfrm>
+        </p:grpSpPr>
+        <p:pic>
+          <p:nvPicPr>
+            <p:cNvPr id="6" name="그림 5">
+              <a:extLst>
+                <a:ext uri="{FF2B5EF4-FFF2-40B4-BE49-F238E27FC236}">
+                  <a16:creationId xmlns="" xmlns:a16="http://schemas.microsoft.com/office/drawing/2014/main" id="{D2740D52-1B98-43BD-8D68-CCB0D563490D}"/>
+                </a:ext>
+              </a:extLst>
+            </p:cNvPr>
+            <p:cNvPicPr>
+              <a:picLocks noChangeAspect="1"/>
+            </p:cNvPicPr>
+            <p:nvPr/>
+          </p:nvPicPr>
+          <p:blipFill>
+            <a:blip r:embed="rId3"/>
+            <a:stretch>
+              <a:fillRect/>
+            </a:stretch>
+          </p:blipFill>
+          <p:spPr>
+            <a:xfrm>
+              <a:off x="2408282" y="2292226"/>
+              <a:ext cx="1469342" cy="1469342"/>
+            </a:xfrm>
+            <a:prstGeom prst="rect">
+              <a:avLst/>
+            </a:prstGeom>
+          </p:spPr>
+        </p:pic>
+        <p:sp>
+          <p:nvSpPr>
+            <p:cNvPr id="11" name="TextBox 10"/>
+            <p:cNvSpPr txBox="1"/>
+            <p:nvPr/>
+          </p:nvSpPr>
+          <p:spPr>
+            <a:xfrm>
+              <a:off x="2197229" y="3871411"/>
+              <a:ext cx="1891447" cy="338554"/>
+            </a:xfrm>
+            <a:prstGeom prst="rect">
+              <a:avLst/>
+            </a:prstGeom>
+            <a:noFill/>
+          </p:spPr>
+          <p:txBody>
+            <a:bodyPr wrap="square" rtlCol="0">
+              <a:spAutoFit/>
+            </a:bodyPr>
+            <a:lstStyle/>
+            <a:p>
+              <a:pPr algn="ctr"/>
+              <a:r>
+                <a:rPr kumimoji="1" lang="en-US" altLang="ko-KR" sz="1600" dirty="0" smtClean="0"/>
+                <a:t>Peer #1</a:t>
+              </a:r>
+              <a:endParaRPr kumimoji="1" lang="ko-KR" altLang="en-US" sz="1600" dirty="0"/>
+            </a:p>
+          </p:txBody>
+        </p:sp>
+      </p:grpSp>
+      <p:cxnSp>
+        <p:nvCxnSpPr>
+          <p:cNvPr id="13" name="직선 화살표 연결선 12"/>
+          <p:cNvCxnSpPr/>
+          <p:nvPr/>
+        </p:nvCxnSpPr>
+        <p:spPr>
+          <a:xfrm>
+            <a:off x="2822713" y="2703441"/>
+            <a:ext cx="6020481" cy="0"/>
+          </a:xfrm>
+          <a:prstGeom prst="straightConnector1">
+            <a:avLst/>
+          </a:prstGeom>
+          <a:ln w="57150">
+            <a:solidFill>
+              <a:schemeClr val="tx1"/>
+            </a:solidFill>
+            <a:tailEnd type="triangle"/>
+          </a:ln>
+        </p:spPr>
+        <p:style>
+          <a:lnRef idx="1">
+            <a:schemeClr val="accent1"/>
+          </a:lnRef>
+          <a:fillRef idx="0">
+            <a:schemeClr val="accent1"/>
+          </a:fillRef>
+          <a:effectRef idx="0">
+            <a:schemeClr val="accent1"/>
+          </a:effectRef>
+          <a:fontRef idx="minor">
+            <a:schemeClr val="tx1"/>
+          </a:fontRef>
+        </p:style>
+      </p:cxnSp>
+      <p:cxnSp>
+        <p:nvCxnSpPr>
+          <p:cNvPr id="19" name="직선 화살표 연결선 18"/>
+          <p:cNvCxnSpPr/>
+          <p:nvPr/>
+        </p:nvCxnSpPr>
+        <p:spPr>
+          <a:xfrm flipH="1">
+            <a:off x="2822713" y="3352557"/>
+            <a:ext cx="6020481" cy="0"/>
+          </a:xfrm>
+          <a:prstGeom prst="straightConnector1">
+            <a:avLst/>
+          </a:prstGeom>
+          <a:ln w="57150">
+            <a:solidFill>
+              <a:schemeClr val="tx1"/>
+            </a:solidFill>
+            <a:tailEnd type="triangle"/>
+          </a:ln>
+        </p:spPr>
+        <p:style>
+          <a:lnRef idx="1">
+            <a:schemeClr val="accent1"/>
+          </a:lnRef>
+          <a:fillRef idx="0">
+            <a:schemeClr val="accent1"/>
+          </a:fillRef>
+          <a:effectRef idx="0">
+            <a:schemeClr val="accent1"/>
+          </a:effectRef>
+          <a:fontRef idx="minor">
+            <a:schemeClr val="tx1"/>
+          </a:fontRef>
+        </p:style>
+      </p:cxnSp>
+      <p:sp>
+        <p:nvSpPr>
+          <p:cNvPr id="24" name="TextBox 23"/>
+          <p:cNvSpPr txBox="1"/>
+          <p:nvPr/>
+        </p:nvSpPr>
+        <p:spPr>
+          <a:xfrm>
+            <a:off x="6895506" y="3575402"/>
+            <a:ext cx="2423784" cy="338554"/>
+          </a:xfrm>
+          <a:prstGeom prst="rect">
+            <a:avLst/>
+          </a:prstGeom>
+          <a:noFill/>
+          <a:ln>
+            <a:solidFill>
+              <a:schemeClr val="tx1">
+                <a:lumMod val="75000"/>
+                <a:lumOff val="25000"/>
+              </a:schemeClr>
+            </a:solidFill>
+          </a:ln>
+        </p:spPr>
+        <p:txBody>
+          <a:bodyPr wrap="square" rtlCol="0">
+            <a:spAutoFit/>
+          </a:bodyPr>
+          <a:lstStyle/>
+          <a:p>
+            <a:pPr algn="ctr"/>
+            <a:r>
+              <a:rPr kumimoji="1" lang="en-US" altLang="ko-KR" sz="1600" dirty="0" smtClean="0"/>
+              <a:t>GETDATA</a:t>
+            </a:r>
+          </a:p>
+        </p:txBody>
+      </p:sp>
+      <p:sp>
+        <p:nvSpPr>
+          <p:cNvPr id="25" name="TextBox 24"/>
+          <p:cNvSpPr txBox="1"/>
+          <p:nvPr/>
+        </p:nvSpPr>
+        <p:spPr>
+          <a:xfrm>
+            <a:off x="2227729" y="1403379"/>
+            <a:ext cx="2423784" cy="1077218"/>
+          </a:xfrm>
+          <a:prstGeom prst="rect">
+            <a:avLst/>
+          </a:prstGeom>
+          <a:noFill/>
+          <a:ln>
+            <a:solidFill>
+              <a:schemeClr val="tx1">
+                <a:lumMod val="75000"/>
+                <a:lumOff val="25000"/>
+              </a:schemeClr>
+            </a:solidFill>
+          </a:ln>
+        </p:spPr>
+        <p:txBody>
+          <a:bodyPr wrap="square" rtlCol="0">
+            <a:spAutoFit/>
+          </a:bodyPr>
+          <a:lstStyle/>
+          <a:p>
+            <a:pPr algn="ctr"/>
+            <a:r>
+              <a:rPr kumimoji="1" lang="en-US" altLang="ko-KR" sz="1600" dirty="0" smtClean="0"/>
+              <a:t>TX or BLOCK</a:t>
+            </a:r>
+          </a:p>
+          <a:p>
+            <a:pPr algn="ctr"/>
+            <a:endParaRPr kumimoji="1" lang="en-US" altLang="ko-KR" sz="1600" dirty="0" smtClean="0"/>
+          </a:p>
+          <a:p>
+            <a:pPr algn="ctr"/>
+            <a:endParaRPr kumimoji="1" lang="en-US" altLang="ko-KR" sz="1600" dirty="0"/>
+          </a:p>
+          <a:p>
+            <a:pPr algn="ctr"/>
+            <a:endParaRPr kumimoji="1" lang="ko-KR" altLang="en-US" sz="1600" dirty="0"/>
+          </a:p>
+        </p:txBody>
+      </p:sp>
+      <p:sp>
+        <p:nvSpPr>
+          <p:cNvPr id="26" name="TextBox 25"/>
+          <p:cNvSpPr txBox="1"/>
+          <p:nvPr/>
+        </p:nvSpPr>
+        <p:spPr>
+          <a:xfrm>
+            <a:off x="2493897" y="1753614"/>
+            <a:ext cx="1891447" cy="584775"/>
+          </a:xfrm>
+          <a:prstGeom prst="rect">
+            <a:avLst/>
+          </a:prstGeom>
+          <a:noFill/>
+          <a:ln w="38100">
+            <a:solidFill>
+              <a:schemeClr val="tx1">
+                <a:lumMod val="65000"/>
+                <a:lumOff val="35000"/>
+              </a:schemeClr>
+            </a:solidFill>
+            <a:prstDash val="sysDot"/>
+          </a:ln>
+        </p:spPr>
+        <p:txBody>
+          <a:bodyPr wrap="square" rtlCol="0">
+            <a:spAutoFit/>
+          </a:bodyPr>
+          <a:lstStyle/>
+          <a:p>
+            <a:pPr algn="ctr"/>
+            <a:r>
+              <a:rPr kumimoji="1" lang="en-US" altLang="ko-KR" sz="1600" smtClean="0"/>
+              <a:t>0x00000abcd’s data</a:t>
+            </a:r>
+            <a:endParaRPr kumimoji="1" lang="ko-KR" altLang="en-US" sz="1600" dirty="0"/>
+          </a:p>
+        </p:txBody>
+      </p:sp>
+      <p:grpSp>
+        <p:nvGrpSpPr>
+          <p:cNvPr id="30" name="그룹 29"/>
+          <p:cNvGrpSpPr/>
+          <p:nvPr/>
+        </p:nvGrpSpPr>
+        <p:grpSpPr>
+          <a:xfrm>
+            <a:off x="779247" y="4505974"/>
+            <a:ext cx="10533413" cy="1572119"/>
+            <a:chOff x="779247" y="4505974"/>
+            <a:chExt cx="10533413" cy="1572119"/>
+          </a:xfrm>
+        </p:grpSpPr>
+        <p:sp>
+          <p:nvSpPr>
+            <p:cNvPr id="28" name="TextBox 27"/>
+            <p:cNvSpPr txBox="1"/>
+            <p:nvPr/>
+          </p:nvSpPr>
+          <p:spPr>
+            <a:xfrm>
+              <a:off x="779247" y="4505974"/>
+              <a:ext cx="5162203" cy="369332"/>
+            </a:xfrm>
+            <a:prstGeom prst="rect">
+              <a:avLst/>
+            </a:prstGeom>
+            <a:noFill/>
+          </p:spPr>
+          <p:txBody>
+            <a:bodyPr wrap="square" rtlCol="0">
+              <a:spAutoFit/>
+            </a:bodyPr>
+            <a:lstStyle/>
+            <a:p>
+              <a:r>
+                <a:rPr kumimoji="1" lang="en-US" altLang="ko-KR" dirty="0" smtClean="0"/>
+                <a:t>Potential threats</a:t>
+              </a:r>
+              <a:endParaRPr kumimoji="1" lang="ko-KR" altLang="en-US" dirty="0"/>
+            </a:p>
+          </p:txBody>
+        </p:sp>
+        <p:sp>
+          <p:nvSpPr>
+            <p:cNvPr id="29" name="TextBox 28"/>
+            <p:cNvSpPr txBox="1"/>
+            <p:nvPr/>
+          </p:nvSpPr>
+          <p:spPr>
+            <a:xfrm>
+              <a:off x="1523830" y="5154763"/>
+              <a:ext cx="9788830" cy="923330"/>
+            </a:xfrm>
+            <a:prstGeom prst="rect">
+              <a:avLst/>
+            </a:prstGeom>
+            <a:noFill/>
+          </p:spPr>
+          <p:txBody>
+            <a:bodyPr wrap="square" rtlCol="0">
+              <a:spAutoFit/>
+            </a:bodyPr>
+            <a:lstStyle/>
+            <a:p>
+              <a:pPr marL="285750" indent="-285750">
+                <a:buFontTx/>
+                <a:buChar char="-"/>
+              </a:pPr>
+              <a:r>
+                <a:rPr kumimoji="1" lang="en-US" altLang="ko-KR" dirty="0" smtClean="0"/>
+                <a:t>If a data item does not spread throughout the network quickly then the system risks reaching an inconsistent state.</a:t>
+              </a:r>
+              <a:endParaRPr kumimoji="1" lang="en-US" altLang="ko-KR" dirty="0" smtClean="0"/>
+            </a:p>
+            <a:p>
+              <a:pPr marL="285750" indent="-285750">
+                <a:buFontTx/>
+                <a:buChar char="-"/>
+              </a:pPr>
+              <a:endParaRPr kumimoji="1" lang="ko-KR" altLang="en-US" b="1" i="1" dirty="0"/>
+            </a:p>
+          </p:txBody>
+        </p:sp>
+      </p:grpSp>
+      <p:sp>
+        <p:nvSpPr>
+          <p:cNvPr id="31" name="TextBox 30"/>
+          <p:cNvSpPr txBox="1"/>
+          <p:nvPr/>
+        </p:nvSpPr>
+        <p:spPr>
+          <a:xfrm>
+            <a:off x="831273" y="565265"/>
+            <a:ext cx="5162203" cy="461665"/>
+          </a:xfrm>
+          <a:prstGeom prst="rect">
+            <a:avLst/>
+          </a:prstGeom>
+          <a:noFill/>
+        </p:spPr>
+        <p:txBody>
+          <a:bodyPr wrap="square" rtlCol="0">
+            <a:spAutoFit/>
+          </a:bodyPr>
+          <a:lstStyle/>
+          <a:p>
+            <a:r>
+              <a:rPr kumimoji="1" lang="en-US" altLang="ko-KR" sz="2400" b="1" dirty="0" smtClean="0"/>
+              <a:t>How to Broadcast</a:t>
+            </a:r>
+            <a:endParaRPr kumimoji="1" lang="ko-KR" altLang="en-US" sz="2400" b="1" dirty="0"/>
+          </a:p>
+        </p:txBody>
+      </p:sp>
+    </p:spTree>
+    <p:extLst>
+      <p:ext uri="{BB962C8B-B14F-4D97-AF65-F5344CB8AC3E}">
+        <p14:creationId xmlns:p14="http://schemas.microsoft.com/office/powerpoint/2010/main" val="685956032"/>
+      </p:ext>
+    </p:extLst>
+  </p:cSld>
+  <p:clrMapOvr>
+    <a:masterClrMapping/>
+  </p:clrMapOvr>
+  <p:timing>
+    <p:tnLst>
+      <p:par>
+        <p:cTn id="1" dur="indefinite" restart="never" nodeType="tmRoot">
+          <p:childTnLst>
+            <p:seq concurrent="1" nextAc="seek">
+              <p:cTn id="2" dur="indefinite" nodeType="mainSeq">
+                <p:childTnLst>
+                  <p:par>
+                    <p:cTn id="3" fill="hold">
+                      <p:stCondLst>
+                        <p:cond delay="indefinite"/>
+                      </p:stCondLst>
+                      <p:childTnLst>
+                        <p:par>
+                          <p:cTn id="4" fill="hold">
+                            <p:stCondLst>
+                              <p:cond delay="0"/>
+                            </p:stCondLst>
+                            <p:childTnLst>
+                              <p:par>
+                                <p:cTn id="5" presetID="10" presetClass="entr" presetSubtype="0" fill="hold" grpId="0" nodeType="clickEffect">
+                                  <p:stCondLst>
+                                    <p:cond delay="0"/>
+                                  </p:stCondLst>
+                                  <p:childTnLst>
+                                    <p:set>
+                                      <p:cBhvr>
+                                        <p:cTn id="6" dur="1" fill="hold">
+                                          <p:stCondLst>
+                                            <p:cond delay="0"/>
+                                          </p:stCondLst>
+                                        </p:cTn>
+                                        <p:tgtEl>
+                                          <p:spTgt spid="3"/>
+                                        </p:tgtEl>
+                                        <p:attrNameLst>
+                                          <p:attrName>style.visibility</p:attrName>
+                                        </p:attrNameLst>
+                                      </p:cBhvr>
+                                      <p:to>
+                                        <p:strVal val="visible"/>
+                                      </p:to>
+                                    </p:set>
+                                    <p:animEffect transition="in" filter="fade">
+                                      <p:cBhvr>
+                                        <p:cTn id="7" dur="500"/>
+                                        <p:tgtEl>
+                                          <p:spTgt spid="3"/>
+                                        </p:tgtEl>
+                                      </p:cBhvr>
+                                    </p:animEffect>
+                                  </p:childTnLst>
+                                </p:cTn>
+                              </p:par>
+                            </p:childTnLst>
+                          </p:cTn>
+                        </p:par>
+                      </p:childTnLst>
+                    </p:cTn>
+                  </p:par>
+                  <p:par>
+                    <p:cTn id="8" fill="hold">
+                      <p:stCondLst>
+                        <p:cond delay="indefinite"/>
+                      </p:stCondLst>
+                      <p:childTnLst>
+                        <p:par>
+                          <p:cTn id="9" fill="hold">
+                            <p:stCondLst>
+                              <p:cond delay="0"/>
+                            </p:stCondLst>
+                            <p:childTnLst>
+                              <p:par>
+                                <p:cTn id="10" presetID="10" presetClass="entr" presetSubtype="0" fill="hold" grpId="0" nodeType="clickEffect">
+                                  <p:stCondLst>
+                                    <p:cond delay="0"/>
+                                  </p:stCondLst>
+                                  <p:childTnLst>
+                                    <p:set>
+                                      <p:cBhvr>
+                                        <p:cTn id="11" dur="1" fill="hold">
+                                          <p:stCondLst>
+                                            <p:cond delay="0"/>
+                                          </p:stCondLst>
+                                        </p:cTn>
+                                        <p:tgtEl>
+                                          <p:spTgt spid="18"/>
+                                        </p:tgtEl>
+                                        <p:attrNameLst>
+                                          <p:attrName>style.visibility</p:attrName>
+                                        </p:attrNameLst>
+                                      </p:cBhvr>
+                                      <p:to>
+                                        <p:strVal val="visible"/>
+                                      </p:to>
+                                    </p:set>
+                                    <p:animEffect transition="in" filter="fade">
+                                      <p:cBhvr>
+                                        <p:cTn id="12" dur="500"/>
+                                        <p:tgtEl>
+                                          <p:spTgt spid="18"/>
+                                        </p:tgtEl>
+                                      </p:cBhvr>
+                                    </p:animEffect>
+                                  </p:childTnLst>
+                                </p:cTn>
+                              </p:par>
+                            </p:childTnLst>
+                          </p:cTn>
+                        </p:par>
+                      </p:childTnLst>
+                    </p:cTn>
+                  </p:par>
+                  <p:par>
+                    <p:cTn id="13" fill="hold">
+                      <p:stCondLst>
+                        <p:cond delay="indefinite"/>
+                      </p:stCondLst>
+                      <p:childTnLst>
+                        <p:par>
+                          <p:cTn id="14" fill="hold">
+                            <p:stCondLst>
+                              <p:cond delay="0"/>
+                            </p:stCondLst>
+                            <p:childTnLst>
+                              <p:par>
+                                <p:cTn id="15" presetID="0" presetClass="path" presetSubtype="0" accel="50000" decel="50000" fill="hold" grpId="1" nodeType="clickEffect">
+                                  <p:stCondLst>
+                                    <p:cond delay="0"/>
+                                  </p:stCondLst>
+                                  <p:childTnLst>
+                                    <p:animMotion origin="layout" path="M 0 0 L 0.3875 0 " pathEditMode="relative" ptsTypes="AA">
+                                      <p:cBhvr>
+                                        <p:cTn id="16" dur="2000" fill="hold"/>
+                                        <p:tgtEl>
+                                          <p:spTgt spid="18"/>
+                                        </p:tgtEl>
+                                        <p:attrNameLst>
+                                          <p:attrName>ppt_x</p:attrName>
+                                          <p:attrName>ppt_y</p:attrName>
+                                        </p:attrNameLst>
+                                      </p:cBhvr>
+                                    </p:animMotion>
+                                  </p:childTnLst>
+                                </p:cTn>
+                              </p:par>
+                              <p:par>
+                                <p:cTn id="17" presetID="0" presetClass="path" presetSubtype="0" accel="50000" decel="50000" fill="hold" grpId="1" nodeType="withEffect">
+                                  <p:stCondLst>
+                                    <p:cond delay="0"/>
+                                  </p:stCondLst>
+                                  <p:childTnLst>
+                                    <p:animMotion origin="layout" path="M 0 0 L 0.3875 0 " pathEditMode="relative" ptsTypes="AA">
+                                      <p:cBhvr>
+                                        <p:cTn id="18" dur="2000" fill="hold"/>
+                                        <p:tgtEl>
+                                          <p:spTgt spid="3"/>
+                                        </p:tgtEl>
+                                        <p:attrNameLst>
+                                          <p:attrName>ppt_x</p:attrName>
+                                          <p:attrName>ppt_y</p:attrName>
+                                        </p:attrNameLst>
+                                      </p:cBhvr>
+                                    </p:animMotion>
+                                  </p:childTnLst>
+                                </p:cTn>
+                              </p:par>
+                            </p:childTnLst>
+                          </p:cTn>
+                        </p:par>
+                      </p:childTnLst>
+                    </p:cTn>
+                  </p:par>
+                  <p:par>
+                    <p:cTn id="19" fill="hold">
+                      <p:stCondLst>
+                        <p:cond delay="indefinite"/>
+                      </p:stCondLst>
+                      <p:childTnLst>
+                        <p:par>
+                          <p:cTn id="20" fill="hold">
+                            <p:stCondLst>
+                              <p:cond delay="0"/>
+                            </p:stCondLst>
+                            <p:childTnLst>
+                              <p:par>
+                                <p:cTn id="21" presetID="10" presetClass="exit" presetSubtype="0" fill="hold" grpId="2" nodeType="clickEffect">
+                                  <p:stCondLst>
+                                    <p:cond delay="0"/>
+                                  </p:stCondLst>
+                                  <p:childTnLst>
+                                    <p:animEffect transition="out" filter="fade">
+                                      <p:cBhvr>
+                                        <p:cTn id="22" dur="500"/>
+                                        <p:tgtEl>
+                                          <p:spTgt spid="18"/>
+                                        </p:tgtEl>
+                                      </p:cBhvr>
+                                    </p:animEffect>
+                                    <p:set>
+                                      <p:cBhvr>
+                                        <p:cTn id="23" dur="1" fill="hold">
+                                          <p:stCondLst>
+                                            <p:cond delay="499"/>
+                                          </p:stCondLst>
+                                        </p:cTn>
+                                        <p:tgtEl>
+                                          <p:spTgt spid="18"/>
+                                        </p:tgtEl>
+                                        <p:attrNameLst>
+                                          <p:attrName>style.visibility</p:attrName>
+                                        </p:attrNameLst>
+                                      </p:cBhvr>
+                                      <p:to>
+                                        <p:strVal val="hidden"/>
+                                      </p:to>
+                                    </p:set>
+                                  </p:childTnLst>
+                                </p:cTn>
+                              </p:par>
+                              <p:par>
+                                <p:cTn id="24" presetID="10" presetClass="exit" presetSubtype="0" fill="hold" grpId="2" nodeType="withEffect">
+                                  <p:stCondLst>
+                                    <p:cond delay="0"/>
+                                  </p:stCondLst>
+                                  <p:childTnLst>
+                                    <p:animEffect transition="out" filter="fade">
+                                      <p:cBhvr>
+                                        <p:cTn id="25" dur="500"/>
+                                        <p:tgtEl>
+                                          <p:spTgt spid="3"/>
+                                        </p:tgtEl>
+                                      </p:cBhvr>
+                                    </p:animEffect>
+                                    <p:set>
+                                      <p:cBhvr>
+                                        <p:cTn id="26" dur="1" fill="hold">
+                                          <p:stCondLst>
+                                            <p:cond delay="499"/>
+                                          </p:stCondLst>
+                                        </p:cTn>
+                                        <p:tgtEl>
+                                          <p:spTgt spid="3"/>
+                                        </p:tgtEl>
+                                        <p:attrNameLst>
+                                          <p:attrName>style.visibility</p:attrName>
+                                        </p:attrNameLst>
+                                      </p:cBhvr>
+                                      <p:to>
+                                        <p:strVal val="hidden"/>
+                                      </p:to>
+                                    </p:set>
+                                  </p:childTnLst>
+                                </p:cTn>
+                              </p:par>
+                            </p:childTnLst>
+                          </p:cTn>
+                        </p:par>
+                      </p:childTnLst>
+                    </p:cTn>
+                  </p:par>
+                  <p:par>
+                    <p:cTn id="27" fill="hold">
+                      <p:stCondLst>
+                        <p:cond delay="indefinite"/>
+                      </p:stCondLst>
+                      <p:childTnLst>
+                        <p:par>
+                          <p:cTn id="28" fill="hold">
+                            <p:stCondLst>
+                              <p:cond delay="0"/>
+                            </p:stCondLst>
+                            <p:childTnLst>
+                              <p:par>
+                                <p:cTn id="29" presetID="10" presetClass="entr" presetSubtype="0" fill="hold" grpId="0" nodeType="clickEffect">
+                                  <p:stCondLst>
+                                    <p:cond delay="0"/>
+                                  </p:stCondLst>
+                                  <p:childTnLst>
+                                    <p:set>
+                                      <p:cBhvr>
+                                        <p:cTn id="30" dur="1" fill="hold">
+                                          <p:stCondLst>
+                                            <p:cond delay="0"/>
+                                          </p:stCondLst>
+                                        </p:cTn>
+                                        <p:tgtEl>
+                                          <p:spTgt spid="24"/>
+                                        </p:tgtEl>
+                                        <p:attrNameLst>
+                                          <p:attrName>style.visibility</p:attrName>
+                                        </p:attrNameLst>
+                                      </p:cBhvr>
+                                      <p:to>
+                                        <p:strVal val="visible"/>
+                                      </p:to>
+                                    </p:set>
+                                    <p:animEffect transition="in" filter="fade">
+                                      <p:cBhvr>
+                                        <p:cTn id="31" dur="500"/>
+                                        <p:tgtEl>
+                                          <p:spTgt spid="24"/>
+                                        </p:tgtEl>
+                                      </p:cBhvr>
+                                    </p:animEffect>
+                                  </p:childTnLst>
+                                </p:cTn>
+                              </p:par>
+                            </p:childTnLst>
+                          </p:cTn>
+                        </p:par>
+                      </p:childTnLst>
+                    </p:cTn>
+                  </p:par>
+                  <p:par>
+                    <p:cTn id="32" fill="hold">
+                      <p:stCondLst>
+                        <p:cond delay="indefinite"/>
+                      </p:stCondLst>
+                      <p:childTnLst>
+                        <p:par>
+                          <p:cTn id="33" fill="hold">
+                            <p:stCondLst>
+                              <p:cond delay="0"/>
+                            </p:stCondLst>
+                            <p:childTnLst>
+                              <p:par>
+                                <p:cTn id="34" presetID="0" presetClass="path" presetSubtype="0" accel="50000" decel="50000" fill="hold" grpId="1" nodeType="clickEffect">
+                                  <p:stCondLst>
+                                    <p:cond delay="0"/>
+                                  </p:stCondLst>
+                                  <p:childTnLst>
+                                    <p:animMotion origin="layout" path="M 0.00026 0.00162 L -0.37916 0.00162 " pathEditMode="relative" rAng="0" ptsTypes="AA">
+                                      <p:cBhvr>
+                                        <p:cTn id="35" dur="2000" fill="hold"/>
+                                        <p:tgtEl>
+                                          <p:spTgt spid="24"/>
+                                        </p:tgtEl>
+                                        <p:attrNameLst>
+                                          <p:attrName>ppt_x</p:attrName>
+                                          <p:attrName>ppt_y</p:attrName>
+                                        </p:attrNameLst>
+                                      </p:cBhvr>
+                                      <p:rCtr x="-18971" y="0"/>
+                                    </p:animMotion>
+                                  </p:childTnLst>
+                                </p:cTn>
+                              </p:par>
+                            </p:childTnLst>
+                          </p:cTn>
+                        </p:par>
+                      </p:childTnLst>
+                    </p:cTn>
+                  </p:par>
+                  <p:par>
+                    <p:cTn id="36" fill="hold">
+                      <p:stCondLst>
+                        <p:cond delay="indefinite"/>
+                      </p:stCondLst>
+                      <p:childTnLst>
+                        <p:par>
+                          <p:cTn id="37" fill="hold">
+                            <p:stCondLst>
+                              <p:cond delay="0"/>
+                            </p:stCondLst>
+                            <p:childTnLst>
+                              <p:par>
+                                <p:cTn id="38" presetID="10" presetClass="exit" presetSubtype="0" fill="hold" grpId="2" nodeType="clickEffect">
+                                  <p:stCondLst>
+                                    <p:cond delay="0"/>
+                                  </p:stCondLst>
+                                  <p:childTnLst>
+                                    <p:animEffect transition="out" filter="fade">
+                                      <p:cBhvr>
+                                        <p:cTn id="39" dur="500"/>
+                                        <p:tgtEl>
+                                          <p:spTgt spid="24"/>
+                                        </p:tgtEl>
+                                      </p:cBhvr>
+                                    </p:animEffect>
+                                    <p:set>
+                                      <p:cBhvr>
+                                        <p:cTn id="40" dur="1" fill="hold">
+                                          <p:stCondLst>
+                                            <p:cond delay="499"/>
+                                          </p:stCondLst>
+                                        </p:cTn>
+                                        <p:tgtEl>
+                                          <p:spTgt spid="24"/>
+                                        </p:tgtEl>
+                                        <p:attrNameLst>
+                                          <p:attrName>style.visibility</p:attrName>
+                                        </p:attrNameLst>
+                                      </p:cBhvr>
+                                      <p:to>
+                                        <p:strVal val="hidden"/>
+                                      </p:to>
+                                    </p:set>
+                                  </p:childTnLst>
+                                </p:cTn>
+                              </p:par>
+                            </p:childTnLst>
+                          </p:cTn>
+                        </p:par>
+                      </p:childTnLst>
+                    </p:cTn>
+                  </p:par>
+                  <p:par>
+                    <p:cTn id="41" fill="hold">
+                      <p:stCondLst>
+                        <p:cond delay="indefinite"/>
+                      </p:stCondLst>
+                      <p:childTnLst>
+                        <p:par>
+                          <p:cTn id="42" fill="hold">
+                            <p:stCondLst>
+                              <p:cond delay="0"/>
+                            </p:stCondLst>
+                            <p:childTnLst>
+                              <p:par>
+                                <p:cTn id="43" presetID="10" presetClass="entr" presetSubtype="0" fill="hold" grpId="0" nodeType="clickEffect">
+                                  <p:stCondLst>
+                                    <p:cond delay="0"/>
+                                  </p:stCondLst>
+                                  <p:childTnLst>
+                                    <p:set>
+                                      <p:cBhvr>
+                                        <p:cTn id="44" dur="1" fill="hold">
+                                          <p:stCondLst>
+                                            <p:cond delay="0"/>
+                                          </p:stCondLst>
+                                        </p:cTn>
+                                        <p:tgtEl>
+                                          <p:spTgt spid="26"/>
+                                        </p:tgtEl>
+                                        <p:attrNameLst>
+                                          <p:attrName>style.visibility</p:attrName>
+                                        </p:attrNameLst>
+                                      </p:cBhvr>
+                                      <p:to>
+                                        <p:strVal val="visible"/>
+                                      </p:to>
+                                    </p:set>
+                                    <p:animEffect transition="in" filter="fade">
+                                      <p:cBhvr>
+                                        <p:cTn id="45" dur="500"/>
+                                        <p:tgtEl>
+                                          <p:spTgt spid="26"/>
+                                        </p:tgtEl>
+                                      </p:cBhvr>
+                                    </p:animEffect>
+                                  </p:childTnLst>
+                                </p:cTn>
+                              </p:par>
+                            </p:childTnLst>
+                          </p:cTn>
+                        </p:par>
+                      </p:childTnLst>
+                    </p:cTn>
+                  </p:par>
+                  <p:par>
+                    <p:cTn id="46" fill="hold">
+                      <p:stCondLst>
+                        <p:cond delay="indefinite"/>
+                      </p:stCondLst>
+                      <p:childTnLst>
+                        <p:par>
+                          <p:cTn id="47" fill="hold">
+                            <p:stCondLst>
+                              <p:cond delay="0"/>
+                            </p:stCondLst>
+                            <p:childTnLst>
+                              <p:par>
+                                <p:cTn id="48" presetID="10" presetClass="entr" presetSubtype="0" fill="hold" grpId="0" nodeType="clickEffect">
+                                  <p:stCondLst>
+                                    <p:cond delay="0"/>
+                                  </p:stCondLst>
+                                  <p:childTnLst>
+                                    <p:set>
+                                      <p:cBhvr>
+                                        <p:cTn id="49" dur="1" fill="hold">
+                                          <p:stCondLst>
+                                            <p:cond delay="0"/>
+                                          </p:stCondLst>
+                                        </p:cTn>
+                                        <p:tgtEl>
+                                          <p:spTgt spid="25"/>
+                                        </p:tgtEl>
+                                        <p:attrNameLst>
+                                          <p:attrName>style.visibility</p:attrName>
+                                        </p:attrNameLst>
+                                      </p:cBhvr>
+                                      <p:to>
+                                        <p:strVal val="visible"/>
+                                      </p:to>
+                                    </p:set>
+                                    <p:animEffect transition="in" filter="fade">
+                                      <p:cBhvr>
+                                        <p:cTn id="50" dur="500"/>
+                                        <p:tgtEl>
+                                          <p:spTgt spid="25"/>
+                                        </p:tgtEl>
+                                      </p:cBhvr>
+                                    </p:animEffect>
+                                  </p:childTnLst>
+                                </p:cTn>
+                              </p:par>
+                            </p:childTnLst>
+                          </p:cTn>
+                        </p:par>
+                      </p:childTnLst>
+                    </p:cTn>
+                  </p:par>
+                  <p:par>
+                    <p:cTn id="51" fill="hold">
+                      <p:stCondLst>
+                        <p:cond delay="indefinite"/>
+                      </p:stCondLst>
+                      <p:childTnLst>
+                        <p:par>
+                          <p:cTn id="52" fill="hold">
+                            <p:stCondLst>
+                              <p:cond delay="0"/>
+                            </p:stCondLst>
+                            <p:childTnLst>
+                              <p:par>
+                                <p:cTn id="53" presetID="0" presetClass="path" presetSubtype="0" accel="50000" decel="50000" fill="hold" grpId="1" nodeType="clickEffect">
+                                  <p:stCondLst>
+                                    <p:cond delay="0"/>
+                                  </p:stCondLst>
+                                  <p:childTnLst>
+                                    <p:animMotion origin="layout" path="M -1.25E-6 -1.85185E-6 L 0.3875 -1.85185E-6 " pathEditMode="relative" rAng="0" ptsTypes="AA">
+                                      <p:cBhvr>
+                                        <p:cTn id="54" dur="2000" fill="hold"/>
+                                        <p:tgtEl>
+                                          <p:spTgt spid="25"/>
+                                        </p:tgtEl>
+                                        <p:attrNameLst>
+                                          <p:attrName>ppt_x</p:attrName>
+                                          <p:attrName>ppt_y</p:attrName>
+                                        </p:attrNameLst>
+                                      </p:cBhvr>
+                                      <p:rCtr x="19375" y="0"/>
+                                    </p:animMotion>
+                                  </p:childTnLst>
+                                </p:cTn>
+                              </p:par>
+                              <p:par>
+                                <p:cTn id="55" presetID="0" presetClass="path" presetSubtype="0" accel="50000" decel="50000" fill="hold" grpId="1" nodeType="withEffect">
+                                  <p:stCondLst>
+                                    <p:cond delay="0"/>
+                                  </p:stCondLst>
+                                  <p:childTnLst>
+                                    <p:animMotion origin="layout" path="M -1.25E-6 3.7037E-7 L 0.3875 3.7037E-7 " pathEditMode="relative" rAng="0" ptsTypes="AA">
+                                      <p:cBhvr>
+                                        <p:cTn id="56" dur="2000" fill="hold"/>
+                                        <p:tgtEl>
+                                          <p:spTgt spid="26"/>
+                                        </p:tgtEl>
+                                        <p:attrNameLst>
+                                          <p:attrName>ppt_x</p:attrName>
+                                          <p:attrName>ppt_y</p:attrName>
+                                        </p:attrNameLst>
+                                      </p:cBhvr>
+                                      <p:rCtr x="19375" y="0"/>
+                                    </p:animMotion>
+                                  </p:childTnLst>
+                                </p:cTn>
+                              </p:par>
+                            </p:childTnLst>
+                          </p:cTn>
+                        </p:par>
+                      </p:childTnLst>
+                    </p:cTn>
+                  </p:par>
+                  <p:par>
+                    <p:cTn id="57" fill="hold">
+                      <p:stCondLst>
+                        <p:cond delay="indefinite"/>
+                      </p:stCondLst>
+                      <p:childTnLst>
+                        <p:par>
+                          <p:cTn id="58" fill="hold">
+                            <p:stCondLst>
+                              <p:cond delay="0"/>
+                            </p:stCondLst>
+                            <p:childTnLst>
+                              <p:par>
+                                <p:cTn id="59" presetID="10" presetClass="exit" presetSubtype="0" fill="hold" grpId="2" nodeType="clickEffect">
+                                  <p:stCondLst>
+                                    <p:cond delay="0"/>
+                                  </p:stCondLst>
+                                  <p:childTnLst>
+                                    <p:animEffect transition="out" filter="fade">
+                                      <p:cBhvr>
+                                        <p:cTn id="60" dur="500"/>
+                                        <p:tgtEl>
+                                          <p:spTgt spid="25"/>
+                                        </p:tgtEl>
+                                      </p:cBhvr>
+                                    </p:animEffect>
+                                    <p:set>
+                                      <p:cBhvr>
+                                        <p:cTn id="61" dur="1" fill="hold">
+                                          <p:stCondLst>
+                                            <p:cond delay="499"/>
+                                          </p:stCondLst>
+                                        </p:cTn>
+                                        <p:tgtEl>
+                                          <p:spTgt spid="25"/>
+                                        </p:tgtEl>
+                                        <p:attrNameLst>
+                                          <p:attrName>style.visibility</p:attrName>
+                                        </p:attrNameLst>
+                                      </p:cBhvr>
+                                      <p:to>
+                                        <p:strVal val="hidden"/>
+                                      </p:to>
+                                    </p:set>
+                                  </p:childTnLst>
+                                </p:cTn>
+                              </p:par>
+                              <p:par>
+                                <p:cTn id="62" presetID="10" presetClass="exit" presetSubtype="0" fill="hold" grpId="2" nodeType="withEffect">
+                                  <p:stCondLst>
+                                    <p:cond delay="0"/>
+                                  </p:stCondLst>
+                                  <p:childTnLst>
+                                    <p:animEffect transition="out" filter="fade">
+                                      <p:cBhvr>
+                                        <p:cTn id="63" dur="500"/>
+                                        <p:tgtEl>
+                                          <p:spTgt spid="26"/>
+                                        </p:tgtEl>
+                                      </p:cBhvr>
+                                    </p:animEffect>
+                                    <p:set>
+                                      <p:cBhvr>
+                                        <p:cTn id="64" dur="1" fill="hold">
+                                          <p:stCondLst>
+                                            <p:cond delay="499"/>
+                                          </p:stCondLst>
+                                        </p:cTn>
+                                        <p:tgtEl>
+                                          <p:spTgt spid="26"/>
+                                        </p:tgtEl>
+                                        <p:attrNameLst>
+                                          <p:attrName>style.visibility</p:attrName>
+                                        </p:attrNameLst>
+                                      </p:cBhvr>
+                                      <p:to>
+                                        <p:strVal val="hidden"/>
+                                      </p:to>
+                                    </p:set>
+                                  </p:childTnLst>
+                                </p:cTn>
+                              </p:par>
+                            </p:childTnLst>
+                          </p:cTn>
+                        </p:par>
+                      </p:childTnLst>
+                    </p:cTn>
+                  </p:par>
+                  <p:par>
+                    <p:cTn id="65" fill="hold">
+                      <p:stCondLst>
+                        <p:cond delay="indefinite"/>
+                      </p:stCondLst>
+                      <p:childTnLst>
+                        <p:par>
+                          <p:cTn id="66" fill="hold">
+                            <p:stCondLst>
+                              <p:cond delay="0"/>
+                            </p:stCondLst>
+                            <p:childTnLst>
+                              <p:par>
+                                <p:cTn id="67" presetID="10" presetClass="entr" presetSubtype="0" fill="hold" nodeType="clickEffect">
+                                  <p:stCondLst>
+                                    <p:cond delay="0"/>
+                                  </p:stCondLst>
+                                  <p:childTnLst>
+                                    <p:set>
+                                      <p:cBhvr>
+                                        <p:cTn id="68" dur="1" fill="hold">
+                                          <p:stCondLst>
+                                            <p:cond delay="0"/>
+                                          </p:stCondLst>
+                                        </p:cTn>
+                                        <p:tgtEl>
+                                          <p:spTgt spid="30"/>
+                                        </p:tgtEl>
+                                        <p:attrNameLst>
+                                          <p:attrName>style.visibility</p:attrName>
+                                        </p:attrNameLst>
+                                      </p:cBhvr>
+                                      <p:to>
+                                        <p:strVal val="visible"/>
+                                      </p:to>
+                                    </p:set>
+                                    <p:animEffect transition="in" filter="fade">
+                                      <p:cBhvr>
+                                        <p:cTn id="69" dur="500"/>
+                                        <p:tgtEl>
+                                          <p:spTgt spid="30"/>
+                                        </p:tgtEl>
+                                      </p:cBhvr>
+                                    </p:animEffect>
+                                  </p:childTnLst>
+                                </p:cTn>
+                              </p:par>
+                            </p:childTnLst>
+                          </p:cTn>
+                        </p:par>
+                      </p:childTnLst>
+                    </p:cTn>
+                  </p:par>
+                </p:childTnLst>
+              </p:cTn>
+              <p:prevCondLst>
+                <p:cond evt="onPrev" delay="0">
+                  <p:tgtEl>
+                    <p:sldTgt/>
+                  </p:tgtEl>
+                </p:cond>
+              </p:prevCondLst>
+              <p:nextCondLst>
+                <p:cond evt="onNext" delay="0">
+                  <p:tgtEl>
+                    <p:sldTgt/>
+                  </p:tgtEl>
+                </p:cond>
+              </p:nextCondLst>
+            </p:seq>
+          </p:childTnLst>
+        </p:cTn>
+      </p:par>
+    </p:tnLst>
+    <p:bldLst>
+      <p:bldP spid="18" grpId="0" animBg="1"/>
+      <p:bldP spid="18" grpId="1" animBg="1"/>
+      <p:bldP spid="18" grpId="2" animBg="1"/>
+      <p:bldP spid="3" grpId="0" animBg="1"/>
+      <p:bldP spid="3" grpId="1" animBg="1"/>
+      <p:bldP spid="3" grpId="2" animBg="1"/>
+      <p:bldP spid="24" grpId="0" animBg="1"/>
+      <p:bldP spid="24" grpId="1" animBg="1"/>
+      <p:bldP spid="24" grpId="2" animBg="1"/>
+      <p:bldP spid="25" grpId="0" animBg="1"/>
+      <p:bldP spid="25" grpId="1" animBg="1"/>
+      <p:bldP spid="25" grpId="2" animBg="1"/>
+      <p:bldP spid="26" grpId="0" animBg="1"/>
+      <p:bldP spid="26" grpId="1" animBg="1"/>
+      <p:bldP spid="26" grpId="2" animBg="1"/>
+    </p:bldLst>
+  </p:timing>
+</p:sld>
+</file>
+
+<file path=ppt/slides/slide6.xml><?xml version="1.0" encoding="utf-8"?>
+<p:sld xmlns:a="http://schemas.openxmlformats.org/drawingml/2006/main" xmlns:r="http://schemas.openxmlformats.org/officeDocument/2006/relationships" xmlns:p="http://schemas.openxmlformats.org/presentationml/2006/main">
+  <p:cSld>
+    <p:spTree>
+      <p:nvGrpSpPr>
+        <p:cNvPr id="1" name=""/>
+        <p:cNvGrpSpPr/>
+        <p:nvPr/>
+      </p:nvGrpSpPr>
+      <p:grpSpPr>
+        <a:xfrm>
+          <a:off x="0" y="0"/>
+          <a:ext cx="0" cy="0"/>
+          <a:chOff x="0" y="0"/>
+          <a:chExt cx="0" cy="0"/>
+        </a:xfrm>
+      </p:grpSpPr>
+      <p:sp>
+        <p:nvSpPr>
+          <p:cNvPr id="18" name="TextBox 17"/>
+          <p:cNvSpPr txBox="1"/>
+          <p:nvPr/>
+        </p:nvSpPr>
+        <p:spPr>
+          <a:xfrm>
+            <a:off x="2227729" y="1643111"/>
+            <a:ext cx="2423784" cy="830997"/>
+          </a:xfrm>
+          <a:prstGeom prst="rect">
+            <a:avLst/>
+          </a:prstGeom>
+          <a:noFill/>
+          <a:ln>
+            <a:solidFill>
+              <a:schemeClr val="tx1">
+                <a:lumMod val="75000"/>
+                <a:lumOff val="25000"/>
+              </a:schemeClr>
+            </a:solidFill>
+          </a:ln>
+        </p:spPr>
+        <p:txBody>
+          <a:bodyPr wrap="square" rtlCol="0">
+            <a:spAutoFit/>
+          </a:bodyPr>
+          <a:lstStyle/>
+          <a:p>
+            <a:pPr algn="ctr"/>
+            <a:r>
+              <a:rPr kumimoji="1" lang="en-US" altLang="ko-KR" sz="1600" b="1" i="1" dirty="0" smtClean="0"/>
+              <a:t>INV</a:t>
+            </a:r>
+            <a:r>
+              <a:rPr kumimoji="1" lang="en-US" altLang="ko-KR" sz="1600" dirty="0" smtClean="0"/>
+              <a:t> message</a:t>
+            </a:r>
+          </a:p>
+          <a:p>
+            <a:pPr algn="ctr"/>
+            <a:endParaRPr kumimoji="1" lang="en-US" altLang="ko-KR" sz="1600" dirty="0"/>
+          </a:p>
+          <a:p>
+            <a:pPr algn="ctr"/>
+            <a:endParaRPr kumimoji="1" lang="ko-KR" altLang="en-US" sz="1600" dirty="0"/>
+          </a:p>
+        </p:txBody>
+      </p:sp>
+      <p:sp>
+        <p:nvSpPr>
+          <p:cNvPr id="3" name="TextBox 2"/>
+          <p:cNvSpPr txBox="1"/>
+          <p:nvPr/>
+        </p:nvSpPr>
+        <p:spPr>
+          <a:xfrm>
+            <a:off x="2493897" y="1993346"/>
+            <a:ext cx="1891447" cy="338554"/>
+          </a:xfrm>
+          <a:prstGeom prst="rect">
+            <a:avLst/>
+          </a:prstGeom>
+          <a:noFill/>
+          <a:ln w="38100">
+            <a:solidFill>
+              <a:schemeClr val="tx1">
+                <a:lumMod val="65000"/>
+                <a:lumOff val="35000"/>
+              </a:schemeClr>
+            </a:solidFill>
+            <a:prstDash val="sysDot"/>
+          </a:ln>
+        </p:spPr>
+        <p:txBody>
+          <a:bodyPr wrap="square" rtlCol="0">
+            <a:spAutoFit/>
+          </a:bodyPr>
+          <a:lstStyle/>
+          <a:p>
+            <a:pPr algn="ctr"/>
+            <a:r>
+              <a:rPr kumimoji="1" lang="en-US" altLang="ko-KR" sz="1600" dirty="0" smtClean="0"/>
+              <a:t>0x00000abcd</a:t>
+            </a:r>
+            <a:endParaRPr kumimoji="1" lang="ko-KR" altLang="en-US" sz="1600" dirty="0"/>
+          </a:p>
+        </p:txBody>
+      </p:sp>
+      <p:grpSp>
+        <p:nvGrpSpPr>
+          <p:cNvPr id="15" name="그룹 14"/>
+          <p:cNvGrpSpPr/>
+          <p:nvPr/>
+        </p:nvGrpSpPr>
+        <p:grpSpPr>
+          <a:xfrm>
+            <a:off x="9108237" y="2292226"/>
+            <a:ext cx="1891447" cy="1917739"/>
+            <a:chOff x="8843194" y="2292226"/>
+            <a:chExt cx="1891447" cy="1917739"/>
+          </a:xfrm>
+        </p:grpSpPr>
+        <p:pic>
+          <p:nvPicPr>
+            <p:cNvPr id="7" name="그림 6">
+              <a:extLst>
+                <a:ext uri="{FF2B5EF4-FFF2-40B4-BE49-F238E27FC236}">
+                  <a16:creationId xmlns="" xmlns:a16="http://schemas.microsoft.com/office/drawing/2014/main" id="{D2740D52-1B98-43BD-8D68-CCB0D563490D}"/>
+                </a:ext>
+              </a:extLst>
+            </p:cNvPr>
+            <p:cNvPicPr>
+              <a:picLocks noChangeAspect="1"/>
+            </p:cNvPicPr>
+            <p:nvPr/>
+          </p:nvPicPr>
+          <p:blipFill>
+            <a:blip r:embed="rId3"/>
+            <a:stretch>
+              <a:fillRect/>
+            </a:stretch>
+          </p:blipFill>
+          <p:spPr>
+            <a:xfrm>
+              <a:off x="9054247" y="2292226"/>
+              <a:ext cx="1469342" cy="1469342"/>
+            </a:xfrm>
+            <a:prstGeom prst="rect">
+              <a:avLst/>
+            </a:prstGeom>
+          </p:spPr>
+        </p:pic>
+        <p:sp>
+          <p:nvSpPr>
+            <p:cNvPr id="9" name="TextBox 8"/>
+            <p:cNvSpPr txBox="1"/>
+            <p:nvPr/>
+          </p:nvSpPr>
+          <p:spPr>
+            <a:xfrm>
+              <a:off x="8843194" y="3871411"/>
+              <a:ext cx="1891447" cy="338554"/>
+            </a:xfrm>
+            <a:prstGeom prst="rect">
+              <a:avLst/>
+            </a:prstGeom>
+            <a:noFill/>
+          </p:spPr>
+          <p:txBody>
+            <a:bodyPr wrap="square" rtlCol="0">
+              <a:spAutoFit/>
+            </a:bodyPr>
+            <a:lstStyle/>
+            <a:p>
+              <a:pPr algn="ctr"/>
+              <a:r>
+                <a:rPr kumimoji="1" lang="en-US" altLang="ko-KR" sz="1600" smtClean="0"/>
+                <a:t>Peer #2</a:t>
+              </a:r>
+              <a:endParaRPr kumimoji="1" lang="ko-KR" altLang="en-US" sz="1600" dirty="0"/>
+            </a:p>
+          </p:txBody>
+        </p:sp>
+      </p:grpSp>
+      <p:grpSp>
+        <p:nvGrpSpPr>
+          <p:cNvPr id="14" name="그룹 13"/>
+          <p:cNvGrpSpPr/>
+          <p:nvPr/>
+        </p:nvGrpSpPr>
+        <p:grpSpPr>
+          <a:xfrm>
+            <a:off x="779247" y="2292226"/>
+            <a:ext cx="1891447" cy="1917739"/>
+            <a:chOff x="2197229" y="2292226"/>
+            <a:chExt cx="1891447" cy="1917739"/>
+          </a:xfrm>
+        </p:grpSpPr>
+        <p:pic>
+          <p:nvPicPr>
+            <p:cNvPr id="6" name="그림 5">
+              <a:extLst>
+                <a:ext uri="{FF2B5EF4-FFF2-40B4-BE49-F238E27FC236}">
+                  <a16:creationId xmlns="" xmlns:a16="http://schemas.microsoft.com/office/drawing/2014/main" id="{D2740D52-1B98-43BD-8D68-CCB0D563490D}"/>
+                </a:ext>
+              </a:extLst>
+            </p:cNvPr>
+            <p:cNvPicPr>
+              <a:picLocks noChangeAspect="1"/>
+            </p:cNvPicPr>
+            <p:nvPr/>
+          </p:nvPicPr>
+          <p:blipFill>
+            <a:blip r:embed="rId3"/>
+            <a:stretch>
+              <a:fillRect/>
+            </a:stretch>
+          </p:blipFill>
+          <p:spPr>
+            <a:xfrm>
+              <a:off x="2408282" y="2292226"/>
+              <a:ext cx="1469342" cy="1469342"/>
+            </a:xfrm>
+            <a:prstGeom prst="rect">
+              <a:avLst/>
+            </a:prstGeom>
+          </p:spPr>
+        </p:pic>
+        <p:sp>
+          <p:nvSpPr>
+            <p:cNvPr id="11" name="TextBox 10"/>
+            <p:cNvSpPr txBox="1"/>
+            <p:nvPr/>
+          </p:nvSpPr>
+          <p:spPr>
+            <a:xfrm>
+              <a:off x="2197229" y="3871411"/>
+              <a:ext cx="1891447" cy="338554"/>
+            </a:xfrm>
+            <a:prstGeom prst="rect">
+              <a:avLst/>
+            </a:prstGeom>
+            <a:noFill/>
+          </p:spPr>
+          <p:txBody>
+            <a:bodyPr wrap="square" rtlCol="0">
+              <a:spAutoFit/>
+            </a:bodyPr>
+            <a:lstStyle/>
+            <a:p>
+              <a:pPr algn="ctr"/>
+              <a:r>
+                <a:rPr kumimoji="1" lang="en-US" altLang="ko-KR" sz="1600" dirty="0" smtClean="0"/>
+                <a:t>Peer #1</a:t>
+              </a:r>
+              <a:endParaRPr kumimoji="1" lang="ko-KR" altLang="en-US" sz="1600" dirty="0"/>
+            </a:p>
+          </p:txBody>
+        </p:sp>
+      </p:grpSp>
+      <p:cxnSp>
+        <p:nvCxnSpPr>
+          <p:cNvPr id="13" name="직선 화살표 연결선 12"/>
+          <p:cNvCxnSpPr/>
+          <p:nvPr/>
+        </p:nvCxnSpPr>
+        <p:spPr>
+          <a:xfrm>
+            <a:off x="2822713" y="2703441"/>
+            <a:ext cx="6020481" cy="0"/>
+          </a:xfrm>
+          <a:prstGeom prst="straightConnector1">
+            <a:avLst/>
+          </a:prstGeom>
+          <a:ln w="57150">
+            <a:solidFill>
+              <a:schemeClr val="tx1"/>
+            </a:solidFill>
+            <a:tailEnd type="triangle"/>
+          </a:ln>
+        </p:spPr>
+        <p:style>
+          <a:lnRef idx="1">
+            <a:schemeClr val="accent1"/>
+          </a:lnRef>
+          <a:fillRef idx="0">
+            <a:schemeClr val="accent1"/>
+          </a:fillRef>
+          <a:effectRef idx="0">
+            <a:schemeClr val="accent1"/>
+          </a:effectRef>
+          <a:fontRef idx="minor">
+            <a:schemeClr val="tx1"/>
+          </a:fontRef>
+        </p:style>
+      </p:cxnSp>
+      <p:cxnSp>
+        <p:nvCxnSpPr>
+          <p:cNvPr id="19" name="직선 화살표 연결선 18"/>
+          <p:cNvCxnSpPr/>
+          <p:nvPr/>
+        </p:nvCxnSpPr>
+        <p:spPr>
+          <a:xfrm flipH="1">
+            <a:off x="2822713" y="3352557"/>
+            <a:ext cx="6020481" cy="0"/>
+          </a:xfrm>
+          <a:prstGeom prst="straightConnector1">
+            <a:avLst/>
+          </a:prstGeom>
+          <a:ln w="57150">
+            <a:solidFill>
+              <a:schemeClr val="tx1"/>
+            </a:solidFill>
+            <a:tailEnd type="triangle"/>
+          </a:ln>
+        </p:spPr>
+        <p:style>
+          <a:lnRef idx="1">
+            <a:schemeClr val="accent1"/>
+          </a:lnRef>
+          <a:fillRef idx="0">
+            <a:schemeClr val="accent1"/>
+          </a:fillRef>
+          <a:effectRef idx="0">
+            <a:schemeClr val="accent1"/>
+          </a:effectRef>
+          <a:fontRef idx="minor">
+            <a:schemeClr val="tx1"/>
+          </a:fontRef>
+        </p:style>
+      </p:cxnSp>
+      <p:sp>
+        <p:nvSpPr>
+          <p:cNvPr id="24" name="TextBox 23"/>
+          <p:cNvSpPr txBox="1"/>
+          <p:nvPr/>
+        </p:nvSpPr>
+        <p:spPr>
+          <a:xfrm>
+            <a:off x="6895506" y="3575402"/>
+            <a:ext cx="2423784" cy="338554"/>
+          </a:xfrm>
+          <a:prstGeom prst="rect">
+            <a:avLst/>
+          </a:prstGeom>
+          <a:noFill/>
+          <a:ln>
+            <a:solidFill>
+              <a:schemeClr val="tx1">
+                <a:lumMod val="75000"/>
+                <a:lumOff val="25000"/>
+              </a:schemeClr>
+            </a:solidFill>
+          </a:ln>
+        </p:spPr>
+        <p:txBody>
+          <a:bodyPr wrap="square" rtlCol="0">
+            <a:spAutoFit/>
+          </a:bodyPr>
+          <a:lstStyle/>
+          <a:p>
+            <a:pPr algn="ctr"/>
+            <a:r>
+              <a:rPr kumimoji="1" lang="en-US" altLang="ko-KR" sz="1600" dirty="0" smtClean="0"/>
+              <a:t>GETDATA</a:t>
+            </a:r>
+          </a:p>
+        </p:txBody>
+      </p:sp>
+      <p:grpSp>
+        <p:nvGrpSpPr>
+          <p:cNvPr id="30" name="그룹 29"/>
+          <p:cNvGrpSpPr/>
+          <p:nvPr/>
+        </p:nvGrpSpPr>
+        <p:grpSpPr>
+          <a:xfrm>
+            <a:off x="779247" y="4505974"/>
+            <a:ext cx="10533413" cy="1572119"/>
+            <a:chOff x="779247" y="4505974"/>
+            <a:chExt cx="10533413" cy="1572119"/>
+          </a:xfrm>
+        </p:grpSpPr>
+        <p:sp>
+          <p:nvSpPr>
+            <p:cNvPr id="28" name="TextBox 27"/>
+            <p:cNvSpPr txBox="1"/>
+            <p:nvPr/>
+          </p:nvSpPr>
+          <p:spPr>
+            <a:xfrm>
+              <a:off x="779247" y="4505974"/>
+              <a:ext cx="5162203" cy="369332"/>
+            </a:xfrm>
+            <a:prstGeom prst="rect">
+              <a:avLst/>
+            </a:prstGeom>
+            <a:noFill/>
+          </p:spPr>
+          <p:txBody>
+            <a:bodyPr wrap="square" rtlCol="0">
+              <a:spAutoFit/>
+            </a:bodyPr>
+            <a:lstStyle/>
+            <a:p>
+              <a:r>
+                <a:rPr kumimoji="1" lang="en-US" altLang="ko-KR" dirty="0" smtClean="0"/>
+                <a:t>Potential threats</a:t>
+              </a:r>
+              <a:endParaRPr kumimoji="1" lang="ko-KR" altLang="en-US" dirty="0"/>
+            </a:p>
+          </p:txBody>
+        </p:sp>
+        <p:sp>
+          <p:nvSpPr>
+            <p:cNvPr id="29" name="TextBox 28"/>
+            <p:cNvSpPr txBox="1"/>
+            <p:nvPr/>
+          </p:nvSpPr>
+          <p:spPr>
+            <a:xfrm>
+              <a:off x="1523830" y="5154763"/>
+              <a:ext cx="9788830" cy="923330"/>
+            </a:xfrm>
+            <a:prstGeom prst="rect">
+              <a:avLst/>
+            </a:prstGeom>
+            <a:noFill/>
+          </p:spPr>
+          <p:txBody>
+            <a:bodyPr wrap="square" rtlCol="0">
+              <a:spAutoFit/>
+            </a:bodyPr>
+            <a:lstStyle/>
+            <a:p>
+              <a:pPr marL="285750" indent="-285750">
+                <a:buFontTx/>
+                <a:buChar char="-"/>
+              </a:pPr>
+              <a:r>
+                <a:rPr kumimoji="1" lang="en-US" altLang="ko-KR" dirty="0" smtClean="0"/>
+                <a:t>If a data item does not spread throughout the network quickly then the system risks reaching an inconsistent state.</a:t>
+              </a:r>
+              <a:endParaRPr kumimoji="1" lang="en-US" altLang="ko-KR" dirty="0" smtClean="0"/>
+            </a:p>
+            <a:p>
+              <a:pPr marL="285750" indent="-285750">
+                <a:buFontTx/>
+                <a:buChar char="-"/>
+              </a:pPr>
+              <a:endParaRPr kumimoji="1" lang="ko-KR" altLang="en-US" b="1" i="1" dirty="0"/>
+            </a:p>
+          </p:txBody>
+        </p:sp>
+      </p:grpSp>
+      <p:sp>
+        <p:nvSpPr>
+          <p:cNvPr id="31" name="TextBox 30"/>
+          <p:cNvSpPr txBox="1"/>
+          <p:nvPr/>
+        </p:nvSpPr>
+        <p:spPr>
+          <a:xfrm>
+            <a:off x="831273" y="565265"/>
+            <a:ext cx="5162203" cy="461665"/>
+          </a:xfrm>
+          <a:prstGeom prst="rect">
+            <a:avLst/>
+          </a:prstGeom>
+          <a:noFill/>
+        </p:spPr>
+        <p:txBody>
+          <a:bodyPr wrap="square" rtlCol="0">
+            <a:spAutoFit/>
+          </a:bodyPr>
+          <a:lstStyle/>
+          <a:p>
+            <a:r>
+              <a:rPr kumimoji="1" lang="en-US" altLang="ko-KR" sz="2400" b="1" dirty="0" smtClean="0"/>
+              <a:t>How to Broadcast</a:t>
+            </a:r>
+            <a:endParaRPr kumimoji="1" lang="ko-KR" altLang="en-US" sz="2400" b="1" dirty="0"/>
+          </a:p>
+        </p:txBody>
+      </p:sp>
+    </p:spTree>
+    <p:extLst>
+      <p:ext uri="{BB962C8B-B14F-4D97-AF65-F5344CB8AC3E}">
+        <p14:creationId xmlns:p14="http://schemas.microsoft.com/office/powerpoint/2010/main" val="2023499551"/>
+      </p:ext>
+    </p:extLst>
+  </p:cSld>
+  <p:clrMapOvr>
+    <a:masterClrMapping/>
+  </p:clrMapOvr>
+  <p:timing>
+    <p:tnLst>
+      <p:par>
+        <p:cTn id="1" dur="indefinite" restart="never" nodeType="tmRoot">
+          <p:childTnLst>
+            <p:seq concurrent="1" nextAc="seek">
+              <p:cTn id="2" dur="indefinite" nodeType="mainSeq">
+                <p:childTnLst>
+                  <p:par>
+                    <p:cTn id="3" fill="hold">
+                      <p:stCondLst>
+                        <p:cond delay="indefinite"/>
+                      </p:stCondLst>
+                      <p:childTnLst>
+                        <p:par>
+                          <p:cTn id="4" fill="hold">
+                            <p:stCondLst>
+                              <p:cond delay="0"/>
+                            </p:stCondLst>
+                            <p:childTnLst>
+                              <p:par>
+                                <p:cTn id="5" presetID="10" presetClass="entr" presetSubtype="0" fill="hold" grpId="0" nodeType="clickEffect">
+                                  <p:stCondLst>
+                                    <p:cond delay="0"/>
+                                  </p:stCondLst>
+                                  <p:childTnLst>
+                                    <p:set>
+                                      <p:cBhvr>
+                                        <p:cTn id="6" dur="1" fill="hold">
+                                          <p:stCondLst>
+                                            <p:cond delay="0"/>
+                                          </p:stCondLst>
+                                        </p:cTn>
+                                        <p:tgtEl>
+                                          <p:spTgt spid="3"/>
+                                        </p:tgtEl>
+                                        <p:attrNameLst>
+                                          <p:attrName>style.visibility</p:attrName>
+                                        </p:attrNameLst>
+                                      </p:cBhvr>
+                                      <p:to>
+                                        <p:strVal val="visible"/>
+                                      </p:to>
+                                    </p:set>
+                                    <p:animEffect transition="in" filter="fade">
+                                      <p:cBhvr>
+                                        <p:cTn id="7" dur="500"/>
+                                        <p:tgtEl>
+                                          <p:spTgt spid="3"/>
+                                        </p:tgtEl>
+                                      </p:cBhvr>
+                                    </p:animEffect>
+                                  </p:childTnLst>
+                                </p:cTn>
+                              </p:par>
+                            </p:childTnLst>
+                          </p:cTn>
+                        </p:par>
+                      </p:childTnLst>
+                    </p:cTn>
+                  </p:par>
+                  <p:par>
+                    <p:cTn id="8" fill="hold">
+                      <p:stCondLst>
+                        <p:cond delay="indefinite"/>
+                      </p:stCondLst>
+                      <p:childTnLst>
+                        <p:par>
+                          <p:cTn id="9" fill="hold">
+                            <p:stCondLst>
+                              <p:cond delay="0"/>
+                            </p:stCondLst>
+                            <p:childTnLst>
+                              <p:par>
+                                <p:cTn id="10" presetID="10" presetClass="entr" presetSubtype="0" fill="hold" grpId="0" nodeType="clickEffect">
+                                  <p:stCondLst>
+                                    <p:cond delay="0"/>
+                                  </p:stCondLst>
+                                  <p:childTnLst>
+                                    <p:set>
+                                      <p:cBhvr>
+                                        <p:cTn id="11" dur="1" fill="hold">
+                                          <p:stCondLst>
+                                            <p:cond delay="0"/>
+                                          </p:stCondLst>
+                                        </p:cTn>
+                                        <p:tgtEl>
+                                          <p:spTgt spid="18"/>
+                                        </p:tgtEl>
+                                        <p:attrNameLst>
+                                          <p:attrName>style.visibility</p:attrName>
+                                        </p:attrNameLst>
+                                      </p:cBhvr>
+                                      <p:to>
+                                        <p:strVal val="visible"/>
+                                      </p:to>
+                                    </p:set>
+                                    <p:animEffect transition="in" filter="fade">
+                                      <p:cBhvr>
+                                        <p:cTn id="12" dur="500"/>
+                                        <p:tgtEl>
+                                          <p:spTgt spid="18"/>
+                                        </p:tgtEl>
+                                      </p:cBhvr>
+                                    </p:animEffect>
+                                  </p:childTnLst>
+                                </p:cTn>
+                              </p:par>
+                            </p:childTnLst>
+                          </p:cTn>
+                        </p:par>
+                      </p:childTnLst>
+                    </p:cTn>
+                  </p:par>
+                  <p:par>
+                    <p:cTn id="13" fill="hold">
+                      <p:stCondLst>
+                        <p:cond delay="indefinite"/>
+                      </p:stCondLst>
+                      <p:childTnLst>
+                        <p:par>
+                          <p:cTn id="14" fill="hold">
+                            <p:stCondLst>
+                              <p:cond delay="0"/>
+                            </p:stCondLst>
+                            <p:childTnLst>
+                              <p:par>
+                                <p:cTn id="15" presetID="0" presetClass="path" presetSubtype="0" accel="50000" decel="50000" fill="hold" grpId="1" nodeType="clickEffect">
+                                  <p:stCondLst>
+                                    <p:cond delay="0"/>
+                                  </p:stCondLst>
+                                  <p:childTnLst>
+                                    <p:animMotion origin="layout" path="M 0 0 L 0.3875 0 " pathEditMode="relative" ptsTypes="AA">
+                                      <p:cBhvr>
+                                        <p:cTn id="16" dur="2000" fill="hold"/>
+                                        <p:tgtEl>
+                                          <p:spTgt spid="18"/>
+                                        </p:tgtEl>
+                                        <p:attrNameLst>
+                                          <p:attrName>ppt_x</p:attrName>
+                                          <p:attrName>ppt_y</p:attrName>
+                                        </p:attrNameLst>
+                                      </p:cBhvr>
+                                    </p:animMotion>
+                                  </p:childTnLst>
+                                </p:cTn>
+                              </p:par>
+                              <p:par>
+                                <p:cTn id="17" presetID="0" presetClass="path" presetSubtype="0" accel="50000" decel="50000" fill="hold" grpId="1" nodeType="withEffect">
+                                  <p:stCondLst>
+                                    <p:cond delay="0"/>
+                                  </p:stCondLst>
+                                  <p:childTnLst>
+                                    <p:animMotion origin="layout" path="M 0 0 L 0.3875 0 " pathEditMode="relative" ptsTypes="AA">
+                                      <p:cBhvr>
+                                        <p:cTn id="18" dur="2000" fill="hold"/>
+                                        <p:tgtEl>
+                                          <p:spTgt spid="3"/>
+                                        </p:tgtEl>
+                                        <p:attrNameLst>
+                                          <p:attrName>ppt_x</p:attrName>
+                                          <p:attrName>ppt_y</p:attrName>
+                                        </p:attrNameLst>
+                                      </p:cBhvr>
+                                    </p:animMotion>
+                                  </p:childTnLst>
+                                </p:cTn>
+                              </p:par>
+                            </p:childTnLst>
+                          </p:cTn>
+                        </p:par>
+                      </p:childTnLst>
+                    </p:cTn>
+                  </p:par>
+                  <p:par>
+                    <p:cTn id="19" fill="hold">
+                      <p:stCondLst>
+                        <p:cond delay="indefinite"/>
+                      </p:stCondLst>
+                      <p:childTnLst>
+                        <p:par>
+                          <p:cTn id="20" fill="hold">
+                            <p:stCondLst>
+                              <p:cond delay="0"/>
+                            </p:stCondLst>
+                            <p:childTnLst>
+                              <p:par>
+                                <p:cTn id="21" presetID="10" presetClass="exit" presetSubtype="0" fill="hold" grpId="2" nodeType="clickEffect">
+                                  <p:stCondLst>
+                                    <p:cond delay="0"/>
+                                  </p:stCondLst>
+                                  <p:childTnLst>
+                                    <p:animEffect transition="out" filter="fade">
+                                      <p:cBhvr>
+                                        <p:cTn id="22" dur="500"/>
+                                        <p:tgtEl>
+                                          <p:spTgt spid="18"/>
+                                        </p:tgtEl>
+                                      </p:cBhvr>
+                                    </p:animEffect>
+                                    <p:set>
+                                      <p:cBhvr>
+                                        <p:cTn id="23" dur="1" fill="hold">
+                                          <p:stCondLst>
+                                            <p:cond delay="499"/>
+                                          </p:stCondLst>
+                                        </p:cTn>
+                                        <p:tgtEl>
+                                          <p:spTgt spid="18"/>
+                                        </p:tgtEl>
+                                        <p:attrNameLst>
+                                          <p:attrName>style.visibility</p:attrName>
+                                        </p:attrNameLst>
+                                      </p:cBhvr>
+                                      <p:to>
+                                        <p:strVal val="hidden"/>
+                                      </p:to>
+                                    </p:set>
+                                  </p:childTnLst>
+                                </p:cTn>
+                              </p:par>
+                              <p:par>
+                                <p:cTn id="24" presetID="10" presetClass="exit" presetSubtype="0" fill="hold" grpId="2" nodeType="withEffect">
+                                  <p:stCondLst>
+                                    <p:cond delay="0"/>
+                                  </p:stCondLst>
+                                  <p:childTnLst>
+                                    <p:animEffect transition="out" filter="fade">
+                                      <p:cBhvr>
+                                        <p:cTn id="25" dur="500"/>
+                                        <p:tgtEl>
+                                          <p:spTgt spid="3"/>
+                                        </p:tgtEl>
+                                      </p:cBhvr>
+                                    </p:animEffect>
+                                    <p:set>
+                                      <p:cBhvr>
+                                        <p:cTn id="26" dur="1" fill="hold">
+                                          <p:stCondLst>
+                                            <p:cond delay="499"/>
+                                          </p:stCondLst>
+                                        </p:cTn>
+                                        <p:tgtEl>
+                                          <p:spTgt spid="3"/>
+                                        </p:tgtEl>
+                                        <p:attrNameLst>
+                                          <p:attrName>style.visibility</p:attrName>
+                                        </p:attrNameLst>
+                                      </p:cBhvr>
+                                      <p:to>
+                                        <p:strVal val="hidden"/>
+                                      </p:to>
+                                    </p:set>
+                                  </p:childTnLst>
+                                </p:cTn>
+                              </p:par>
+                            </p:childTnLst>
+                          </p:cTn>
+                        </p:par>
+                      </p:childTnLst>
+                    </p:cTn>
+                  </p:par>
+                  <p:par>
+                    <p:cTn id="27" fill="hold">
+                      <p:stCondLst>
+                        <p:cond delay="indefinite"/>
+                      </p:stCondLst>
+                      <p:childTnLst>
+                        <p:par>
+                          <p:cTn id="28" fill="hold">
+                            <p:stCondLst>
+                              <p:cond delay="0"/>
+                            </p:stCondLst>
+                            <p:childTnLst>
+                              <p:par>
+                                <p:cTn id="29" presetID="10" presetClass="entr" presetSubtype="0" fill="hold" grpId="0" nodeType="clickEffect">
+                                  <p:stCondLst>
+                                    <p:cond delay="0"/>
+                                  </p:stCondLst>
+                                  <p:childTnLst>
+                                    <p:set>
+                                      <p:cBhvr>
+                                        <p:cTn id="30" dur="1" fill="hold">
+                                          <p:stCondLst>
+                                            <p:cond delay="0"/>
+                                          </p:stCondLst>
+                                        </p:cTn>
+                                        <p:tgtEl>
+                                          <p:spTgt spid="24"/>
+                                        </p:tgtEl>
+                                        <p:attrNameLst>
+                                          <p:attrName>style.visibility</p:attrName>
+                                        </p:attrNameLst>
+                                      </p:cBhvr>
+                                      <p:to>
+                                        <p:strVal val="visible"/>
+                                      </p:to>
+                                    </p:set>
+                                    <p:animEffect transition="in" filter="fade">
+                                      <p:cBhvr>
+                                        <p:cTn id="31" dur="500"/>
+                                        <p:tgtEl>
+                                          <p:spTgt spid="24"/>
+                                        </p:tgtEl>
+                                      </p:cBhvr>
+                                    </p:animEffect>
+                                  </p:childTnLst>
+                                </p:cTn>
+                              </p:par>
+                            </p:childTnLst>
+                          </p:cTn>
+                        </p:par>
+                      </p:childTnLst>
+                    </p:cTn>
+                  </p:par>
+                  <p:par>
+                    <p:cTn id="32" fill="hold">
+                      <p:stCondLst>
+                        <p:cond delay="indefinite"/>
+                      </p:stCondLst>
+                      <p:childTnLst>
+                        <p:par>
+                          <p:cTn id="33" fill="hold">
+                            <p:stCondLst>
+                              <p:cond delay="0"/>
+                            </p:stCondLst>
+                            <p:childTnLst>
+                              <p:par>
+                                <p:cTn id="34" presetID="0" presetClass="path" presetSubtype="0" accel="50000" decel="50000" fill="hold" grpId="1" nodeType="clickEffect">
+                                  <p:stCondLst>
+                                    <p:cond delay="0"/>
+                                  </p:stCondLst>
+                                  <p:childTnLst>
+                                    <p:animMotion origin="layout" path="M 0.00026 0.00162 L -0.37916 0.00162 " pathEditMode="relative" rAng="0" ptsTypes="AA">
+                                      <p:cBhvr>
+                                        <p:cTn id="35" dur="2000" fill="hold"/>
+                                        <p:tgtEl>
+                                          <p:spTgt spid="24"/>
+                                        </p:tgtEl>
+                                        <p:attrNameLst>
+                                          <p:attrName>ppt_x</p:attrName>
+                                          <p:attrName>ppt_y</p:attrName>
+                                        </p:attrNameLst>
+                                      </p:cBhvr>
+                                      <p:rCtr x="-18971" y="0"/>
+                                    </p:animMotion>
+                                  </p:childTnLst>
+                                </p:cTn>
+                              </p:par>
+                            </p:childTnLst>
+                          </p:cTn>
+                        </p:par>
+                      </p:childTnLst>
+                    </p:cTn>
+                  </p:par>
+                  <p:par>
+                    <p:cTn id="36" fill="hold">
+                      <p:stCondLst>
+                        <p:cond delay="indefinite"/>
+                      </p:stCondLst>
+                      <p:childTnLst>
+                        <p:par>
+                          <p:cTn id="37" fill="hold">
+                            <p:stCondLst>
+                              <p:cond delay="0"/>
+                            </p:stCondLst>
+                            <p:childTnLst>
+                              <p:par>
+                                <p:cTn id="38" presetID="10" presetClass="exit" presetSubtype="0" fill="hold" grpId="2" nodeType="clickEffect">
+                                  <p:stCondLst>
+                                    <p:cond delay="0"/>
+                                  </p:stCondLst>
+                                  <p:childTnLst>
+                                    <p:animEffect transition="out" filter="fade">
+                                      <p:cBhvr>
+                                        <p:cTn id="39" dur="500"/>
+                                        <p:tgtEl>
+                                          <p:spTgt spid="24"/>
+                                        </p:tgtEl>
+                                      </p:cBhvr>
+                                    </p:animEffect>
+                                    <p:set>
+                                      <p:cBhvr>
+                                        <p:cTn id="40" dur="1" fill="hold">
+                                          <p:stCondLst>
+                                            <p:cond delay="499"/>
+                                          </p:stCondLst>
+                                        </p:cTn>
+                                        <p:tgtEl>
+                                          <p:spTgt spid="24"/>
+                                        </p:tgtEl>
+                                        <p:attrNameLst>
+                                          <p:attrName>style.visibility</p:attrName>
+                                        </p:attrNameLst>
+                                      </p:cBhvr>
+                                      <p:to>
+                                        <p:strVal val="hidden"/>
+                                      </p:to>
+                                    </p:set>
+                                  </p:childTnLst>
+                                </p:cTn>
+                              </p:par>
+                            </p:childTnLst>
+                          </p:cTn>
+                        </p:par>
+                      </p:childTnLst>
+                    </p:cTn>
+                  </p:par>
+                  <p:par>
+                    <p:cTn id="41" fill="hold">
+                      <p:stCondLst>
+                        <p:cond delay="indefinite"/>
+                      </p:stCondLst>
+                      <p:childTnLst>
+                        <p:par>
+                          <p:cTn id="42" fill="hold">
+                            <p:stCondLst>
+                              <p:cond delay="0"/>
+                            </p:stCondLst>
+                            <p:childTnLst>
+                              <p:par>
+                                <p:cTn id="43" presetID="10" presetClass="entr" presetSubtype="0" fill="hold" nodeType="clickEffect">
+                                  <p:stCondLst>
+                                    <p:cond delay="0"/>
+                                  </p:stCondLst>
+                                  <p:childTnLst>
+                                    <p:set>
+                                      <p:cBhvr>
+                                        <p:cTn id="44" dur="1" fill="hold">
+                                          <p:stCondLst>
+                                            <p:cond delay="0"/>
+                                          </p:stCondLst>
+                                        </p:cTn>
+                                        <p:tgtEl>
+                                          <p:spTgt spid="30"/>
+                                        </p:tgtEl>
+                                        <p:attrNameLst>
+                                          <p:attrName>style.visibility</p:attrName>
+                                        </p:attrNameLst>
+                                      </p:cBhvr>
+                                      <p:to>
+                                        <p:strVal val="visible"/>
+                                      </p:to>
+                                    </p:set>
+                                    <p:animEffect transition="in" filter="fade">
+                                      <p:cBhvr>
+                                        <p:cTn id="45" dur="500"/>
+                                        <p:tgtEl>
+                                          <p:spTgt spid="30"/>
+                                        </p:tgtEl>
+                                      </p:cBhvr>
+                                    </p:animEffect>
+                                  </p:childTnLst>
+                                </p:cTn>
+                              </p:par>
+                            </p:childTnLst>
+                          </p:cTn>
+                        </p:par>
+                      </p:childTnLst>
+                    </p:cTn>
+                  </p:par>
+                </p:childTnLst>
+              </p:cTn>
+              <p:prevCondLst>
+                <p:cond evt="onPrev" delay="0">
+                  <p:tgtEl>
+                    <p:sldTgt/>
+                  </p:tgtEl>
+                </p:cond>
+              </p:prevCondLst>
+              <p:nextCondLst>
+                <p:cond evt="onNext" delay="0">
+                  <p:tgtEl>
+                    <p:sldTgt/>
+                  </p:tgtEl>
+                </p:cond>
+              </p:nextCondLst>
+            </p:seq>
+          </p:childTnLst>
+        </p:cTn>
+      </p:par>
+    </p:tnLst>
+    <p:bldLst>
+      <p:bldP spid="18" grpId="0" animBg="1"/>
+      <p:bldP spid="18" grpId="1" animBg="1"/>
+      <p:bldP spid="18" grpId="2" animBg="1"/>
+      <p:bldP spid="3" grpId="0" animBg="1"/>
+      <p:bldP spid="3" grpId="1" animBg="1"/>
+      <p:bldP spid="3" grpId="2" animBg="1"/>
+      <p:bldP spid="24" grpId="0" animBg="1"/>
+      <p:bldP spid="24" grpId="1" animBg="1"/>
+      <p:bldP spid="24" grpId="2" animBg="1"/>
+    </p:bldLst>
+  </p:timing>
+</p:sld>
+</file>
+
+<file path=ppt/slides/slide7.xml><?xml version="1.0" encoding="utf-8"?>
+<p:sld xmlns:a="http://schemas.openxmlformats.org/drawingml/2006/main" xmlns:r="http://schemas.openxmlformats.org/officeDocument/2006/relationships" xmlns:p="http://schemas.openxmlformats.org/presentationml/2006/main">
+  <p:cSld>
+    <p:spTree>
+      <p:nvGrpSpPr>
+        <p:cNvPr id="1" name=""/>
+        <p:cNvGrpSpPr/>
+        <p:nvPr/>
+      </p:nvGrpSpPr>
+      <p:grpSpPr>
+        <a:xfrm>
+          <a:off x="0" y="0"/>
+          <a:ext cx="0" cy="0"/>
+          <a:chOff x="0" y="0"/>
+          <a:chExt cx="0" cy="0"/>
+        </a:xfrm>
+      </p:grpSpPr>
+      <p:sp>
+        <p:nvSpPr>
+          <p:cNvPr id="20" name="TextBox 19"/>
+          <p:cNvSpPr txBox="1"/>
+          <p:nvPr/>
+        </p:nvSpPr>
+        <p:spPr>
+          <a:xfrm>
+            <a:off x="1575856" y="1214054"/>
+            <a:ext cx="9788830" cy="369332"/>
+          </a:xfrm>
+          <a:prstGeom prst="rect">
+            <a:avLst/>
+          </a:prstGeom>
+          <a:noFill/>
+        </p:spPr>
+        <p:txBody>
+          <a:bodyPr wrap="square" rtlCol="0">
+            <a:spAutoFit/>
+          </a:bodyPr>
+          <a:lstStyle/>
+          <a:p>
+            <a:pPr marL="285750" indent="-285750">
+              <a:buFontTx/>
+              <a:buChar char="-"/>
+            </a:pPr>
+            <a:r>
+              <a:rPr kumimoji="1" lang="en-US" altLang="ko-KR" dirty="0" smtClean="0"/>
+              <a:t>Bitcoin nodes find initial network peers by querying a set of hard-coded DNS servers</a:t>
+            </a:r>
+            <a:endParaRPr kumimoji="1" lang="ko-KR" altLang="en-US" dirty="0"/>
+          </a:p>
+        </p:txBody>
+      </p:sp>
+      <p:sp>
+        <p:nvSpPr>
+          <p:cNvPr id="21" name="TextBox 20"/>
+          <p:cNvSpPr txBox="1"/>
+          <p:nvPr/>
+        </p:nvSpPr>
+        <p:spPr>
+          <a:xfrm>
+            <a:off x="831273" y="565265"/>
+            <a:ext cx="5162203" cy="461665"/>
+          </a:xfrm>
+          <a:prstGeom prst="rect">
+            <a:avLst/>
+          </a:prstGeom>
+          <a:noFill/>
+        </p:spPr>
+        <p:txBody>
+          <a:bodyPr wrap="square" rtlCol="0">
+            <a:spAutoFit/>
+          </a:bodyPr>
+          <a:lstStyle/>
+          <a:p>
+            <a:r>
+              <a:rPr kumimoji="1" lang="en-US" altLang="ko-KR" sz="2400" b="1" dirty="0" smtClean="0"/>
+              <a:t>Mapping the Broadcast Topology</a:t>
+            </a:r>
+            <a:endParaRPr kumimoji="1" lang="ko-KR" altLang="en-US" sz="2400" b="1" dirty="0"/>
+          </a:p>
+        </p:txBody>
+      </p:sp>
+      <p:grpSp>
+        <p:nvGrpSpPr>
+          <p:cNvPr id="22" name="그룹 21"/>
+          <p:cNvGrpSpPr/>
+          <p:nvPr/>
+        </p:nvGrpSpPr>
+        <p:grpSpPr>
+          <a:xfrm>
+            <a:off x="9108237" y="2292226"/>
+            <a:ext cx="1891447" cy="1917739"/>
+            <a:chOff x="8843194" y="2292226"/>
+            <a:chExt cx="1891447" cy="1917739"/>
+          </a:xfrm>
+        </p:grpSpPr>
+        <p:pic>
+          <p:nvPicPr>
+            <p:cNvPr id="23" name="그림 22">
+              <a:extLst>
+                <a:ext uri="{FF2B5EF4-FFF2-40B4-BE49-F238E27FC236}">
+                  <a16:creationId xmlns="" xmlns:a16="http://schemas.microsoft.com/office/drawing/2014/main" id="{D2740D52-1B98-43BD-8D68-CCB0D563490D}"/>
+                </a:ext>
+              </a:extLst>
+            </p:cNvPr>
+            <p:cNvPicPr>
+              <a:picLocks noChangeAspect="1"/>
+            </p:cNvPicPr>
+            <p:nvPr/>
+          </p:nvPicPr>
+          <p:blipFill>
+            <a:blip r:embed="rId3"/>
+            <a:stretch>
+              <a:fillRect/>
+            </a:stretch>
+          </p:blipFill>
+          <p:spPr>
+            <a:xfrm>
+              <a:off x="9054247" y="2292226"/>
+              <a:ext cx="1469342" cy="1469342"/>
+            </a:xfrm>
+            <a:prstGeom prst="rect">
+              <a:avLst/>
+            </a:prstGeom>
+          </p:spPr>
+        </p:pic>
+        <p:sp>
+          <p:nvSpPr>
+            <p:cNvPr id="27" name="TextBox 26"/>
+            <p:cNvSpPr txBox="1"/>
+            <p:nvPr/>
+          </p:nvSpPr>
+          <p:spPr>
+            <a:xfrm>
+              <a:off x="8843194" y="3871411"/>
+              <a:ext cx="1891447" cy="338554"/>
+            </a:xfrm>
+            <a:prstGeom prst="rect">
+              <a:avLst/>
+            </a:prstGeom>
+            <a:noFill/>
+          </p:spPr>
+          <p:txBody>
+            <a:bodyPr wrap="square" rtlCol="0">
+              <a:spAutoFit/>
+            </a:bodyPr>
+            <a:lstStyle/>
+            <a:p>
+              <a:pPr algn="ctr"/>
+              <a:r>
+                <a:rPr kumimoji="1" lang="en-US" altLang="ko-KR" sz="1600" smtClean="0"/>
+                <a:t>Peer #2</a:t>
+              </a:r>
+              <a:endParaRPr kumimoji="1" lang="ko-KR" altLang="en-US" sz="1600" dirty="0"/>
+            </a:p>
+          </p:txBody>
+        </p:sp>
+      </p:grpSp>
+      <p:grpSp>
+        <p:nvGrpSpPr>
+          <p:cNvPr id="31" name="그룹 30"/>
+          <p:cNvGrpSpPr/>
+          <p:nvPr/>
+        </p:nvGrpSpPr>
+        <p:grpSpPr>
+          <a:xfrm>
+            <a:off x="779247" y="2292226"/>
+            <a:ext cx="1891447" cy="1917739"/>
+            <a:chOff x="2197229" y="2292226"/>
+            <a:chExt cx="1891447" cy="1917739"/>
+          </a:xfrm>
+        </p:grpSpPr>
+        <p:pic>
+          <p:nvPicPr>
+            <p:cNvPr id="32" name="그림 31">
+              <a:extLst>
+                <a:ext uri="{FF2B5EF4-FFF2-40B4-BE49-F238E27FC236}">
+                  <a16:creationId xmlns="" xmlns:a16="http://schemas.microsoft.com/office/drawing/2014/main" id="{D2740D52-1B98-43BD-8D68-CCB0D563490D}"/>
+                </a:ext>
+              </a:extLst>
+            </p:cNvPr>
+            <p:cNvPicPr>
+              <a:picLocks noChangeAspect="1"/>
+            </p:cNvPicPr>
+            <p:nvPr/>
+          </p:nvPicPr>
+          <p:blipFill>
+            <a:blip r:embed="rId3"/>
+            <a:stretch>
+              <a:fillRect/>
+            </a:stretch>
+          </p:blipFill>
+          <p:spPr>
+            <a:xfrm>
+              <a:off x="2408282" y="2292226"/>
+              <a:ext cx="1469342" cy="1469342"/>
+            </a:xfrm>
+            <a:prstGeom prst="rect">
+              <a:avLst/>
+            </a:prstGeom>
+          </p:spPr>
+        </p:pic>
+        <p:sp>
+          <p:nvSpPr>
+            <p:cNvPr id="33" name="TextBox 32"/>
+            <p:cNvSpPr txBox="1"/>
+            <p:nvPr/>
+          </p:nvSpPr>
+          <p:spPr>
+            <a:xfrm>
+              <a:off x="2197229" y="3871411"/>
+              <a:ext cx="1891447" cy="338554"/>
+            </a:xfrm>
+            <a:prstGeom prst="rect">
+              <a:avLst/>
+            </a:prstGeom>
+            <a:noFill/>
+          </p:spPr>
+          <p:txBody>
+            <a:bodyPr wrap="square" rtlCol="0">
+              <a:spAutoFit/>
+            </a:bodyPr>
+            <a:lstStyle/>
+            <a:p>
+              <a:pPr algn="ctr"/>
+              <a:r>
+                <a:rPr kumimoji="1" lang="en-US" altLang="ko-KR" sz="1600" dirty="0" smtClean="0"/>
+                <a:t>Peer #1</a:t>
+              </a:r>
+              <a:endParaRPr kumimoji="1" lang="ko-KR" altLang="en-US" sz="1600" dirty="0"/>
+            </a:p>
+          </p:txBody>
+        </p:sp>
+      </p:grpSp>
+      <p:cxnSp>
+        <p:nvCxnSpPr>
+          <p:cNvPr id="34" name="직선 화살표 연결선 33"/>
+          <p:cNvCxnSpPr/>
+          <p:nvPr/>
+        </p:nvCxnSpPr>
+        <p:spPr>
+          <a:xfrm>
+            <a:off x="2822713" y="2703441"/>
+            <a:ext cx="6020481" cy="0"/>
+          </a:xfrm>
+          <a:prstGeom prst="straightConnector1">
+            <a:avLst/>
+          </a:prstGeom>
+          <a:ln w="57150">
+            <a:solidFill>
+              <a:schemeClr val="tx1"/>
+            </a:solidFill>
+            <a:tailEnd type="triangle"/>
+          </a:ln>
+        </p:spPr>
+        <p:style>
+          <a:lnRef idx="1">
+            <a:schemeClr val="accent1"/>
+          </a:lnRef>
+          <a:fillRef idx="0">
+            <a:schemeClr val="accent1"/>
+          </a:fillRef>
+          <a:effectRef idx="0">
+            <a:schemeClr val="accent1"/>
+          </a:effectRef>
+          <a:fontRef idx="minor">
+            <a:schemeClr val="tx1"/>
+          </a:fontRef>
+        </p:style>
+      </p:cxnSp>
+      <p:cxnSp>
+        <p:nvCxnSpPr>
+          <p:cNvPr id="35" name="직선 화살표 연결선 34"/>
+          <p:cNvCxnSpPr/>
+          <p:nvPr/>
+        </p:nvCxnSpPr>
+        <p:spPr>
+          <a:xfrm flipH="1">
+            <a:off x="2822713" y="3352557"/>
+            <a:ext cx="6020481" cy="0"/>
+          </a:xfrm>
+          <a:prstGeom prst="straightConnector1">
+            <a:avLst/>
+          </a:prstGeom>
+          <a:ln w="57150">
+            <a:solidFill>
+              <a:schemeClr val="tx1"/>
+            </a:solidFill>
+            <a:tailEnd type="triangle"/>
+          </a:ln>
+        </p:spPr>
+        <p:style>
+          <a:lnRef idx="1">
+            <a:schemeClr val="accent1"/>
+          </a:lnRef>
+          <a:fillRef idx="0">
+            <a:schemeClr val="accent1"/>
+          </a:fillRef>
+          <a:effectRef idx="0">
+            <a:schemeClr val="accent1"/>
+          </a:effectRef>
+          <a:fontRef idx="minor">
+            <a:schemeClr val="tx1"/>
+          </a:fontRef>
+        </p:style>
+      </p:cxnSp>
+      <p:sp>
+        <p:nvSpPr>
+          <p:cNvPr id="36" name="TextBox 35"/>
+          <p:cNvSpPr txBox="1"/>
+          <p:nvPr/>
+        </p:nvSpPr>
+        <p:spPr>
+          <a:xfrm>
+            <a:off x="2200482" y="2110616"/>
+            <a:ext cx="2423784" cy="338554"/>
+          </a:xfrm>
+          <a:prstGeom prst="rect">
+            <a:avLst/>
+          </a:prstGeom>
+          <a:noFill/>
+          <a:ln>
+            <a:solidFill>
+              <a:schemeClr val="tx1">
+                <a:lumMod val="75000"/>
+                <a:lumOff val="25000"/>
+              </a:schemeClr>
+            </a:solidFill>
+          </a:ln>
+        </p:spPr>
+        <p:txBody>
+          <a:bodyPr wrap="square" rtlCol="0">
+            <a:spAutoFit/>
+          </a:bodyPr>
+          <a:lstStyle/>
+          <a:p>
+            <a:pPr algn="ctr"/>
+            <a:r>
+              <a:rPr kumimoji="1" lang="en-US" altLang="ko-KR" sz="1600" b="1" i="1" dirty="0" err="1" smtClean="0"/>
+              <a:t>getAddr</a:t>
+            </a:r>
+            <a:r>
+              <a:rPr kumimoji="1" lang="en-US" altLang="ko-KR" sz="1600" dirty="0" smtClean="0"/>
+              <a:t> message</a:t>
+            </a:r>
+          </a:p>
+        </p:txBody>
+      </p:sp>
+      <p:sp>
+        <p:nvSpPr>
+          <p:cNvPr id="38" name="TextBox 37"/>
+          <p:cNvSpPr txBox="1"/>
+          <p:nvPr/>
+        </p:nvSpPr>
+        <p:spPr>
+          <a:xfrm>
+            <a:off x="6895506" y="3575402"/>
+            <a:ext cx="2423784" cy="2062103"/>
+          </a:xfrm>
+          <a:prstGeom prst="rect">
+            <a:avLst/>
+          </a:prstGeom>
+          <a:noFill/>
+          <a:ln>
+            <a:solidFill>
+              <a:schemeClr val="tx1">
+                <a:lumMod val="75000"/>
+                <a:lumOff val="25000"/>
+              </a:schemeClr>
+            </a:solidFill>
+          </a:ln>
+        </p:spPr>
+        <p:txBody>
+          <a:bodyPr wrap="square" rtlCol="0">
+            <a:spAutoFit/>
+          </a:bodyPr>
+          <a:lstStyle/>
+          <a:p>
+            <a:pPr algn="ctr"/>
+            <a:r>
+              <a:rPr kumimoji="1" lang="en-US" altLang="ko-KR" sz="1600" b="1" i="1" dirty="0" err="1" smtClean="0"/>
+              <a:t>addr</a:t>
+            </a:r>
+            <a:r>
+              <a:rPr kumimoji="1" lang="en-US" altLang="ko-KR" sz="1600" b="1" i="1" dirty="0" smtClean="0"/>
+              <a:t> </a:t>
+            </a:r>
+            <a:r>
+              <a:rPr kumimoji="1" lang="en-US" altLang="ko-KR" sz="1600" dirty="0" smtClean="0"/>
+              <a:t>message</a:t>
+            </a:r>
+          </a:p>
+          <a:p>
+            <a:pPr algn="ctr"/>
+            <a:endParaRPr kumimoji="1" lang="en-US" altLang="ko-KR" sz="1600" b="1" i="1" dirty="0"/>
+          </a:p>
+          <a:p>
+            <a:pPr algn="ctr"/>
+            <a:endParaRPr kumimoji="1" lang="en-US" altLang="ko-KR" sz="1600" b="1" i="1" dirty="0" smtClean="0"/>
+          </a:p>
+          <a:p>
+            <a:pPr algn="ctr"/>
+            <a:endParaRPr kumimoji="1" lang="en-US" altLang="ko-KR" sz="1600" b="1" i="1" dirty="0"/>
+          </a:p>
+          <a:p>
+            <a:pPr algn="ctr"/>
+            <a:endParaRPr kumimoji="1" lang="en-US" altLang="ko-KR" sz="1600" b="1" i="1" dirty="0" smtClean="0"/>
+          </a:p>
+          <a:p>
+            <a:pPr algn="ctr"/>
+            <a:endParaRPr kumimoji="1" lang="en-US" altLang="ko-KR" sz="1600" b="1" i="1" dirty="0"/>
+          </a:p>
+          <a:p>
+            <a:pPr algn="ctr"/>
+            <a:endParaRPr kumimoji="1" lang="en-US" altLang="ko-KR" sz="1600" b="1" i="1" dirty="0" smtClean="0"/>
+          </a:p>
+          <a:p>
+            <a:pPr algn="ctr"/>
+            <a:endParaRPr kumimoji="1" lang="en-US" altLang="ko-KR" sz="1600" b="1" i="1" dirty="0" smtClean="0"/>
+          </a:p>
+        </p:txBody>
+      </p:sp>
+      <p:sp>
+        <p:nvSpPr>
+          <p:cNvPr id="39" name="TextBox 38"/>
+          <p:cNvSpPr txBox="1"/>
+          <p:nvPr/>
+        </p:nvSpPr>
+        <p:spPr>
+          <a:xfrm>
+            <a:off x="7106558" y="3916444"/>
+            <a:ext cx="2001679" cy="1615827"/>
+          </a:xfrm>
+          <a:prstGeom prst="rect">
+            <a:avLst/>
+          </a:prstGeom>
+          <a:noFill/>
+          <a:ln w="38100">
+            <a:solidFill>
+              <a:schemeClr val="tx1">
+                <a:lumMod val="65000"/>
+                <a:lumOff val="35000"/>
+              </a:schemeClr>
+            </a:solidFill>
+            <a:prstDash val="sysDot"/>
+          </a:ln>
+        </p:spPr>
+        <p:txBody>
+          <a:bodyPr wrap="square" rtlCol="0">
+            <a:spAutoFit/>
+          </a:bodyPr>
+          <a:lstStyle/>
+          <a:p>
+            <a:pPr algn="ctr"/>
+            <a:r>
+              <a:rPr kumimoji="1" lang="en-US" altLang="ko-KR" dirty="0" err="1" smtClean="0"/>
+              <a:t>ip:port</a:t>
+            </a:r>
+            <a:r>
+              <a:rPr kumimoji="1" lang="en-US" altLang="ko-KR" dirty="0" smtClean="0"/>
+              <a:t> / </a:t>
+            </a:r>
+            <a:r>
+              <a:rPr kumimoji="1" lang="en-US" altLang="ko-KR" dirty="0" err="1" smtClean="0"/>
+              <a:t>ts</a:t>
+            </a:r>
+            <a:endParaRPr kumimoji="1" lang="en-US" altLang="ko-KR" dirty="0" smtClean="0"/>
+          </a:p>
+          <a:p>
+            <a:pPr algn="ctr"/>
+            <a:endParaRPr kumimoji="1" lang="en-US" altLang="ko-KR" sz="1600" dirty="0" smtClean="0"/>
+          </a:p>
+          <a:p>
+            <a:pPr algn="ctr"/>
+            <a:r>
+              <a:rPr kumimoji="1" lang="en-US" altLang="ko-KR" sz="1300" dirty="0" smtClean="0"/>
+              <a:t>1.1.1.1:1</a:t>
+            </a:r>
+            <a:r>
+              <a:rPr kumimoji="1" lang="ko-KR" altLang="en-US" sz="1300" dirty="0" smtClean="0"/>
+              <a:t> </a:t>
+            </a:r>
+            <a:r>
+              <a:rPr kumimoji="1" lang="en-US" altLang="ko-KR" sz="1300" dirty="0" smtClean="0"/>
+              <a:t>/</a:t>
+            </a:r>
+            <a:r>
+              <a:rPr kumimoji="1" lang="ko-KR" altLang="en-US" sz="1300" dirty="0" smtClean="0"/>
+              <a:t> </a:t>
+            </a:r>
+            <a:r>
+              <a:rPr kumimoji="1" lang="en-US" altLang="ko-KR" sz="1300" dirty="0" smtClean="0"/>
+              <a:t>12:00:00</a:t>
+            </a:r>
+          </a:p>
+          <a:p>
+            <a:pPr algn="ctr"/>
+            <a:r>
+              <a:rPr kumimoji="1" lang="en-US" altLang="ko-KR" sz="1300" dirty="0" smtClean="0"/>
+              <a:t>2.2.2.2:2</a:t>
+            </a:r>
+            <a:r>
+              <a:rPr kumimoji="1" lang="ko-KR" altLang="en-US" sz="1300" dirty="0" smtClean="0"/>
+              <a:t> </a:t>
+            </a:r>
+            <a:r>
+              <a:rPr kumimoji="1" lang="en-US" altLang="ko-KR" sz="1300" dirty="0"/>
+              <a:t>/</a:t>
+            </a:r>
+            <a:r>
+              <a:rPr kumimoji="1" lang="ko-KR" altLang="en-US" sz="1300" dirty="0"/>
+              <a:t> </a:t>
+            </a:r>
+            <a:r>
+              <a:rPr kumimoji="1" lang="en-US" altLang="ko-KR" sz="1300" dirty="0"/>
+              <a:t>12:00:00</a:t>
+            </a:r>
+            <a:endParaRPr kumimoji="1" lang="en-US" altLang="ko-KR" sz="1300" b="1" dirty="0" smtClean="0"/>
+          </a:p>
+          <a:p>
+            <a:pPr algn="ctr"/>
+            <a:r>
+              <a:rPr kumimoji="1" lang="en-US" altLang="ko-KR" sz="1300" dirty="0" smtClean="0"/>
+              <a:t>3.3.3.3:3</a:t>
+            </a:r>
+            <a:r>
+              <a:rPr kumimoji="1" lang="ko-KR" altLang="en-US" sz="1300" dirty="0" smtClean="0"/>
+              <a:t> </a:t>
+            </a:r>
+            <a:r>
+              <a:rPr kumimoji="1" lang="en-US" altLang="ko-KR" sz="1300" dirty="0"/>
+              <a:t>/</a:t>
+            </a:r>
+            <a:r>
+              <a:rPr kumimoji="1" lang="ko-KR" altLang="en-US" sz="1300" dirty="0"/>
+              <a:t> </a:t>
+            </a:r>
+            <a:r>
+              <a:rPr kumimoji="1" lang="en-US" altLang="ko-KR" sz="1300" dirty="0" smtClean="0"/>
+              <a:t>12:00:00</a:t>
+            </a:r>
+          </a:p>
+          <a:p>
+            <a:pPr algn="ctr"/>
+            <a:r>
+              <a:rPr kumimoji="1" lang="en-US" altLang="ko-KR" sz="1300" dirty="0" smtClean="0"/>
+              <a:t>4.4.4.4:4</a:t>
+            </a:r>
+            <a:r>
+              <a:rPr kumimoji="1" lang="ko-KR" altLang="en-US" sz="1300" dirty="0" smtClean="0"/>
+              <a:t> </a:t>
+            </a:r>
+            <a:r>
+              <a:rPr kumimoji="1" lang="en-US" altLang="ko-KR" sz="1300" dirty="0"/>
+              <a:t>/</a:t>
+            </a:r>
+            <a:r>
+              <a:rPr kumimoji="1" lang="ko-KR" altLang="en-US" sz="1300" dirty="0"/>
+              <a:t> </a:t>
+            </a:r>
+            <a:r>
+              <a:rPr kumimoji="1" lang="en-US" altLang="ko-KR" sz="1300" dirty="0" smtClean="0"/>
+              <a:t>12:00:00</a:t>
+            </a:r>
+          </a:p>
+          <a:p>
+            <a:pPr algn="ctr"/>
+            <a:r>
+              <a:rPr kumimoji="1" lang="en-US" altLang="ko-KR" sz="1300" dirty="0" smtClean="0"/>
+              <a:t>5.5.5.5:5</a:t>
+            </a:r>
+            <a:r>
+              <a:rPr kumimoji="1" lang="ko-KR" altLang="en-US" sz="1300" dirty="0" smtClean="0"/>
+              <a:t> </a:t>
+            </a:r>
+            <a:r>
+              <a:rPr kumimoji="1" lang="en-US" altLang="ko-KR" sz="1300" dirty="0"/>
+              <a:t>/</a:t>
+            </a:r>
+            <a:r>
+              <a:rPr kumimoji="1" lang="ko-KR" altLang="en-US" sz="1300" dirty="0"/>
+              <a:t> </a:t>
+            </a:r>
+            <a:r>
+              <a:rPr kumimoji="1" lang="en-US" altLang="ko-KR" sz="1300" dirty="0"/>
+              <a:t>12:00:00</a:t>
+            </a:r>
+            <a:endParaRPr kumimoji="1" lang="ko-KR" altLang="en-US" sz="1300" b="1" dirty="0"/>
+          </a:p>
+        </p:txBody>
+      </p:sp>
+    </p:spTree>
+    <p:extLst>
+      <p:ext uri="{BB962C8B-B14F-4D97-AF65-F5344CB8AC3E}">
+        <p14:creationId xmlns:p14="http://schemas.microsoft.com/office/powerpoint/2010/main" val="2027235640"/>
+      </p:ext>
+    </p:extLst>
+  </p:cSld>
+  <p:clrMapOvr>
+    <a:masterClrMapping/>
+  </p:clrMapOvr>
+  <p:timing>
+    <p:tnLst>
+      <p:par>
+        <p:cTn id="1" dur="indefinite" restart="never" nodeType="tmRoot">
+          <p:childTnLst>
+            <p:seq concurrent="1" nextAc="seek">
+              <p:cTn id="2" dur="indefinite" nodeType="mainSeq">
+                <p:childTnLst>
+                  <p:par>
+                    <p:cTn id="3" fill="hold">
+                      <p:stCondLst>
+                        <p:cond delay="indefinite"/>
+                      </p:stCondLst>
+                      <p:childTnLst>
+                        <p:par>
+                          <p:cTn id="4" fill="hold">
+                            <p:stCondLst>
+                              <p:cond delay="0"/>
+                            </p:stCondLst>
+                            <p:childTnLst>
+                              <p:par>
+                                <p:cTn id="5" presetID="10" presetClass="entr" presetSubtype="0" fill="hold" grpId="0" nodeType="clickEffect">
+                                  <p:stCondLst>
+                                    <p:cond delay="0"/>
+                                  </p:stCondLst>
+                                  <p:childTnLst>
+                                    <p:set>
+                                      <p:cBhvr>
+                                        <p:cTn id="6" dur="1" fill="hold">
+                                          <p:stCondLst>
+                                            <p:cond delay="0"/>
+                                          </p:stCondLst>
+                                        </p:cTn>
+                                        <p:tgtEl>
+                                          <p:spTgt spid="36"/>
+                                        </p:tgtEl>
+                                        <p:attrNameLst>
+                                          <p:attrName>style.visibility</p:attrName>
+                                        </p:attrNameLst>
+                                      </p:cBhvr>
+                                      <p:to>
+                                        <p:strVal val="visible"/>
+                                      </p:to>
+                                    </p:set>
+                                    <p:animEffect transition="in" filter="fade">
+                                      <p:cBhvr>
+                                        <p:cTn id="7" dur="500"/>
+                                        <p:tgtEl>
+                                          <p:spTgt spid="36"/>
+                                        </p:tgtEl>
+                                      </p:cBhvr>
+                                    </p:animEffect>
+                                  </p:childTnLst>
+                                </p:cTn>
+                              </p:par>
+                            </p:childTnLst>
+                          </p:cTn>
+                        </p:par>
+                      </p:childTnLst>
+                    </p:cTn>
+                  </p:par>
+                  <p:par>
+                    <p:cTn id="8" fill="hold">
+                      <p:stCondLst>
+                        <p:cond delay="indefinite"/>
+                      </p:stCondLst>
+                      <p:childTnLst>
+                        <p:par>
+                          <p:cTn id="9" fill="hold">
+                            <p:stCondLst>
+                              <p:cond delay="0"/>
+                            </p:stCondLst>
+                            <p:childTnLst>
+                              <p:par>
+                                <p:cTn id="10" presetID="0" presetClass="path" presetSubtype="0" accel="50000" decel="50000" fill="hold" grpId="1" nodeType="clickEffect">
+                                  <p:stCondLst>
+                                    <p:cond delay="0"/>
+                                  </p:stCondLst>
+                                  <p:childTnLst>
+                                    <p:animMotion origin="layout" path="M 2.29167E-6 2.59259E-6 L 0.3875 2.59259E-6 " pathEditMode="relative" rAng="0" ptsTypes="AA">
+                                      <p:cBhvr>
+                                        <p:cTn id="11" dur="2000" fill="hold"/>
+                                        <p:tgtEl>
+                                          <p:spTgt spid="36"/>
+                                        </p:tgtEl>
+                                        <p:attrNameLst>
+                                          <p:attrName>ppt_x</p:attrName>
+                                          <p:attrName>ppt_y</p:attrName>
+                                        </p:attrNameLst>
+                                      </p:cBhvr>
+                                      <p:rCtr x="19375" y="0"/>
+                                    </p:animMotion>
+                                  </p:childTnLst>
+                                </p:cTn>
+                              </p:par>
+                            </p:childTnLst>
+                          </p:cTn>
+                        </p:par>
+                      </p:childTnLst>
+                    </p:cTn>
+                  </p:par>
+                  <p:par>
+                    <p:cTn id="12" fill="hold">
+                      <p:stCondLst>
+                        <p:cond delay="indefinite"/>
+                      </p:stCondLst>
+                      <p:childTnLst>
+                        <p:par>
+                          <p:cTn id="13" fill="hold">
+                            <p:stCondLst>
+                              <p:cond delay="0"/>
+                            </p:stCondLst>
+                            <p:childTnLst>
+                              <p:par>
+                                <p:cTn id="14" presetID="10" presetClass="exit" presetSubtype="0" fill="hold" grpId="2" nodeType="clickEffect">
+                                  <p:stCondLst>
+                                    <p:cond delay="0"/>
+                                  </p:stCondLst>
+                                  <p:childTnLst>
+                                    <p:animEffect transition="out" filter="fade">
+                                      <p:cBhvr>
+                                        <p:cTn id="15" dur="500"/>
+                                        <p:tgtEl>
+                                          <p:spTgt spid="36"/>
+                                        </p:tgtEl>
+                                      </p:cBhvr>
+                                    </p:animEffect>
+                                    <p:set>
+                                      <p:cBhvr>
+                                        <p:cTn id="16" dur="1" fill="hold">
+                                          <p:stCondLst>
+                                            <p:cond delay="499"/>
+                                          </p:stCondLst>
+                                        </p:cTn>
+                                        <p:tgtEl>
+                                          <p:spTgt spid="36"/>
+                                        </p:tgtEl>
+                                        <p:attrNameLst>
+                                          <p:attrName>style.visibility</p:attrName>
+                                        </p:attrNameLst>
+                                      </p:cBhvr>
+                                      <p:to>
+                                        <p:strVal val="hidden"/>
+                                      </p:to>
+                                    </p:set>
+                                  </p:childTnLst>
+                                </p:cTn>
+                              </p:par>
+                            </p:childTnLst>
+                          </p:cTn>
+                        </p:par>
+                      </p:childTnLst>
+                    </p:cTn>
+                  </p:par>
+                  <p:par>
+                    <p:cTn id="17" fill="hold">
+                      <p:stCondLst>
+                        <p:cond delay="indefinite"/>
+                      </p:stCondLst>
+                      <p:childTnLst>
+                        <p:par>
+                          <p:cTn id="18" fill="hold">
+                            <p:stCondLst>
+                              <p:cond delay="0"/>
+                            </p:stCondLst>
+                            <p:childTnLst>
+                              <p:par>
+                                <p:cTn id="19" presetID="10" presetClass="entr" presetSubtype="0" fill="hold" grpId="0" nodeType="clickEffect">
+                                  <p:stCondLst>
+                                    <p:cond delay="0"/>
+                                  </p:stCondLst>
+                                  <p:childTnLst>
+                                    <p:set>
+                                      <p:cBhvr>
+                                        <p:cTn id="20" dur="1" fill="hold">
+                                          <p:stCondLst>
+                                            <p:cond delay="0"/>
+                                          </p:stCondLst>
+                                        </p:cTn>
+                                        <p:tgtEl>
+                                          <p:spTgt spid="38"/>
+                                        </p:tgtEl>
+                                        <p:attrNameLst>
+                                          <p:attrName>style.visibility</p:attrName>
+                                        </p:attrNameLst>
+                                      </p:cBhvr>
+                                      <p:to>
+                                        <p:strVal val="visible"/>
+                                      </p:to>
+                                    </p:set>
+                                    <p:animEffect transition="in" filter="fade">
+                                      <p:cBhvr>
+                                        <p:cTn id="21" dur="500"/>
+                                        <p:tgtEl>
+                                          <p:spTgt spid="38"/>
+                                        </p:tgtEl>
+                                      </p:cBhvr>
+                                    </p:animEffect>
+                                  </p:childTnLst>
+                                </p:cTn>
+                              </p:par>
+                              <p:par>
+                                <p:cTn id="22" presetID="10" presetClass="entr" presetSubtype="0" fill="hold" grpId="0" nodeType="withEffect">
+                                  <p:stCondLst>
+                                    <p:cond delay="0"/>
+                                  </p:stCondLst>
+                                  <p:childTnLst>
+                                    <p:set>
+                                      <p:cBhvr>
+                                        <p:cTn id="23" dur="1" fill="hold">
+                                          <p:stCondLst>
+                                            <p:cond delay="0"/>
+                                          </p:stCondLst>
+                                        </p:cTn>
+                                        <p:tgtEl>
+                                          <p:spTgt spid="39"/>
+                                        </p:tgtEl>
+                                        <p:attrNameLst>
+                                          <p:attrName>style.visibility</p:attrName>
+                                        </p:attrNameLst>
+                                      </p:cBhvr>
+                                      <p:to>
+                                        <p:strVal val="visible"/>
+                                      </p:to>
+                                    </p:set>
+                                    <p:animEffect transition="in" filter="fade">
+                                      <p:cBhvr>
+                                        <p:cTn id="24" dur="500"/>
+                                        <p:tgtEl>
+                                          <p:spTgt spid="39"/>
+                                        </p:tgtEl>
+                                      </p:cBhvr>
+                                    </p:animEffect>
+                                  </p:childTnLst>
+                                </p:cTn>
+                              </p:par>
+                            </p:childTnLst>
+                          </p:cTn>
+                        </p:par>
+                      </p:childTnLst>
+                    </p:cTn>
+                  </p:par>
+                  <p:par>
+                    <p:cTn id="25" fill="hold">
+                      <p:stCondLst>
+                        <p:cond delay="indefinite"/>
+                      </p:stCondLst>
+                      <p:childTnLst>
+                        <p:par>
+                          <p:cTn id="26" fill="hold">
+                            <p:stCondLst>
+                              <p:cond delay="0"/>
+                            </p:stCondLst>
+                            <p:childTnLst>
+                              <p:par>
+                                <p:cTn id="27" presetID="0" presetClass="path" presetSubtype="0" accel="50000" decel="50000" fill="hold" grpId="1" nodeType="clickEffect">
+                                  <p:stCondLst>
+                                    <p:cond delay="0"/>
+                                  </p:stCondLst>
+                                  <p:childTnLst>
+                                    <p:animMotion origin="layout" path="M 0.00026 0.00162 L -0.37916 0.00162 " pathEditMode="relative" rAng="0" ptsTypes="AA">
+                                      <p:cBhvr>
+                                        <p:cTn id="28" dur="2000" fill="hold"/>
+                                        <p:tgtEl>
+                                          <p:spTgt spid="38"/>
+                                        </p:tgtEl>
+                                        <p:attrNameLst>
+                                          <p:attrName>ppt_x</p:attrName>
+                                          <p:attrName>ppt_y</p:attrName>
+                                        </p:attrNameLst>
+                                      </p:cBhvr>
+                                      <p:rCtr x="-18971" y="0"/>
+                                    </p:animMotion>
+                                  </p:childTnLst>
+                                </p:cTn>
+                              </p:par>
+                              <p:par>
+                                <p:cTn id="29" presetID="0" presetClass="path" presetSubtype="0" accel="50000" decel="50000" fill="hold" grpId="1" nodeType="withEffect">
+                                  <p:stCondLst>
+                                    <p:cond delay="0"/>
+                                  </p:stCondLst>
+                                  <p:childTnLst>
+                                    <p:animMotion origin="layout" path="M -3.95833E-6 1.11111E-6 L -0.37747 -0.0007 " pathEditMode="relative" rAng="0" ptsTypes="AA">
+                                      <p:cBhvr>
+                                        <p:cTn id="30" dur="2000" fill="hold"/>
+                                        <p:tgtEl>
+                                          <p:spTgt spid="39"/>
+                                        </p:tgtEl>
+                                        <p:attrNameLst>
+                                          <p:attrName>ppt_x</p:attrName>
+                                          <p:attrName>ppt_y</p:attrName>
+                                        </p:attrNameLst>
+                                      </p:cBhvr>
+                                      <p:rCtr x="-18880" y="-46"/>
+                                    </p:animMotion>
+                                  </p:childTnLst>
+                                </p:cTn>
+                              </p:par>
+                            </p:childTnLst>
+                          </p:cTn>
+                        </p:par>
+                      </p:childTnLst>
+                    </p:cTn>
+                  </p:par>
+                  <p:par>
+                    <p:cTn id="31" fill="hold">
+                      <p:stCondLst>
+                        <p:cond delay="indefinite"/>
+                      </p:stCondLst>
+                      <p:childTnLst>
+                        <p:par>
+                          <p:cTn id="32" fill="hold">
+                            <p:stCondLst>
+                              <p:cond delay="0"/>
+                            </p:stCondLst>
+                            <p:childTnLst>
+                              <p:par>
+                                <p:cTn id="33" presetID="10" presetClass="exit" presetSubtype="0" fill="hold" grpId="2" nodeType="clickEffect">
+                                  <p:stCondLst>
+                                    <p:cond delay="0"/>
+                                  </p:stCondLst>
+                                  <p:childTnLst>
+                                    <p:animEffect transition="out" filter="fade">
+                                      <p:cBhvr>
+                                        <p:cTn id="34" dur="500"/>
+                                        <p:tgtEl>
+                                          <p:spTgt spid="38"/>
+                                        </p:tgtEl>
+                                      </p:cBhvr>
+                                    </p:animEffect>
+                                    <p:set>
+                                      <p:cBhvr>
+                                        <p:cTn id="35" dur="1" fill="hold">
+                                          <p:stCondLst>
+                                            <p:cond delay="499"/>
+                                          </p:stCondLst>
+                                        </p:cTn>
+                                        <p:tgtEl>
+                                          <p:spTgt spid="38"/>
+                                        </p:tgtEl>
+                                        <p:attrNameLst>
+                                          <p:attrName>style.visibility</p:attrName>
+                                        </p:attrNameLst>
+                                      </p:cBhvr>
+                                      <p:to>
+                                        <p:strVal val="hidden"/>
+                                      </p:to>
+                                    </p:set>
+                                  </p:childTnLst>
+                                </p:cTn>
+                              </p:par>
+                              <p:par>
+                                <p:cTn id="36" presetID="10" presetClass="exit" presetSubtype="0" fill="hold" grpId="2" nodeType="withEffect">
+                                  <p:stCondLst>
+                                    <p:cond delay="0"/>
+                                  </p:stCondLst>
+                                  <p:childTnLst>
+                                    <p:animEffect transition="out" filter="fade">
+                                      <p:cBhvr>
+                                        <p:cTn id="37" dur="500"/>
+                                        <p:tgtEl>
+                                          <p:spTgt spid="39"/>
+                                        </p:tgtEl>
+                                      </p:cBhvr>
+                                    </p:animEffect>
+                                    <p:set>
+                                      <p:cBhvr>
+                                        <p:cTn id="38" dur="1" fill="hold">
+                                          <p:stCondLst>
+                                            <p:cond delay="499"/>
+                                          </p:stCondLst>
+                                        </p:cTn>
+                                        <p:tgtEl>
+                                          <p:spTgt spid="39"/>
+                                        </p:tgtEl>
+                                        <p:attrNameLst>
+                                          <p:attrName>style.visibility</p:attrName>
+                                        </p:attrNameLst>
+                                      </p:cBhvr>
+                                      <p:to>
+                                        <p:strVal val="hidden"/>
+                                      </p:to>
+                                    </p:set>
+                                  </p:childTnLst>
+                                </p:cTn>
+                              </p:par>
+                            </p:childTnLst>
+                          </p:cTn>
+                        </p:par>
+                      </p:childTnLst>
+                    </p:cTn>
+                  </p:par>
+                </p:childTnLst>
+              </p:cTn>
+              <p:prevCondLst>
+                <p:cond evt="onPrev" delay="0">
+                  <p:tgtEl>
+                    <p:sldTgt/>
+                  </p:tgtEl>
+                </p:cond>
+              </p:prevCondLst>
+              <p:nextCondLst>
+                <p:cond evt="onNext" delay="0">
+                  <p:tgtEl>
+                    <p:sldTgt/>
+                  </p:tgtEl>
+                </p:cond>
+              </p:nextCondLst>
+            </p:seq>
+          </p:childTnLst>
+        </p:cTn>
+      </p:par>
+    </p:tnLst>
+    <p:bldLst>
+      <p:bldP spid="36" grpId="0" animBg="1"/>
+      <p:bldP spid="36" grpId="1" animBg="1"/>
+      <p:bldP spid="36" grpId="2" animBg="1"/>
+      <p:bldP spid="38" grpId="0" animBg="1"/>
+      <p:bldP spid="38" grpId="1" animBg="1"/>
+      <p:bldP spid="38" grpId="2" animBg="1"/>
+      <p:bldP spid="39" grpId="0" animBg="1"/>
+      <p:bldP spid="39" grpId="1" animBg="1"/>
+      <p:bldP spid="39" grpId="2" animBg="1"/>
+    </p:bldLst>
+  </p:timing>
+</p:sld>
+</file>
+
+<file path=ppt/slides/slide8.xml><?xml version="1.0" encoding="utf-8"?>
+<p:sld xmlns:a="http://schemas.openxmlformats.org/drawingml/2006/main" xmlns:r="http://schemas.openxmlformats.org/officeDocument/2006/relationships" xmlns:p="http://schemas.openxmlformats.org/presentationml/2006/main">
+  <p:cSld>
+    <p:spTree>
+      <p:nvGrpSpPr>
+        <p:cNvPr id="1" name=""/>
+        <p:cNvGrpSpPr/>
+        <p:nvPr/>
+      </p:nvGrpSpPr>
+      <p:grpSpPr>
+        <a:xfrm>
+          <a:off x="0" y="0"/>
+          <a:ext cx="0" cy="0"/>
+          <a:chOff x="0" y="0"/>
+          <a:chExt cx="0" cy="0"/>
+        </a:xfrm>
+      </p:grpSpPr>
+    </p:spTree>
+    <p:extLst>
+      <p:ext uri="{BB962C8B-B14F-4D97-AF65-F5344CB8AC3E}">
+        <p14:creationId xmlns:p14="http://schemas.microsoft.com/office/powerpoint/2010/main" val="498612475"/>
+      </p:ext>
+    </p:extLst>
+  </p:cSld>
+  <p:clrMapOvr>
+    <a:masterClrMapping/>
+  </p:clrMapOvr>
+  <p:timing>
+    <p:tnLst>
+      <p:par>
+        <p:cTn id="1" dur="indefinite" restart="never" nodeType="tmRoot"/>
+      </p:par>
+    </p:tnLst>
+  </p:timing>
 </p:sld>
 </file>
 
@@ -3680,4 +8590,265 @@
     </a:ext>
   </a:extLst>
 </a:theme>
+</file>
+
+<file path=ppt/theme/theme2.xml><?xml version="1.0" encoding="utf-8"?>
+<a:theme xmlns:a="http://schemas.openxmlformats.org/drawingml/2006/main" name="Office 테마">
+  <a:themeElements>
+    <a:clrScheme name="Office">
+      <a:dk1>
+        <a:sysClr val="windowText" lastClr="000000"/>
+      </a:dk1>
+      <a:lt1>
+        <a:sysClr val="window" lastClr="FFFFFF"/>
+      </a:lt1>
+      <a:dk2>
+        <a:srgbClr val="44546A"/>
+      </a:dk2>
+      <a:lt2>
+        <a:srgbClr val="E7E6E6"/>
+      </a:lt2>
+      <a:accent1>
+        <a:srgbClr val="5B9BD5"/>
+      </a:accent1>
+      <a:accent2>
+        <a:srgbClr val="ED7D31"/>
+      </a:accent2>
+      <a:accent3>
+        <a:srgbClr val="A5A5A5"/>
+      </a:accent3>
+      <a:accent4>
+        <a:srgbClr val="FFC000"/>
+      </a:accent4>
+      <a:accent5>
+        <a:srgbClr val="4472C4"/>
+      </a:accent5>
+      <a:accent6>
+        <a:srgbClr val="70AD47"/>
+      </a:accent6>
+      <a:hlink>
+        <a:srgbClr val="0563C1"/>
+      </a:hlink>
+      <a:folHlink>
+        <a:srgbClr val="954F72"/>
+      </a:folHlink>
+    </a:clrScheme>
+    <a:fontScheme name="Office">
+      <a:majorFont>
+        <a:latin typeface="맑은 고딕" panose="020F0302020204030204"/>
+        <a:ea typeface=""/>
+        <a:cs typeface=""/>
+        <a:font script="Jpan" typeface="Yu Gothic Light"/>
+        <a:font script="Hang" typeface="맑은 고딕"/>
+        <a:font script="Hans" typeface="DengXian Light"/>
+        <a:font script="Hant" typeface="新細明體"/>
+        <a:font script="Arab" typeface="Times New Roman"/>
+        <a:font script="Hebr" typeface="Times New Roman"/>
+        <a:font script="Thai" typeface="Angsana New"/>
+        <a:font script="Ethi" typeface="Nyala"/>
+        <a:font script="Beng" typeface="Vrinda"/>
+        <a:font script="Gujr" typeface="Shruti"/>
+        <a:font script="Khmr" typeface="MoolBoran"/>
+        <a:font script="Knda" typeface="Tunga"/>
+        <a:font script="Guru" typeface="Raavi"/>
+        <a:font script="Cans" typeface="Euphemia"/>
+        <a:font script="Cher" typeface="Plantagenet Cherokee"/>
+        <a:font script="Yiii" typeface="Microsoft Yi Baiti"/>
+        <a:font script="Tibt" typeface="Microsoft Himalaya"/>
+        <a:font script="Thaa" typeface="MV Boli"/>
+        <a:font script="Deva" typeface="Mangal"/>
+        <a:font script="Telu" typeface="Gautami"/>
+        <a:font script="Taml" typeface="Latha"/>
+        <a:font script="Syrc" typeface="Estrangelo Edessa"/>
+        <a:font script="Orya" typeface="Kalinga"/>
+        <a:font script="Mlym" typeface="Kartika"/>
+        <a:font script="Laoo" typeface="DokChampa"/>
+        <a:font script="Sinh" typeface="Iskoola Pota"/>
+        <a:font script="Mong" typeface="Mongolian Baiti"/>
+        <a:font script="Viet" typeface="Times New Roman"/>
+        <a:font script="Uigh" typeface="Microsoft Uighur"/>
+        <a:font script="Geor" typeface="Sylfaen"/>
+      </a:majorFont>
+      <a:minorFont>
+        <a:latin typeface="맑은 고딕" panose="020F0502020204030204"/>
+        <a:ea typeface=""/>
+        <a:cs typeface=""/>
+        <a:font script="Jpan" typeface="Yu Gothic"/>
+        <a:font script="Hang" typeface="맑은 고딕"/>
+        <a:font script="Hans" typeface="DengXian"/>
+        <a:font script="Hant" typeface="新細明體"/>
+        <a:font script="Arab" typeface="Arial"/>
+        <a:font script="Hebr" typeface="Arial"/>
+        <a:font script="Thai" typeface="Cordia New"/>
+        <a:font script="Ethi" typeface="Nyala"/>
+        <a:font script="Beng" typeface="Vrinda"/>
+        <a:font script="Gujr" typeface="Shruti"/>
+        <a:font script="Khmr" typeface="DaunPenh"/>
+        <a:font script="Knda" typeface="Tunga"/>
+        <a:font script="Guru" typeface="Raavi"/>
+        <a:font script="Cans" typeface="Euphemia"/>
+        <a:font script="Cher" typeface="Plantagenet Cherokee"/>
+        <a:font script="Yiii" typeface="Microsoft Yi Baiti"/>
+        <a:font script="Tibt" typeface="Microsoft Himalaya"/>
+        <a:font script="Thaa" typeface="MV Boli"/>
+        <a:font script="Deva" typeface="Mangal"/>
+        <a:font script="Telu" typeface="Gautami"/>
+        <a:font script="Taml" typeface="Latha"/>
+        <a:font script="Syrc" typeface="Estrangelo Edessa"/>
+        <a:font script="Orya" typeface="Kalinga"/>
+        <a:font script="Mlym" typeface="Kartika"/>
+        <a:font script="Laoo" typeface="DokChampa"/>
+        <a:font script="Sinh" typeface="Iskoola Pota"/>
+        <a:font script="Mong" typeface="Mongolian Baiti"/>
+        <a:font script="Viet" typeface="Arial"/>
+        <a:font script="Uigh" typeface="Microsoft Uighur"/>
+        <a:font script="Geor" typeface="Sylfaen"/>
+      </a:minorFont>
+    </a:fontScheme>
+    <a:fmtScheme name="Office">
+      <a:fillStyleLst>
+        <a:solidFill>
+          <a:schemeClr val="phClr"/>
+        </a:solidFill>
+        <a:gradFill rotWithShape="1">
+          <a:gsLst>
+            <a:gs pos="0">
+              <a:schemeClr val="phClr">
+                <a:lumMod val="110000"/>
+                <a:satMod val="105000"/>
+                <a:tint val="67000"/>
+              </a:schemeClr>
+            </a:gs>
+            <a:gs pos="50000">
+              <a:schemeClr val="phClr">
+                <a:lumMod val="105000"/>
+                <a:satMod val="103000"/>
+                <a:tint val="73000"/>
+              </a:schemeClr>
+            </a:gs>
+            <a:gs pos="100000">
+              <a:schemeClr val="phClr">
+                <a:lumMod val="105000"/>
+                <a:satMod val="109000"/>
+                <a:tint val="81000"/>
+              </a:schemeClr>
+            </a:gs>
+          </a:gsLst>
+          <a:lin ang="5400000" scaled="0"/>
+        </a:gradFill>
+        <a:gradFill rotWithShape="1">
+          <a:gsLst>
+            <a:gs pos="0">
+              <a:schemeClr val="phClr">
+                <a:satMod val="103000"/>
+                <a:lumMod val="102000"/>
+                <a:tint val="94000"/>
+              </a:schemeClr>
+            </a:gs>
+            <a:gs pos="50000">
+              <a:schemeClr val="phClr">
+                <a:satMod val="110000"/>
+                <a:lumMod val="100000"/>
+                <a:shade val="100000"/>
+              </a:schemeClr>
+            </a:gs>
+            <a:gs pos="100000">
+              <a:schemeClr val="phClr">
+                <a:lumMod val="99000"/>
+                <a:satMod val="120000"/>
+                <a:shade val="78000"/>
+              </a:schemeClr>
+            </a:gs>
+          </a:gsLst>
+          <a:lin ang="5400000" scaled="0"/>
+        </a:gradFill>
+      </a:fillStyleLst>
+      <a:lnStyleLst>
+        <a:ln w="6350" cap="flat" cmpd="sng" algn="ctr">
+          <a:solidFill>
+            <a:schemeClr val="phClr"/>
+          </a:solidFill>
+          <a:prstDash val="solid"/>
+          <a:miter lim="800000"/>
+        </a:ln>
+        <a:ln w="12700" cap="flat" cmpd="sng" algn="ctr">
+          <a:solidFill>
+            <a:schemeClr val="phClr"/>
+          </a:solidFill>
+          <a:prstDash val="solid"/>
+          <a:miter lim="800000"/>
+        </a:ln>
+        <a:ln w="19050" cap="flat" cmpd="sng" algn="ctr">
+          <a:solidFill>
+            <a:schemeClr val="phClr"/>
+          </a:solidFill>
+          <a:prstDash val="solid"/>
+          <a:miter lim="800000"/>
+        </a:ln>
+      </a:lnStyleLst>
+      <a:effectStyleLst>
+        <a:effectStyle>
+          <a:effectLst/>
+        </a:effectStyle>
+        <a:effectStyle>
+          <a:effectLst/>
+        </a:effectStyle>
+        <a:effectStyle>
+          <a:effectLst>
+            <a:outerShdw blurRad="57150" dist="19050" dir="5400000" algn="ctr" rotWithShape="0">
+              <a:srgbClr val="000000">
+                <a:alpha val="63000"/>
+              </a:srgbClr>
+            </a:outerShdw>
+          </a:effectLst>
+        </a:effectStyle>
+      </a:effectStyleLst>
+      <a:bgFillStyleLst>
+        <a:solidFill>
+          <a:schemeClr val="phClr"/>
+        </a:solidFill>
+        <a:solidFill>
+          <a:schemeClr val="phClr">
+            <a:tint val="95000"/>
+            <a:satMod val="170000"/>
+          </a:schemeClr>
+        </a:solidFill>
+        <a:gradFill rotWithShape="1">
+          <a:gsLst>
+            <a:gs pos="0">
+              <a:schemeClr val="phClr">
+                <a:tint val="93000"/>
+                <a:satMod val="150000"/>
+                <a:shade val="98000"/>
+                <a:lumMod val="102000"/>
+              </a:schemeClr>
+            </a:gs>
+            <a:gs pos="50000">
+              <a:schemeClr val="phClr">
+                <a:tint val="98000"/>
+                <a:satMod val="130000"/>
+                <a:shade val="90000"/>
+                <a:lumMod val="103000"/>
+              </a:schemeClr>
+            </a:gs>
+            <a:gs pos="100000">
+              <a:schemeClr val="phClr">
+                <a:shade val="63000"/>
+                <a:satMod val="120000"/>
+              </a:schemeClr>
+            </a:gs>
+          </a:gsLst>
+          <a:lin ang="5400000" scaled="0"/>
+        </a:gradFill>
+      </a:bgFillStyleLst>
+    </a:fmtScheme>
+  </a:themeElements>
+  <a:objectDefaults/>
+  <a:extraClrSchemeLst/>
+  <a:extLst>
+    <a:ext uri="{05A4C25C-085E-4340-85A3-A5531E510DB2}">
+      <thm15:themeFamily xmlns:thm15="http://schemas.microsoft.com/office/thememl/2012/main" name="Office Theme" id="{62F939B6-93AF-4DB8-9C6B-D6C7DFDC589F}" vid="{4A3C46E8-61CC-4603-A589-7422A47A8E4A}"/>
+    </a:ext>
+  </a:extLst>
+</a:theme>
 </file>
--- a/discovering/Discovering Bitcoin's Public topology.pptx
+++ b/discovering/Discovering Bitcoin's Public topology.pptx
@@ -5,25 +5,27 @@
     <p:sldMasterId id="2147483648" r:id="rId1"/>
   </p:sldMasterIdLst>
   <p:notesMasterIdLst>
-    <p:notesMasterId r:id="rId18"/>
+    <p:notesMasterId r:id="rId20"/>
   </p:notesMasterIdLst>
   <p:sldIdLst>
     <p:sldId id="256" r:id="rId2"/>
-    <p:sldId id="258" r:id="rId3"/>
-    <p:sldId id="257" r:id="rId4"/>
-    <p:sldId id="259" r:id="rId5"/>
-    <p:sldId id="260" r:id="rId6"/>
-    <p:sldId id="262" r:id="rId7"/>
-    <p:sldId id="264" r:id="rId8"/>
-    <p:sldId id="269" r:id="rId9"/>
-    <p:sldId id="266" r:id="rId10"/>
-    <p:sldId id="263" r:id="rId11"/>
-    <p:sldId id="267" r:id="rId12"/>
-    <p:sldId id="268" r:id="rId13"/>
-    <p:sldId id="271" r:id="rId14"/>
-    <p:sldId id="270" r:id="rId15"/>
-    <p:sldId id="272" r:id="rId16"/>
-    <p:sldId id="261" r:id="rId17"/>
+    <p:sldId id="257" r:id="rId3"/>
+    <p:sldId id="259" r:id="rId4"/>
+    <p:sldId id="260" r:id="rId5"/>
+    <p:sldId id="262" r:id="rId6"/>
+    <p:sldId id="264" r:id="rId7"/>
+    <p:sldId id="269" r:id="rId8"/>
+    <p:sldId id="266" r:id="rId9"/>
+    <p:sldId id="263" r:id="rId10"/>
+    <p:sldId id="267" r:id="rId11"/>
+    <p:sldId id="268" r:id="rId12"/>
+    <p:sldId id="271" r:id="rId13"/>
+    <p:sldId id="270" r:id="rId14"/>
+    <p:sldId id="273" r:id="rId15"/>
+    <p:sldId id="274" r:id="rId16"/>
+    <p:sldId id="275" r:id="rId17"/>
+    <p:sldId id="272" r:id="rId18"/>
+    <p:sldId id="261" r:id="rId19"/>
   </p:sldIdLst>
   <p:sldSz cx="12192000" cy="6858000"/>
   <p:notesSz cx="6858000" cy="9144000"/>
@@ -216,7 +218,7 @@
           <a:p>
             <a:fld id="{C30D154D-6F0F-A84E-8138-A9DAE6B971B3}" type="datetimeFigureOut">
               <a:rPr kumimoji="1" lang="ko-KR" altLang="en-US" smtClean="0"/>
-              <a:t>2017-12-24</a:t>
+              <a:t>2017-12-26</a:t>
             </a:fld>
             <a:endParaRPr kumimoji="1" lang="ko-KR" altLang="en-US"/>
           </a:p>
@@ -614,6 +616,37 @@
               <a:rPr kumimoji="1" lang="ko-KR" altLang="en-US" baseline="0" dirty="0"/>
               <a:t> </a:t>
             </a:r>
+            <a:endParaRPr kumimoji="1" lang="en-US" altLang="ko-KR" baseline="0" dirty="0"/>
+          </a:p>
+          <a:p>
+            <a:r>
+              <a:rPr kumimoji="1" lang="ko-KR" altLang="en-US" dirty="0"/>
+              <a:t>각 노드들은 연결활성화 되어있는 </a:t>
+            </a:r>
+            <a:r>
+              <a:rPr kumimoji="1" lang="ko-KR" altLang="en-US" dirty="0" err="1"/>
+              <a:t>피어들을</a:t>
+            </a:r>
+            <a:r>
+              <a:rPr kumimoji="1" lang="ko-KR" altLang="en-US" dirty="0"/>
+              <a:t> 가지는데 이를 </a:t>
+            </a:r>
+            <a:r>
+              <a:rPr kumimoji="1" lang="ko-KR" altLang="en-US" dirty="0" err="1"/>
+              <a:t>이웃노드</a:t>
+            </a:r>
+            <a:r>
+              <a:rPr kumimoji="1" lang="en-US" altLang="ko-KR" dirty="0"/>
+              <a:t>, neighbor</a:t>
+            </a:r>
+            <a:r>
+              <a:rPr kumimoji="1" lang="ko-KR" altLang="en-US" dirty="0"/>
+              <a:t>라고 합니다</a:t>
+            </a:r>
+            <a:r>
+              <a:rPr kumimoji="1" lang="en-US" altLang="ko-KR" dirty="0"/>
+              <a:t>. </a:t>
+            </a:r>
             <a:endParaRPr kumimoji="1" lang="ko-KR" altLang="en-US" dirty="0"/>
           </a:p>
         </p:txBody>
@@ -635,7 +668,7 @@
           <a:p>
             <a:fld id="{E736127A-013E-9C44-A760-649B6F27EE82}" type="slidenum">
               <a:rPr kumimoji="1" lang="ko-KR" altLang="en-US" smtClean="0"/>
-              <a:t>4</a:t>
+              <a:t>3</a:t>
             </a:fld>
             <a:endParaRPr kumimoji="1" lang="ko-KR" altLang="en-US"/>
           </a:p>
@@ -832,7 +865,7 @@
           <a:p>
             <a:fld id="{E736127A-013E-9C44-A760-649B6F27EE82}" type="slidenum">
               <a:rPr kumimoji="1" lang="ko-KR" altLang="en-US" smtClean="0"/>
-              <a:t>13</a:t>
+              <a:t>12</a:t>
             </a:fld>
             <a:endParaRPr kumimoji="1" lang="ko-KR" altLang="en-US"/>
           </a:p>
@@ -1212,7 +1245,7 @@
           <a:p>
             <a:fld id="{E736127A-013E-9C44-A760-649B6F27EE82}" type="slidenum">
               <a:rPr kumimoji="1" lang="ko-KR" altLang="en-US" smtClean="0"/>
-              <a:t>14</a:t>
+              <a:t>13</a:t>
             </a:fld>
             <a:endParaRPr kumimoji="1" lang="ko-KR" altLang="en-US"/>
           </a:p>
@@ -1294,27 +1327,63 @@
             </a:pPr>
             <a:r>
               <a:rPr kumimoji="1" lang="ko-KR" altLang="en-US" dirty="0"/>
-              <a:t>이 논문에서는 오래 지속되는 연결을 유지함으로써 네트워크를 넓게 관찰 할 수 있고</a:t>
-            </a:r>
-            <a:r>
-              <a:rPr kumimoji="1" lang="en-US" altLang="ko-KR" dirty="0"/>
-              <a:t>, </a:t>
-            </a:r>
-            <a:r>
-              <a:rPr kumimoji="1" lang="ko-KR" altLang="en-US" dirty="0"/>
-              <a:t>컨트롤채널을 이용해 동시에 여러 실험을 할 수 있으며</a:t>
-            </a:r>
-            <a:r>
-              <a:rPr kumimoji="1" lang="en-US" altLang="ko-KR" dirty="0"/>
-              <a:t>, </a:t>
-            </a:r>
-            <a:r>
-              <a:rPr kumimoji="1" lang="ko-KR" altLang="en-US" dirty="0"/>
-              <a:t>로깅 시스템을 통해 지속적으로 측정 결과를 저장할 수 있는 특별한 플랫폼을 하나 구축합니다</a:t>
+              <a:t>이 그래프로 알 수 있듯이 평균적으로 노드들의 </a:t>
+            </a:r>
+            <a:r>
+              <a:rPr kumimoji="1" lang="en-US" altLang="ko-KR" dirty="0"/>
+              <a:t>8</a:t>
+            </a:r>
+            <a:r>
+              <a:rPr kumimoji="1" lang="ko-KR" altLang="en-US" dirty="0"/>
+              <a:t>에서 </a:t>
+            </a:r>
+            <a:r>
+              <a:rPr kumimoji="1" lang="en-US" altLang="ko-KR" dirty="0"/>
+              <a:t>12</a:t>
+            </a:r>
+            <a:r>
+              <a:rPr kumimoji="1" lang="ko-KR" altLang="en-US" dirty="0"/>
+              <a:t>개의 </a:t>
+            </a:r>
+            <a:r>
+              <a:rPr kumimoji="1" lang="en-US" altLang="ko-KR" dirty="0"/>
+              <a:t>outgoing connection</a:t>
+            </a:r>
+            <a:r>
+              <a:rPr kumimoji="1" lang="ko-KR" altLang="en-US" dirty="0"/>
+              <a:t>을 가지고 있는 것을 볼 수 있습니다</a:t>
             </a:r>
             <a:r>
               <a:rPr kumimoji="1" lang="en-US" altLang="ko-KR" dirty="0"/>
               <a:t>. </a:t>
+            </a:r>
+            <a:r>
+              <a:rPr kumimoji="1" lang="ko-KR" altLang="en-US" dirty="0" err="1"/>
+              <a:t>비트코인</a:t>
+            </a:r>
+            <a:r>
+              <a:rPr kumimoji="1" lang="ko-KR" altLang="en-US" dirty="0"/>
+              <a:t> 코어 클라이언트가 기본값으로 </a:t>
+            </a:r>
+            <a:r>
+              <a:rPr kumimoji="1" lang="en-US" altLang="ko-KR" dirty="0"/>
+              <a:t>8 outgoing</a:t>
+            </a:r>
+            <a:r>
+              <a:rPr kumimoji="1" lang="ko-KR" altLang="en-US" dirty="0"/>
+              <a:t>커넥션 시도를 잡아 놓는다는 것을 감안하면 </a:t>
+            </a:r>
+            <a:r>
+              <a:rPr kumimoji="1" lang="en-US" altLang="ko-KR" dirty="0" err="1"/>
+              <a:t>AddressProbe</a:t>
+            </a:r>
+            <a:r>
+              <a:rPr kumimoji="1" lang="ko-KR" altLang="en-US" dirty="0"/>
+              <a:t>의 실측결과가 꽤나 정확하다고 볼 수 있습니다</a:t>
+            </a:r>
+            <a:r>
+              <a:rPr kumimoji="1" lang="en-US" altLang="ko-KR" dirty="0"/>
+              <a:t>.</a:t>
             </a:r>
             <a:endParaRPr kumimoji="1" lang="ko-KR" altLang="en-US" dirty="0"/>
           </a:p>
@@ -1337,7 +1406,7 @@
           <a:p>
             <a:fld id="{E736127A-013E-9C44-A760-649B6F27EE82}" type="slidenum">
               <a:rPr kumimoji="1" lang="ko-KR" altLang="en-US" smtClean="0"/>
-              <a:t>15</a:t>
+              <a:t>14</a:t>
             </a:fld>
             <a:endParaRPr kumimoji="1" lang="ko-KR" altLang="en-US"/>
           </a:p>
@@ -1346,7 +1415,7 @@
     </p:spTree>
     <p:extLst>
       <p:ext uri="{BB962C8B-B14F-4D97-AF65-F5344CB8AC3E}">
-        <p14:creationId xmlns:p14="http://schemas.microsoft.com/office/powerpoint/2010/main" val="949474767"/>
+        <p14:creationId xmlns:p14="http://schemas.microsoft.com/office/powerpoint/2010/main" val="1717151910"/>
       </p:ext>
     </p:extLst>
   </p:cSld>
@@ -1400,6 +1469,155 @@
           <a:bodyPr/>
           <a:lstStyle/>
           <a:p>
+            <a:pPr marL="0" marR="0" indent="0" algn="l" defTabSz="914400" rtl="0" eaLnBrk="1" fontAlgn="auto" latinLnBrk="1" hangingPunct="1">
+              <a:lnSpc>
+                <a:spcPct val="100000"/>
+              </a:lnSpc>
+              <a:spcBef>
+                <a:spcPts val="0"/>
+              </a:spcBef>
+              <a:spcAft>
+                <a:spcPts val="0"/>
+              </a:spcAft>
+              <a:buClrTx/>
+              <a:buSzTx/>
+              <a:buFontTx/>
+              <a:buNone/>
+              <a:tabLst/>
+              <a:defRPr/>
+            </a:pPr>
+            <a:r>
+              <a:rPr kumimoji="1" lang="ko-KR" altLang="en-US" dirty="0"/>
+              <a:t>다음 그림은 각 </a:t>
+            </a:r>
+            <a:r>
+              <a:rPr kumimoji="1" lang="ko-KR" altLang="en-US" dirty="0" err="1"/>
+              <a:t>피어들의</a:t>
+            </a:r>
+            <a:r>
+              <a:rPr kumimoji="1" lang="ko-KR" altLang="en-US" dirty="0"/>
+              <a:t> </a:t>
+            </a:r>
+            <a:r>
+              <a:rPr kumimoji="1" lang="ko-KR" altLang="en-US" dirty="0" err="1"/>
+              <a:t>커넥션수를</a:t>
+            </a:r>
+            <a:r>
+              <a:rPr kumimoji="1" lang="ko-KR" altLang="en-US" dirty="0"/>
+              <a:t> 시각화한 것입니다</a:t>
+            </a:r>
+            <a:r>
+              <a:rPr kumimoji="1" lang="en-US" altLang="ko-KR" dirty="0"/>
+              <a:t>. </a:t>
+            </a:r>
+            <a:r>
+              <a:rPr kumimoji="1" lang="ko-KR" altLang="en-US" dirty="0"/>
+              <a:t>크기가 큰 원일 수록 높은 </a:t>
+            </a:r>
+            <a:r>
+              <a:rPr kumimoji="1" lang="en-US" altLang="ko-KR" dirty="0"/>
+              <a:t>degree</a:t>
+            </a:r>
+            <a:r>
+              <a:rPr kumimoji="1" lang="ko-KR" altLang="en-US" dirty="0"/>
+              <a:t>를 가지는 것인데요</a:t>
+            </a:r>
+            <a:r>
+              <a:rPr kumimoji="1" lang="en-US" altLang="ko-KR" dirty="0"/>
+              <a:t>, </a:t>
+            </a:r>
+            <a:r>
+              <a:rPr kumimoji="1" lang="ko-KR" altLang="en-US" dirty="0"/>
+              <a:t>평균적으로 </a:t>
+            </a:r>
+            <a:r>
+              <a:rPr kumimoji="1" lang="en-US" altLang="ko-KR" dirty="0"/>
+              <a:t>8~12 degree</a:t>
+            </a:r>
+            <a:r>
+              <a:rPr kumimoji="1" lang="ko-KR" altLang="en-US" dirty="0"/>
+              <a:t>를 가지지만 </a:t>
+            </a:r>
+            <a:r>
+              <a:rPr kumimoji="1" lang="en-US" altLang="ko-KR" dirty="0"/>
+              <a:t>80</a:t>
+            </a:r>
+            <a:r>
+              <a:rPr kumimoji="1" lang="ko-KR" altLang="en-US" dirty="0"/>
+              <a:t>이상의 </a:t>
+            </a:r>
+            <a:r>
+              <a:rPr kumimoji="1" lang="en-US" altLang="ko-KR" dirty="0"/>
+              <a:t>high degree</a:t>
+            </a:r>
+            <a:r>
+              <a:rPr kumimoji="1" lang="ko-KR" altLang="en-US" dirty="0"/>
+              <a:t>를 유지하는 노드들의 경우가 적지 않다는 것을 알 수 있습니다</a:t>
+            </a:r>
+            <a:r>
+              <a:rPr kumimoji="1" lang="en-US" altLang="ko-KR" dirty="0"/>
+              <a:t>. </a:t>
+            </a:r>
+            <a:r>
+              <a:rPr kumimoji="1" lang="ko-KR" altLang="en-US" dirty="0"/>
+              <a:t>이런 특별한 노드들을 하나하나 분류 해본 결과 그들 중 반 이상은 </a:t>
+            </a:r>
+            <a:r>
+              <a:rPr kumimoji="1" lang="ko-KR" altLang="en-US" dirty="0" err="1"/>
+              <a:t>마이닝풀이며</a:t>
+            </a:r>
+            <a:r>
+              <a:rPr kumimoji="1" lang="ko-KR" altLang="en-US" dirty="0"/>
+              <a:t> </a:t>
+            </a:r>
+            <a:r>
+              <a:rPr kumimoji="1" lang="ko-KR" altLang="en-US" dirty="0" err="1"/>
+              <a:t>클라우드위에서</a:t>
+            </a:r>
+            <a:r>
+              <a:rPr kumimoji="1" lang="ko-KR" altLang="en-US" dirty="0"/>
+              <a:t> 서비스되는 노드</a:t>
+            </a:r>
+            <a:r>
+              <a:rPr kumimoji="1" lang="en-US" altLang="ko-KR" dirty="0"/>
+              <a:t>, </a:t>
+            </a:r>
+            <a:r>
+              <a:rPr kumimoji="1" lang="ko-KR" altLang="en-US" dirty="0" err="1"/>
+              <a:t>비트코인</a:t>
+            </a:r>
+            <a:r>
+              <a:rPr kumimoji="1" lang="ko-KR" altLang="en-US" dirty="0"/>
+              <a:t> 지갑서비스도 존재한다는 것을 식별할 수 있었습니다</a:t>
+            </a:r>
+            <a:r>
+              <a:rPr kumimoji="1" lang="en-US" altLang="ko-KR" dirty="0"/>
+              <a:t>. </a:t>
+            </a:r>
+            <a:r>
+              <a:rPr kumimoji="1" lang="ko-KR" altLang="en-US" dirty="0"/>
+              <a:t>그리고 겉보기에는 </a:t>
+            </a:r>
+            <a:r>
+              <a:rPr kumimoji="1" lang="ko-KR" altLang="en-US" dirty="0" err="1"/>
+              <a:t>비트코인</a:t>
+            </a:r>
+            <a:r>
+              <a:rPr kumimoji="1" lang="ko-KR" altLang="en-US" dirty="0"/>
+              <a:t> 네트워크의 의도대로 </a:t>
+            </a:r>
+            <a:r>
+              <a:rPr kumimoji="1" lang="en-US" altLang="ko-KR" dirty="0"/>
+              <a:t>random</a:t>
+            </a:r>
+            <a:r>
+              <a:rPr kumimoji="1" lang="ko-KR" altLang="en-US" dirty="0"/>
+              <a:t>한 모습을 유지하는 것 처럼 보이고 있습니다</a:t>
+            </a:r>
+            <a:r>
+              <a:rPr kumimoji="1" lang="en-US" altLang="ko-KR" dirty="0"/>
+              <a:t>.</a:t>
+            </a:r>
             <a:endParaRPr kumimoji="1" lang="ko-KR" altLang="en-US" dirty="0"/>
           </a:p>
         </p:txBody>
@@ -1421,7 +1639,532 @@
           <a:p>
             <a:fld id="{E736127A-013E-9C44-A760-649B6F27EE82}" type="slidenum">
               <a:rPr kumimoji="1" lang="ko-KR" altLang="en-US" smtClean="0"/>
+              <a:t>15</a:t>
+            </a:fld>
+            <a:endParaRPr kumimoji="1" lang="ko-KR" altLang="en-US"/>
+          </a:p>
+        </p:txBody>
+      </p:sp>
+    </p:spTree>
+    <p:extLst>
+      <p:ext uri="{BB962C8B-B14F-4D97-AF65-F5344CB8AC3E}">
+        <p14:creationId xmlns:p14="http://schemas.microsoft.com/office/powerpoint/2010/main" val="2803853873"/>
+      </p:ext>
+    </p:extLst>
+  </p:cSld>
+  <p:clrMapOvr>
+    <a:masterClrMapping/>
+  </p:clrMapOvr>
+</p:notes>
+</file>
+
+<file path=ppt/notesSlides/notesSlide14.xml><?xml version="1.0" encoding="utf-8"?>
+<p:notes xmlns:a="http://schemas.openxmlformats.org/drawingml/2006/main" xmlns:r="http://schemas.openxmlformats.org/officeDocument/2006/relationships" xmlns:p="http://schemas.openxmlformats.org/presentationml/2006/main">
+  <p:cSld>
+    <p:spTree>
+      <p:nvGrpSpPr>
+        <p:cNvPr id="1" name=""/>
+        <p:cNvGrpSpPr/>
+        <p:nvPr/>
+      </p:nvGrpSpPr>
+      <p:grpSpPr>
+        <a:xfrm>
+          <a:off x="0" y="0"/>
+          <a:ext cx="0" cy="0"/>
+          <a:chOff x="0" y="0"/>
+          <a:chExt cx="0" cy="0"/>
+        </a:xfrm>
+      </p:grpSpPr>
+      <p:sp>
+        <p:nvSpPr>
+          <p:cNvPr id="2" name="슬라이드 이미지 개체 틀 1"/>
+          <p:cNvSpPr>
+            <a:spLocks noGrp="1" noRot="1" noChangeAspect="1"/>
+          </p:cNvSpPr>
+          <p:nvPr>
+            <p:ph type="sldImg"/>
+          </p:nvPr>
+        </p:nvSpPr>
+        <p:spPr/>
+      </p:sp>
+      <p:sp>
+        <p:nvSpPr>
+          <p:cNvPr id="3" name="슬라이드 노트 개체 틀 2"/>
+          <p:cNvSpPr>
+            <a:spLocks noGrp="1"/>
+          </p:cNvSpPr>
+          <p:nvPr>
+            <p:ph type="body" idx="1"/>
+          </p:nvPr>
+        </p:nvSpPr>
+        <p:spPr/>
+        <p:txBody>
+          <a:bodyPr/>
+          <a:lstStyle/>
+          <a:p>
+            <a:pPr marL="0" marR="0" indent="0" algn="l" defTabSz="914400" rtl="0" eaLnBrk="1" fontAlgn="auto" latinLnBrk="1" hangingPunct="1">
+              <a:lnSpc>
+                <a:spcPct val="100000"/>
+              </a:lnSpc>
+              <a:spcBef>
+                <a:spcPts val="0"/>
+              </a:spcBef>
+              <a:spcAft>
+                <a:spcPts val="0"/>
+              </a:spcAft>
+              <a:buClrTx/>
+              <a:buSzTx/>
+              <a:buFontTx/>
+              <a:buNone/>
+              <a:tabLst/>
+              <a:defRPr/>
+            </a:pPr>
+            <a:r>
+              <a:rPr kumimoji="1" lang="ko-KR" altLang="en-US" dirty="0"/>
+              <a:t>하지만</a:t>
+            </a:r>
+            <a:r>
+              <a:rPr kumimoji="1" lang="en-US" altLang="ko-KR" dirty="0"/>
+              <a:t> Louvain community detection algorithm</a:t>
+            </a:r>
+            <a:r>
+              <a:rPr kumimoji="1" lang="ko-KR" altLang="en-US" dirty="0"/>
+              <a:t>이라는 방법을 통해 </a:t>
+            </a:r>
+            <a:r>
+              <a:rPr kumimoji="1" lang="ko-KR" altLang="en-US" dirty="0" err="1"/>
+              <a:t>비트코인</a:t>
+            </a:r>
+            <a:r>
+              <a:rPr kumimoji="1" lang="ko-KR" altLang="en-US" dirty="0"/>
+              <a:t> 네트워크의 커뮤니티 군집도를 파악해보았습니다</a:t>
+            </a:r>
+            <a:r>
+              <a:rPr kumimoji="1" lang="en-US" altLang="ko-KR" dirty="0"/>
+              <a:t>. </a:t>
+            </a:r>
+            <a:r>
+              <a:rPr kumimoji="1" lang="ko-KR" altLang="en-US" dirty="0"/>
+              <a:t>이 알고리즘에 따라 </a:t>
+            </a:r>
+            <a:r>
+              <a:rPr kumimoji="1" lang="en-US" altLang="ko-KR" dirty="0"/>
+              <a:t>Community connectedness</a:t>
+            </a:r>
+            <a:r>
+              <a:rPr kumimoji="1" lang="ko-KR" altLang="en-US" dirty="0"/>
+              <a:t>라는 측정값을 내는데 </a:t>
+            </a:r>
+            <a:r>
+              <a:rPr kumimoji="1" lang="ko-KR" altLang="en-US" dirty="0" err="1"/>
+              <a:t>전체엣지분의</a:t>
+            </a:r>
+            <a:r>
+              <a:rPr kumimoji="1" lang="ko-KR" altLang="en-US" dirty="0"/>
+              <a:t> 커뮤니티 내부로 향하는 </a:t>
+            </a:r>
+            <a:r>
+              <a:rPr kumimoji="1" lang="ko-KR" altLang="en-US" dirty="0" err="1"/>
+              <a:t>인트라엣지를</a:t>
+            </a:r>
+            <a:r>
+              <a:rPr kumimoji="1" lang="ko-KR" altLang="en-US" dirty="0"/>
+              <a:t> 가중평균낸 값으로써 이 값이 높을수록 안쪽으로 고이는 데이터의 분포와 흐름이 </a:t>
+            </a:r>
+            <a:r>
+              <a:rPr kumimoji="1" lang="ko-KR" altLang="en-US" dirty="0" err="1"/>
+              <a:t>안좋은</a:t>
+            </a:r>
+            <a:r>
+              <a:rPr kumimoji="1" lang="ko-KR" altLang="en-US" dirty="0"/>
+              <a:t> 상태로 볼 수 있습니다</a:t>
+            </a:r>
+            <a:r>
+              <a:rPr kumimoji="1" lang="en-US" altLang="ko-KR" dirty="0"/>
+              <a:t>. </a:t>
+            </a:r>
+            <a:r>
+              <a:rPr kumimoji="1" lang="ko-KR" altLang="en-US" dirty="0"/>
+              <a:t>따라서 이 값이 </a:t>
+            </a:r>
+            <a:r>
+              <a:rPr kumimoji="1" lang="ko-KR" altLang="en-US" dirty="0" err="1"/>
+              <a:t>낮을때</a:t>
+            </a:r>
+            <a:r>
+              <a:rPr kumimoji="1" lang="ko-KR" altLang="en-US" dirty="0"/>
+              <a:t> </a:t>
+            </a:r>
+            <a:r>
+              <a:rPr kumimoji="1" lang="ko-KR" altLang="en-US" dirty="0" err="1"/>
+              <a:t>비트코인</a:t>
+            </a:r>
+            <a:r>
+              <a:rPr kumimoji="1" lang="ko-KR" altLang="en-US" dirty="0"/>
+              <a:t> 네트워크가 건강하다고 볼 수 </a:t>
+            </a:r>
+            <a:r>
+              <a:rPr kumimoji="1" lang="ko-KR" altLang="en-US" dirty="0" err="1"/>
+              <a:t>있을것</a:t>
+            </a:r>
+            <a:r>
+              <a:rPr kumimoji="1" lang="ko-KR" altLang="en-US" dirty="0"/>
+              <a:t> 입니다</a:t>
+            </a:r>
+            <a:r>
+              <a:rPr kumimoji="1" lang="en-US" altLang="ko-KR" dirty="0"/>
+              <a:t>. </a:t>
+            </a:r>
+          </a:p>
+          <a:p>
+            <a:pPr marL="0" marR="0" indent="0" algn="l" defTabSz="914400" rtl="0" eaLnBrk="1" fontAlgn="auto" latinLnBrk="1" hangingPunct="1">
+              <a:lnSpc>
+                <a:spcPct val="100000"/>
+              </a:lnSpc>
+              <a:spcBef>
+                <a:spcPts val="0"/>
+              </a:spcBef>
+              <a:spcAft>
+                <a:spcPts val="0"/>
+              </a:spcAft>
+              <a:buClrTx/>
+              <a:buSzTx/>
+              <a:buFontTx/>
+              <a:buNone/>
+              <a:tabLst/>
+              <a:defRPr/>
+            </a:pPr>
+            <a:r>
+              <a:rPr kumimoji="1" lang="en-US" altLang="ko-KR" dirty="0"/>
+              <a:t>Figure6</a:t>
+            </a:r>
+            <a:r>
+              <a:rPr kumimoji="1" lang="ko-KR" altLang="en-US" dirty="0"/>
+              <a:t>은 </a:t>
+            </a:r>
+            <a:r>
+              <a:rPr kumimoji="1" lang="ko-KR" altLang="en-US" dirty="0" err="1"/>
+              <a:t>비트코인</a:t>
+            </a:r>
+            <a:r>
+              <a:rPr kumimoji="1" lang="ko-KR" altLang="en-US" dirty="0"/>
+              <a:t> 네트워크의 </a:t>
+            </a:r>
+            <a:r>
+              <a:rPr kumimoji="1" lang="en-US" altLang="ko-KR" dirty="0"/>
+              <a:t>Community connectedness</a:t>
+            </a:r>
+            <a:r>
+              <a:rPr kumimoji="1" lang="ko-KR" altLang="en-US" dirty="0"/>
+              <a:t>의 상태를 판별하기 위해 같은 꼭지점과 </a:t>
+            </a:r>
+            <a:r>
+              <a:rPr kumimoji="1" lang="ko-KR" altLang="en-US" dirty="0" err="1"/>
+              <a:t>엣지를</a:t>
+            </a:r>
+            <a:r>
+              <a:rPr kumimoji="1" lang="ko-KR" altLang="en-US" dirty="0"/>
+              <a:t> 가지는 무작위그래프 </a:t>
+            </a:r>
+            <a:r>
+              <a:rPr kumimoji="1" lang="en-US" altLang="ko-KR" dirty="0"/>
+              <a:t>133</a:t>
+            </a:r>
+            <a:r>
+              <a:rPr kumimoji="1" lang="ko-KR" altLang="en-US" dirty="0"/>
+              <a:t>개를 생성하여 연결성을 비교조사한 것이고</a:t>
+            </a:r>
+            <a:r>
+              <a:rPr kumimoji="1" lang="en-US" altLang="ko-KR" dirty="0"/>
+              <a:t>, </a:t>
+            </a:r>
+            <a:r>
+              <a:rPr kumimoji="1" lang="ko-KR" altLang="en-US" dirty="0"/>
+              <a:t>랜덤그래프보다 전체적으로 높게 </a:t>
+            </a:r>
+            <a:r>
+              <a:rPr kumimoji="1" lang="ko-KR" altLang="en-US" dirty="0" err="1"/>
+              <a:t>나오는것을</a:t>
+            </a:r>
+            <a:r>
+              <a:rPr kumimoji="1" lang="ko-KR" altLang="en-US" dirty="0"/>
+              <a:t> 볼 수 있습니다</a:t>
+            </a:r>
+            <a:r>
+              <a:rPr kumimoji="1" lang="en-US" altLang="ko-KR" dirty="0"/>
+              <a:t>. </a:t>
+            </a:r>
+            <a:r>
+              <a:rPr kumimoji="1" lang="ko-KR" altLang="en-US" dirty="0"/>
+              <a:t>따라서 </a:t>
+            </a:r>
+            <a:r>
+              <a:rPr kumimoji="1" lang="ko-KR" altLang="en-US" dirty="0" err="1"/>
+              <a:t>비트코인</a:t>
+            </a:r>
+            <a:r>
+              <a:rPr kumimoji="1" lang="ko-KR" altLang="en-US" dirty="0"/>
+              <a:t> 네트워크가 비교적 덜 건강한 랜덤그래프를 띈다고 볼 수 있으며 최초의 피어 </a:t>
+            </a:r>
+            <a:r>
+              <a:rPr kumimoji="1" lang="ko-KR" altLang="en-US" dirty="0" err="1"/>
+              <a:t>연결시</a:t>
+            </a:r>
+            <a:r>
+              <a:rPr kumimoji="1" lang="ko-KR" altLang="en-US" dirty="0"/>
+              <a:t> </a:t>
+            </a:r>
+            <a:r>
+              <a:rPr kumimoji="1" lang="ko-KR" altLang="en-US" dirty="0" err="1"/>
+              <a:t>하드코딩된</a:t>
+            </a:r>
+            <a:r>
+              <a:rPr kumimoji="1" lang="ko-KR" altLang="en-US" dirty="0"/>
+              <a:t> </a:t>
+            </a:r>
+            <a:r>
+              <a:rPr kumimoji="1" lang="en-US" altLang="ko-KR" dirty="0"/>
+              <a:t>DNS</a:t>
+            </a:r>
+            <a:r>
+              <a:rPr kumimoji="1" lang="ko-KR" altLang="en-US" dirty="0"/>
+              <a:t>연결 방법을 쓰는 경우 때문에 몇몇 노드에 집중되는 현상을 이 원인으로 제시하고 있습니다</a:t>
+            </a:r>
+            <a:r>
+              <a:rPr kumimoji="1" lang="en-US" altLang="ko-KR" dirty="0"/>
+              <a:t>.</a:t>
+            </a:r>
+            <a:endParaRPr kumimoji="1" lang="ko-KR" altLang="en-US" dirty="0"/>
+          </a:p>
+        </p:txBody>
+      </p:sp>
+      <p:sp>
+        <p:nvSpPr>
+          <p:cNvPr id="4" name="슬라이드 번호 개체 틀 3"/>
+          <p:cNvSpPr>
+            <a:spLocks noGrp="1"/>
+          </p:cNvSpPr>
+          <p:nvPr>
+            <p:ph type="sldNum" sz="quarter" idx="10"/>
+          </p:nvPr>
+        </p:nvSpPr>
+        <p:spPr/>
+        <p:txBody>
+          <a:bodyPr/>
+          <a:lstStyle/>
+          <a:p>
+            <a:fld id="{E736127A-013E-9C44-A760-649B6F27EE82}" type="slidenum">
+              <a:rPr kumimoji="1" lang="ko-KR" altLang="en-US" smtClean="0"/>
               <a:t>16</a:t>
+            </a:fld>
+            <a:endParaRPr kumimoji="1" lang="ko-KR" altLang="en-US"/>
+          </a:p>
+        </p:txBody>
+      </p:sp>
+    </p:spTree>
+    <p:extLst>
+      <p:ext uri="{BB962C8B-B14F-4D97-AF65-F5344CB8AC3E}">
+        <p14:creationId xmlns:p14="http://schemas.microsoft.com/office/powerpoint/2010/main" val="4261582108"/>
+      </p:ext>
+    </p:extLst>
+  </p:cSld>
+  <p:clrMapOvr>
+    <a:masterClrMapping/>
+  </p:clrMapOvr>
+</p:notes>
+</file>
+
+<file path=ppt/notesSlides/notesSlide15.xml><?xml version="1.0" encoding="utf-8"?>
+<p:notes xmlns:a="http://schemas.openxmlformats.org/drawingml/2006/main" xmlns:r="http://schemas.openxmlformats.org/officeDocument/2006/relationships" xmlns:p="http://schemas.openxmlformats.org/presentationml/2006/main">
+  <p:cSld>
+    <p:spTree>
+      <p:nvGrpSpPr>
+        <p:cNvPr id="1" name=""/>
+        <p:cNvGrpSpPr/>
+        <p:nvPr/>
+      </p:nvGrpSpPr>
+      <p:grpSpPr>
+        <a:xfrm>
+          <a:off x="0" y="0"/>
+          <a:ext cx="0" cy="0"/>
+          <a:chOff x="0" y="0"/>
+          <a:chExt cx="0" cy="0"/>
+        </a:xfrm>
+      </p:grpSpPr>
+      <p:sp>
+        <p:nvSpPr>
+          <p:cNvPr id="2" name="슬라이드 이미지 개체 틀 1"/>
+          <p:cNvSpPr>
+            <a:spLocks noGrp="1" noRot="1" noChangeAspect="1"/>
+          </p:cNvSpPr>
+          <p:nvPr>
+            <p:ph type="sldImg"/>
+          </p:nvPr>
+        </p:nvSpPr>
+        <p:spPr/>
+      </p:sp>
+      <p:sp>
+        <p:nvSpPr>
+          <p:cNvPr id="3" name="슬라이드 노트 개체 틀 2"/>
+          <p:cNvSpPr>
+            <a:spLocks noGrp="1"/>
+          </p:cNvSpPr>
+          <p:nvPr>
+            <p:ph type="body" idx="1"/>
+          </p:nvPr>
+        </p:nvSpPr>
+        <p:spPr/>
+        <p:txBody>
+          <a:bodyPr/>
+          <a:lstStyle/>
+          <a:p>
+            <a:pPr marL="0" marR="0" indent="0" algn="l" defTabSz="914400" rtl="0" eaLnBrk="1" fontAlgn="auto" latinLnBrk="1" hangingPunct="1">
+              <a:lnSpc>
+                <a:spcPct val="100000"/>
+              </a:lnSpc>
+              <a:spcBef>
+                <a:spcPts val="0"/>
+              </a:spcBef>
+              <a:spcAft>
+                <a:spcPts val="0"/>
+              </a:spcAft>
+              <a:buClrTx/>
+              <a:buSzTx/>
+              <a:buFontTx/>
+              <a:buNone/>
+              <a:tabLst/>
+              <a:defRPr/>
+            </a:pPr>
+            <a:r>
+              <a:rPr kumimoji="1" lang="ko-KR" altLang="en-US" dirty="0"/>
+              <a:t>이 논문에서는 오래 지속되는 연결을 유지함으로써 네트워크를 넓게 관찰 할 수 있고</a:t>
+            </a:r>
+            <a:r>
+              <a:rPr kumimoji="1" lang="en-US" altLang="ko-KR" dirty="0"/>
+              <a:t>, </a:t>
+            </a:r>
+            <a:r>
+              <a:rPr kumimoji="1" lang="ko-KR" altLang="en-US" dirty="0"/>
+              <a:t>컨트롤채널을 이용해 동시에 여러 실험을 할 수 있으며</a:t>
+            </a:r>
+            <a:r>
+              <a:rPr kumimoji="1" lang="en-US" altLang="ko-KR" dirty="0"/>
+              <a:t>, </a:t>
+            </a:r>
+            <a:r>
+              <a:rPr kumimoji="1" lang="ko-KR" altLang="en-US" dirty="0"/>
+              <a:t>로깅 시스템을 통해 지속적으로 측정 결과를 저장할 수 있는 특별한 플랫폼을 하나 구축합니다</a:t>
+            </a:r>
+            <a:r>
+              <a:rPr kumimoji="1" lang="en-US" altLang="ko-KR" dirty="0"/>
+              <a:t>. </a:t>
+            </a:r>
+            <a:endParaRPr kumimoji="1" lang="ko-KR" altLang="en-US" dirty="0"/>
+          </a:p>
+        </p:txBody>
+      </p:sp>
+      <p:sp>
+        <p:nvSpPr>
+          <p:cNvPr id="4" name="슬라이드 번호 개체 틀 3"/>
+          <p:cNvSpPr>
+            <a:spLocks noGrp="1"/>
+          </p:cNvSpPr>
+          <p:nvPr>
+            <p:ph type="sldNum" sz="quarter" idx="10"/>
+          </p:nvPr>
+        </p:nvSpPr>
+        <p:spPr/>
+        <p:txBody>
+          <a:bodyPr/>
+          <a:lstStyle/>
+          <a:p>
+            <a:fld id="{E736127A-013E-9C44-A760-649B6F27EE82}" type="slidenum">
+              <a:rPr kumimoji="1" lang="ko-KR" altLang="en-US" smtClean="0"/>
+              <a:t>17</a:t>
+            </a:fld>
+            <a:endParaRPr kumimoji="1" lang="ko-KR" altLang="en-US"/>
+          </a:p>
+        </p:txBody>
+      </p:sp>
+    </p:spTree>
+    <p:extLst>
+      <p:ext uri="{BB962C8B-B14F-4D97-AF65-F5344CB8AC3E}">
+        <p14:creationId xmlns:p14="http://schemas.microsoft.com/office/powerpoint/2010/main" val="949474767"/>
+      </p:ext>
+    </p:extLst>
+  </p:cSld>
+  <p:clrMapOvr>
+    <a:masterClrMapping/>
+  </p:clrMapOvr>
+</p:notes>
+</file>
+
+<file path=ppt/notesSlides/notesSlide16.xml><?xml version="1.0" encoding="utf-8"?>
+<p:notes xmlns:a="http://schemas.openxmlformats.org/drawingml/2006/main" xmlns:r="http://schemas.openxmlformats.org/officeDocument/2006/relationships" xmlns:p="http://schemas.openxmlformats.org/presentationml/2006/main">
+  <p:cSld>
+    <p:spTree>
+      <p:nvGrpSpPr>
+        <p:cNvPr id="1" name=""/>
+        <p:cNvGrpSpPr/>
+        <p:nvPr/>
+      </p:nvGrpSpPr>
+      <p:grpSpPr>
+        <a:xfrm>
+          <a:off x="0" y="0"/>
+          <a:ext cx="0" cy="0"/>
+          <a:chOff x="0" y="0"/>
+          <a:chExt cx="0" cy="0"/>
+        </a:xfrm>
+      </p:grpSpPr>
+      <p:sp>
+        <p:nvSpPr>
+          <p:cNvPr id="2" name="슬라이드 이미지 개체 틀 1"/>
+          <p:cNvSpPr>
+            <a:spLocks noGrp="1" noRot="1" noChangeAspect="1"/>
+          </p:cNvSpPr>
+          <p:nvPr>
+            <p:ph type="sldImg"/>
+          </p:nvPr>
+        </p:nvSpPr>
+        <p:spPr/>
+      </p:sp>
+      <p:sp>
+        <p:nvSpPr>
+          <p:cNvPr id="3" name="슬라이드 노트 개체 틀 2"/>
+          <p:cNvSpPr>
+            <a:spLocks noGrp="1"/>
+          </p:cNvSpPr>
+          <p:nvPr>
+            <p:ph type="body" idx="1"/>
+          </p:nvPr>
+        </p:nvSpPr>
+        <p:spPr/>
+        <p:txBody>
+          <a:bodyPr/>
+          <a:lstStyle/>
+          <a:p>
+            <a:endParaRPr kumimoji="1" lang="ko-KR" altLang="en-US" dirty="0"/>
+          </a:p>
+        </p:txBody>
+      </p:sp>
+      <p:sp>
+        <p:nvSpPr>
+          <p:cNvPr id="4" name="슬라이드 번호 개체 틀 3"/>
+          <p:cNvSpPr>
+            <a:spLocks noGrp="1"/>
+          </p:cNvSpPr>
+          <p:nvPr>
+            <p:ph type="sldNum" sz="quarter" idx="10"/>
+          </p:nvPr>
+        </p:nvSpPr>
+        <p:spPr/>
+        <p:txBody>
+          <a:bodyPr/>
+          <a:lstStyle/>
+          <a:p>
+            <a:fld id="{E736127A-013E-9C44-A760-649B6F27EE82}" type="slidenum">
+              <a:rPr kumimoji="1" lang="ko-KR" altLang="en-US" smtClean="0"/>
+              <a:t>18</a:t>
             </a:fld>
             <a:endParaRPr kumimoji="1" lang="ko-KR" altLang="en-US"/>
           </a:p>
@@ -1629,7 +2372,7 @@
           <a:p>
             <a:fld id="{E736127A-013E-9C44-A760-649B6F27EE82}" type="slidenum">
               <a:rPr kumimoji="1" lang="ko-KR" altLang="en-US" smtClean="0"/>
-              <a:t>5</a:t>
+              <a:t>4</a:t>
             </a:fld>
             <a:endParaRPr kumimoji="1" lang="ko-KR" altLang="en-US"/>
           </a:p>
@@ -1790,7 +2533,7 @@
           <a:p>
             <a:fld id="{E736127A-013E-9C44-A760-649B6F27EE82}" type="slidenum">
               <a:rPr kumimoji="1" lang="ko-KR" altLang="en-US" smtClean="0"/>
-              <a:t>6</a:t>
+              <a:t>5</a:t>
             </a:fld>
             <a:endParaRPr kumimoji="1" lang="ko-KR" altLang="en-US"/>
           </a:p>
@@ -1981,7 +2724,7 @@
           <a:p>
             <a:fld id="{E736127A-013E-9C44-A760-649B6F27EE82}" type="slidenum">
               <a:rPr kumimoji="1" lang="ko-KR" altLang="en-US" smtClean="0"/>
-              <a:t>7</a:t>
+              <a:t>6</a:t>
             </a:fld>
             <a:endParaRPr kumimoji="1" lang="ko-KR" altLang="en-US"/>
           </a:p>
@@ -2237,7 +2980,7 @@
           <a:p>
             <a:fld id="{E736127A-013E-9C44-A760-649B6F27EE82}" type="slidenum">
               <a:rPr kumimoji="1" lang="ko-KR" altLang="en-US" smtClean="0"/>
-              <a:t>8</a:t>
+              <a:t>7</a:t>
             </a:fld>
             <a:endParaRPr kumimoji="1" lang="ko-KR" altLang="en-US"/>
           </a:p>
@@ -2402,7 +3145,7 @@
           <a:p>
             <a:fld id="{E736127A-013E-9C44-A760-649B6F27EE82}" type="slidenum">
               <a:rPr kumimoji="1" lang="ko-KR" altLang="en-US" smtClean="0"/>
-              <a:t>9</a:t>
+              <a:t>8</a:t>
             </a:fld>
             <a:endParaRPr kumimoji="1" lang="ko-KR" altLang="en-US"/>
           </a:p>
@@ -2539,7 +3282,7 @@
           <a:p>
             <a:fld id="{E736127A-013E-9C44-A760-649B6F27EE82}" type="slidenum">
               <a:rPr kumimoji="1" lang="ko-KR" altLang="en-US" smtClean="0"/>
-              <a:t>10</a:t>
+              <a:t>9</a:t>
             </a:fld>
             <a:endParaRPr kumimoji="1" lang="ko-KR" altLang="en-US"/>
           </a:p>
@@ -2700,7 +3443,7 @@
           <a:p>
             <a:fld id="{E736127A-013E-9C44-A760-649B6F27EE82}" type="slidenum">
               <a:rPr kumimoji="1" lang="ko-KR" altLang="en-US" smtClean="0"/>
-              <a:t>11</a:t>
+              <a:t>10</a:t>
             </a:fld>
             <a:endParaRPr kumimoji="1" lang="ko-KR" altLang="en-US"/>
           </a:p>
@@ -3061,7 +3804,7 @@
           <a:p>
             <a:fld id="{E736127A-013E-9C44-A760-649B6F27EE82}" type="slidenum">
               <a:rPr kumimoji="1" lang="ko-KR" altLang="en-US" smtClean="0"/>
-              <a:t>12</a:t>
+              <a:t>11</a:t>
             </a:fld>
             <a:endParaRPr kumimoji="1" lang="ko-KR" altLang="en-US" dirty="0"/>
           </a:p>
@@ -3209,7 +3952,7 @@
           <a:p>
             <a:fld id="{9B6B7057-CD51-EE43-ADBD-6A3A9432EFAD}" type="datetimeFigureOut">
               <a:rPr kumimoji="1" lang="ko-KR" altLang="en-US" smtClean="0"/>
-              <a:t>2017-12-24</a:t>
+              <a:t>2017-12-26</a:t>
             </a:fld>
             <a:endParaRPr kumimoji="1" lang="ko-KR" altLang="en-US"/>
           </a:p>
@@ -3377,7 +4120,7 @@
           <a:p>
             <a:fld id="{9B6B7057-CD51-EE43-ADBD-6A3A9432EFAD}" type="datetimeFigureOut">
               <a:rPr kumimoji="1" lang="ko-KR" altLang="en-US" smtClean="0"/>
-              <a:t>2017-12-24</a:t>
+              <a:t>2017-12-26</a:t>
             </a:fld>
             <a:endParaRPr kumimoji="1" lang="ko-KR" altLang="en-US"/>
           </a:p>
@@ -3555,7 +4298,7 @@
           <a:p>
             <a:fld id="{9B6B7057-CD51-EE43-ADBD-6A3A9432EFAD}" type="datetimeFigureOut">
               <a:rPr kumimoji="1" lang="ko-KR" altLang="en-US" smtClean="0"/>
-              <a:t>2017-12-24</a:t>
+              <a:t>2017-12-26</a:t>
             </a:fld>
             <a:endParaRPr kumimoji="1" lang="ko-KR" altLang="en-US"/>
           </a:p>
@@ -3723,7 +4466,7 @@
           <a:p>
             <a:fld id="{9B6B7057-CD51-EE43-ADBD-6A3A9432EFAD}" type="datetimeFigureOut">
               <a:rPr kumimoji="1" lang="ko-KR" altLang="en-US" smtClean="0"/>
-              <a:t>2017-12-24</a:t>
+              <a:t>2017-12-26</a:t>
             </a:fld>
             <a:endParaRPr kumimoji="1" lang="ko-KR" altLang="en-US"/>
           </a:p>
@@ -3968,7 +4711,7 @@
           <a:p>
             <a:fld id="{9B6B7057-CD51-EE43-ADBD-6A3A9432EFAD}" type="datetimeFigureOut">
               <a:rPr kumimoji="1" lang="ko-KR" altLang="en-US" smtClean="0"/>
-              <a:t>2017-12-24</a:t>
+              <a:t>2017-12-26</a:t>
             </a:fld>
             <a:endParaRPr kumimoji="1" lang="ko-KR" altLang="en-US"/>
           </a:p>
@@ -4197,7 +4940,7 @@
           <a:p>
             <a:fld id="{9B6B7057-CD51-EE43-ADBD-6A3A9432EFAD}" type="datetimeFigureOut">
               <a:rPr kumimoji="1" lang="ko-KR" altLang="en-US" smtClean="0"/>
-              <a:t>2017-12-24</a:t>
+              <a:t>2017-12-26</a:t>
             </a:fld>
             <a:endParaRPr kumimoji="1" lang="ko-KR" altLang="en-US"/>
           </a:p>
@@ -4561,7 +5304,7 @@
           <a:p>
             <a:fld id="{9B6B7057-CD51-EE43-ADBD-6A3A9432EFAD}" type="datetimeFigureOut">
               <a:rPr kumimoji="1" lang="ko-KR" altLang="en-US" smtClean="0"/>
-              <a:t>2017-12-24</a:t>
+              <a:t>2017-12-26</a:t>
             </a:fld>
             <a:endParaRPr kumimoji="1" lang="ko-KR" altLang="en-US"/>
           </a:p>
@@ -4678,7 +5421,7 @@
           <a:p>
             <a:fld id="{9B6B7057-CD51-EE43-ADBD-6A3A9432EFAD}" type="datetimeFigureOut">
               <a:rPr kumimoji="1" lang="ko-KR" altLang="en-US" smtClean="0"/>
-              <a:t>2017-12-24</a:t>
+              <a:t>2017-12-26</a:t>
             </a:fld>
             <a:endParaRPr kumimoji="1" lang="ko-KR" altLang="en-US"/>
           </a:p>
@@ -4773,7 +5516,7 @@
           <a:p>
             <a:fld id="{9B6B7057-CD51-EE43-ADBD-6A3A9432EFAD}" type="datetimeFigureOut">
               <a:rPr kumimoji="1" lang="ko-KR" altLang="en-US" smtClean="0"/>
-              <a:t>2017-12-24</a:t>
+              <a:t>2017-12-26</a:t>
             </a:fld>
             <a:endParaRPr kumimoji="1" lang="ko-KR" altLang="en-US"/>
           </a:p>
@@ -5048,7 +5791,7 @@
           <a:p>
             <a:fld id="{9B6B7057-CD51-EE43-ADBD-6A3A9432EFAD}" type="datetimeFigureOut">
               <a:rPr kumimoji="1" lang="ko-KR" altLang="en-US" smtClean="0"/>
-              <a:t>2017-12-24</a:t>
+              <a:t>2017-12-26</a:t>
             </a:fld>
             <a:endParaRPr kumimoji="1" lang="ko-KR" altLang="en-US"/>
           </a:p>
@@ -5300,7 +6043,7 @@
           <a:p>
             <a:fld id="{9B6B7057-CD51-EE43-ADBD-6A3A9432EFAD}" type="datetimeFigureOut">
               <a:rPr kumimoji="1" lang="ko-KR" altLang="en-US" smtClean="0"/>
-              <a:t>2017-12-24</a:t>
+              <a:t>2017-12-26</a:t>
             </a:fld>
             <a:endParaRPr kumimoji="1" lang="ko-KR" altLang="en-US"/>
           </a:p>
@@ -5511,7 +6254,7 @@
           <a:p>
             <a:fld id="{9B6B7057-CD51-EE43-ADBD-6A3A9432EFAD}" type="datetimeFigureOut">
               <a:rPr kumimoji="1" lang="ko-KR" altLang="en-US" smtClean="0"/>
-              <a:t>2017-12-24</a:t>
+              <a:t>2017-12-26</a:t>
             </a:fld>
             <a:endParaRPr kumimoji="1" lang="ko-KR" altLang="en-US"/>
           </a:p>
@@ -5926,17 +6669,43 @@
             <p:ph type="ctrTitle"/>
           </p:nvPr>
         </p:nvSpPr>
-        <p:spPr/>
+        <p:spPr>
+          <a:xfrm>
+            <a:off x="881269" y="2663686"/>
+            <a:ext cx="10429461" cy="1202635"/>
+          </a:xfrm>
+        </p:spPr>
         <p:txBody>
           <a:bodyPr>
-            <a:normAutofit/>
+            <a:normAutofit fontScale="90000"/>
           </a:bodyPr>
           <a:lstStyle/>
           <a:p>
             <a:r>
+              <a:rPr kumimoji="1" lang="en-US" altLang="ko-KR" sz="2800" b="1" dirty="0"/>
+              <a:t>Discovering Bitcoin’s Public Topology and Influential Nodes</a:t>
+            </a:r>
+            <a:br>
+              <a:rPr kumimoji="1" lang="en-US" altLang="ko-KR" sz="2800" dirty="0"/>
+            </a:br>
+            <a:br>
               <a:rPr kumimoji="1" lang="en-US" altLang="ko-KR" sz="2400" dirty="0"/>
-              <a:t>Discovering Bitcoin’s Public Topology and Influential Nodes</a:t>
-            </a:r>
+            </a:br>
+            <a:r>
+              <a:rPr lang="en-US" altLang="ko-KR" sz="2000" dirty="0"/>
+              <a:t>A Miller, J Litton, A </a:t>
+            </a:r>
+            <a:r>
+              <a:rPr lang="en-US" altLang="ko-KR" sz="2000" dirty="0" err="1"/>
+              <a:t>Pachulski</a:t>
+            </a:r>
+            <a:r>
+              <a:rPr lang="en-US" altLang="ko-KR" sz="2000" dirty="0"/>
+              <a:t>, N Gupta, D Levin… - et al., 2015 - https://allquantor.at/blockchainbib/</a:t>
+            </a:r>
+            <a:br>
+              <a:rPr lang="en-US" altLang="ko-KR" sz="3200" dirty="0"/>
+            </a:br>
             <a:endParaRPr kumimoji="1" lang="ko-KR" altLang="en-US" sz="2400" dirty="0"/>
           </a:p>
         </p:txBody>
@@ -5955,716 +6724,6 @@
 </file>
 
 <file path=ppt/slides/slide10.xml><?xml version="1.0" encoding="utf-8"?>
-<p:sld xmlns:a="http://schemas.openxmlformats.org/drawingml/2006/main" xmlns:r="http://schemas.openxmlformats.org/officeDocument/2006/relationships" xmlns:p="http://schemas.openxmlformats.org/presentationml/2006/main">
-  <p:cSld>
-    <p:spTree>
-      <p:nvGrpSpPr>
-        <p:cNvPr id="1" name=""/>
-        <p:cNvGrpSpPr/>
-        <p:nvPr/>
-      </p:nvGrpSpPr>
-      <p:grpSpPr>
-        <a:xfrm>
-          <a:off x="0" y="0"/>
-          <a:ext cx="0" cy="0"/>
-          <a:chOff x="0" y="0"/>
-          <a:chExt cx="0" cy="0"/>
-        </a:xfrm>
-      </p:grpSpPr>
-      <p:cxnSp>
-        <p:nvCxnSpPr>
-          <p:cNvPr id="34" name="직선 화살표 연결선 33"/>
-          <p:cNvCxnSpPr>
-            <a:cxnSpLocks/>
-          </p:cNvCxnSpPr>
-          <p:nvPr/>
-        </p:nvCxnSpPr>
-        <p:spPr>
-          <a:xfrm>
-            <a:off x="2137820" y="4684641"/>
-            <a:ext cx="654408" cy="0"/>
-          </a:xfrm>
-          <a:prstGeom prst="straightConnector1">
-            <a:avLst/>
-          </a:prstGeom>
-          <a:ln w="57150">
-            <a:solidFill>
-              <a:schemeClr val="tx1"/>
-            </a:solidFill>
-            <a:tailEnd type="triangle"/>
-          </a:ln>
-        </p:spPr>
-        <p:style>
-          <a:lnRef idx="1">
-            <a:schemeClr val="accent1"/>
-          </a:lnRef>
-          <a:fillRef idx="0">
-            <a:schemeClr val="accent1"/>
-          </a:fillRef>
-          <a:effectRef idx="0">
-            <a:schemeClr val="accent1"/>
-          </a:effectRef>
-          <a:fontRef idx="minor">
-            <a:schemeClr val="tx1"/>
-          </a:fontRef>
-        </p:style>
-      </p:cxnSp>
-      <p:cxnSp>
-        <p:nvCxnSpPr>
-          <p:cNvPr id="19" name="직선 화살표 연결선 18">
-            <a:extLst>
-              <a:ext uri="{FF2B5EF4-FFF2-40B4-BE49-F238E27FC236}">
-                <a16:creationId xmlns:a16="http://schemas.microsoft.com/office/drawing/2014/main" id="{F3783CE6-DD1C-41DA-8B5A-9FAFE6825D1F}"/>
-              </a:ext>
-            </a:extLst>
-          </p:cNvPr>
-          <p:cNvCxnSpPr>
-            <a:cxnSpLocks/>
-          </p:cNvCxnSpPr>
-          <p:nvPr/>
-        </p:nvCxnSpPr>
-        <p:spPr>
-          <a:xfrm>
-            <a:off x="4140562" y="4684641"/>
-            <a:ext cx="654408" cy="0"/>
-          </a:xfrm>
-          <a:prstGeom prst="straightConnector1">
-            <a:avLst/>
-          </a:prstGeom>
-          <a:ln w="28575">
-            <a:solidFill>
-              <a:schemeClr val="tx1"/>
-            </a:solidFill>
-            <a:prstDash val="sysDot"/>
-            <a:tailEnd type="triangle"/>
-          </a:ln>
-        </p:spPr>
-        <p:style>
-          <a:lnRef idx="1">
-            <a:schemeClr val="accent1"/>
-          </a:lnRef>
-          <a:fillRef idx="0">
-            <a:schemeClr val="accent1"/>
-          </a:fillRef>
-          <a:effectRef idx="0">
-            <a:schemeClr val="accent1"/>
-          </a:effectRef>
-          <a:fontRef idx="minor">
-            <a:schemeClr val="tx1"/>
-          </a:fontRef>
-        </p:style>
-      </p:cxnSp>
-      <p:grpSp>
-        <p:nvGrpSpPr>
-          <p:cNvPr id="29" name="그룹 28">
-            <a:extLst>
-              <a:ext uri="{FF2B5EF4-FFF2-40B4-BE49-F238E27FC236}">
-                <a16:creationId xmlns:a16="http://schemas.microsoft.com/office/drawing/2014/main" id="{85C78C85-AA49-4290-8627-22F7DD2304A9}"/>
-              </a:ext>
-            </a:extLst>
-          </p:cNvPr>
-          <p:cNvGrpSpPr/>
-          <p:nvPr/>
-        </p:nvGrpSpPr>
-        <p:grpSpPr>
-          <a:xfrm>
-            <a:off x="4784731" y="2953773"/>
-            <a:ext cx="1692269" cy="1257599"/>
-            <a:chOff x="2197229" y="2292226"/>
-            <a:chExt cx="2356029" cy="1827559"/>
-          </a:xfrm>
-        </p:grpSpPr>
-        <p:pic>
-          <p:nvPicPr>
-            <p:cNvPr id="30" name="그림 29">
-              <a:extLst>
-                <a:ext uri="{FF2B5EF4-FFF2-40B4-BE49-F238E27FC236}">
-                  <a16:creationId xmlns:a16="http://schemas.microsoft.com/office/drawing/2014/main" id="{80E5C696-6184-4932-9019-2DC37A7FF6FB}"/>
-                </a:ext>
-              </a:extLst>
-            </p:cNvPr>
-            <p:cNvPicPr>
-              <a:picLocks noChangeAspect="1"/>
-            </p:cNvPicPr>
-            <p:nvPr/>
-          </p:nvPicPr>
-          <p:blipFill>
-            <a:blip r:embed="rId3">
-              <a:duotone>
-                <a:schemeClr val="accent4">
-                  <a:shade val="45000"/>
-                  <a:satMod val="135000"/>
-                </a:schemeClr>
-                <a:prstClr val="white"/>
-              </a:duotone>
-            </a:blip>
-            <a:stretch>
-              <a:fillRect/>
-            </a:stretch>
-          </p:blipFill>
-          <p:spPr>
-            <a:xfrm>
-              <a:off x="2408282" y="2292226"/>
-              <a:ext cx="1469342" cy="1469342"/>
-            </a:xfrm>
-            <a:prstGeom prst="rect">
-              <a:avLst/>
-            </a:prstGeom>
-          </p:spPr>
-        </p:pic>
-        <p:sp>
-          <p:nvSpPr>
-            <p:cNvPr id="37" name="TextBox 36">
-              <a:extLst>
-                <a:ext uri="{FF2B5EF4-FFF2-40B4-BE49-F238E27FC236}">
-                  <a16:creationId xmlns:a16="http://schemas.microsoft.com/office/drawing/2014/main" id="{D6F5957A-4414-4928-A9F9-1F2947821252}"/>
-                </a:ext>
-              </a:extLst>
-            </p:cNvPr>
-            <p:cNvSpPr txBox="1"/>
-            <p:nvPr/>
-          </p:nvSpPr>
-          <p:spPr>
-            <a:xfrm>
-              <a:off x="2197229" y="3627794"/>
-              <a:ext cx="2356029" cy="491991"/>
-            </a:xfrm>
-            <a:prstGeom prst="rect">
-              <a:avLst/>
-            </a:prstGeom>
-            <a:noFill/>
-          </p:spPr>
-          <p:txBody>
-            <a:bodyPr wrap="square" rtlCol="0">
-              <a:spAutoFit/>
-            </a:bodyPr>
-            <a:lstStyle/>
-            <a:p>
-              <a:pPr algn="ctr"/>
-              <a:r>
-                <a:rPr kumimoji="1" lang="en-US" altLang="ko-KR" sz="1600" b="1" dirty="0"/>
-                <a:t>Y</a:t>
-              </a:r>
-              <a:r>
-                <a:rPr kumimoji="1" lang="en-US" altLang="ko-KR" sz="1600" dirty="0"/>
-                <a:t>’s neighbor #1</a:t>
-              </a:r>
-              <a:endParaRPr kumimoji="1" lang="ko-KR" altLang="en-US" sz="1600" dirty="0"/>
-            </a:p>
-          </p:txBody>
-        </p:sp>
-      </p:grpSp>
-      <p:sp>
-        <p:nvSpPr>
-          <p:cNvPr id="45" name="TextBox 44">
-            <a:extLst>
-              <a:ext uri="{FF2B5EF4-FFF2-40B4-BE49-F238E27FC236}">
-                <a16:creationId xmlns:a16="http://schemas.microsoft.com/office/drawing/2014/main" id="{7CBF762C-563A-484C-8EBC-1DD1AE8A47E3}"/>
-              </a:ext>
-            </a:extLst>
-          </p:cNvPr>
-          <p:cNvSpPr txBox="1"/>
-          <p:nvPr/>
-        </p:nvSpPr>
-        <p:spPr>
-          <a:xfrm>
-            <a:off x="831273" y="565265"/>
-            <a:ext cx="10202487" cy="461665"/>
-          </a:xfrm>
-          <a:prstGeom prst="rect">
-            <a:avLst/>
-          </a:prstGeom>
-          <a:noFill/>
-        </p:spPr>
-        <p:txBody>
-          <a:bodyPr wrap="square" rtlCol="0">
-            <a:spAutoFit/>
-          </a:bodyPr>
-          <a:lstStyle/>
-          <a:p>
-            <a:r>
-              <a:rPr kumimoji="1" lang="en-US" altLang="ko-KR" sz="2400" b="1" dirty="0"/>
-              <a:t>Ongoing</a:t>
-            </a:r>
-            <a:r>
-              <a:rPr kumimoji="1" lang="ko-KR" altLang="en-US" sz="2400" b="1" dirty="0"/>
-              <a:t> </a:t>
-            </a:r>
-            <a:r>
-              <a:rPr kumimoji="1" lang="en-US" altLang="ko-KR" sz="2400" b="1" dirty="0"/>
-              <a:t>“</a:t>
-            </a:r>
-            <a:r>
-              <a:rPr kumimoji="1" lang="en-US" altLang="ko-KR" sz="2400" b="1" dirty="0" err="1"/>
-              <a:t>addr</a:t>
-            </a:r>
-            <a:r>
-              <a:rPr kumimoji="1" lang="en-US" altLang="ko-KR" sz="2400" b="1" dirty="0"/>
-              <a:t>”</a:t>
-            </a:r>
-            <a:r>
-              <a:rPr kumimoji="1" lang="ko-KR" altLang="en-US" sz="2400" b="1" dirty="0"/>
-              <a:t> </a:t>
-            </a:r>
-            <a:r>
-              <a:rPr kumimoji="1" lang="en-US" altLang="ko-KR" sz="2400" b="1" dirty="0"/>
-              <a:t>advertisements : Relay simulation. </a:t>
-            </a:r>
-            <a:endParaRPr kumimoji="1" lang="ko-KR" altLang="en-US" sz="2400" b="1" dirty="0"/>
-          </a:p>
-        </p:txBody>
-      </p:sp>
-      <p:sp>
-        <p:nvSpPr>
-          <p:cNvPr id="47" name="TextBox 46">
-            <a:extLst>
-              <a:ext uri="{FF2B5EF4-FFF2-40B4-BE49-F238E27FC236}">
-                <a16:creationId xmlns:a16="http://schemas.microsoft.com/office/drawing/2014/main" id="{C059C7F0-63C1-4FC4-BEB8-86A1FA43D9ED}"/>
-              </a:ext>
-            </a:extLst>
-          </p:cNvPr>
-          <p:cNvSpPr txBox="1"/>
-          <p:nvPr/>
-        </p:nvSpPr>
-        <p:spPr>
-          <a:xfrm>
-            <a:off x="1780618" y="4022711"/>
-            <a:ext cx="1358573" cy="646331"/>
-          </a:xfrm>
-          <a:prstGeom prst="rect">
-            <a:avLst/>
-          </a:prstGeom>
-          <a:noFill/>
-        </p:spPr>
-        <p:txBody>
-          <a:bodyPr wrap="square" rtlCol="0">
-            <a:spAutoFit/>
-          </a:bodyPr>
-          <a:lstStyle/>
-          <a:p>
-            <a:pPr algn="ctr"/>
-            <a:r>
-              <a:rPr kumimoji="1" lang="en-US" altLang="ko-KR" dirty="0"/>
-              <a:t>Timestamp</a:t>
-            </a:r>
-            <a:br>
-              <a:rPr kumimoji="1" lang="en-US" altLang="ko-KR" dirty="0"/>
-            </a:br>
-            <a:r>
-              <a:rPr kumimoji="1" lang="en-US" altLang="ko-KR" dirty="0"/>
-              <a:t>t</a:t>
-            </a:r>
-            <a:endParaRPr kumimoji="1" lang="ko-KR" altLang="en-US" dirty="0"/>
-          </a:p>
-        </p:txBody>
-      </p:sp>
-      <p:grpSp>
-        <p:nvGrpSpPr>
-          <p:cNvPr id="7" name="그룹 6">
-            <a:extLst>
-              <a:ext uri="{FF2B5EF4-FFF2-40B4-BE49-F238E27FC236}">
-                <a16:creationId xmlns:a16="http://schemas.microsoft.com/office/drawing/2014/main" id="{C347B006-C580-4C24-A859-21FD6E1071E3}"/>
-              </a:ext>
-            </a:extLst>
-          </p:cNvPr>
-          <p:cNvGrpSpPr/>
-          <p:nvPr/>
-        </p:nvGrpSpPr>
-        <p:grpSpPr>
-          <a:xfrm>
-            <a:off x="4648200" y="4273427"/>
-            <a:ext cx="1981199" cy="1339139"/>
-            <a:chOff x="4648200" y="3816227"/>
-            <a:chExt cx="1981199" cy="1339139"/>
-          </a:xfrm>
-        </p:grpSpPr>
-        <p:pic>
-          <p:nvPicPr>
-            <p:cNvPr id="25" name="그림 24">
-              <a:extLst>
-                <a:ext uri="{FF2B5EF4-FFF2-40B4-BE49-F238E27FC236}">
-                  <a16:creationId xmlns:a16="http://schemas.microsoft.com/office/drawing/2014/main" id="{DF2E11C4-CDEC-4777-97E8-953E82192DF3}"/>
-                </a:ext>
-              </a:extLst>
-            </p:cNvPr>
-            <p:cNvPicPr>
-              <a:picLocks noChangeAspect="1"/>
-            </p:cNvPicPr>
-            <p:nvPr/>
-          </p:nvPicPr>
-          <p:blipFill>
-            <a:blip r:embed="rId3"/>
-            <a:stretch>
-              <a:fillRect/>
-            </a:stretch>
-          </p:blipFill>
-          <p:spPr>
-            <a:xfrm>
-              <a:off x="4936324" y="3816227"/>
-              <a:ext cx="1055387" cy="1011099"/>
-            </a:xfrm>
-            <a:prstGeom prst="rect">
-              <a:avLst/>
-            </a:prstGeom>
-          </p:spPr>
-        </p:pic>
-        <p:sp>
-          <p:nvSpPr>
-            <p:cNvPr id="48" name="TextBox 47">
-              <a:extLst>
-                <a:ext uri="{FF2B5EF4-FFF2-40B4-BE49-F238E27FC236}">
-                  <a16:creationId xmlns:a16="http://schemas.microsoft.com/office/drawing/2014/main" id="{5DB93E36-2D11-4F63-B0DB-E6067B4F8A91}"/>
-                </a:ext>
-              </a:extLst>
-            </p:cNvPr>
-            <p:cNvSpPr txBox="1"/>
-            <p:nvPr/>
-          </p:nvSpPr>
-          <p:spPr>
-            <a:xfrm>
-              <a:off x="4648200" y="4816812"/>
-              <a:ext cx="1981199" cy="338554"/>
-            </a:xfrm>
-            <a:prstGeom prst="rect">
-              <a:avLst/>
-            </a:prstGeom>
-            <a:noFill/>
-          </p:spPr>
-          <p:txBody>
-            <a:bodyPr wrap="square" rtlCol="0">
-              <a:spAutoFit/>
-            </a:bodyPr>
-            <a:lstStyle/>
-            <a:p>
-              <a:pPr algn="ctr"/>
-              <a:r>
-                <a:rPr kumimoji="1" lang="en-US" altLang="ko-KR" sz="1600" b="1" dirty="0"/>
-                <a:t>Y</a:t>
-              </a:r>
-              <a:r>
-                <a:rPr kumimoji="1" lang="en-US" altLang="ko-KR" sz="1600" dirty="0"/>
-                <a:t>’s neighbor #2, </a:t>
-              </a:r>
-              <a:r>
-                <a:rPr kumimoji="1" lang="en-US" altLang="ko-KR" sz="1600" b="1" dirty="0"/>
-                <a:t>N</a:t>
-              </a:r>
-              <a:r>
-                <a:rPr kumimoji="1" lang="en-US" altLang="ko-KR" sz="1600" dirty="0"/>
-                <a:t> </a:t>
-              </a:r>
-              <a:endParaRPr kumimoji="1" lang="ko-KR" altLang="en-US" sz="1600" dirty="0"/>
-            </a:p>
-          </p:txBody>
-        </p:sp>
-      </p:grpSp>
-      <p:sp>
-        <p:nvSpPr>
-          <p:cNvPr id="52" name="TextBox 51">
-            <a:extLst>
-              <a:ext uri="{FF2B5EF4-FFF2-40B4-BE49-F238E27FC236}">
-                <a16:creationId xmlns:a16="http://schemas.microsoft.com/office/drawing/2014/main" id="{9E5BCEEE-B016-4D5F-8F0A-3015C43957A3}"/>
-              </a:ext>
-            </a:extLst>
-          </p:cNvPr>
-          <p:cNvSpPr txBox="1"/>
-          <p:nvPr/>
-        </p:nvSpPr>
-        <p:spPr>
-          <a:xfrm>
-            <a:off x="4784731" y="6482217"/>
-            <a:ext cx="1692269" cy="338554"/>
-          </a:xfrm>
-          <a:prstGeom prst="rect">
-            <a:avLst/>
-          </a:prstGeom>
-          <a:noFill/>
-        </p:spPr>
-        <p:txBody>
-          <a:bodyPr wrap="square" rtlCol="0">
-            <a:spAutoFit/>
-          </a:bodyPr>
-          <a:lstStyle/>
-          <a:p>
-            <a:pPr algn="ctr"/>
-            <a:r>
-              <a:rPr kumimoji="1" lang="en-US" altLang="ko-KR" sz="1600" b="1" dirty="0"/>
-              <a:t>Y</a:t>
-            </a:r>
-            <a:r>
-              <a:rPr kumimoji="1" lang="en-US" altLang="ko-KR" sz="1600" dirty="0"/>
-              <a:t>’s neighbor #1</a:t>
-            </a:r>
-            <a:endParaRPr kumimoji="1" lang="ko-KR" altLang="en-US" sz="1600" dirty="0"/>
-          </a:p>
-        </p:txBody>
-      </p:sp>
-      <p:pic>
-        <p:nvPicPr>
-          <p:cNvPr id="62" name="그림 61">
-            <a:extLst>
-              <a:ext uri="{FF2B5EF4-FFF2-40B4-BE49-F238E27FC236}">
-                <a16:creationId xmlns:a16="http://schemas.microsoft.com/office/drawing/2014/main" id="{6A619690-F2F7-424A-A142-920032CF18DF}"/>
-              </a:ext>
-            </a:extLst>
-          </p:cNvPr>
-          <p:cNvPicPr>
-            <a:picLocks noChangeAspect="1"/>
-          </p:cNvPicPr>
-          <p:nvPr/>
-        </p:nvPicPr>
-        <p:blipFill>
-          <a:blip r:embed="rId3">
-            <a:duotone>
-              <a:schemeClr val="accent4">
-                <a:shade val="45000"/>
-                <a:satMod val="135000"/>
-              </a:schemeClr>
-              <a:prstClr val="white"/>
-            </a:duotone>
-          </a:blip>
-          <a:stretch>
-            <a:fillRect/>
-          </a:stretch>
-        </p:blipFill>
-        <p:spPr>
-          <a:xfrm>
-            <a:off x="4936324" y="5587907"/>
-            <a:ext cx="1055387" cy="1011099"/>
-          </a:xfrm>
-          <a:prstGeom prst="rect">
-            <a:avLst/>
-          </a:prstGeom>
-        </p:spPr>
-      </p:pic>
-      <p:sp>
-        <p:nvSpPr>
-          <p:cNvPr id="64" name="TextBox 63">
-            <a:extLst>
-              <a:ext uri="{FF2B5EF4-FFF2-40B4-BE49-F238E27FC236}">
-                <a16:creationId xmlns:a16="http://schemas.microsoft.com/office/drawing/2014/main" id="{38DB8585-0BBD-44CC-BEAA-399F7327C13F}"/>
-              </a:ext>
-            </a:extLst>
-          </p:cNvPr>
-          <p:cNvSpPr txBox="1"/>
-          <p:nvPr/>
-        </p:nvSpPr>
-        <p:spPr>
-          <a:xfrm>
-            <a:off x="1217383" y="1214054"/>
-            <a:ext cx="10730777" cy="646331"/>
-          </a:xfrm>
-          <a:prstGeom prst="rect">
-            <a:avLst/>
-          </a:prstGeom>
-          <a:noFill/>
-        </p:spPr>
-        <p:txBody>
-          <a:bodyPr wrap="square" rtlCol="0">
-            <a:spAutoFit/>
-          </a:bodyPr>
-          <a:lstStyle/>
-          <a:p>
-            <a:pPr marL="342900" indent="-342900">
-              <a:buAutoNum type="arabicPeriod"/>
-            </a:pPr>
-            <a:r>
-              <a:rPr kumimoji="1" lang="en-US" altLang="ko-KR" dirty="0"/>
-              <a:t>node </a:t>
-            </a:r>
-            <a:r>
-              <a:rPr kumimoji="1" lang="en-US" altLang="ko-KR" b="1" dirty="0"/>
-              <a:t>X</a:t>
-            </a:r>
-            <a:r>
-              <a:rPr kumimoji="1" lang="en-US" altLang="ko-KR" dirty="0"/>
-              <a:t> initiates a connection to node </a:t>
-            </a:r>
-            <a:r>
-              <a:rPr kumimoji="1" lang="en-US" altLang="ko-KR" b="1" dirty="0"/>
-              <a:t>Y</a:t>
-            </a:r>
-            <a:r>
-              <a:rPr kumimoji="1" lang="en-US" altLang="ko-KR" dirty="0"/>
-              <a:t> at time </a:t>
-            </a:r>
-            <a:r>
-              <a:rPr kumimoji="1" lang="en-US" altLang="ko-KR" i="1" dirty="0"/>
-              <a:t>t</a:t>
-            </a:r>
-          </a:p>
-          <a:p>
-            <a:pPr marL="342900" indent="-342900">
-              <a:buAutoNum type="arabicPeriod"/>
-            </a:pPr>
-            <a:r>
-              <a:rPr kumimoji="1" lang="en-US" altLang="ko-KR" dirty="0"/>
-              <a:t>node </a:t>
-            </a:r>
-            <a:r>
-              <a:rPr kumimoji="1" lang="en-US" altLang="ko-KR" b="1" dirty="0"/>
-              <a:t>Y </a:t>
-            </a:r>
-            <a:r>
-              <a:rPr kumimoji="1" lang="en-US" altLang="ko-KR" dirty="0"/>
-              <a:t>relays the information about the connection to neighbor </a:t>
-            </a:r>
-            <a:r>
-              <a:rPr kumimoji="1" lang="en-US" altLang="ko-KR" b="1" dirty="0"/>
-              <a:t>N</a:t>
-            </a:r>
-            <a:endParaRPr kumimoji="1" lang="ko-KR" altLang="en-US" b="1" dirty="0"/>
-          </a:p>
-        </p:txBody>
-      </p:sp>
-      <p:pic>
-        <p:nvPicPr>
-          <p:cNvPr id="69" name="그림 68">
-            <a:extLst>
-              <a:ext uri="{FF2B5EF4-FFF2-40B4-BE49-F238E27FC236}">
-                <a16:creationId xmlns:a16="http://schemas.microsoft.com/office/drawing/2014/main" id="{8A24910E-0C45-45B4-978F-60C3763CDDFA}"/>
-              </a:ext>
-            </a:extLst>
-          </p:cNvPr>
-          <p:cNvPicPr>
-            <a:picLocks noChangeAspect="1"/>
-          </p:cNvPicPr>
-          <p:nvPr/>
-        </p:nvPicPr>
-        <p:blipFill>
-          <a:blip r:embed="rId3"/>
-          <a:stretch>
-            <a:fillRect/>
-          </a:stretch>
-        </p:blipFill>
-        <p:spPr>
-          <a:xfrm>
-            <a:off x="930840" y="4273427"/>
-            <a:ext cx="1055387" cy="1011099"/>
-          </a:xfrm>
-          <a:prstGeom prst="rect">
-            <a:avLst/>
-          </a:prstGeom>
-        </p:spPr>
-      </p:pic>
-      <p:sp>
-        <p:nvSpPr>
-          <p:cNvPr id="70" name="TextBox 69">
-            <a:extLst>
-              <a:ext uri="{FF2B5EF4-FFF2-40B4-BE49-F238E27FC236}">
-                <a16:creationId xmlns:a16="http://schemas.microsoft.com/office/drawing/2014/main" id="{1367492D-5A2A-48F5-8A8E-95CAFDFD413D}"/>
-              </a:ext>
-            </a:extLst>
-          </p:cNvPr>
-          <p:cNvSpPr txBox="1"/>
-          <p:nvPr/>
-        </p:nvSpPr>
-        <p:spPr>
-          <a:xfrm>
-            <a:off x="779247" y="5268672"/>
-            <a:ext cx="1358573" cy="338554"/>
-          </a:xfrm>
-          <a:prstGeom prst="rect">
-            <a:avLst/>
-          </a:prstGeom>
-          <a:noFill/>
-        </p:spPr>
-        <p:txBody>
-          <a:bodyPr wrap="square" rtlCol="0">
-            <a:spAutoFit/>
-          </a:bodyPr>
-          <a:lstStyle/>
-          <a:p>
-            <a:pPr algn="ctr"/>
-            <a:r>
-              <a:rPr kumimoji="1" lang="en-US" altLang="ko-KR" sz="1600" b="1" dirty="0"/>
-              <a:t>X</a:t>
-            </a:r>
-            <a:endParaRPr kumimoji="1" lang="ko-KR" altLang="en-US" sz="1600" b="1" dirty="0"/>
-          </a:p>
-        </p:txBody>
-      </p:sp>
-      <p:pic>
-        <p:nvPicPr>
-          <p:cNvPr id="71" name="그림 70">
-            <a:extLst>
-              <a:ext uri="{FF2B5EF4-FFF2-40B4-BE49-F238E27FC236}">
-                <a16:creationId xmlns:a16="http://schemas.microsoft.com/office/drawing/2014/main" id="{C0572697-0AC0-49E1-8ADE-116C75B22B3D}"/>
-              </a:ext>
-            </a:extLst>
-          </p:cNvPr>
-          <p:cNvPicPr>
-            <a:picLocks noChangeAspect="1"/>
-          </p:cNvPicPr>
-          <p:nvPr/>
-        </p:nvPicPr>
-        <p:blipFill>
-          <a:blip r:embed="rId3"/>
-          <a:stretch>
-            <a:fillRect/>
-          </a:stretch>
-        </p:blipFill>
-        <p:spPr>
-          <a:xfrm>
-            <a:off x="2933582" y="4273427"/>
-            <a:ext cx="1055387" cy="1011099"/>
-          </a:xfrm>
-          <a:prstGeom prst="rect">
-            <a:avLst/>
-          </a:prstGeom>
-        </p:spPr>
-      </p:pic>
-      <p:sp>
-        <p:nvSpPr>
-          <p:cNvPr id="72" name="TextBox 71">
-            <a:extLst>
-              <a:ext uri="{FF2B5EF4-FFF2-40B4-BE49-F238E27FC236}">
-                <a16:creationId xmlns:a16="http://schemas.microsoft.com/office/drawing/2014/main" id="{A36F62FB-2695-4642-B33E-B3F72B81E0C5}"/>
-              </a:ext>
-            </a:extLst>
-          </p:cNvPr>
-          <p:cNvSpPr txBox="1"/>
-          <p:nvPr/>
-        </p:nvSpPr>
-        <p:spPr>
-          <a:xfrm>
-            <a:off x="2781989" y="5268672"/>
-            <a:ext cx="1358573" cy="338554"/>
-          </a:xfrm>
-          <a:prstGeom prst="rect">
-            <a:avLst/>
-          </a:prstGeom>
-          <a:noFill/>
-        </p:spPr>
-        <p:txBody>
-          <a:bodyPr wrap="square" rtlCol="0">
-            <a:spAutoFit/>
-          </a:bodyPr>
-          <a:lstStyle/>
-          <a:p>
-            <a:pPr algn="ctr"/>
-            <a:r>
-              <a:rPr kumimoji="1" lang="en-US" altLang="ko-KR" sz="1600" b="1" dirty="0"/>
-              <a:t>Y</a:t>
-            </a:r>
-            <a:endParaRPr kumimoji="1" lang="ko-KR" altLang="en-US" sz="1600" b="1" dirty="0"/>
-          </a:p>
-        </p:txBody>
-      </p:sp>
-    </p:spTree>
-    <p:extLst>
-      <p:ext uri="{BB962C8B-B14F-4D97-AF65-F5344CB8AC3E}">
-        <p14:creationId xmlns:p14="http://schemas.microsoft.com/office/powerpoint/2010/main" val="1528976469"/>
-      </p:ext>
-    </p:extLst>
-  </p:cSld>
-  <p:clrMapOvr>
-    <a:masterClrMapping/>
-  </p:clrMapOvr>
-</p:sld>
-</file>
-
-<file path=ppt/slides/slide11.xml><?xml version="1.0" encoding="utf-8"?>
 <p:sld xmlns:a="http://schemas.openxmlformats.org/drawingml/2006/main" xmlns:r="http://schemas.openxmlformats.org/officeDocument/2006/relationships" xmlns:p="http://schemas.openxmlformats.org/presentationml/2006/main">
   <p:cSld>
     <p:spTree>
@@ -7745,7 +7804,7 @@
 </p:sld>
 </file>
 
-<file path=ppt/slides/slide12.xml><?xml version="1.0" encoding="utf-8"?>
+<file path=ppt/slides/slide11.xml><?xml version="1.0" encoding="utf-8"?>
 <p:sld xmlns:a="http://schemas.openxmlformats.org/drawingml/2006/main" xmlns:r="http://schemas.openxmlformats.org/officeDocument/2006/relationships" xmlns:p="http://schemas.openxmlformats.org/presentationml/2006/main">
   <p:cSld>
     <p:spTree>
@@ -9090,13 +9149,13 @@
   <p:clrMapOvr>
     <a:masterClrMapping/>
   </p:clrMapOvr>
-  <mc:AlternateContent xmlns:mc="http://schemas.openxmlformats.org/markup-compatibility/2006">
-    <mc:Choice xmlns:p159="http://schemas.microsoft.com/office/powerpoint/2015/09/main" Requires="p159">
+  <mc:AlternateContent xmlns:mc="http://schemas.openxmlformats.org/markup-compatibility/2006" xmlns:p159="http://schemas.microsoft.com/office/powerpoint/2015/09/main">
+    <mc:Choice Requires="p159">
       <p:transition xmlns:p14="http://schemas.microsoft.com/office/powerpoint/2010/main" spd="slow" p14:dur="2000">
         <p159:morph option="byObject"/>
       </p:transition>
     </mc:Choice>
-    <mc:Fallback>
+    <mc:Fallback xmlns="">
       <p:transition spd="slow">
         <p:fade/>
       </p:transition>
@@ -9105,7 +9164,7 @@
 </p:sld>
 </file>
 
-<file path=ppt/slides/slide13.xml><?xml version="1.0" encoding="utf-8"?>
+<file path=ppt/slides/slide12.xml><?xml version="1.0" encoding="utf-8"?>
 <p:sld xmlns:a="http://schemas.openxmlformats.org/drawingml/2006/main" xmlns:r="http://schemas.openxmlformats.org/officeDocument/2006/relationships" xmlns:p="http://schemas.openxmlformats.org/presentationml/2006/main">
   <p:cSld>
     <p:spTree>
@@ -9424,13 +9483,13 @@
   <p:clrMapOvr>
     <a:masterClrMapping/>
   </p:clrMapOvr>
-  <mc:AlternateContent xmlns:mc="http://schemas.openxmlformats.org/markup-compatibility/2006">
-    <mc:Choice xmlns:p159="http://schemas.microsoft.com/office/powerpoint/2015/09/main" Requires="p159">
+  <mc:AlternateContent xmlns:mc="http://schemas.openxmlformats.org/markup-compatibility/2006" xmlns:p159="http://schemas.microsoft.com/office/powerpoint/2015/09/main">
+    <mc:Choice Requires="p159">
       <p:transition xmlns:p14="http://schemas.microsoft.com/office/powerpoint/2010/main" spd="slow" p14:dur="2000">
         <p159:morph option="byObject"/>
       </p:transition>
     </mc:Choice>
-    <mc:Fallback>
+    <mc:Fallback xmlns="">
       <p:transition spd="slow">
         <p:fade/>
       </p:transition>
@@ -9563,7 +9622,7 @@
 </p:sld>
 </file>
 
-<file path=ppt/slides/slide14.xml><?xml version="1.0" encoding="utf-8"?>
+<file path=ppt/slides/slide13.xml><?xml version="1.0" encoding="utf-8"?>
 <p:sld xmlns:a="http://schemas.openxmlformats.org/drawingml/2006/main" xmlns:r="http://schemas.openxmlformats.org/officeDocument/2006/relationships" xmlns:p="http://schemas.openxmlformats.org/presentationml/2006/main">
   <p:cSld>
     <p:spTree>
@@ -9649,7 +9708,15 @@
             </a:pPr>
             <a:r>
               <a:rPr kumimoji="1" lang="en-US" altLang="ko-KR" dirty="0"/>
-              <a:t>5 Ground-Truth nodes.</a:t>
+              <a:t>5 Ground-Truth nodes. Every</a:t>
+            </a:r>
+            <a:r>
+              <a:rPr kumimoji="1" lang="ko-KR" altLang="en-US" dirty="0"/>
+              <a:t> </a:t>
+            </a:r>
+            <a:r>
+              <a:rPr kumimoji="1" lang="en-US" altLang="ko-KR" dirty="0"/>
+              <a:t>two minutes, collect a list of all active connections each peer has.</a:t>
             </a:r>
           </a:p>
           <a:p>
@@ -9849,13 +9916,13 @@
   <p:clrMapOvr>
     <a:masterClrMapping/>
   </p:clrMapOvr>
-  <mc:AlternateContent xmlns:mc="http://schemas.openxmlformats.org/markup-compatibility/2006">
-    <mc:Choice xmlns:p159="http://schemas.microsoft.com/office/powerpoint/2015/09/main" Requires="p159">
+  <mc:AlternateContent xmlns:mc="http://schemas.openxmlformats.org/markup-compatibility/2006" xmlns:p159="http://schemas.microsoft.com/office/powerpoint/2015/09/main">
+    <mc:Choice Requires="p159">
       <p:transition xmlns:p14="http://schemas.microsoft.com/office/powerpoint/2010/main" spd="slow" p14:dur="2000">
         <p159:morph option="byObject"/>
       </p:transition>
     </mc:Choice>
-    <mc:Fallback>
+    <mc:Fallback xmlns="">
       <p:transition spd="slow">
         <p:fade/>
       </p:transition>
@@ -9942,6 +10009,154 @@
 </p:sld>
 </file>
 
+<file path=ppt/slides/slide14.xml><?xml version="1.0" encoding="utf-8"?>
+<p:sld xmlns:a="http://schemas.openxmlformats.org/drawingml/2006/main" xmlns:r="http://schemas.openxmlformats.org/officeDocument/2006/relationships" xmlns:p="http://schemas.openxmlformats.org/presentationml/2006/main">
+  <p:cSld>
+    <p:spTree>
+      <p:nvGrpSpPr>
+        <p:cNvPr id="1" name=""/>
+        <p:cNvGrpSpPr/>
+        <p:nvPr/>
+      </p:nvGrpSpPr>
+      <p:grpSpPr>
+        <a:xfrm>
+          <a:off x="0" y="0"/>
+          <a:ext cx="0" cy="0"/>
+          <a:chOff x="0" y="0"/>
+          <a:chExt cx="0" cy="0"/>
+        </a:xfrm>
+      </p:grpSpPr>
+      <p:sp>
+        <p:nvSpPr>
+          <p:cNvPr id="45" name="TextBox 44">
+            <a:extLst>
+              <a:ext uri="{FF2B5EF4-FFF2-40B4-BE49-F238E27FC236}">
+                <a16:creationId xmlns:a16="http://schemas.microsoft.com/office/drawing/2014/main" id="{7CBF762C-563A-484C-8EBC-1DD1AE8A47E3}"/>
+              </a:ext>
+            </a:extLst>
+          </p:cNvPr>
+          <p:cNvSpPr txBox="1"/>
+          <p:nvPr/>
+        </p:nvSpPr>
+        <p:spPr>
+          <a:xfrm>
+            <a:off x="831273" y="565265"/>
+            <a:ext cx="10202487" cy="461665"/>
+          </a:xfrm>
+          <a:prstGeom prst="rect">
+            <a:avLst/>
+          </a:prstGeom>
+          <a:noFill/>
+        </p:spPr>
+        <p:txBody>
+          <a:bodyPr wrap="square" rtlCol="0">
+            <a:spAutoFit/>
+          </a:bodyPr>
+          <a:lstStyle/>
+          <a:p>
+            <a:r>
+              <a:rPr kumimoji="1" lang="en-US" altLang="ko-KR" sz="2400" b="1" dirty="0"/>
+              <a:t>Degree distributions from </a:t>
+            </a:r>
+            <a:r>
+              <a:rPr kumimoji="1" lang="en-US" altLang="ko-KR" sz="2400" b="1" dirty="0" err="1"/>
+              <a:t>AddressProbe</a:t>
+            </a:r>
+            <a:endParaRPr kumimoji="1" lang="ko-KR" altLang="en-US" sz="2400" b="1" dirty="0"/>
+          </a:p>
+        </p:txBody>
+      </p:sp>
+      <p:pic>
+        <p:nvPicPr>
+          <p:cNvPr id="2" name="그림 1">
+            <a:extLst>
+              <a:ext uri="{FF2B5EF4-FFF2-40B4-BE49-F238E27FC236}">
+                <a16:creationId xmlns:a16="http://schemas.microsoft.com/office/drawing/2014/main" id="{EABFBD98-C690-4324-AADE-C052F6B5DB0E}"/>
+              </a:ext>
+            </a:extLst>
+          </p:cNvPr>
+          <p:cNvPicPr>
+            <a:picLocks noChangeAspect="1"/>
+          </p:cNvPicPr>
+          <p:nvPr/>
+        </p:nvPicPr>
+        <p:blipFill>
+          <a:blip r:embed="rId3"/>
+          <a:stretch>
+            <a:fillRect/>
+          </a:stretch>
+        </p:blipFill>
+        <p:spPr>
+          <a:xfrm>
+            <a:off x="6114638" y="1367758"/>
+            <a:ext cx="5705695" cy="4754746"/>
+          </a:xfrm>
+          <a:prstGeom prst="rect">
+            <a:avLst/>
+          </a:prstGeom>
+        </p:spPr>
+      </p:pic>
+      <p:sp>
+        <p:nvSpPr>
+          <p:cNvPr id="8" name="TextBox 7">
+            <a:extLst>
+              <a:ext uri="{FF2B5EF4-FFF2-40B4-BE49-F238E27FC236}">
+                <a16:creationId xmlns:a16="http://schemas.microsoft.com/office/drawing/2014/main" id="{90DED31A-AE92-4BB1-BD23-9BD22A102008}"/>
+              </a:ext>
+            </a:extLst>
+          </p:cNvPr>
+          <p:cNvSpPr txBox="1"/>
+          <p:nvPr/>
+        </p:nvSpPr>
+        <p:spPr>
+          <a:xfrm>
+            <a:off x="735956" y="2788312"/>
+            <a:ext cx="4878617" cy="1200329"/>
+          </a:xfrm>
+          <a:prstGeom prst="rect">
+            <a:avLst/>
+          </a:prstGeom>
+          <a:noFill/>
+        </p:spPr>
+        <p:txBody>
+          <a:bodyPr wrap="square" rtlCol="0">
+            <a:spAutoFit/>
+          </a:bodyPr>
+          <a:lstStyle/>
+          <a:p>
+            <a:r>
+              <a:rPr kumimoji="1" lang="en-US" altLang="ko-KR" dirty="0"/>
+              <a:t>Figure 4 : The mean is representative. On average, the majority of nodes to which we could connect have degree in the range of 8-12.</a:t>
+            </a:r>
+            <a:endParaRPr kumimoji="1" lang="ko-KR" altLang="en-US" dirty="0"/>
+          </a:p>
+        </p:txBody>
+      </p:sp>
+    </p:spTree>
+    <p:extLst>
+      <p:ext uri="{BB962C8B-B14F-4D97-AF65-F5344CB8AC3E}">
+        <p14:creationId xmlns:p14="http://schemas.microsoft.com/office/powerpoint/2010/main" val="79929152"/>
+      </p:ext>
+    </p:extLst>
+  </p:cSld>
+  <p:clrMapOvr>
+    <a:masterClrMapping/>
+  </p:clrMapOvr>
+  <mc:AlternateContent xmlns:mc="http://schemas.openxmlformats.org/markup-compatibility/2006" xmlns:p159="http://schemas.microsoft.com/office/powerpoint/2015/09/main">
+    <mc:Choice Requires="p159">
+      <p:transition xmlns:p14="http://schemas.microsoft.com/office/powerpoint/2010/main" spd="slow" p14:dur="2000">
+        <p159:morph option="byObject"/>
+      </p:transition>
+    </mc:Choice>
+    <mc:Fallback xmlns="">
+      <p:transition spd="slow">
+        <p:fade/>
+      </p:transition>
+    </mc:Fallback>
+  </mc:AlternateContent>
+</p:sld>
+</file>
+
 <file path=ppt/slides/slide15.xml><?xml version="1.0" encoding="utf-8"?>
 <p:sld xmlns:a="http://schemas.openxmlformats.org/drawingml/2006/main" xmlns:r="http://schemas.openxmlformats.org/officeDocument/2006/relationships" xmlns:p="http://schemas.openxmlformats.org/presentationml/2006/main">
   <p:cSld>
@@ -9988,6 +10203,352 @@
           <a:lstStyle/>
           <a:p>
             <a:r>
+              <a:rPr kumimoji="1" lang="en-US" altLang="ko-KR" sz="2400" b="1" dirty="0"/>
+              <a:t>A snapshot of the Bitcoin network</a:t>
+            </a:r>
+            <a:endParaRPr kumimoji="1" lang="ko-KR" altLang="en-US" sz="2400" b="1" dirty="0"/>
+          </a:p>
+        </p:txBody>
+      </p:sp>
+      <p:sp>
+        <p:nvSpPr>
+          <p:cNvPr id="38" name="TextBox 37">
+            <a:extLst>
+              <a:ext uri="{FF2B5EF4-FFF2-40B4-BE49-F238E27FC236}">
+                <a16:creationId xmlns:a16="http://schemas.microsoft.com/office/drawing/2014/main" id="{FC309627-8635-44CB-A952-77F9F90BC418}"/>
+              </a:ext>
+            </a:extLst>
+          </p:cNvPr>
+          <p:cNvSpPr txBox="1"/>
+          <p:nvPr/>
+        </p:nvSpPr>
+        <p:spPr>
+          <a:xfrm>
+            <a:off x="735956" y="2788312"/>
+            <a:ext cx="4878617" cy="1754326"/>
+          </a:xfrm>
+          <a:prstGeom prst="rect">
+            <a:avLst/>
+          </a:prstGeom>
+          <a:noFill/>
+        </p:spPr>
+        <p:txBody>
+          <a:bodyPr wrap="square" rtlCol="0">
+            <a:spAutoFit/>
+          </a:bodyPr>
+          <a:lstStyle/>
+          <a:p>
+            <a:r>
+              <a:rPr kumimoji="1" lang="en-US" altLang="ko-KR" dirty="0"/>
+              <a:t>Figure 7 : sized proportionally to its degree.</a:t>
+            </a:r>
+          </a:p>
+          <a:p>
+            <a:pPr marL="342900" indent="-342900">
+              <a:buAutoNum type="arabicPeriod"/>
+            </a:pPr>
+            <a:r>
+              <a:rPr kumimoji="1" lang="en-US" altLang="ko-KR" dirty="0"/>
+              <a:t>A handful of nodes have far greater degree than others in the system.</a:t>
+            </a:r>
+            <a:br>
+              <a:rPr kumimoji="1" lang="en-US" altLang="ko-KR" dirty="0"/>
+            </a:br>
+            <a:endParaRPr kumimoji="1" lang="en-US" altLang="ko-KR" dirty="0"/>
+          </a:p>
+          <a:p>
+            <a:pPr marL="342900" indent="-342900">
+              <a:buAutoNum type="arabicPeriod"/>
+            </a:pPr>
+            <a:r>
+              <a:rPr kumimoji="1" lang="en-US" altLang="ko-KR" dirty="0"/>
+              <a:t>Upon visual inspection, this graph appears to be random. </a:t>
+            </a:r>
+            <a:endParaRPr kumimoji="1" lang="ko-KR" altLang="en-US" dirty="0"/>
+          </a:p>
+        </p:txBody>
+      </p:sp>
+      <p:pic>
+        <p:nvPicPr>
+          <p:cNvPr id="7" name="그림 6">
+            <a:extLst>
+              <a:ext uri="{FF2B5EF4-FFF2-40B4-BE49-F238E27FC236}">
+                <a16:creationId xmlns:a16="http://schemas.microsoft.com/office/drawing/2014/main" id="{676C4164-CE2A-41A5-BA1B-1C0EDF192BD6}"/>
+              </a:ext>
+            </a:extLst>
+          </p:cNvPr>
+          <p:cNvPicPr>
+            <a:picLocks noChangeAspect="1"/>
+          </p:cNvPicPr>
+          <p:nvPr/>
+        </p:nvPicPr>
+        <p:blipFill rotWithShape="1">
+          <a:blip r:embed="rId3"/>
+          <a:srcRect l="2791" t="1876" r="2579"/>
+          <a:stretch/>
+        </p:blipFill>
+        <p:spPr>
+          <a:xfrm>
+            <a:off x="6096000" y="784603"/>
+            <a:ext cx="5727917" cy="5957538"/>
+          </a:xfrm>
+          <a:prstGeom prst="rect">
+            <a:avLst/>
+          </a:prstGeom>
+        </p:spPr>
+      </p:pic>
+    </p:spTree>
+    <p:extLst>
+      <p:ext uri="{BB962C8B-B14F-4D97-AF65-F5344CB8AC3E}">
+        <p14:creationId xmlns:p14="http://schemas.microsoft.com/office/powerpoint/2010/main" val="3113042737"/>
+      </p:ext>
+    </p:extLst>
+  </p:cSld>
+  <p:clrMapOvr>
+    <a:masterClrMapping/>
+  </p:clrMapOvr>
+  <mc:AlternateContent xmlns:mc="http://schemas.openxmlformats.org/markup-compatibility/2006" xmlns:p159="http://schemas.microsoft.com/office/powerpoint/2015/09/main">
+    <mc:Choice Requires="p159">
+      <p:transition xmlns:p14="http://schemas.microsoft.com/office/powerpoint/2010/main" spd="slow" p14:dur="2000">
+        <p159:morph option="byObject"/>
+      </p:transition>
+    </mc:Choice>
+    <mc:Fallback xmlns="">
+      <p:transition spd="slow">
+        <p:fade/>
+      </p:transition>
+    </mc:Fallback>
+  </mc:AlternateContent>
+</p:sld>
+</file>
+
+<file path=ppt/slides/slide16.xml><?xml version="1.0" encoding="utf-8"?>
+<p:sld xmlns:a="http://schemas.openxmlformats.org/drawingml/2006/main" xmlns:r="http://schemas.openxmlformats.org/officeDocument/2006/relationships" xmlns:p="http://schemas.openxmlformats.org/presentationml/2006/main">
+  <p:cSld>
+    <p:spTree>
+      <p:nvGrpSpPr>
+        <p:cNvPr id="1" name=""/>
+        <p:cNvGrpSpPr/>
+        <p:nvPr/>
+      </p:nvGrpSpPr>
+      <p:grpSpPr>
+        <a:xfrm>
+          <a:off x="0" y="0"/>
+          <a:ext cx="0" cy="0"/>
+          <a:chOff x="0" y="0"/>
+          <a:chExt cx="0" cy="0"/>
+        </a:xfrm>
+      </p:grpSpPr>
+      <p:sp>
+        <p:nvSpPr>
+          <p:cNvPr id="45" name="TextBox 44">
+            <a:extLst>
+              <a:ext uri="{FF2B5EF4-FFF2-40B4-BE49-F238E27FC236}">
+                <a16:creationId xmlns:a16="http://schemas.microsoft.com/office/drawing/2014/main" id="{7CBF762C-563A-484C-8EBC-1DD1AE8A47E3}"/>
+              </a:ext>
+            </a:extLst>
+          </p:cNvPr>
+          <p:cNvSpPr txBox="1"/>
+          <p:nvPr/>
+        </p:nvSpPr>
+        <p:spPr>
+          <a:xfrm>
+            <a:off x="831273" y="565265"/>
+            <a:ext cx="10202487" cy="461665"/>
+          </a:xfrm>
+          <a:prstGeom prst="rect">
+            <a:avLst/>
+          </a:prstGeom>
+          <a:noFill/>
+        </p:spPr>
+        <p:txBody>
+          <a:bodyPr wrap="square" rtlCol="0">
+            <a:spAutoFit/>
+          </a:bodyPr>
+          <a:lstStyle/>
+          <a:p>
+            <a:r>
+              <a:rPr kumimoji="1" lang="en-US" altLang="ko-KR" sz="2400" b="1" dirty="0"/>
+              <a:t>Validation using Ground Truth</a:t>
+            </a:r>
+            <a:endParaRPr kumimoji="1" lang="ko-KR" altLang="en-US" sz="2400" b="1" dirty="0"/>
+          </a:p>
+        </p:txBody>
+      </p:sp>
+      <p:pic>
+        <p:nvPicPr>
+          <p:cNvPr id="3" name="그림 2">
+            <a:extLst>
+              <a:ext uri="{FF2B5EF4-FFF2-40B4-BE49-F238E27FC236}">
+                <a16:creationId xmlns:a16="http://schemas.microsoft.com/office/drawing/2014/main" id="{D5D1B276-40C9-496C-8BBE-F8CEF15A4118}"/>
+              </a:ext>
+            </a:extLst>
+          </p:cNvPr>
+          <p:cNvPicPr>
+            <a:picLocks noChangeAspect="1"/>
+          </p:cNvPicPr>
+          <p:nvPr/>
+        </p:nvPicPr>
+        <p:blipFill>
+          <a:blip r:embed="rId3"/>
+          <a:stretch>
+            <a:fillRect/>
+          </a:stretch>
+        </p:blipFill>
+        <p:spPr>
+          <a:xfrm>
+            <a:off x="1844970" y="2689363"/>
+            <a:ext cx="8680474" cy="3752604"/>
+          </a:xfrm>
+          <a:prstGeom prst="rect">
+            <a:avLst/>
+          </a:prstGeom>
+        </p:spPr>
+      </p:pic>
+      <p:sp>
+        <p:nvSpPr>
+          <p:cNvPr id="6" name="TextBox 5">
+            <a:extLst>
+              <a:ext uri="{FF2B5EF4-FFF2-40B4-BE49-F238E27FC236}">
+                <a16:creationId xmlns:a16="http://schemas.microsoft.com/office/drawing/2014/main" id="{EB1B5738-3907-458F-83F9-0B1C9658DEC5}"/>
+              </a:ext>
+            </a:extLst>
+          </p:cNvPr>
+          <p:cNvSpPr txBox="1"/>
+          <p:nvPr/>
+        </p:nvSpPr>
+        <p:spPr>
+          <a:xfrm>
+            <a:off x="1217383" y="1214054"/>
+            <a:ext cx="10730777" cy="1477328"/>
+          </a:xfrm>
+          <a:prstGeom prst="rect">
+            <a:avLst/>
+          </a:prstGeom>
+          <a:noFill/>
+        </p:spPr>
+        <p:txBody>
+          <a:bodyPr wrap="square" rtlCol="0">
+            <a:spAutoFit/>
+          </a:bodyPr>
+          <a:lstStyle/>
+          <a:p>
+            <a:pPr marL="342900" indent="-342900">
+              <a:buAutoNum type="arabicPeriod"/>
+            </a:pPr>
+            <a:r>
+              <a:rPr kumimoji="1" lang="en-US" altLang="ko-KR" dirty="0"/>
+              <a:t>Louvain community detection algorithm, this returns a set of community in the network.</a:t>
+            </a:r>
+          </a:p>
+          <a:p>
+            <a:pPr marL="342900" indent="-342900">
+              <a:buAutoNum type="arabicPeriod"/>
+            </a:pPr>
+            <a:r>
+              <a:rPr kumimoji="1" lang="en-US" altLang="ko-KR" dirty="0"/>
+              <a:t>“</a:t>
+            </a:r>
+            <a:r>
+              <a:rPr kumimoji="1" lang="en-US" altLang="ko-KR" i="1" dirty="0"/>
+              <a:t>Community </a:t>
+            </a:r>
+            <a:r>
+              <a:rPr kumimoji="1" lang="en-US" altLang="ko-KR" i="1" dirty="0" err="1"/>
+              <a:t>connetedness</a:t>
+            </a:r>
+            <a:r>
+              <a:rPr kumimoji="1" lang="en-US" altLang="ko-KR" i="1" dirty="0"/>
+              <a:t> </a:t>
+            </a:r>
+            <a:r>
+              <a:rPr kumimoji="1" lang="en-US" altLang="ko-KR" dirty="0"/>
+              <a:t>”serves as a useful metric for determining how well the graph supports fast mixing and dispersion of data. </a:t>
+            </a:r>
+          </a:p>
+          <a:p>
+            <a:pPr marL="342900" indent="-342900">
+              <a:buAutoNum type="arabicPeriod"/>
+            </a:pPr>
+            <a:r>
+              <a:rPr lang="en-US" altLang="ko-KR" dirty="0"/>
+              <a:t>Recall that they connect to a small set of DNS nodes, and slowly percolate to more distal parts of the graph as they learn of new peers.</a:t>
+            </a:r>
+            <a:endParaRPr kumimoji="1" lang="ko-KR" altLang="en-US" dirty="0"/>
+          </a:p>
+        </p:txBody>
+      </p:sp>
+    </p:spTree>
+    <p:extLst>
+      <p:ext uri="{BB962C8B-B14F-4D97-AF65-F5344CB8AC3E}">
+        <p14:creationId xmlns:p14="http://schemas.microsoft.com/office/powerpoint/2010/main" val="2478786872"/>
+      </p:ext>
+    </p:extLst>
+  </p:cSld>
+  <p:clrMapOvr>
+    <a:masterClrMapping/>
+  </p:clrMapOvr>
+  <mc:AlternateContent xmlns:mc="http://schemas.openxmlformats.org/markup-compatibility/2006" xmlns:p159="http://schemas.microsoft.com/office/powerpoint/2015/09/main">
+    <mc:Choice Requires="p159">
+      <p:transition xmlns:p14="http://schemas.microsoft.com/office/powerpoint/2010/main" spd="slow" p14:dur="2000">
+        <p159:morph option="byObject"/>
+      </p:transition>
+    </mc:Choice>
+    <mc:Fallback xmlns="">
+      <p:transition spd="slow">
+        <p:fade/>
+      </p:transition>
+    </mc:Fallback>
+  </mc:AlternateContent>
+</p:sld>
+</file>
+
+<file path=ppt/slides/slide17.xml><?xml version="1.0" encoding="utf-8"?>
+<p:sld xmlns:a="http://schemas.openxmlformats.org/drawingml/2006/main" xmlns:r="http://schemas.openxmlformats.org/officeDocument/2006/relationships" xmlns:p="http://schemas.openxmlformats.org/presentationml/2006/main">
+  <p:cSld>
+    <p:spTree>
+      <p:nvGrpSpPr>
+        <p:cNvPr id="1" name=""/>
+        <p:cNvGrpSpPr/>
+        <p:nvPr/>
+      </p:nvGrpSpPr>
+      <p:grpSpPr>
+        <a:xfrm>
+          <a:off x="0" y="0"/>
+          <a:ext cx="0" cy="0"/>
+          <a:chOff x="0" y="0"/>
+          <a:chExt cx="0" cy="0"/>
+        </a:xfrm>
+      </p:grpSpPr>
+      <p:sp>
+        <p:nvSpPr>
+          <p:cNvPr id="45" name="TextBox 44">
+            <a:extLst>
+              <a:ext uri="{FF2B5EF4-FFF2-40B4-BE49-F238E27FC236}">
+                <a16:creationId xmlns:a16="http://schemas.microsoft.com/office/drawing/2014/main" id="{7CBF762C-563A-484C-8EBC-1DD1AE8A47E3}"/>
+              </a:ext>
+            </a:extLst>
+          </p:cNvPr>
+          <p:cNvSpPr txBox="1"/>
+          <p:nvPr/>
+        </p:nvSpPr>
+        <p:spPr>
+          <a:xfrm>
+            <a:off x="831273" y="565265"/>
+            <a:ext cx="10202487" cy="461665"/>
+          </a:xfrm>
+          <a:prstGeom prst="rect">
+            <a:avLst/>
+          </a:prstGeom>
+          <a:noFill/>
+        </p:spPr>
+        <p:txBody>
+          <a:bodyPr wrap="square" rtlCol="0">
+            <a:spAutoFit/>
+          </a:bodyPr>
+          <a:lstStyle/>
+          <a:p>
+            <a:r>
               <a:rPr kumimoji="1" lang="en-US" altLang="ko-KR" sz="2400" b="1" dirty="0" err="1"/>
               <a:t>AddressProbe</a:t>
             </a:r>
@@ -10090,13 +10651,13 @@
   <p:clrMapOvr>
     <a:masterClrMapping/>
   </p:clrMapOvr>
-  <mc:AlternateContent xmlns:mc="http://schemas.openxmlformats.org/markup-compatibility/2006">
-    <mc:Choice xmlns:p159="http://schemas.microsoft.com/office/powerpoint/2015/09/main" Requires="p159">
+  <mc:AlternateContent xmlns:mc="http://schemas.openxmlformats.org/markup-compatibility/2006" xmlns:p159="http://schemas.microsoft.com/office/powerpoint/2015/09/main">
+    <mc:Choice Requires="p159">
       <p:transition xmlns:p14="http://schemas.microsoft.com/office/powerpoint/2010/main" spd="slow" p14:dur="2000">
         <p159:morph option="byObject"/>
       </p:transition>
     </mc:Choice>
-    <mc:Fallback>
+    <mc:Fallback xmlns="">
       <p:transition spd="slow">
         <p:fade/>
       </p:transition>
@@ -10105,7 +10666,7 @@
 </p:sld>
 </file>
 
-<file path=ppt/slides/slide16.xml><?xml version="1.0" encoding="utf-8"?>
+<file path=ppt/slides/slide18.xml><?xml version="1.0" encoding="utf-8"?>
 <p:sld xmlns:a="http://schemas.openxmlformats.org/drawingml/2006/main" xmlns:r="http://schemas.openxmlformats.org/officeDocument/2006/relationships" xmlns:p="http://schemas.openxmlformats.org/presentationml/2006/main">
   <p:cSld>
     <p:spTree>
@@ -10161,7 +10722,7 @@
         <p:spPr>
           <a:xfrm>
             <a:off x="831273" y="565265"/>
-            <a:ext cx="5162203" cy="369332"/>
+            <a:ext cx="5162203" cy="461665"/>
           </a:xfrm>
           <a:prstGeom prst="rect">
             <a:avLst/>
@@ -10175,13 +10736,10 @@
           <a:lstStyle/>
           <a:p>
             <a:r>
-              <a:rPr kumimoji="1" lang="en-US" altLang="ko-KR" dirty="0"/>
-              <a:t>P2P link</a:t>
-            </a:r>
-            <a:r>
-              <a:rPr kumimoji="1" lang="ko-KR" altLang="en-US" dirty="0"/>
-              <a:t> 탐색을 위한 두가지 방법</a:t>
-            </a:r>
+              <a:rPr kumimoji="1" lang="en-US" altLang="ko-KR" sz="2400" b="1" dirty="0" err="1"/>
+              <a:t>AddressProbe</a:t>
+            </a:r>
+            <a:endParaRPr kumimoji="1" lang="ko-KR" altLang="en-US" sz="2400" b="1" dirty="0"/>
           </a:p>
         </p:txBody>
       </p:sp>
@@ -10194,7 +10752,7 @@
         <p:spPr>
           <a:xfrm>
             <a:off x="1575856" y="1214054"/>
-            <a:ext cx="9788830" cy="1477328"/>
+            <a:ext cx="9788830" cy="2585323"/>
           </a:xfrm>
           <a:prstGeom prst="rect">
             <a:avLst/>
@@ -10212,15 +10770,16 @@
               <a:buChar char="-"/>
             </a:pPr>
             <a:r>
+              <a:rPr kumimoji="1" lang="en-US" altLang="ko-KR" dirty="0"/>
+              <a:t>Can find links between x and y </a:t>
+            </a:r>
+            <a:r>
               <a:rPr kumimoji="1" lang="en-US" altLang="ko-KR" dirty="0" err="1"/>
-              <a:t>AddressProbe</a:t>
-            </a:r>
-            <a:br>
-              <a:rPr kumimoji="1" lang="en-US" altLang="ko-KR" dirty="0"/>
-            </a:br>
-            <a:r>
-              <a:rPr kumimoji="1" lang="en-US" altLang="ko-KR" dirty="0"/>
-              <a:t>“a technique that discovers peer-to-peer links in Bitcoin”</a:t>
+              <a:t>iff</a:t>
+            </a:r>
+            <a:r>
+              <a:rPr kumimoji="1" lang="en-US" altLang="ko-KR" dirty="0"/>
+              <a:t>  x and y are connected, and permit incoming connections.</a:t>
             </a:r>
           </a:p>
           <a:p>
@@ -10229,15 +10788,8 @@
               <a:buChar char="-"/>
             </a:pPr>
             <a:r>
-              <a:rPr kumimoji="1" lang="en-US" altLang="ko-KR" dirty="0" err="1"/>
-              <a:t>CoinScope</a:t>
-            </a:r>
-            <a:br>
-              <a:rPr kumimoji="1" lang="en-US" altLang="ko-KR" dirty="0"/>
-            </a:br>
-            <a:r>
-              <a:rPr kumimoji="1" lang="en-US" altLang="ko-KR" dirty="0"/>
-              <a:t>“an Infrastructure to manage short, but large-scale experiments in Bitcoin.”</a:t>
+              <a:rPr kumimoji="1" lang="en-US" altLang="ko-KR" dirty="0"/>
+              <a:t>Also can find links made by non-connectable nodes (e.g., nodes that are behind a NAT)</a:t>
             </a:r>
           </a:p>
           <a:p>
@@ -10245,20 +10797,52 @@
               <a:buFontTx/>
               <a:buChar char="-"/>
             </a:pPr>
+            <a:r>
+              <a:rPr kumimoji="1" lang="en-US" altLang="ko-KR" dirty="0"/>
+              <a:t>Also identify a set of artificially high-degree nodes that attempt to connect to many peers, potentially to reduce latency in learning about and propagating new blocks and transactions.</a:t>
+            </a:r>
+          </a:p>
+          <a:p>
+            <a:pPr marL="285750" indent="-285750">
+              <a:buFontTx/>
+              <a:buChar char="-"/>
+            </a:pPr>
+            <a:r>
+              <a:rPr kumimoji="1" lang="en-US" altLang="ko-KR" dirty="0"/>
+              <a:t>&lt;Major contribution&gt; Uncovering influential nodes within the public topology</a:t>
+            </a:r>
+          </a:p>
+          <a:p>
+            <a:pPr marL="285750" indent="-285750">
+              <a:buFontTx/>
+              <a:buChar char="-"/>
+            </a:pPr>
+            <a:r>
+              <a:rPr kumimoji="1" lang="en-US" altLang="ko-KR" dirty="0"/>
+              <a:t>Find a few</a:t>
+            </a:r>
+            <a:r>
+              <a:rPr kumimoji="1" lang="ko-KR" altLang="en-US" dirty="0"/>
+              <a:t> </a:t>
+            </a:r>
+            <a:r>
+              <a:rPr kumimoji="1" lang="en-US" altLang="ko-KR" dirty="0"/>
+              <a:t>unidentified nodes that act as “front-ends” to mining pools, and it is far more important that these nodes receive a transaction or block more efficiently than others.</a:t>
+            </a:r>
             <a:endParaRPr kumimoji="1" lang="ko-KR" altLang="en-US" dirty="0"/>
           </a:p>
         </p:txBody>
       </p:sp>
       <p:sp>
         <p:nvSpPr>
-          <p:cNvPr id="7" name="TextBox 6"/>
+          <p:cNvPr id="6" name="TextBox 5"/>
           <p:cNvSpPr txBox="1"/>
           <p:nvPr/>
         </p:nvSpPr>
         <p:spPr>
           <a:xfrm>
-            <a:off x="831273" y="3042853"/>
-            <a:ext cx="5162203" cy="369332"/>
+            <a:off x="1575856" y="3860273"/>
+            <a:ext cx="9788830" cy="646331"/>
           </a:xfrm>
           <a:prstGeom prst="rect">
             <a:avLst/>
@@ -10271,83 +10855,49 @@
           </a:bodyPr>
           <a:lstStyle/>
           <a:p>
-            <a:r>
-              <a:rPr kumimoji="1" lang="ko-KR" altLang="en-US" dirty="0"/>
-              <a:t>이를 통해 밝혀 낸 것</a:t>
-            </a:r>
-          </a:p>
-        </p:txBody>
-      </p:sp>
-      <p:sp>
-        <p:nvSpPr>
-          <p:cNvPr id="8" name="TextBox 7"/>
-          <p:cNvSpPr txBox="1"/>
-          <p:nvPr/>
-        </p:nvSpPr>
-        <p:spPr>
-          <a:xfrm>
-            <a:off x="1575856" y="3763656"/>
-            <a:ext cx="9788830" cy="1477328"/>
-          </a:xfrm>
-          <a:prstGeom prst="rect">
-            <a:avLst/>
-          </a:prstGeom>
-          <a:noFill/>
-        </p:spPr>
-        <p:txBody>
-          <a:bodyPr wrap="square" rtlCol="0">
-            <a:spAutoFit/>
-          </a:bodyPr>
-          <a:lstStyle/>
-          <a:p>
-            <a:pPr marL="285750" indent="-285750">
-              <a:buFontTx/>
-              <a:buChar char="-"/>
+            <a:pPr marL="285750" marR="0" lvl="0" indent="-285750" defTabSz="914400" eaLnBrk="1" fontAlgn="auto" latinLnBrk="0" hangingPunct="1">
+              <a:lnSpc>
+                <a:spcPct val="100000"/>
+              </a:lnSpc>
+              <a:spcBef>
+                <a:spcPts val="0"/>
+              </a:spcBef>
+              <a:spcAft>
+                <a:spcPts val="0"/>
+              </a:spcAft>
+              <a:buClrTx/>
+              <a:buSzTx/>
+              <a:buFont typeface="Symbol" charset="2"/>
+              <a:buChar char="Þ"/>
+              <a:tabLst/>
+              <a:defRPr/>
             </a:pPr>
             <a:r>
               <a:rPr kumimoji="1" lang="en-US" altLang="ko-KR" dirty="0"/>
-              <a:t>Map the public topology consisting of the edges that comprise the peer-to-peer network.</a:t>
-            </a:r>
-          </a:p>
-          <a:p>
-            <a:pPr marL="285750" indent="-285750">
-              <a:buFontTx/>
-              <a:buChar char="-"/>
+              <a:t>* Bitcoin topology is not a random graph.</a:t>
+            </a:r>
+          </a:p>
+          <a:p>
+            <a:pPr marL="285750" marR="0" lvl="0" indent="-285750" defTabSz="914400" eaLnBrk="1" fontAlgn="auto" latinLnBrk="0" hangingPunct="1">
+              <a:lnSpc>
+                <a:spcPct val="100000"/>
+              </a:lnSpc>
+              <a:spcBef>
+                <a:spcPts val="0"/>
+              </a:spcBef>
+              <a:spcAft>
+                <a:spcPts val="0"/>
+              </a:spcAft>
+              <a:buClrTx/>
+              <a:buSzTx/>
+              <a:buFont typeface="Symbol" charset="2"/>
+              <a:buChar char="Þ"/>
+              <a:tabLst/>
+              <a:defRPr/>
             </a:pPr>
             <a:r>
               <a:rPr kumimoji="1" lang="en-US" altLang="ko-KR" dirty="0"/>
-              <a:t>Find “influential” nodes that appear to directly-interface with a hidden topology that consists of mining pools that are otherwise not connected to the public Bitcoin network.</a:t>
-            </a:r>
-            <a:br>
-              <a:rPr kumimoji="1" lang="en-US" altLang="ko-KR" dirty="0"/>
-            </a:br>
-            <a:r>
-              <a:rPr kumimoji="1" lang="en-US" altLang="ko-KR" dirty="0"/>
-              <a:t>(Public topology</a:t>
-            </a:r>
-            <a:r>
-              <a:rPr kumimoji="1" lang="ko-KR" altLang="en-US" dirty="0"/>
-              <a:t>위의 </a:t>
-            </a:r>
-            <a:r>
-              <a:rPr kumimoji="1" lang="en-US" altLang="ko-KR" dirty="0"/>
-              <a:t>Mining Pool</a:t>
-            </a:r>
-            <a:r>
-              <a:rPr kumimoji="1" lang="ko-KR" altLang="en-US" dirty="0"/>
-              <a:t>과 직접연결되어있는 </a:t>
-            </a:r>
-            <a:r>
-              <a:rPr kumimoji="1" lang="en-US" altLang="ko-KR" dirty="0"/>
-              <a:t>private network</a:t>
-            </a:r>
-            <a:r>
-              <a:rPr kumimoji="1" lang="ko-KR" altLang="en-US" dirty="0"/>
-              <a:t>를 찾아 내는것</a:t>
-            </a:r>
-            <a:r>
-              <a:rPr kumimoji="1" lang="en-US" altLang="ko-KR" dirty="0"/>
-              <a:t>.)</a:t>
+              <a:t>* Influential nodes that skew broadcast fairness.</a:t>
             </a:r>
             <a:endParaRPr kumimoji="1" lang="ko-KR" altLang="en-US" dirty="0"/>
           </a:p>
@@ -10356,7 +10906,7 @@
     </p:spTree>
     <p:extLst>
       <p:ext uri="{BB962C8B-B14F-4D97-AF65-F5344CB8AC3E}">
-        <p14:creationId xmlns:p14="http://schemas.microsoft.com/office/powerpoint/2010/main" val="241473069"/>
+        <p14:creationId xmlns:p14="http://schemas.microsoft.com/office/powerpoint/2010/main" val="427252475"/>
       </p:ext>
     </p:extLst>
   </p:cSld>
@@ -10385,226 +10935,6 @@
       </p:grpSpPr>
       <p:sp>
         <p:nvSpPr>
-          <p:cNvPr id="4" name="TextBox 3"/>
-          <p:cNvSpPr txBox="1"/>
-          <p:nvPr/>
-        </p:nvSpPr>
-        <p:spPr>
-          <a:xfrm>
-            <a:off x="831273" y="565265"/>
-            <a:ext cx="5162203" cy="461665"/>
-          </a:xfrm>
-          <a:prstGeom prst="rect">
-            <a:avLst/>
-          </a:prstGeom>
-          <a:noFill/>
-        </p:spPr>
-        <p:txBody>
-          <a:bodyPr wrap="square" rtlCol="0">
-            <a:spAutoFit/>
-          </a:bodyPr>
-          <a:lstStyle/>
-          <a:p>
-            <a:r>
-              <a:rPr kumimoji="1" lang="en-US" altLang="ko-KR" sz="2400" b="1" dirty="0" err="1"/>
-              <a:t>AddressProbe</a:t>
-            </a:r>
-            <a:endParaRPr kumimoji="1" lang="ko-KR" altLang="en-US" sz="2400" b="1" dirty="0"/>
-          </a:p>
-        </p:txBody>
-      </p:sp>
-      <p:sp>
-        <p:nvSpPr>
-          <p:cNvPr id="5" name="TextBox 4"/>
-          <p:cNvSpPr txBox="1"/>
-          <p:nvPr/>
-        </p:nvSpPr>
-        <p:spPr>
-          <a:xfrm>
-            <a:off x="1575856" y="1214054"/>
-            <a:ext cx="9788830" cy="2585323"/>
-          </a:xfrm>
-          <a:prstGeom prst="rect">
-            <a:avLst/>
-          </a:prstGeom>
-          <a:noFill/>
-        </p:spPr>
-        <p:txBody>
-          <a:bodyPr wrap="square" rtlCol="0">
-            <a:spAutoFit/>
-          </a:bodyPr>
-          <a:lstStyle/>
-          <a:p>
-            <a:pPr marL="285750" indent="-285750">
-              <a:buFontTx/>
-              <a:buChar char="-"/>
-            </a:pPr>
-            <a:r>
-              <a:rPr kumimoji="1" lang="en-US" altLang="ko-KR" dirty="0"/>
-              <a:t>Can find links between x and y </a:t>
-            </a:r>
-            <a:r>
-              <a:rPr kumimoji="1" lang="en-US" altLang="ko-KR" dirty="0" err="1"/>
-              <a:t>iff</a:t>
-            </a:r>
-            <a:r>
-              <a:rPr kumimoji="1" lang="en-US" altLang="ko-KR" dirty="0"/>
-              <a:t>  x and y are connected, and permit incoming connections.</a:t>
-            </a:r>
-          </a:p>
-          <a:p>
-            <a:pPr marL="285750" indent="-285750">
-              <a:buFontTx/>
-              <a:buChar char="-"/>
-            </a:pPr>
-            <a:r>
-              <a:rPr kumimoji="1" lang="en-US" altLang="ko-KR" dirty="0"/>
-              <a:t>Also can find links made by non-connectable nodes (e.g., nodes that are behind a NAT)</a:t>
-            </a:r>
-          </a:p>
-          <a:p>
-            <a:pPr marL="285750" indent="-285750">
-              <a:buFontTx/>
-              <a:buChar char="-"/>
-            </a:pPr>
-            <a:r>
-              <a:rPr kumimoji="1" lang="en-US" altLang="ko-KR" dirty="0"/>
-              <a:t>Also identify a set of artificially high-degree nodes that attempt to connect to many peers, potentially to reduce latency in learning about and propagating new blocks and transactions.</a:t>
-            </a:r>
-          </a:p>
-          <a:p>
-            <a:pPr marL="285750" indent="-285750">
-              <a:buFontTx/>
-              <a:buChar char="-"/>
-            </a:pPr>
-            <a:r>
-              <a:rPr kumimoji="1" lang="en-US" altLang="ko-KR" dirty="0"/>
-              <a:t>&lt;Major contribution&gt; Uncovering influential nodes within the public topology</a:t>
-            </a:r>
-          </a:p>
-          <a:p>
-            <a:pPr marL="285750" indent="-285750">
-              <a:buFontTx/>
-              <a:buChar char="-"/>
-            </a:pPr>
-            <a:r>
-              <a:rPr kumimoji="1" lang="en-US" altLang="ko-KR" dirty="0"/>
-              <a:t>Find a few</a:t>
-            </a:r>
-            <a:r>
-              <a:rPr kumimoji="1" lang="ko-KR" altLang="en-US" dirty="0"/>
-              <a:t> </a:t>
-            </a:r>
-            <a:r>
-              <a:rPr kumimoji="1" lang="en-US" altLang="ko-KR" dirty="0"/>
-              <a:t>unidentified nodes that act as “front-ends” to mining pools, and it is far more important that these nodes receive a transaction or block more efficiently than others.</a:t>
-            </a:r>
-            <a:endParaRPr kumimoji="1" lang="ko-KR" altLang="en-US" dirty="0"/>
-          </a:p>
-        </p:txBody>
-      </p:sp>
-      <p:sp>
-        <p:nvSpPr>
-          <p:cNvPr id="6" name="TextBox 5"/>
-          <p:cNvSpPr txBox="1"/>
-          <p:nvPr/>
-        </p:nvSpPr>
-        <p:spPr>
-          <a:xfrm>
-            <a:off x="1575856" y="3860273"/>
-            <a:ext cx="9788830" cy="646331"/>
-          </a:xfrm>
-          <a:prstGeom prst="rect">
-            <a:avLst/>
-          </a:prstGeom>
-          <a:noFill/>
-        </p:spPr>
-        <p:txBody>
-          <a:bodyPr wrap="square" rtlCol="0">
-            <a:spAutoFit/>
-          </a:bodyPr>
-          <a:lstStyle/>
-          <a:p>
-            <a:pPr marL="285750" marR="0" lvl="0" indent="-285750" defTabSz="914400" eaLnBrk="1" fontAlgn="auto" latinLnBrk="0" hangingPunct="1">
-              <a:lnSpc>
-                <a:spcPct val="100000"/>
-              </a:lnSpc>
-              <a:spcBef>
-                <a:spcPts val="0"/>
-              </a:spcBef>
-              <a:spcAft>
-                <a:spcPts val="0"/>
-              </a:spcAft>
-              <a:buClrTx/>
-              <a:buSzTx/>
-              <a:buFont typeface="Symbol" charset="2"/>
-              <a:buChar char="Þ"/>
-              <a:tabLst/>
-              <a:defRPr/>
-            </a:pPr>
-            <a:r>
-              <a:rPr kumimoji="1" lang="en-US" altLang="ko-KR" dirty="0"/>
-              <a:t>* Bitcoin topology is not a random graph.</a:t>
-            </a:r>
-          </a:p>
-          <a:p>
-            <a:pPr marL="285750" marR="0" lvl="0" indent="-285750" defTabSz="914400" eaLnBrk="1" fontAlgn="auto" latinLnBrk="0" hangingPunct="1">
-              <a:lnSpc>
-                <a:spcPct val="100000"/>
-              </a:lnSpc>
-              <a:spcBef>
-                <a:spcPts val="0"/>
-              </a:spcBef>
-              <a:spcAft>
-                <a:spcPts val="0"/>
-              </a:spcAft>
-              <a:buClrTx/>
-              <a:buSzTx/>
-              <a:buFont typeface="Symbol" charset="2"/>
-              <a:buChar char="Þ"/>
-              <a:tabLst/>
-              <a:defRPr/>
-            </a:pPr>
-            <a:r>
-              <a:rPr kumimoji="1" lang="en-US" altLang="ko-KR" dirty="0"/>
-              <a:t>* Influential nodes that skew broadcast fairness.</a:t>
-            </a:r>
-            <a:endParaRPr kumimoji="1" lang="ko-KR" altLang="en-US" dirty="0"/>
-          </a:p>
-        </p:txBody>
-      </p:sp>
-    </p:spTree>
-    <p:extLst>
-      <p:ext uri="{BB962C8B-B14F-4D97-AF65-F5344CB8AC3E}">
-        <p14:creationId xmlns:p14="http://schemas.microsoft.com/office/powerpoint/2010/main" val="427252475"/>
-      </p:ext>
-    </p:extLst>
-  </p:cSld>
-  <p:clrMapOvr>
-    <a:masterClrMapping/>
-  </p:clrMapOvr>
-</p:sld>
-</file>
-
-<file path=ppt/slides/slide4.xml><?xml version="1.0" encoding="utf-8"?>
-<p:sld xmlns:a="http://schemas.openxmlformats.org/drawingml/2006/main" xmlns:r="http://schemas.openxmlformats.org/officeDocument/2006/relationships" xmlns:p="http://schemas.openxmlformats.org/presentationml/2006/main">
-  <p:cSld>
-    <p:spTree>
-      <p:nvGrpSpPr>
-        <p:cNvPr id="1" name=""/>
-        <p:cNvGrpSpPr/>
-        <p:nvPr/>
-      </p:nvGrpSpPr>
-      <p:grpSpPr>
-        <a:xfrm>
-          <a:off x="0" y="0"/>
-          <a:ext cx="0" cy="0"/>
-          <a:chOff x="0" y="0"/>
-          <a:chExt cx="0" cy="0"/>
-        </a:xfrm>
-      </p:grpSpPr>
-      <p:sp>
-        <p:nvSpPr>
           <p:cNvPr id="5" name="TextBox 4"/>
           <p:cNvSpPr txBox="1"/>
           <p:nvPr/>
@@ -10758,7 +11088,7 @@
 </p:sld>
 </file>
 
-<file path=ppt/slides/slide5.xml><?xml version="1.0" encoding="utf-8"?>
+<file path=ppt/slides/slide4.xml><?xml version="1.0" encoding="utf-8"?>
 <p:sld xmlns:a="http://schemas.openxmlformats.org/drawingml/2006/main" xmlns:r="http://schemas.openxmlformats.org/officeDocument/2006/relationships" xmlns:p="http://schemas.openxmlformats.org/presentationml/2006/main">
   <p:cSld>
     <p:spTree>
@@ -12097,7 +12427,7 @@
 </p:sld>
 </file>
 
-<file path=ppt/slides/slide6.xml><?xml version="1.0" encoding="utf-8"?>
+<file path=ppt/slides/slide5.xml><?xml version="1.0" encoding="utf-8"?>
 <p:sld xmlns:a="http://schemas.openxmlformats.org/drawingml/2006/main" xmlns:r="http://schemas.openxmlformats.org/officeDocument/2006/relationships" xmlns:p="http://schemas.openxmlformats.org/presentationml/2006/main">
   <p:cSld>
     <p:spTree>
@@ -13167,6 +13497,275 @@
 </p:sld>
 </file>
 
+<file path=ppt/slides/slide6.xml><?xml version="1.0" encoding="utf-8"?>
+<p:sld xmlns:a="http://schemas.openxmlformats.org/drawingml/2006/main" xmlns:r="http://schemas.openxmlformats.org/officeDocument/2006/relationships" xmlns:p="http://schemas.openxmlformats.org/presentationml/2006/main">
+  <p:cSld>
+    <p:spTree>
+      <p:nvGrpSpPr>
+        <p:cNvPr id="1" name=""/>
+        <p:cNvGrpSpPr/>
+        <p:nvPr/>
+      </p:nvGrpSpPr>
+      <p:grpSpPr>
+        <a:xfrm>
+          <a:off x="0" y="0"/>
+          <a:ext cx="0" cy="0"/>
+          <a:chOff x="0" y="0"/>
+          <a:chExt cx="0" cy="0"/>
+        </a:xfrm>
+      </p:grpSpPr>
+      <p:sp>
+        <p:nvSpPr>
+          <p:cNvPr id="5" name="TextBox 4"/>
+          <p:cNvSpPr txBox="1"/>
+          <p:nvPr/>
+        </p:nvSpPr>
+        <p:spPr>
+          <a:xfrm>
+            <a:off x="1027216" y="1214054"/>
+            <a:ext cx="10326584" cy="5078313"/>
+          </a:xfrm>
+          <a:prstGeom prst="rect">
+            <a:avLst/>
+          </a:prstGeom>
+          <a:noFill/>
+        </p:spPr>
+        <p:txBody>
+          <a:bodyPr wrap="square" rtlCol="0">
+            <a:spAutoFit/>
+          </a:bodyPr>
+          <a:lstStyle/>
+          <a:p>
+            <a:pPr marL="285750" indent="-285750">
+              <a:buFontTx/>
+              <a:buChar char="-"/>
+            </a:pPr>
+            <a:r>
+              <a:rPr lang="en-US" altLang="ko-KR" dirty="0"/>
+              <a:t>However, the </a:t>
+            </a:r>
+            <a:r>
+              <a:rPr lang="en-US" altLang="ko-KR" b="1" i="1" dirty="0"/>
+              <a:t>"</a:t>
+            </a:r>
+            <a:r>
+              <a:rPr lang="en-US" altLang="ko-KR" b="1" i="1" dirty="0" err="1"/>
+              <a:t>addr</a:t>
+            </a:r>
+            <a:r>
+              <a:rPr lang="en-US" altLang="ko-KR" b="1" i="1" dirty="0"/>
+              <a:t>"</a:t>
+            </a:r>
+            <a:r>
+              <a:rPr lang="en-US" altLang="ko-KR" dirty="0"/>
+              <a:t> message may also arrive unsolicited, because nodes advertise addresses gratuitously when they:</a:t>
+            </a:r>
+            <a:br>
+              <a:rPr lang="en-US" altLang="ko-KR" dirty="0"/>
+            </a:br>
+            <a:r>
+              <a:rPr lang="en-US" altLang="ko-KR" dirty="0"/>
+              <a:t>	- Relay addresses (when</a:t>
+            </a:r>
+            <a:r>
+              <a:rPr lang="ko-KR" altLang="en-US" dirty="0"/>
+              <a:t> </a:t>
+            </a:r>
+            <a:r>
+              <a:rPr lang="en-US" altLang="ko-KR" dirty="0"/>
+              <a:t>nodes</a:t>
+            </a:r>
+            <a:r>
+              <a:rPr lang="ko-KR" altLang="en-US" dirty="0"/>
+              <a:t> </a:t>
+            </a:r>
+            <a:r>
+              <a:rPr lang="en-US" altLang="ko-KR" dirty="0"/>
+              <a:t>receive a </a:t>
+            </a:r>
+            <a:r>
+              <a:rPr lang="en-US" altLang="ko-KR" b="1" i="1" dirty="0"/>
+              <a:t>"</a:t>
+            </a:r>
+            <a:r>
+              <a:rPr lang="en-US" altLang="ko-KR" b="1" i="1" dirty="0" err="1"/>
+              <a:t>addr</a:t>
+            </a:r>
+            <a:r>
+              <a:rPr lang="en-US" altLang="ko-KR" b="1" i="1" dirty="0"/>
+              <a:t>“ </a:t>
+            </a:r>
+            <a:r>
+              <a:rPr lang="en-US" altLang="ko-KR" dirty="0"/>
+              <a:t>message with fewer than 10 entries. 	relay same </a:t>
+            </a:r>
+            <a:r>
+              <a:rPr lang="en-US" altLang="ko-KR" b="1" i="1" dirty="0"/>
+              <a:t>"</a:t>
+            </a:r>
+            <a:r>
+              <a:rPr lang="en-US" altLang="ko-KR" b="1" i="1" dirty="0" err="1"/>
+              <a:t>addr</a:t>
+            </a:r>
+            <a:r>
+              <a:rPr lang="en-US" altLang="ko-KR" b="1" i="1" dirty="0"/>
+              <a:t>"</a:t>
+            </a:r>
+            <a:r>
+              <a:rPr lang="en-US" altLang="ko-KR" dirty="0"/>
+              <a:t> without updating timestamps.</a:t>
+            </a:r>
+            <a:br>
+              <a:rPr lang="en-US" altLang="ko-KR" dirty="0"/>
+            </a:br>
+            <a:r>
+              <a:rPr lang="en-US" altLang="ko-KR" dirty="0"/>
+              <a:t>	- Advertise their own address periodically. (Every 24 hours, the node advertises its 	own address to all connected nodes.)</a:t>
+            </a:r>
+            <a:br>
+              <a:rPr lang="en-US" altLang="ko-KR" dirty="0"/>
+            </a:br>
+            <a:r>
+              <a:rPr lang="en-US" altLang="ko-KR" dirty="0"/>
+              <a:t>	- When a connection is made (in response to an initial "version" message)</a:t>
+            </a:r>
+          </a:p>
+          <a:p>
+            <a:pPr marL="285750" indent="-285750">
+              <a:buFontTx/>
+              <a:buChar char="-"/>
+            </a:pPr>
+            <a:r>
+              <a:rPr lang="en-US" altLang="ko-KR" dirty="0"/>
+              <a:t>For outgoing connections, i.e., ones that it initiates, a node updates the timestamp (corresponding to the peer IP address and port in </a:t>
+            </a:r>
+            <a:r>
+              <a:rPr lang="en-US" altLang="ko-KR" b="1" i="1" dirty="0" err="1"/>
+              <a:t>addrMan</a:t>
+            </a:r>
+            <a:r>
+              <a:rPr lang="en-US" altLang="ko-KR" dirty="0"/>
+              <a:t>) each time it receives a message from the peer.</a:t>
+            </a:r>
+          </a:p>
+          <a:p>
+            <a:pPr marL="285750" indent="-285750">
+              <a:buFontTx/>
+              <a:buChar char="-"/>
+            </a:pPr>
+            <a:r>
+              <a:rPr lang="en-US" altLang="ko-KR" dirty="0"/>
+              <a:t>For incoming connections, the timestamp is set to when the connection was created, but it is not updated as the peers exchange messages.</a:t>
+            </a:r>
+          </a:p>
+          <a:p>
+            <a:pPr marL="285750" indent="-285750">
+              <a:buFontTx/>
+              <a:buChar char="-"/>
+            </a:pPr>
+            <a:r>
+              <a:rPr lang="en-US" altLang="ko-KR" dirty="0"/>
+              <a:t>For all other (address, port) pairs that a node learns of (from ADDR messages sent by others), the node “ages” the address by adding a two hour penalty before adding the address to its </a:t>
+            </a:r>
+            <a:r>
+              <a:rPr lang="en-US" altLang="ko-KR" dirty="0" err="1"/>
+              <a:t>addrMan</a:t>
+            </a:r>
+            <a:r>
+              <a:rPr lang="en-US" altLang="ko-KR" dirty="0"/>
+              <a:t>.</a:t>
+            </a:r>
+          </a:p>
+          <a:p>
+            <a:pPr marL="285750" indent="-285750">
+              <a:buFontTx/>
+              <a:buChar char="-"/>
+            </a:pPr>
+            <a:endParaRPr lang="en-US" altLang="ko-KR" dirty="0"/>
+          </a:p>
+          <a:p>
+            <a:pPr marL="285750" indent="-285750">
+              <a:buFontTx/>
+              <a:buChar char="-"/>
+            </a:pPr>
+            <a:endParaRPr lang="en-US" altLang="ko-KR" dirty="0"/>
+          </a:p>
+          <a:p>
+            <a:pPr marL="285750" indent="-285750">
+              <a:buFontTx/>
+              <a:buChar char="-"/>
+            </a:pPr>
+            <a:endParaRPr kumimoji="1" lang="ko-KR" altLang="en-US" b="1" i="1" dirty="0"/>
+          </a:p>
+        </p:txBody>
+      </p:sp>
+      <p:sp>
+        <p:nvSpPr>
+          <p:cNvPr id="9" name="TextBox 8"/>
+          <p:cNvSpPr txBox="1"/>
+          <p:nvPr/>
+        </p:nvSpPr>
+        <p:spPr>
+          <a:xfrm>
+            <a:off x="831273" y="565265"/>
+            <a:ext cx="5162203" cy="461665"/>
+          </a:xfrm>
+          <a:prstGeom prst="rect">
+            <a:avLst/>
+          </a:prstGeom>
+          <a:noFill/>
+        </p:spPr>
+        <p:txBody>
+          <a:bodyPr wrap="square" rtlCol="0">
+            <a:spAutoFit/>
+          </a:bodyPr>
+          <a:lstStyle/>
+          <a:p>
+            <a:r>
+              <a:rPr kumimoji="1" lang="en-US" altLang="ko-KR" sz="2400" b="1" dirty="0"/>
+              <a:t>Ongoing</a:t>
+            </a:r>
+            <a:r>
+              <a:rPr kumimoji="1" lang="ko-KR" altLang="en-US" sz="2400" b="1" dirty="0"/>
+              <a:t> </a:t>
+            </a:r>
+            <a:r>
+              <a:rPr kumimoji="1" lang="en-US" altLang="ko-KR" sz="2400" b="1" dirty="0"/>
+              <a:t>“</a:t>
+            </a:r>
+            <a:r>
+              <a:rPr kumimoji="1" lang="en-US" altLang="ko-KR" sz="2400" b="1" dirty="0" err="1"/>
+              <a:t>addr</a:t>
+            </a:r>
+            <a:r>
+              <a:rPr kumimoji="1" lang="en-US" altLang="ko-KR" sz="2400" b="1" dirty="0"/>
+              <a:t>”</a:t>
+            </a:r>
+            <a:r>
+              <a:rPr kumimoji="1" lang="ko-KR" altLang="en-US" sz="2400" b="1" dirty="0"/>
+              <a:t> </a:t>
+            </a:r>
+            <a:r>
+              <a:rPr kumimoji="1" lang="en-US" altLang="ko-KR" sz="2400" b="1" dirty="0"/>
+              <a:t>advertisements</a:t>
+            </a:r>
+            <a:endParaRPr kumimoji="1" lang="ko-KR" altLang="en-US" sz="2400" b="1" dirty="0"/>
+          </a:p>
+        </p:txBody>
+      </p:sp>
+    </p:spTree>
+    <p:extLst>
+      <p:ext uri="{BB962C8B-B14F-4D97-AF65-F5344CB8AC3E}">
+        <p14:creationId xmlns:p14="http://schemas.microsoft.com/office/powerpoint/2010/main" val="4097070780"/>
+      </p:ext>
+    </p:extLst>
+  </p:cSld>
+  <p:clrMapOvr>
+    <a:masterClrMapping/>
+  </p:clrMapOvr>
+</p:sld>
+</file>
+
 <file path=ppt/slides/slide7.xml><?xml version="1.0" encoding="utf-8"?>
 <p:sld xmlns:a="http://schemas.openxmlformats.org/drawingml/2006/main" xmlns:r="http://schemas.openxmlformats.org/officeDocument/2006/relationships" xmlns:p="http://schemas.openxmlformats.org/presentationml/2006/main">
   <p:cSld>
@@ -13193,7 +13792,7 @@
         <p:spPr>
           <a:xfrm>
             <a:off x="1027216" y="1214054"/>
-            <a:ext cx="10326584" cy="5078313"/>
+            <a:ext cx="10326584" cy="3139321"/>
           </a:xfrm>
           <a:prstGeom prst="rect">
             <a:avLst/>
@@ -13212,101 +13811,6 @@
             </a:pPr>
             <a:r>
               <a:rPr lang="en-US" altLang="ko-KR" dirty="0"/>
-              <a:t>However, the </a:t>
-            </a:r>
-            <a:r>
-              <a:rPr lang="en-US" altLang="ko-KR" b="1" i="1" dirty="0"/>
-              <a:t>"</a:t>
-            </a:r>
-            <a:r>
-              <a:rPr lang="en-US" altLang="ko-KR" b="1" i="1" dirty="0" err="1"/>
-              <a:t>addr</a:t>
-            </a:r>
-            <a:r>
-              <a:rPr lang="en-US" altLang="ko-KR" b="1" i="1" dirty="0"/>
-              <a:t>"</a:t>
-            </a:r>
-            <a:r>
-              <a:rPr lang="en-US" altLang="ko-KR" dirty="0"/>
-              <a:t> message may also arrive unsolicited, because nodes advertise addresses gratuitously when they:</a:t>
-            </a:r>
-            <a:br>
-              <a:rPr lang="en-US" altLang="ko-KR" dirty="0"/>
-            </a:br>
-            <a:r>
-              <a:rPr lang="en-US" altLang="ko-KR" dirty="0"/>
-              <a:t>	- Relay addresses (when</a:t>
-            </a:r>
-            <a:r>
-              <a:rPr lang="ko-KR" altLang="en-US" dirty="0"/>
-              <a:t> </a:t>
-            </a:r>
-            <a:r>
-              <a:rPr lang="en-US" altLang="ko-KR" dirty="0"/>
-              <a:t>nodes</a:t>
-            </a:r>
-            <a:r>
-              <a:rPr lang="ko-KR" altLang="en-US" dirty="0"/>
-              <a:t> </a:t>
-            </a:r>
-            <a:r>
-              <a:rPr lang="en-US" altLang="ko-KR" dirty="0"/>
-              <a:t>receive a </a:t>
-            </a:r>
-            <a:r>
-              <a:rPr lang="en-US" altLang="ko-KR" b="1" i="1" dirty="0"/>
-              <a:t>"</a:t>
-            </a:r>
-            <a:r>
-              <a:rPr lang="en-US" altLang="ko-KR" b="1" i="1" dirty="0" err="1"/>
-              <a:t>addr</a:t>
-            </a:r>
-            <a:r>
-              <a:rPr lang="en-US" altLang="ko-KR" b="1" i="1" dirty="0"/>
-              <a:t>“ </a:t>
-            </a:r>
-            <a:r>
-              <a:rPr lang="en-US" altLang="ko-KR" dirty="0"/>
-              <a:t>message with fewer than 10 entries. 	relay same </a:t>
-            </a:r>
-            <a:r>
-              <a:rPr lang="en-US" altLang="ko-KR" b="1" i="1" dirty="0"/>
-              <a:t>"</a:t>
-            </a:r>
-            <a:r>
-              <a:rPr lang="en-US" altLang="ko-KR" b="1" i="1" dirty="0" err="1"/>
-              <a:t>addr</a:t>
-            </a:r>
-            <a:r>
-              <a:rPr lang="en-US" altLang="ko-KR" b="1" i="1" dirty="0"/>
-              <a:t>"</a:t>
-            </a:r>
-            <a:r>
-              <a:rPr lang="en-US" altLang="ko-KR" dirty="0"/>
-              <a:t> without updating timestamps.</a:t>
-            </a:r>
-            <a:br>
-              <a:rPr lang="en-US" altLang="ko-KR" dirty="0"/>
-            </a:br>
-            <a:r>
-              <a:rPr lang="en-US" altLang="ko-KR" dirty="0"/>
-              <a:t>	- Advertise their own address periodically. (Every 24 hours, the node advertises its 	own address to all connected nodes.)</a:t>
-            </a:r>
-            <a:br>
-              <a:rPr lang="en-US" altLang="ko-KR" dirty="0"/>
-            </a:br>
-            <a:r>
-              <a:rPr lang="en-US" altLang="ko-KR" dirty="0"/>
-              <a:t>	- When a connection is made (in response to an initial "version" message)</a:t>
-            </a:r>
-          </a:p>
-          <a:p>
-            <a:pPr marL="285750" indent="-285750">
-              <a:buFontTx/>
-              <a:buChar char="-"/>
-            </a:pPr>
-            <a:r>
-              <a:rPr lang="en-US" altLang="ko-KR" dirty="0"/>
               <a:t>For outgoing connections, i.e., ones that it initiates, a node updates the timestamp (corresponding to the peer IP address and port in </a:t>
             </a:r>
             <a:r>
@@ -13378,7 +13882,7 @@
         <p:spPr>
           <a:xfrm>
             <a:off x="831273" y="565265"/>
-            <a:ext cx="5162203" cy="461665"/>
+            <a:ext cx="8358447" cy="461665"/>
           </a:xfrm>
           <a:prstGeom prst="rect">
             <a:avLst/>
@@ -13393,31 +13897,7 @@
           <a:p>
             <a:r>
               <a:rPr kumimoji="1" lang="en-US" altLang="ko-KR" sz="2400" b="1" dirty="0"/>
-              <a:t>Ongoing</a:t>
-            </a:r>
-            <a:r>
-              <a:rPr kumimoji="1" lang="ko-KR" altLang="en-US" sz="2400" b="1" dirty="0"/>
-              <a:t> </a:t>
-            </a:r>
-            <a:r>
-              <a:rPr kumimoji="1" lang="en-US" altLang="ko-KR" sz="2400" b="1" dirty="0"/>
-              <a:t>“</a:t>
-            </a:r>
-            <a:r>
-              <a:rPr kumimoji="1" lang="en-US" altLang="ko-KR" sz="2400" b="1" dirty="0" err="1"/>
-              <a:t>addr</a:t>
-            </a:r>
-            <a:r>
-              <a:rPr kumimoji="1" lang="en-US" altLang="ko-KR" sz="2400" b="1" dirty="0"/>
-              <a:t>”</a:t>
-            </a:r>
-            <a:r>
-              <a:rPr kumimoji="1" lang="ko-KR" altLang="en-US" sz="2400" b="1" dirty="0"/>
-              <a:t> </a:t>
-            </a:r>
-            <a:r>
-              <a:rPr kumimoji="1" lang="en-US" altLang="ko-KR" sz="2400" b="1" dirty="0"/>
-              <a:t>advertisements</a:t>
+              <a:t>Updating the timestamp corresponding to an address</a:t>
             </a:r>
             <a:endParaRPr kumimoji="1" lang="ko-KR" altLang="en-US" sz="2400" b="1" dirty="0"/>
           </a:p>
@@ -13426,7 +13906,7 @@
     </p:spTree>
     <p:extLst>
       <p:ext uri="{BB962C8B-B14F-4D97-AF65-F5344CB8AC3E}">
-        <p14:creationId xmlns:p14="http://schemas.microsoft.com/office/powerpoint/2010/main" val="4097070780"/>
+        <p14:creationId xmlns:p14="http://schemas.microsoft.com/office/powerpoint/2010/main" val="2135318375"/>
       </p:ext>
     </p:extLst>
   </p:cSld>
@@ -13453,16 +13933,60 @@
           <a:chExt cx="0" cy="0"/>
         </a:xfrm>
       </p:grpSpPr>
-      <p:sp>
-        <p:nvSpPr>
-          <p:cNvPr id="5" name="TextBox 4"/>
+      <p:cxnSp>
+        <p:nvCxnSpPr>
+          <p:cNvPr id="34" name="직선 화살표 연결선 33"/>
+          <p:cNvCxnSpPr>
+            <a:cxnSpLocks/>
+          </p:cNvCxnSpPr>
+          <p:nvPr/>
+        </p:nvCxnSpPr>
+        <p:spPr>
+          <a:xfrm>
+            <a:off x="2137820" y="4684641"/>
+            <a:ext cx="654408" cy="0"/>
+          </a:xfrm>
+          <a:prstGeom prst="straightConnector1">
+            <a:avLst/>
+          </a:prstGeom>
+          <a:ln w="57150">
+            <a:solidFill>
+              <a:schemeClr val="tx1"/>
+            </a:solidFill>
+            <a:tailEnd type="triangle"/>
+          </a:ln>
+        </p:spPr>
+        <p:style>
+          <a:lnRef idx="1">
+            <a:schemeClr val="accent1"/>
+          </a:lnRef>
+          <a:fillRef idx="0">
+            <a:schemeClr val="accent1"/>
+          </a:fillRef>
+          <a:effectRef idx="0">
+            <a:schemeClr val="accent1"/>
+          </a:effectRef>
+          <a:fontRef idx="minor">
+            <a:schemeClr val="tx1"/>
+          </a:fontRef>
+        </p:style>
+      </p:cxnSp>
+      <p:sp>
+        <p:nvSpPr>
+          <p:cNvPr id="45" name="TextBox 44">
+            <a:extLst>
+              <a:ext uri="{FF2B5EF4-FFF2-40B4-BE49-F238E27FC236}">
+                <a16:creationId xmlns:a16="http://schemas.microsoft.com/office/drawing/2014/main" id="{7CBF762C-563A-484C-8EBC-1DD1AE8A47E3}"/>
+              </a:ext>
+            </a:extLst>
+          </p:cNvPr>
           <p:cNvSpPr txBox="1"/>
           <p:nvPr/>
         </p:nvSpPr>
         <p:spPr>
           <a:xfrm>
-            <a:off x="1027216" y="1214054"/>
-            <a:ext cx="10326584" cy="3139321"/>
+            <a:off x="831273" y="565265"/>
+            <a:ext cx="10202487" cy="461665"/>
           </a:xfrm>
           <a:prstGeom prst="rect">
             <a:avLst/>
@@ -13475,84 +13999,54 @@
           </a:bodyPr>
           <a:lstStyle/>
           <a:p>
-            <a:pPr marL="285750" indent="-285750">
-              <a:buFontTx/>
-              <a:buChar char="-"/>
-            </a:pPr>
-            <a:r>
-              <a:rPr lang="en-US" altLang="ko-KR" dirty="0"/>
-              <a:t>For outgoing connections, i.e., ones that it initiates, a node updates the timestamp (corresponding to the peer IP address and port in </a:t>
-            </a:r>
-            <a:r>
-              <a:rPr lang="en-US" altLang="ko-KR" b="1" i="1" dirty="0" err="1"/>
-              <a:t>addrMan</a:t>
-            </a:r>
-            <a:r>
-              <a:rPr lang="en-US" altLang="ko-KR" dirty="0"/>
-              <a:t>) each time it receives a message from the peer.</a:t>
-            </a:r>
-          </a:p>
-          <a:p>
-            <a:pPr marL="285750" indent="-285750">
-              <a:buFontTx/>
-              <a:buChar char="-"/>
-            </a:pPr>
-            <a:r>
-              <a:rPr lang="en-US" altLang="ko-KR" dirty="0"/>
-              <a:t>For incoming connections, the timestamp is set to when the connection was created, but it is not updated as the peers exchange messages.</a:t>
-            </a:r>
-          </a:p>
-          <a:p>
-            <a:pPr marL="285750" indent="-285750">
-              <a:buFontTx/>
-              <a:buChar char="-"/>
-            </a:pPr>
-            <a:r>
-              <a:rPr lang="en-US" altLang="ko-KR" dirty="0"/>
-              <a:t>For all other (address, port) pairs that a node learns of (from ADDR messages sent by others), the node “ages” the address by adding a two hour penalty before adding the address to its </a:t>
-            </a:r>
-            <a:r>
-              <a:rPr lang="en-US" altLang="ko-KR" dirty="0" err="1"/>
-              <a:t>addrMan</a:t>
-            </a:r>
-            <a:r>
-              <a:rPr lang="en-US" altLang="ko-KR" dirty="0"/>
-              <a:t>.</a:t>
-            </a:r>
-          </a:p>
-          <a:p>
-            <a:pPr marL="285750" indent="-285750">
-              <a:buFontTx/>
-              <a:buChar char="-"/>
-            </a:pPr>
-            <a:endParaRPr lang="en-US" altLang="ko-KR" dirty="0"/>
-          </a:p>
-          <a:p>
-            <a:pPr marL="285750" indent="-285750">
-              <a:buFontTx/>
-              <a:buChar char="-"/>
-            </a:pPr>
-            <a:endParaRPr lang="en-US" altLang="ko-KR" dirty="0"/>
-          </a:p>
-          <a:p>
-            <a:pPr marL="285750" indent="-285750">
-              <a:buFontTx/>
-              <a:buChar char="-"/>
-            </a:pPr>
-            <a:endParaRPr kumimoji="1" lang="ko-KR" altLang="en-US" b="1" i="1" dirty="0"/>
-          </a:p>
-        </p:txBody>
-      </p:sp>
-      <p:sp>
-        <p:nvSpPr>
-          <p:cNvPr id="9" name="TextBox 8"/>
+            <a:r>
+              <a:rPr kumimoji="1" lang="en-US" altLang="ko-KR" sz="2400" b="1" dirty="0"/>
+              <a:t>Ongoing</a:t>
+            </a:r>
+            <a:r>
+              <a:rPr kumimoji="1" lang="ko-KR" altLang="en-US" sz="2400" b="1" dirty="0"/>
+              <a:t> </a:t>
+            </a:r>
+            <a:r>
+              <a:rPr kumimoji="1" lang="en-US" altLang="ko-KR" sz="2400" b="1" dirty="0"/>
+              <a:t>“</a:t>
+            </a:r>
+            <a:r>
+              <a:rPr kumimoji="1" lang="en-US" altLang="ko-KR" sz="2400" b="1" dirty="0" err="1"/>
+              <a:t>addr</a:t>
+            </a:r>
+            <a:r>
+              <a:rPr kumimoji="1" lang="en-US" altLang="ko-KR" sz="2400" b="1" dirty="0"/>
+              <a:t>”</a:t>
+            </a:r>
+            <a:r>
+              <a:rPr kumimoji="1" lang="ko-KR" altLang="en-US" sz="2400" b="1" dirty="0"/>
+              <a:t> </a:t>
+            </a:r>
+            <a:r>
+              <a:rPr kumimoji="1" lang="en-US" altLang="ko-KR" sz="2400" b="1" dirty="0"/>
+              <a:t>advertisements : Relay simulation. </a:t>
+            </a:r>
+            <a:endParaRPr kumimoji="1" lang="ko-KR" altLang="en-US" sz="2400" b="1" dirty="0"/>
+          </a:p>
+        </p:txBody>
+      </p:sp>
+      <p:sp>
+        <p:nvSpPr>
+          <p:cNvPr id="47" name="TextBox 46">
+            <a:extLst>
+              <a:ext uri="{FF2B5EF4-FFF2-40B4-BE49-F238E27FC236}">
+                <a16:creationId xmlns:a16="http://schemas.microsoft.com/office/drawing/2014/main" id="{C059C7F0-63C1-4FC4-BEB8-86A1FA43D9ED}"/>
+              </a:ext>
+            </a:extLst>
+          </p:cNvPr>
           <p:cNvSpPr txBox="1"/>
           <p:nvPr/>
         </p:nvSpPr>
         <p:spPr>
           <a:xfrm>
-            <a:off x="831273" y="565265"/>
-            <a:ext cx="8358447" cy="461665"/>
+            <a:off x="1780618" y="4022711"/>
+            <a:ext cx="1358573" cy="646331"/>
           </a:xfrm>
           <a:prstGeom prst="rect">
             <a:avLst/>
@@ -13565,18 +14059,219 @@
           </a:bodyPr>
           <a:lstStyle/>
           <a:p>
-            <a:r>
-              <a:rPr kumimoji="1" lang="en-US" altLang="ko-KR" sz="2400" b="1" dirty="0"/>
-              <a:t>Updating the timestamp corresponding to an address</a:t>
-            </a:r>
-            <a:endParaRPr kumimoji="1" lang="ko-KR" altLang="en-US" sz="2400" b="1" dirty="0"/>
+            <a:pPr algn="ctr"/>
+            <a:r>
+              <a:rPr kumimoji="1" lang="en-US" altLang="ko-KR" dirty="0"/>
+              <a:t>Timestamp</a:t>
+            </a:r>
+            <a:br>
+              <a:rPr kumimoji="1" lang="en-US" altLang="ko-KR" dirty="0"/>
+            </a:br>
+            <a:r>
+              <a:rPr kumimoji="1" lang="en-US" altLang="ko-KR" dirty="0"/>
+              <a:t>t</a:t>
+            </a:r>
+            <a:endParaRPr kumimoji="1" lang="ko-KR" altLang="en-US" dirty="0"/>
+          </a:p>
+        </p:txBody>
+      </p:sp>
+      <p:sp>
+        <p:nvSpPr>
+          <p:cNvPr id="21" name="TextBox 20">
+            <a:extLst>
+              <a:ext uri="{FF2B5EF4-FFF2-40B4-BE49-F238E27FC236}">
+                <a16:creationId xmlns:a16="http://schemas.microsoft.com/office/drawing/2014/main" id="{496C7BA9-FB27-4ADD-82F6-21D9CDD0DD62}"/>
+              </a:ext>
+            </a:extLst>
+          </p:cNvPr>
+          <p:cNvSpPr txBox="1"/>
+          <p:nvPr/>
+        </p:nvSpPr>
+        <p:spPr>
+          <a:xfrm>
+            <a:off x="1217383" y="1214054"/>
+            <a:ext cx="10730777" cy="369332"/>
+          </a:xfrm>
+          <a:prstGeom prst="rect">
+            <a:avLst/>
+          </a:prstGeom>
+          <a:noFill/>
+        </p:spPr>
+        <p:txBody>
+          <a:bodyPr wrap="square" rtlCol="0">
+            <a:spAutoFit/>
+          </a:bodyPr>
+          <a:lstStyle/>
+          <a:p>
+            <a:pPr marL="342900" indent="-342900">
+              <a:buAutoNum type="arabicPeriod"/>
+            </a:pPr>
+            <a:r>
+              <a:rPr kumimoji="1" lang="en-US" altLang="ko-KR" dirty="0"/>
+              <a:t>node </a:t>
+            </a:r>
+            <a:r>
+              <a:rPr kumimoji="1" lang="en-US" altLang="ko-KR" b="1" dirty="0"/>
+              <a:t>X</a:t>
+            </a:r>
+            <a:r>
+              <a:rPr kumimoji="1" lang="en-US" altLang="ko-KR" dirty="0"/>
+              <a:t> initiates a connection to node </a:t>
+            </a:r>
+            <a:r>
+              <a:rPr kumimoji="1" lang="en-US" altLang="ko-KR" b="1" dirty="0"/>
+              <a:t>Y</a:t>
+            </a:r>
+            <a:r>
+              <a:rPr kumimoji="1" lang="en-US" altLang="ko-KR" dirty="0"/>
+              <a:t> at time </a:t>
+            </a:r>
+            <a:r>
+              <a:rPr kumimoji="1" lang="en-US" altLang="ko-KR" i="1" dirty="0"/>
+              <a:t>t</a:t>
+            </a:r>
+            <a:endParaRPr kumimoji="1" lang="ko-KR" altLang="en-US" b="1" dirty="0"/>
+          </a:p>
+        </p:txBody>
+      </p:sp>
+      <p:pic>
+        <p:nvPicPr>
+          <p:cNvPr id="22" name="그림 21">
+            <a:extLst>
+              <a:ext uri="{FF2B5EF4-FFF2-40B4-BE49-F238E27FC236}">
+                <a16:creationId xmlns:a16="http://schemas.microsoft.com/office/drawing/2014/main" id="{8F110C91-F0D6-465B-97ED-77513C0C7C0F}"/>
+              </a:ext>
+            </a:extLst>
+          </p:cNvPr>
+          <p:cNvPicPr>
+            <a:picLocks noChangeAspect="1"/>
+          </p:cNvPicPr>
+          <p:nvPr/>
+        </p:nvPicPr>
+        <p:blipFill>
+          <a:blip r:embed="rId3"/>
+          <a:stretch>
+            <a:fillRect/>
+          </a:stretch>
+        </p:blipFill>
+        <p:spPr>
+          <a:xfrm>
+            <a:off x="930840" y="4273427"/>
+            <a:ext cx="1055387" cy="1011099"/>
+          </a:xfrm>
+          <a:prstGeom prst="rect">
+            <a:avLst/>
+          </a:prstGeom>
+        </p:spPr>
+      </p:pic>
+      <p:sp>
+        <p:nvSpPr>
+          <p:cNvPr id="23" name="TextBox 22">
+            <a:extLst>
+              <a:ext uri="{FF2B5EF4-FFF2-40B4-BE49-F238E27FC236}">
+                <a16:creationId xmlns:a16="http://schemas.microsoft.com/office/drawing/2014/main" id="{97A9F542-0781-4D6D-B789-CAB90BB494CA}"/>
+              </a:ext>
+            </a:extLst>
+          </p:cNvPr>
+          <p:cNvSpPr txBox="1"/>
+          <p:nvPr/>
+        </p:nvSpPr>
+        <p:spPr>
+          <a:xfrm>
+            <a:off x="779247" y="5268672"/>
+            <a:ext cx="1358573" cy="338554"/>
+          </a:xfrm>
+          <a:prstGeom prst="rect">
+            <a:avLst/>
+          </a:prstGeom>
+          <a:noFill/>
+        </p:spPr>
+        <p:txBody>
+          <a:bodyPr wrap="square" rtlCol="0">
+            <a:spAutoFit/>
+          </a:bodyPr>
+          <a:lstStyle/>
+          <a:p>
+            <a:pPr algn="ctr"/>
+            <a:r>
+              <a:rPr kumimoji="1" lang="en-US" altLang="ko-KR" sz="1600" b="1" dirty="0"/>
+              <a:t>X</a:t>
+            </a:r>
+            <a:endParaRPr kumimoji="1" lang="ko-KR" altLang="en-US" sz="1600" b="1" dirty="0"/>
+          </a:p>
+        </p:txBody>
+      </p:sp>
+      <p:pic>
+        <p:nvPicPr>
+          <p:cNvPr id="24" name="그림 23">
+            <a:extLst>
+              <a:ext uri="{FF2B5EF4-FFF2-40B4-BE49-F238E27FC236}">
+                <a16:creationId xmlns:a16="http://schemas.microsoft.com/office/drawing/2014/main" id="{0DAFC041-6D84-4003-B606-841139D1BCAC}"/>
+              </a:ext>
+            </a:extLst>
+          </p:cNvPr>
+          <p:cNvPicPr>
+            <a:picLocks noChangeAspect="1"/>
+          </p:cNvPicPr>
+          <p:nvPr/>
+        </p:nvPicPr>
+        <p:blipFill>
+          <a:blip r:embed="rId3"/>
+          <a:stretch>
+            <a:fillRect/>
+          </a:stretch>
+        </p:blipFill>
+        <p:spPr>
+          <a:xfrm>
+            <a:off x="2933582" y="4273427"/>
+            <a:ext cx="1055387" cy="1011099"/>
+          </a:xfrm>
+          <a:prstGeom prst="rect">
+            <a:avLst/>
+          </a:prstGeom>
+        </p:spPr>
+      </p:pic>
+      <p:sp>
+        <p:nvSpPr>
+          <p:cNvPr id="26" name="TextBox 25">
+            <a:extLst>
+              <a:ext uri="{FF2B5EF4-FFF2-40B4-BE49-F238E27FC236}">
+                <a16:creationId xmlns:a16="http://schemas.microsoft.com/office/drawing/2014/main" id="{D9478B7F-3A0B-46D8-9136-8D707935C7D9}"/>
+              </a:ext>
+            </a:extLst>
+          </p:cNvPr>
+          <p:cNvSpPr txBox="1"/>
+          <p:nvPr/>
+        </p:nvSpPr>
+        <p:spPr>
+          <a:xfrm>
+            <a:off x="2781989" y="5268672"/>
+            <a:ext cx="1358573" cy="338554"/>
+          </a:xfrm>
+          <a:prstGeom prst="rect">
+            <a:avLst/>
+          </a:prstGeom>
+          <a:noFill/>
+        </p:spPr>
+        <p:txBody>
+          <a:bodyPr wrap="square" rtlCol="0">
+            <a:spAutoFit/>
+          </a:bodyPr>
+          <a:lstStyle/>
+          <a:p>
+            <a:pPr algn="ctr"/>
+            <a:r>
+              <a:rPr kumimoji="1" lang="en-US" altLang="ko-KR" sz="1600" b="1" dirty="0"/>
+              <a:t>Y</a:t>
+            </a:r>
+            <a:endParaRPr kumimoji="1" lang="ko-KR" altLang="en-US" sz="1600" b="1" dirty="0"/>
           </a:p>
         </p:txBody>
       </p:sp>
     </p:spTree>
     <p:extLst>
       <p:ext uri="{BB962C8B-B14F-4D97-AF65-F5344CB8AC3E}">
-        <p14:creationId xmlns:p14="http://schemas.microsoft.com/office/powerpoint/2010/main" val="2135318375"/>
+        <p14:creationId xmlns:p14="http://schemas.microsoft.com/office/powerpoint/2010/main" val="3327571550"/>
       </p:ext>
     </p:extLst>
   </p:cSld>
@@ -13641,6 +14336,151 @@
           </a:fontRef>
         </p:style>
       </p:cxnSp>
+      <p:cxnSp>
+        <p:nvCxnSpPr>
+          <p:cNvPr id="19" name="직선 화살표 연결선 18">
+            <a:extLst>
+              <a:ext uri="{FF2B5EF4-FFF2-40B4-BE49-F238E27FC236}">
+                <a16:creationId xmlns:a16="http://schemas.microsoft.com/office/drawing/2014/main" id="{F3783CE6-DD1C-41DA-8B5A-9FAFE6825D1F}"/>
+              </a:ext>
+            </a:extLst>
+          </p:cNvPr>
+          <p:cNvCxnSpPr>
+            <a:cxnSpLocks/>
+          </p:cNvCxnSpPr>
+          <p:nvPr/>
+        </p:nvCxnSpPr>
+        <p:spPr>
+          <a:xfrm>
+            <a:off x="4140562" y="4684641"/>
+            <a:ext cx="654408" cy="0"/>
+          </a:xfrm>
+          <a:prstGeom prst="straightConnector1">
+            <a:avLst/>
+          </a:prstGeom>
+          <a:ln w="28575">
+            <a:solidFill>
+              <a:schemeClr val="tx1"/>
+            </a:solidFill>
+            <a:prstDash val="sysDot"/>
+            <a:tailEnd type="triangle"/>
+          </a:ln>
+        </p:spPr>
+        <p:style>
+          <a:lnRef idx="1">
+            <a:schemeClr val="accent1"/>
+          </a:lnRef>
+          <a:fillRef idx="0">
+            <a:schemeClr val="accent1"/>
+          </a:fillRef>
+          <a:effectRef idx="0">
+            <a:schemeClr val="accent1"/>
+          </a:effectRef>
+          <a:fontRef idx="minor">
+            <a:schemeClr val="tx1"/>
+          </a:fontRef>
+        </p:style>
+      </p:cxnSp>
+      <p:grpSp>
+        <p:nvGrpSpPr>
+          <p:cNvPr id="29" name="그룹 28">
+            <a:extLst>
+              <a:ext uri="{FF2B5EF4-FFF2-40B4-BE49-F238E27FC236}">
+                <a16:creationId xmlns:a16="http://schemas.microsoft.com/office/drawing/2014/main" id="{85C78C85-AA49-4290-8627-22F7DD2304A9}"/>
+              </a:ext>
+            </a:extLst>
+          </p:cNvPr>
+          <p:cNvGrpSpPr/>
+          <p:nvPr/>
+        </p:nvGrpSpPr>
+        <p:grpSpPr>
+          <a:xfrm>
+            <a:off x="4784731" y="2953773"/>
+            <a:ext cx="1692269" cy="1257599"/>
+            <a:chOff x="2197229" y="2292226"/>
+            <a:chExt cx="2356029" cy="1827559"/>
+          </a:xfrm>
+        </p:grpSpPr>
+        <p:pic>
+          <p:nvPicPr>
+            <p:cNvPr id="30" name="그림 29">
+              <a:extLst>
+                <a:ext uri="{FF2B5EF4-FFF2-40B4-BE49-F238E27FC236}">
+                  <a16:creationId xmlns:a16="http://schemas.microsoft.com/office/drawing/2014/main" id="{80E5C696-6184-4932-9019-2DC37A7FF6FB}"/>
+                </a:ext>
+              </a:extLst>
+            </p:cNvPr>
+            <p:cNvPicPr>
+              <a:picLocks noChangeAspect="1"/>
+            </p:cNvPicPr>
+            <p:nvPr/>
+          </p:nvPicPr>
+          <p:blipFill>
+            <a:blip r:embed="rId3">
+              <a:duotone>
+                <a:schemeClr val="accent4">
+                  <a:shade val="45000"/>
+                  <a:satMod val="135000"/>
+                </a:schemeClr>
+                <a:prstClr val="white"/>
+              </a:duotone>
+            </a:blip>
+            <a:stretch>
+              <a:fillRect/>
+            </a:stretch>
+          </p:blipFill>
+          <p:spPr>
+            <a:xfrm>
+              <a:off x="2408282" y="2292226"/>
+              <a:ext cx="1469342" cy="1469342"/>
+            </a:xfrm>
+            <a:prstGeom prst="rect">
+              <a:avLst/>
+            </a:prstGeom>
+          </p:spPr>
+        </p:pic>
+        <p:sp>
+          <p:nvSpPr>
+            <p:cNvPr id="37" name="TextBox 36">
+              <a:extLst>
+                <a:ext uri="{FF2B5EF4-FFF2-40B4-BE49-F238E27FC236}">
+                  <a16:creationId xmlns:a16="http://schemas.microsoft.com/office/drawing/2014/main" id="{D6F5957A-4414-4928-A9F9-1F2947821252}"/>
+                </a:ext>
+              </a:extLst>
+            </p:cNvPr>
+            <p:cNvSpPr txBox="1"/>
+            <p:nvPr/>
+          </p:nvSpPr>
+          <p:spPr>
+            <a:xfrm>
+              <a:off x="2197229" y="3627794"/>
+              <a:ext cx="2356029" cy="491991"/>
+            </a:xfrm>
+            <a:prstGeom prst="rect">
+              <a:avLst/>
+            </a:prstGeom>
+            <a:noFill/>
+          </p:spPr>
+          <p:txBody>
+            <a:bodyPr wrap="square" rtlCol="0">
+              <a:spAutoFit/>
+            </a:bodyPr>
+            <a:lstStyle/>
+            <a:p>
+              <a:pPr algn="ctr"/>
+              <a:r>
+                <a:rPr kumimoji="1" lang="en-US" altLang="ko-KR" sz="1600" b="1" dirty="0"/>
+                <a:t>Y</a:t>
+              </a:r>
+              <a:r>
+                <a:rPr kumimoji="1" lang="en-US" altLang="ko-KR" sz="1600" dirty="0"/>
+                <a:t>’s neighbor #1</a:t>
+              </a:r>
+              <a:endParaRPr kumimoji="1" lang="ko-KR" altLang="en-US" sz="1600" dirty="0"/>
+            </a:p>
+          </p:txBody>
+        </p:sp>
+      </p:grpSp>
       <p:sp>
         <p:nvSpPr>
           <p:cNvPr id="45" name="TextBox 44">
@@ -13745,12 +14585,112 @@
           </a:p>
         </p:txBody>
       </p:sp>
-      <p:sp>
-        <p:nvSpPr>
-          <p:cNvPr id="21" name="TextBox 20">
+      <p:grpSp>
+        <p:nvGrpSpPr>
+          <p:cNvPr id="7" name="그룹 6">
             <a:extLst>
               <a:ext uri="{FF2B5EF4-FFF2-40B4-BE49-F238E27FC236}">
-                <a16:creationId xmlns:a16="http://schemas.microsoft.com/office/drawing/2014/main" id="{496C7BA9-FB27-4ADD-82F6-21D9CDD0DD62}"/>
+                <a16:creationId xmlns:a16="http://schemas.microsoft.com/office/drawing/2014/main" id="{C347B006-C580-4C24-A859-21FD6E1071E3}"/>
+              </a:ext>
+            </a:extLst>
+          </p:cNvPr>
+          <p:cNvGrpSpPr/>
+          <p:nvPr/>
+        </p:nvGrpSpPr>
+        <p:grpSpPr>
+          <a:xfrm>
+            <a:off x="4648200" y="4273427"/>
+            <a:ext cx="1981199" cy="1339139"/>
+            <a:chOff x="4648200" y="3816227"/>
+            <a:chExt cx="1981199" cy="1339139"/>
+          </a:xfrm>
+        </p:grpSpPr>
+        <p:pic>
+          <p:nvPicPr>
+            <p:cNvPr id="25" name="그림 24">
+              <a:extLst>
+                <a:ext uri="{FF2B5EF4-FFF2-40B4-BE49-F238E27FC236}">
+                  <a16:creationId xmlns:a16="http://schemas.microsoft.com/office/drawing/2014/main" id="{DF2E11C4-CDEC-4777-97E8-953E82192DF3}"/>
+                </a:ext>
+              </a:extLst>
+            </p:cNvPr>
+            <p:cNvPicPr>
+              <a:picLocks noChangeAspect="1"/>
+            </p:cNvPicPr>
+            <p:nvPr/>
+          </p:nvPicPr>
+          <p:blipFill>
+            <a:blip r:embed="rId3"/>
+            <a:stretch>
+              <a:fillRect/>
+            </a:stretch>
+          </p:blipFill>
+          <p:spPr>
+            <a:xfrm>
+              <a:off x="4936324" y="3816227"/>
+              <a:ext cx="1055387" cy="1011099"/>
+            </a:xfrm>
+            <a:prstGeom prst="rect">
+              <a:avLst/>
+            </a:prstGeom>
+          </p:spPr>
+        </p:pic>
+        <p:sp>
+          <p:nvSpPr>
+            <p:cNvPr id="48" name="TextBox 47">
+              <a:extLst>
+                <a:ext uri="{FF2B5EF4-FFF2-40B4-BE49-F238E27FC236}">
+                  <a16:creationId xmlns:a16="http://schemas.microsoft.com/office/drawing/2014/main" id="{5DB93E36-2D11-4F63-B0DB-E6067B4F8A91}"/>
+                </a:ext>
+              </a:extLst>
+            </p:cNvPr>
+            <p:cNvSpPr txBox="1"/>
+            <p:nvPr/>
+          </p:nvSpPr>
+          <p:spPr>
+            <a:xfrm>
+              <a:off x="4648200" y="4816812"/>
+              <a:ext cx="1981199" cy="338554"/>
+            </a:xfrm>
+            <a:prstGeom prst="rect">
+              <a:avLst/>
+            </a:prstGeom>
+            <a:noFill/>
+          </p:spPr>
+          <p:txBody>
+            <a:bodyPr wrap="square" rtlCol="0">
+              <a:spAutoFit/>
+            </a:bodyPr>
+            <a:lstStyle/>
+            <a:p>
+              <a:pPr algn="ctr"/>
+              <a:r>
+                <a:rPr kumimoji="1" lang="en-US" altLang="ko-KR" sz="1600" b="1" dirty="0"/>
+                <a:t>Y</a:t>
+              </a:r>
+              <a:r>
+                <a:rPr kumimoji="1" lang="en-US" altLang="ko-KR" sz="1600" dirty="0"/>
+                <a:t>’s neighbor #2, </a:t>
+              </a:r>
+              <a:r>
+                <a:rPr kumimoji="1" lang="en-US" altLang="ko-KR" sz="1600" b="1" dirty="0"/>
+                <a:t>N</a:t>
+              </a:r>
+              <a:r>
+                <a:rPr kumimoji="1" lang="en-US" altLang="ko-KR" sz="1600" dirty="0"/>
+                <a:t> </a:t>
+              </a:r>
+              <a:endParaRPr kumimoji="1" lang="ko-KR" altLang="en-US" sz="1600" dirty="0"/>
+            </a:p>
+          </p:txBody>
+        </p:sp>
+      </p:grpSp>
+      <p:sp>
+        <p:nvSpPr>
+          <p:cNvPr id="52" name="TextBox 51">
+            <a:extLst>
+              <a:ext uri="{FF2B5EF4-FFF2-40B4-BE49-F238E27FC236}">
+                <a16:creationId xmlns:a16="http://schemas.microsoft.com/office/drawing/2014/main" id="{9E5BCEEE-B016-4D5F-8F0A-3015C43957A3}"/>
               </a:ext>
             </a:extLst>
           </p:cNvPr>
@@ -13759,8 +14699,8 @@
         </p:nvSpPr>
         <p:spPr>
           <a:xfrm>
-            <a:off x="1217383" y="1214054"/>
-            <a:ext cx="10730777" cy="369332"/>
+            <a:off x="4784731" y="6482217"/>
+            <a:ext cx="1692269" cy="338554"/>
           </a:xfrm>
           <a:prstGeom prst="rect">
             <a:avLst/>
@@ -13773,6 +14713,85 @@
           </a:bodyPr>
           <a:lstStyle/>
           <a:p>
+            <a:pPr algn="ctr"/>
+            <a:r>
+              <a:rPr kumimoji="1" lang="en-US" altLang="ko-KR" sz="1600" b="1" dirty="0"/>
+              <a:t>Y</a:t>
+            </a:r>
+            <a:r>
+              <a:rPr kumimoji="1" lang="en-US" altLang="ko-KR" sz="1600" dirty="0"/>
+              <a:t>’s neighbor #1</a:t>
+            </a:r>
+            <a:endParaRPr kumimoji="1" lang="ko-KR" altLang="en-US" sz="1600" dirty="0"/>
+          </a:p>
+        </p:txBody>
+      </p:sp>
+      <p:pic>
+        <p:nvPicPr>
+          <p:cNvPr id="62" name="그림 61">
+            <a:extLst>
+              <a:ext uri="{FF2B5EF4-FFF2-40B4-BE49-F238E27FC236}">
+                <a16:creationId xmlns:a16="http://schemas.microsoft.com/office/drawing/2014/main" id="{6A619690-F2F7-424A-A142-920032CF18DF}"/>
+              </a:ext>
+            </a:extLst>
+          </p:cNvPr>
+          <p:cNvPicPr>
+            <a:picLocks noChangeAspect="1"/>
+          </p:cNvPicPr>
+          <p:nvPr/>
+        </p:nvPicPr>
+        <p:blipFill>
+          <a:blip r:embed="rId3">
+            <a:duotone>
+              <a:schemeClr val="accent4">
+                <a:shade val="45000"/>
+                <a:satMod val="135000"/>
+              </a:schemeClr>
+              <a:prstClr val="white"/>
+            </a:duotone>
+          </a:blip>
+          <a:stretch>
+            <a:fillRect/>
+          </a:stretch>
+        </p:blipFill>
+        <p:spPr>
+          <a:xfrm>
+            <a:off x="4936324" y="5587907"/>
+            <a:ext cx="1055387" cy="1011099"/>
+          </a:xfrm>
+          <a:prstGeom prst="rect">
+            <a:avLst/>
+          </a:prstGeom>
+        </p:spPr>
+      </p:pic>
+      <p:sp>
+        <p:nvSpPr>
+          <p:cNvPr id="64" name="TextBox 63">
+            <a:extLst>
+              <a:ext uri="{FF2B5EF4-FFF2-40B4-BE49-F238E27FC236}">
+                <a16:creationId xmlns:a16="http://schemas.microsoft.com/office/drawing/2014/main" id="{38DB8585-0BBD-44CC-BEAA-399F7327C13F}"/>
+              </a:ext>
+            </a:extLst>
+          </p:cNvPr>
+          <p:cNvSpPr txBox="1"/>
+          <p:nvPr/>
+        </p:nvSpPr>
+        <p:spPr>
+          <a:xfrm>
+            <a:off x="1217383" y="1214054"/>
+            <a:ext cx="10730777" cy="646331"/>
+          </a:xfrm>
+          <a:prstGeom prst="rect">
+            <a:avLst/>
+          </a:prstGeom>
+          <a:noFill/>
+        </p:spPr>
+        <p:txBody>
+          <a:bodyPr wrap="square" rtlCol="0">
+            <a:spAutoFit/>
+          </a:bodyPr>
+          <a:lstStyle/>
+          <a:p>
             <a:pPr marL="342900" indent="-342900">
               <a:buAutoNum type="arabicPeriod"/>
             </a:pPr>
@@ -13800,16 +14819,37 @@
               <a:rPr kumimoji="1" lang="en-US" altLang="ko-KR" i="1" dirty="0"/>
               <a:t>t</a:t>
             </a:r>
+          </a:p>
+          <a:p>
+            <a:pPr marL="342900" indent="-342900">
+              <a:buAutoNum type="arabicPeriod"/>
+            </a:pPr>
+            <a:r>
+              <a:rPr kumimoji="1" lang="en-US" altLang="ko-KR" dirty="0"/>
+              <a:t>node </a:t>
+            </a:r>
+            <a:r>
+              <a:rPr kumimoji="1" lang="en-US" altLang="ko-KR" b="1" dirty="0"/>
+              <a:t>Y </a:t>
+            </a:r>
+            <a:r>
+              <a:rPr kumimoji="1" lang="en-US" altLang="ko-KR" dirty="0"/>
+              <a:t>relays the information about the connection to neighbor </a:t>
+            </a:r>
+            <a:r>
+              <a:rPr kumimoji="1" lang="en-US" altLang="ko-KR" b="1" dirty="0"/>
+              <a:t>N</a:t>
+            </a:r>
             <a:endParaRPr kumimoji="1" lang="ko-KR" altLang="en-US" b="1" dirty="0"/>
           </a:p>
         </p:txBody>
       </p:sp>
       <p:pic>
         <p:nvPicPr>
-          <p:cNvPr id="22" name="그림 21">
+          <p:cNvPr id="69" name="그림 68">
             <a:extLst>
               <a:ext uri="{FF2B5EF4-FFF2-40B4-BE49-F238E27FC236}">
-                <a16:creationId xmlns:a16="http://schemas.microsoft.com/office/drawing/2014/main" id="{8F110C91-F0D6-465B-97ED-77513C0C7C0F}"/>
+                <a16:creationId xmlns:a16="http://schemas.microsoft.com/office/drawing/2014/main" id="{8A24910E-0C45-45B4-978F-60C3763CDDFA}"/>
               </a:ext>
             </a:extLst>
           </p:cNvPr>
@@ -13836,10 +14876,10 @@
       </p:pic>
       <p:sp>
         <p:nvSpPr>
-          <p:cNvPr id="23" name="TextBox 22">
+          <p:cNvPr id="70" name="TextBox 69">
             <a:extLst>
               <a:ext uri="{FF2B5EF4-FFF2-40B4-BE49-F238E27FC236}">
-                <a16:creationId xmlns:a16="http://schemas.microsoft.com/office/drawing/2014/main" id="{97A9F542-0781-4D6D-B789-CAB90BB494CA}"/>
+                <a16:creationId xmlns:a16="http://schemas.microsoft.com/office/drawing/2014/main" id="{1367492D-5A2A-48F5-8A8E-95CAFDFD413D}"/>
               </a:ext>
             </a:extLst>
           </p:cNvPr>
@@ -13873,10 +14913,10 @@
       </p:sp>
       <p:pic>
         <p:nvPicPr>
-          <p:cNvPr id="24" name="그림 23">
+          <p:cNvPr id="71" name="그림 70">
             <a:extLst>
               <a:ext uri="{FF2B5EF4-FFF2-40B4-BE49-F238E27FC236}">
-                <a16:creationId xmlns:a16="http://schemas.microsoft.com/office/drawing/2014/main" id="{0DAFC041-6D84-4003-B606-841139D1BCAC}"/>
+                <a16:creationId xmlns:a16="http://schemas.microsoft.com/office/drawing/2014/main" id="{C0572697-0AC0-49E1-8ADE-116C75B22B3D}"/>
               </a:ext>
             </a:extLst>
           </p:cNvPr>
@@ -13903,10 +14943,10 @@
       </p:pic>
       <p:sp>
         <p:nvSpPr>
-          <p:cNvPr id="26" name="TextBox 25">
+          <p:cNvPr id="72" name="TextBox 71">
             <a:extLst>
               <a:ext uri="{FF2B5EF4-FFF2-40B4-BE49-F238E27FC236}">
-                <a16:creationId xmlns:a16="http://schemas.microsoft.com/office/drawing/2014/main" id="{D9478B7F-3A0B-46D8-9136-8D707935C7D9}"/>
+                <a16:creationId xmlns:a16="http://schemas.microsoft.com/office/drawing/2014/main" id="{A36F62FB-2695-4642-B33E-B3F72B81E0C5}"/>
               </a:ext>
             </a:extLst>
           </p:cNvPr>
@@ -13941,7 +14981,7 @@
     </p:spTree>
     <p:extLst>
       <p:ext uri="{BB962C8B-B14F-4D97-AF65-F5344CB8AC3E}">
-        <p14:creationId xmlns:p14="http://schemas.microsoft.com/office/powerpoint/2010/main" val="3327571550"/>
+        <p14:creationId xmlns:p14="http://schemas.microsoft.com/office/powerpoint/2010/main" val="1528976469"/>
       </p:ext>
     </p:extLst>
   </p:cSld>
